--- a/Minor Project presentation.pptx
+++ b/Minor Project presentation.pptx
@@ -2,7 +2,7 @@
 <file path=ppt/presentation.xml><?xml version="1.0" encoding="utf-8"?>
 <p:presentation xmlns:a="http://schemas.openxmlformats.org/drawingml/2006/main" xmlns:r="http://schemas.openxmlformats.org/officeDocument/2006/relationships" xmlns:p="http://schemas.openxmlformats.org/presentationml/2006/main" saveSubsetFonts="1">
   <p:sldMasterIdLst>
-    <p:sldMasterId id="2147483648" r:id="rId1"/>
+    <p:sldMasterId id="2147483860" r:id="rId1"/>
   </p:sldMasterIdLst>
   <p:sldIdLst>
     <p:sldId id="256" r:id="rId2"/>
@@ -25,15 +25,15 @@
     <p:sldId id="271" r:id="rId19"/>
     <p:sldId id="270" r:id="rId20"/>
     <p:sldId id="272" r:id="rId21"/>
-    <p:sldId id="273" r:id="rId22"/>
-    <p:sldId id="275" r:id="rId23"/>
-    <p:sldId id="276" r:id="rId24"/>
-    <p:sldId id="277" r:id="rId25"/>
-    <p:sldId id="278" r:id="rId26"/>
-    <p:sldId id="280" r:id="rId27"/>
-    <p:sldId id="281" r:id="rId28"/>
-    <p:sldId id="282" r:id="rId29"/>
-    <p:sldId id="283" r:id="rId30"/>
+    <p:sldId id="301" r:id="rId22"/>
+    <p:sldId id="273" r:id="rId23"/>
+    <p:sldId id="275" r:id="rId24"/>
+    <p:sldId id="276" r:id="rId25"/>
+    <p:sldId id="277" r:id="rId26"/>
+    <p:sldId id="278" r:id="rId27"/>
+    <p:sldId id="280" r:id="rId28"/>
+    <p:sldId id="281" r:id="rId29"/>
+    <p:sldId id="282" r:id="rId30"/>
     <p:sldId id="279" r:id="rId31"/>
     <p:sldId id="284" r:id="rId32"/>
     <p:sldId id="286" r:id="rId33"/>
@@ -48,6 +48,11 @@
     <p:sldId id="295" r:id="rId42"/>
     <p:sldId id="296" r:id="rId43"/>
     <p:sldId id="297" r:id="rId44"/>
+    <p:sldId id="302" r:id="rId45"/>
+    <p:sldId id="304" r:id="rId46"/>
+    <p:sldId id="306" r:id="rId47"/>
+    <p:sldId id="303" r:id="rId48"/>
+    <p:sldId id="305" r:id="rId49"/>
   </p:sldIdLst>
   <p:sldSz cx="12192000" cy="6858000"/>
   <p:notesSz cx="6858000" cy="9144000"/>
@@ -176,7 +181,7 @@
           <p:cNvPr id="2" name="Title 1">
             <a:extLst>
               <a:ext uri="{FF2B5EF4-FFF2-40B4-BE49-F238E27FC236}">
-                <a16:creationId xmlns:a16="http://schemas.microsoft.com/office/drawing/2014/main" id="{EACEDD38-0800-45AD-9C13-9422FA6A5D92}"/>
+                <a16:creationId xmlns:a16="http://schemas.microsoft.com/office/drawing/2014/main" id="{2EA22ABB-894E-4BC2-B062-C0FF1A41B59B}"/>
               </a:ext>
             </a:extLst>
           </p:cNvPr>
@@ -214,7 +219,7 @@
           <p:cNvPr id="3" name="Subtitle 2">
             <a:extLst>
               <a:ext uri="{FF2B5EF4-FFF2-40B4-BE49-F238E27FC236}">
-                <a16:creationId xmlns:a16="http://schemas.microsoft.com/office/drawing/2014/main" id="{F42E985B-8F70-420D-933E-2CC13F1836FB}"/>
+                <a16:creationId xmlns:a16="http://schemas.microsoft.com/office/drawing/2014/main" id="{2B70815E-F3FA-4BC4-8B48-D8EF915EA3B3}"/>
               </a:ext>
             </a:extLst>
           </p:cNvPr>
@@ -285,7 +290,7 @@
           <p:cNvPr id="4" name="Date Placeholder 3">
             <a:extLst>
               <a:ext uri="{FF2B5EF4-FFF2-40B4-BE49-F238E27FC236}">
-                <a16:creationId xmlns:a16="http://schemas.microsoft.com/office/drawing/2014/main" id="{237CF57D-745C-4C80-BABD-62DF334938C2}"/>
+                <a16:creationId xmlns:a16="http://schemas.microsoft.com/office/drawing/2014/main" id="{F6942079-6D72-472B-A26A-85120C4CA97E}"/>
               </a:ext>
             </a:extLst>
           </p:cNvPr>
@@ -303,7 +308,7 @@
           <a:p>
             <a:fld id="{20FD754C-4370-4621-9D47-182DEC24FB63}" type="datetimeFigureOut">
               <a:rPr lang="en-IN" smtClean="0"/>
-              <a:t>15-07-2020</a:t>
+              <a:t>17-07-2020</a:t>
             </a:fld>
             <a:endParaRPr lang="en-IN"/>
           </a:p>
@@ -314,7 +319,7 @@
           <p:cNvPr id="5" name="Footer Placeholder 4">
             <a:extLst>
               <a:ext uri="{FF2B5EF4-FFF2-40B4-BE49-F238E27FC236}">
-                <a16:creationId xmlns:a16="http://schemas.microsoft.com/office/drawing/2014/main" id="{A8DEB8D3-CFDC-4C26-B220-40B84D7FE295}"/>
+                <a16:creationId xmlns:a16="http://schemas.microsoft.com/office/drawing/2014/main" id="{7416698A-DE8C-4CE4-955F-E39876D59EA2}"/>
               </a:ext>
             </a:extLst>
           </p:cNvPr>
@@ -339,7 +344,7 @@
           <p:cNvPr id="6" name="Slide Number Placeholder 5">
             <a:extLst>
               <a:ext uri="{FF2B5EF4-FFF2-40B4-BE49-F238E27FC236}">
-                <a16:creationId xmlns:a16="http://schemas.microsoft.com/office/drawing/2014/main" id="{18DA96A9-0CDB-44BA-9130-396B84DC4BA3}"/>
+                <a16:creationId xmlns:a16="http://schemas.microsoft.com/office/drawing/2014/main" id="{BDBD71F0-4FF5-4AF2-A6DF-6CDFD9BF0CFE}"/>
               </a:ext>
             </a:extLst>
           </p:cNvPr>
@@ -366,7 +371,7 @@
     </p:spTree>
     <p:extLst>
       <p:ext uri="{BB962C8B-B14F-4D97-AF65-F5344CB8AC3E}">
-        <p14:creationId xmlns:p14="http://schemas.microsoft.com/office/powerpoint/2010/main" val="1710190606"/>
+        <p14:creationId xmlns:p14="http://schemas.microsoft.com/office/powerpoint/2010/main" val="411122743"/>
       </p:ext>
     </p:extLst>
   </p:cSld>
@@ -398,7 +403,7 @@
           <p:cNvPr id="2" name="Title 1">
             <a:extLst>
               <a:ext uri="{FF2B5EF4-FFF2-40B4-BE49-F238E27FC236}">
-                <a16:creationId xmlns:a16="http://schemas.microsoft.com/office/drawing/2014/main" id="{D66B5487-1FCF-4D44-861B-F013A5BE3F6F}"/>
+                <a16:creationId xmlns:a16="http://schemas.microsoft.com/office/drawing/2014/main" id="{7F2EC00A-066C-4957-92EA-252F86F133E1}"/>
               </a:ext>
             </a:extLst>
           </p:cNvPr>
@@ -427,7 +432,7 @@
           <p:cNvPr id="3" name="Vertical Text Placeholder 2">
             <a:extLst>
               <a:ext uri="{FF2B5EF4-FFF2-40B4-BE49-F238E27FC236}">
-                <a16:creationId xmlns:a16="http://schemas.microsoft.com/office/drawing/2014/main" id="{991B6CDE-DA0A-4034-B843-3903480CD3F5}"/>
+                <a16:creationId xmlns:a16="http://schemas.microsoft.com/office/drawing/2014/main" id="{7E157D48-0038-4D81-86CD-4856F80F1140}"/>
               </a:ext>
             </a:extLst>
           </p:cNvPr>
@@ -485,7 +490,7 @@
           <p:cNvPr id="4" name="Date Placeholder 3">
             <a:extLst>
               <a:ext uri="{FF2B5EF4-FFF2-40B4-BE49-F238E27FC236}">
-                <a16:creationId xmlns:a16="http://schemas.microsoft.com/office/drawing/2014/main" id="{C4811FF4-4B09-4835-985C-59D27AEC0199}"/>
+                <a16:creationId xmlns:a16="http://schemas.microsoft.com/office/drawing/2014/main" id="{56AD1F2D-DE3E-48FF-976D-E1D31BD85365}"/>
               </a:ext>
             </a:extLst>
           </p:cNvPr>
@@ -503,7 +508,7 @@
           <a:p>
             <a:fld id="{20FD754C-4370-4621-9D47-182DEC24FB63}" type="datetimeFigureOut">
               <a:rPr lang="en-IN" smtClean="0"/>
-              <a:t>15-07-2020</a:t>
+              <a:t>17-07-2020</a:t>
             </a:fld>
             <a:endParaRPr lang="en-IN"/>
           </a:p>
@@ -514,7 +519,7 @@
           <p:cNvPr id="5" name="Footer Placeholder 4">
             <a:extLst>
               <a:ext uri="{FF2B5EF4-FFF2-40B4-BE49-F238E27FC236}">
-                <a16:creationId xmlns:a16="http://schemas.microsoft.com/office/drawing/2014/main" id="{FFC6A52B-7C44-4FDB-93CB-20068CE360B5}"/>
+                <a16:creationId xmlns:a16="http://schemas.microsoft.com/office/drawing/2014/main" id="{EC8D61A9-49FD-4B58-BEFA-CEFBB2FD0B4D}"/>
               </a:ext>
             </a:extLst>
           </p:cNvPr>
@@ -539,7 +544,7 @@
           <p:cNvPr id="6" name="Slide Number Placeholder 5">
             <a:extLst>
               <a:ext uri="{FF2B5EF4-FFF2-40B4-BE49-F238E27FC236}">
-                <a16:creationId xmlns:a16="http://schemas.microsoft.com/office/drawing/2014/main" id="{DF0DD965-12F8-4B9D-9719-124848C36034}"/>
+                <a16:creationId xmlns:a16="http://schemas.microsoft.com/office/drawing/2014/main" id="{F5150A16-6EC3-4512-A093-89C0CDF17657}"/>
               </a:ext>
             </a:extLst>
           </p:cNvPr>
@@ -566,7 +571,7 @@
     </p:spTree>
     <p:extLst>
       <p:ext uri="{BB962C8B-B14F-4D97-AF65-F5344CB8AC3E}">
-        <p14:creationId xmlns:p14="http://schemas.microsoft.com/office/powerpoint/2010/main" val="1369512735"/>
+        <p14:creationId xmlns:p14="http://schemas.microsoft.com/office/powerpoint/2010/main" val="1675320121"/>
       </p:ext>
     </p:extLst>
   </p:cSld>
@@ -598,7 +603,7 @@
           <p:cNvPr id="2" name="Vertical Title 1">
             <a:extLst>
               <a:ext uri="{FF2B5EF4-FFF2-40B4-BE49-F238E27FC236}">
-                <a16:creationId xmlns:a16="http://schemas.microsoft.com/office/drawing/2014/main" id="{17E3823E-0570-4192-9A7C-751E41149F8C}"/>
+                <a16:creationId xmlns:a16="http://schemas.microsoft.com/office/drawing/2014/main" id="{231AA5E1-77A8-46EF-BE4D-9C7D4B1187B4}"/>
               </a:ext>
             </a:extLst>
           </p:cNvPr>
@@ -632,7 +637,7 @@
           <p:cNvPr id="3" name="Vertical Text Placeholder 2">
             <a:extLst>
               <a:ext uri="{FF2B5EF4-FFF2-40B4-BE49-F238E27FC236}">
-                <a16:creationId xmlns:a16="http://schemas.microsoft.com/office/drawing/2014/main" id="{381C53F5-E43B-45CD-88A4-406213E060E6}"/>
+                <a16:creationId xmlns:a16="http://schemas.microsoft.com/office/drawing/2014/main" id="{E931E85A-3FF0-443C-90FC-AE8F206533B5}"/>
               </a:ext>
             </a:extLst>
           </p:cNvPr>
@@ -695,7 +700,7 @@
           <p:cNvPr id="4" name="Date Placeholder 3">
             <a:extLst>
               <a:ext uri="{FF2B5EF4-FFF2-40B4-BE49-F238E27FC236}">
-                <a16:creationId xmlns:a16="http://schemas.microsoft.com/office/drawing/2014/main" id="{76E6729A-46B9-43B7-8B24-9F5C69DE1B78}"/>
+                <a16:creationId xmlns:a16="http://schemas.microsoft.com/office/drawing/2014/main" id="{5A5B0976-E7A4-46EF-8943-D623848923F2}"/>
               </a:ext>
             </a:extLst>
           </p:cNvPr>
@@ -713,7 +718,7 @@
           <a:p>
             <a:fld id="{20FD754C-4370-4621-9D47-182DEC24FB63}" type="datetimeFigureOut">
               <a:rPr lang="en-IN" smtClean="0"/>
-              <a:t>15-07-2020</a:t>
+              <a:t>17-07-2020</a:t>
             </a:fld>
             <a:endParaRPr lang="en-IN"/>
           </a:p>
@@ -724,7 +729,7 @@
           <p:cNvPr id="5" name="Footer Placeholder 4">
             <a:extLst>
               <a:ext uri="{FF2B5EF4-FFF2-40B4-BE49-F238E27FC236}">
-                <a16:creationId xmlns:a16="http://schemas.microsoft.com/office/drawing/2014/main" id="{035B7344-3C2A-412D-8DB0-B7FB532C1DC5}"/>
+                <a16:creationId xmlns:a16="http://schemas.microsoft.com/office/drawing/2014/main" id="{D0993DBF-1F6B-471C-903E-78277AD87A84}"/>
               </a:ext>
             </a:extLst>
           </p:cNvPr>
@@ -749,7 +754,7 @@
           <p:cNvPr id="6" name="Slide Number Placeholder 5">
             <a:extLst>
               <a:ext uri="{FF2B5EF4-FFF2-40B4-BE49-F238E27FC236}">
-                <a16:creationId xmlns:a16="http://schemas.microsoft.com/office/drawing/2014/main" id="{49E3EB45-8E65-437C-AE91-E6B4142371C4}"/>
+                <a16:creationId xmlns:a16="http://schemas.microsoft.com/office/drawing/2014/main" id="{520A136F-E2E8-441C-B0F8-AE05D031FCAD}"/>
               </a:ext>
             </a:extLst>
           </p:cNvPr>
@@ -776,7 +781,7 @@
     </p:spTree>
     <p:extLst>
       <p:ext uri="{BB962C8B-B14F-4D97-AF65-F5344CB8AC3E}">
-        <p14:creationId xmlns:p14="http://schemas.microsoft.com/office/powerpoint/2010/main" val="241798308"/>
+        <p14:creationId xmlns:p14="http://schemas.microsoft.com/office/powerpoint/2010/main" val="885588996"/>
       </p:ext>
     </p:extLst>
   </p:cSld>
@@ -808,7 +813,7 @@
           <p:cNvPr id="2" name="Title 1">
             <a:extLst>
               <a:ext uri="{FF2B5EF4-FFF2-40B4-BE49-F238E27FC236}">
-                <a16:creationId xmlns:a16="http://schemas.microsoft.com/office/drawing/2014/main" id="{30B753B8-D69E-4961-8050-7D0DE04EDFA1}"/>
+                <a16:creationId xmlns:a16="http://schemas.microsoft.com/office/drawing/2014/main" id="{72054069-A83B-4827-AE9D-1CFC4AB4B17C}"/>
               </a:ext>
             </a:extLst>
           </p:cNvPr>
@@ -837,7 +842,7 @@
           <p:cNvPr id="3" name="Content Placeholder 2">
             <a:extLst>
               <a:ext uri="{FF2B5EF4-FFF2-40B4-BE49-F238E27FC236}">
-                <a16:creationId xmlns:a16="http://schemas.microsoft.com/office/drawing/2014/main" id="{D6DAD389-EF25-4370-9B85-3ED9280CEEF4}"/>
+                <a16:creationId xmlns:a16="http://schemas.microsoft.com/office/drawing/2014/main" id="{8F6E8E55-CB55-4C4E-A5DB-02543887324C}"/>
               </a:ext>
             </a:extLst>
           </p:cNvPr>
@@ -895,7 +900,7 @@
           <p:cNvPr id="4" name="Date Placeholder 3">
             <a:extLst>
               <a:ext uri="{FF2B5EF4-FFF2-40B4-BE49-F238E27FC236}">
-                <a16:creationId xmlns:a16="http://schemas.microsoft.com/office/drawing/2014/main" id="{29FC0143-95BC-4514-BB3D-BCF61E551D4A}"/>
+                <a16:creationId xmlns:a16="http://schemas.microsoft.com/office/drawing/2014/main" id="{CB9AF03E-DA98-4762-9C43-FA164C1606CD}"/>
               </a:ext>
             </a:extLst>
           </p:cNvPr>
@@ -913,7 +918,7 @@
           <a:p>
             <a:fld id="{20FD754C-4370-4621-9D47-182DEC24FB63}" type="datetimeFigureOut">
               <a:rPr lang="en-IN" smtClean="0"/>
-              <a:t>15-07-2020</a:t>
+              <a:t>17-07-2020</a:t>
             </a:fld>
             <a:endParaRPr lang="en-IN"/>
           </a:p>
@@ -924,7 +929,7 @@
           <p:cNvPr id="5" name="Footer Placeholder 4">
             <a:extLst>
               <a:ext uri="{FF2B5EF4-FFF2-40B4-BE49-F238E27FC236}">
-                <a16:creationId xmlns:a16="http://schemas.microsoft.com/office/drawing/2014/main" id="{4BDD8EAF-63B6-41D0-872F-8347959B6EB5}"/>
+                <a16:creationId xmlns:a16="http://schemas.microsoft.com/office/drawing/2014/main" id="{63291C74-12CB-400E-A293-9B53B4BD8FA2}"/>
               </a:ext>
             </a:extLst>
           </p:cNvPr>
@@ -949,7 +954,7 @@
           <p:cNvPr id="6" name="Slide Number Placeholder 5">
             <a:extLst>
               <a:ext uri="{FF2B5EF4-FFF2-40B4-BE49-F238E27FC236}">
-                <a16:creationId xmlns:a16="http://schemas.microsoft.com/office/drawing/2014/main" id="{1F7CCC59-4555-4A99-B6B2-BB2ED7A349D3}"/>
+                <a16:creationId xmlns:a16="http://schemas.microsoft.com/office/drawing/2014/main" id="{AE70B27D-6F6F-4260-9ABD-735AF5B9FE34}"/>
               </a:ext>
             </a:extLst>
           </p:cNvPr>
@@ -976,7 +981,7 @@
     </p:spTree>
     <p:extLst>
       <p:ext uri="{BB962C8B-B14F-4D97-AF65-F5344CB8AC3E}">
-        <p14:creationId xmlns:p14="http://schemas.microsoft.com/office/powerpoint/2010/main" val="3114343749"/>
+        <p14:creationId xmlns:p14="http://schemas.microsoft.com/office/powerpoint/2010/main" val="627299996"/>
       </p:ext>
     </p:extLst>
   </p:cSld>
@@ -1008,7 +1013,7 @@
           <p:cNvPr id="2" name="Title 1">
             <a:extLst>
               <a:ext uri="{FF2B5EF4-FFF2-40B4-BE49-F238E27FC236}">
-                <a16:creationId xmlns:a16="http://schemas.microsoft.com/office/drawing/2014/main" id="{3F27F02F-B4FB-4806-836F-5B15EEB1D905}"/>
+                <a16:creationId xmlns:a16="http://schemas.microsoft.com/office/drawing/2014/main" id="{38673251-E6A7-4EEE-B832-7F6EAF6185D7}"/>
               </a:ext>
             </a:extLst>
           </p:cNvPr>
@@ -1046,7 +1051,7 @@
           <p:cNvPr id="3" name="Text Placeholder 2">
             <a:extLst>
               <a:ext uri="{FF2B5EF4-FFF2-40B4-BE49-F238E27FC236}">
-                <a16:creationId xmlns:a16="http://schemas.microsoft.com/office/drawing/2014/main" id="{1D86165A-BCB8-4A0F-9C3F-16A9387866FE}"/>
+                <a16:creationId xmlns:a16="http://schemas.microsoft.com/office/drawing/2014/main" id="{4FBF9FE9-9FB8-4A95-B145-5A3BC1C5260A}"/>
               </a:ext>
             </a:extLst>
           </p:cNvPr>
@@ -1171,7 +1176,7 @@
           <p:cNvPr id="4" name="Date Placeholder 3">
             <a:extLst>
               <a:ext uri="{FF2B5EF4-FFF2-40B4-BE49-F238E27FC236}">
-                <a16:creationId xmlns:a16="http://schemas.microsoft.com/office/drawing/2014/main" id="{D9793837-C1B6-4D5E-A875-1FBC8B8DBD6B}"/>
+                <a16:creationId xmlns:a16="http://schemas.microsoft.com/office/drawing/2014/main" id="{FCDBEE36-D33E-447D-A56B-FB89159CAEF3}"/>
               </a:ext>
             </a:extLst>
           </p:cNvPr>
@@ -1189,7 +1194,7 @@
           <a:p>
             <a:fld id="{20FD754C-4370-4621-9D47-182DEC24FB63}" type="datetimeFigureOut">
               <a:rPr lang="en-IN" smtClean="0"/>
-              <a:t>15-07-2020</a:t>
+              <a:t>17-07-2020</a:t>
             </a:fld>
             <a:endParaRPr lang="en-IN"/>
           </a:p>
@@ -1200,7 +1205,7 @@
           <p:cNvPr id="5" name="Footer Placeholder 4">
             <a:extLst>
               <a:ext uri="{FF2B5EF4-FFF2-40B4-BE49-F238E27FC236}">
-                <a16:creationId xmlns:a16="http://schemas.microsoft.com/office/drawing/2014/main" id="{1993B69C-7E9D-42F0-ADDC-13380EE505BB}"/>
+                <a16:creationId xmlns:a16="http://schemas.microsoft.com/office/drawing/2014/main" id="{D32FFB43-104D-4928-9AFB-5BA913D63CBE}"/>
               </a:ext>
             </a:extLst>
           </p:cNvPr>
@@ -1225,7 +1230,7 @@
           <p:cNvPr id="6" name="Slide Number Placeholder 5">
             <a:extLst>
               <a:ext uri="{FF2B5EF4-FFF2-40B4-BE49-F238E27FC236}">
-                <a16:creationId xmlns:a16="http://schemas.microsoft.com/office/drawing/2014/main" id="{DC1FCF30-C925-41BF-A70A-FE176F619862}"/>
+                <a16:creationId xmlns:a16="http://schemas.microsoft.com/office/drawing/2014/main" id="{FE4F5856-DE3A-4E2B-A54C-111A4B506303}"/>
               </a:ext>
             </a:extLst>
           </p:cNvPr>
@@ -1252,7 +1257,7 @@
     </p:spTree>
     <p:extLst>
       <p:ext uri="{BB962C8B-B14F-4D97-AF65-F5344CB8AC3E}">
-        <p14:creationId xmlns:p14="http://schemas.microsoft.com/office/powerpoint/2010/main" val="1267211952"/>
+        <p14:creationId xmlns:p14="http://schemas.microsoft.com/office/powerpoint/2010/main" val="2304088479"/>
       </p:ext>
     </p:extLst>
   </p:cSld>
@@ -1284,7 +1289,7 @@
           <p:cNvPr id="2" name="Title 1">
             <a:extLst>
               <a:ext uri="{FF2B5EF4-FFF2-40B4-BE49-F238E27FC236}">
-                <a16:creationId xmlns:a16="http://schemas.microsoft.com/office/drawing/2014/main" id="{89B8BEEF-A7EA-4774-99DA-1C1797512925}"/>
+                <a16:creationId xmlns:a16="http://schemas.microsoft.com/office/drawing/2014/main" id="{5D6E753D-E45C-415F-852C-A78CE2DE2DBB}"/>
               </a:ext>
             </a:extLst>
           </p:cNvPr>
@@ -1313,7 +1318,7 @@
           <p:cNvPr id="3" name="Content Placeholder 2">
             <a:extLst>
               <a:ext uri="{FF2B5EF4-FFF2-40B4-BE49-F238E27FC236}">
-                <a16:creationId xmlns:a16="http://schemas.microsoft.com/office/drawing/2014/main" id="{AA86C988-0C2B-40F7-AF52-9A948F3EEEEA}"/>
+                <a16:creationId xmlns:a16="http://schemas.microsoft.com/office/drawing/2014/main" id="{243A8489-4CDD-43DE-BBE5-68AB6B95080D}"/>
               </a:ext>
             </a:extLst>
           </p:cNvPr>
@@ -1376,7 +1381,7 @@
           <p:cNvPr id="4" name="Content Placeholder 3">
             <a:extLst>
               <a:ext uri="{FF2B5EF4-FFF2-40B4-BE49-F238E27FC236}">
-                <a16:creationId xmlns:a16="http://schemas.microsoft.com/office/drawing/2014/main" id="{7C3A8C80-7681-4160-9756-010ADBE9E974}"/>
+                <a16:creationId xmlns:a16="http://schemas.microsoft.com/office/drawing/2014/main" id="{2D512EF9-CA3C-4F67-9DB1-1E1E8CE41356}"/>
               </a:ext>
             </a:extLst>
           </p:cNvPr>
@@ -1439,7 +1444,7 @@
           <p:cNvPr id="5" name="Date Placeholder 4">
             <a:extLst>
               <a:ext uri="{FF2B5EF4-FFF2-40B4-BE49-F238E27FC236}">
-                <a16:creationId xmlns:a16="http://schemas.microsoft.com/office/drawing/2014/main" id="{1D5F3EBC-1B5F-416E-8B95-D8F4912C82B7}"/>
+                <a16:creationId xmlns:a16="http://schemas.microsoft.com/office/drawing/2014/main" id="{ECBD19C9-A1C8-47EF-8861-A086DA7783C2}"/>
               </a:ext>
             </a:extLst>
           </p:cNvPr>
@@ -1457,7 +1462,7 @@
           <a:p>
             <a:fld id="{20FD754C-4370-4621-9D47-182DEC24FB63}" type="datetimeFigureOut">
               <a:rPr lang="en-IN" smtClean="0"/>
-              <a:t>15-07-2020</a:t>
+              <a:t>17-07-2020</a:t>
             </a:fld>
             <a:endParaRPr lang="en-IN"/>
           </a:p>
@@ -1468,7 +1473,7 @@
           <p:cNvPr id="6" name="Footer Placeholder 5">
             <a:extLst>
               <a:ext uri="{FF2B5EF4-FFF2-40B4-BE49-F238E27FC236}">
-                <a16:creationId xmlns:a16="http://schemas.microsoft.com/office/drawing/2014/main" id="{AEE673C9-F06E-4F1A-A1E8-7213EE3281BD}"/>
+                <a16:creationId xmlns:a16="http://schemas.microsoft.com/office/drawing/2014/main" id="{CA413ACC-94A9-483B-97D1-D1A9904EF860}"/>
               </a:ext>
             </a:extLst>
           </p:cNvPr>
@@ -1493,7 +1498,7 @@
           <p:cNvPr id="7" name="Slide Number Placeholder 6">
             <a:extLst>
               <a:ext uri="{FF2B5EF4-FFF2-40B4-BE49-F238E27FC236}">
-                <a16:creationId xmlns:a16="http://schemas.microsoft.com/office/drawing/2014/main" id="{48412479-C6F0-4A29-943D-4A94E6644089}"/>
+                <a16:creationId xmlns:a16="http://schemas.microsoft.com/office/drawing/2014/main" id="{DEF465E6-6774-4B44-8B19-A02F7242E80E}"/>
               </a:ext>
             </a:extLst>
           </p:cNvPr>
@@ -1520,7 +1525,7 @@
     </p:spTree>
     <p:extLst>
       <p:ext uri="{BB962C8B-B14F-4D97-AF65-F5344CB8AC3E}">
-        <p14:creationId xmlns:p14="http://schemas.microsoft.com/office/powerpoint/2010/main" val="321050908"/>
+        <p14:creationId xmlns:p14="http://schemas.microsoft.com/office/powerpoint/2010/main" val="1078762234"/>
       </p:ext>
     </p:extLst>
   </p:cSld>
@@ -1552,7 +1557,7 @@
           <p:cNvPr id="2" name="Title 1">
             <a:extLst>
               <a:ext uri="{FF2B5EF4-FFF2-40B4-BE49-F238E27FC236}">
-                <a16:creationId xmlns:a16="http://schemas.microsoft.com/office/drawing/2014/main" id="{BACC74DF-48A3-4522-8D31-B1632D289580}"/>
+                <a16:creationId xmlns:a16="http://schemas.microsoft.com/office/drawing/2014/main" id="{AC3831CC-D25D-4575-9857-C05C3C1102F8}"/>
               </a:ext>
             </a:extLst>
           </p:cNvPr>
@@ -1586,7 +1591,7 @@
           <p:cNvPr id="3" name="Text Placeholder 2">
             <a:extLst>
               <a:ext uri="{FF2B5EF4-FFF2-40B4-BE49-F238E27FC236}">
-                <a16:creationId xmlns:a16="http://schemas.microsoft.com/office/drawing/2014/main" id="{0DD09BD6-55BA-41F8-AF04-43B4A6B6B78C}"/>
+                <a16:creationId xmlns:a16="http://schemas.microsoft.com/office/drawing/2014/main" id="{256483C9-8B98-4181-91A4-A3EE53E016B4}"/>
               </a:ext>
             </a:extLst>
           </p:cNvPr>
@@ -1657,7 +1662,7 @@
           <p:cNvPr id="4" name="Content Placeholder 3">
             <a:extLst>
               <a:ext uri="{FF2B5EF4-FFF2-40B4-BE49-F238E27FC236}">
-                <a16:creationId xmlns:a16="http://schemas.microsoft.com/office/drawing/2014/main" id="{CE9E5BB6-41F3-4C33-B107-9EF135B1F768}"/>
+                <a16:creationId xmlns:a16="http://schemas.microsoft.com/office/drawing/2014/main" id="{20850444-D252-4851-9810-9B67D00F8A30}"/>
               </a:ext>
             </a:extLst>
           </p:cNvPr>
@@ -1720,7 +1725,7 @@
           <p:cNvPr id="5" name="Text Placeholder 4">
             <a:extLst>
               <a:ext uri="{FF2B5EF4-FFF2-40B4-BE49-F238E27FC236}">
-                <a16:creationId xmlns:a16="http://schemas.microsoft.com/office/drawing/2014/main" id="{94FD762E-3422-4039-8002-6F7C27B58121}"/>
+                <a16:creationId xmlns:a16="http://schemas.microsoft.com/office/drawing/2014/main" id="{5BFE29B1-2F36-440A-96C0-136D64C7641E}"/>
               </a:ext>
             </a:extLst>
           </p:cNvPr>
@@ -1791,7 +1796,7 @@
           <p:cNvPr id="6" name="Content Placeholder 5">
             <a:extLst>
               <a:ext uri="{FF2B5EF4-FFF2-40B4-BE49-F238E27FC236}">
-                <a16:creationId xmlns:a16="http://schemas.microsoft.com/office/drawing/2014/main" id="{F19F1F0B-D481-4425-9851-4D31B50231BB}"/>
+                <a16:creationId xmlns:a16="http://schemas.microsoft.com/office/drawing/2014/main" id="{7E200053-42E4-4728-9AC1-73E917DA2ECC}"/>
               </a:ext>
             </a:extLst>
           </p:cNvPr>
@@ -1854,7 +1859,7 @@
           <p:cNvPr id="7" name="Date Placeholder 6">
             <a:extLst>
               <a:ext uri="{FF2B5EF4-FFF2-40B4-BE49-F238E27FC236}">
-                <a16:creationId xmlns:a16="http://schemas.microsoft.com/office/drawing/2014/main" id="{47F37E5F-B1D5-40DB-80B9-D1124E5CD91E}"/>
+                <a16:creationId xmlns:a16="http://schemas.microsoft.com/office/drawing/2014/main" id="{62A0E0B3-3547-4AEC-A05F-DFACE61262DE}"/>
               </a:ext>
             </a:extLst>
           </p:cNvPr>
@@ -1872,7 +1877,7 @@
           <a:p>
             <a:fld id="{20FD754C-4370-4621-9D47-182DEC24FB63}" type="datetimeFigureOut">
               <a:rPr lang="en-IN" smtClean="0"/>
-              <a:t>15-07-2020</a:t>
+              <a:t>17-07-2020</a:t>
             </a:fld>
             <a:endParaRPr lang="en-IN"/>
           </a:p>
@@ -1883,7 +1888,7 @@
           <p:cNvPr id="8" name="Footer Placeholder 7">
             <a:extLst>
               <a:ext uri="{FF2B5EF4-FFF2-40B4-BE49-F238E27FC236}">
-                <a16:creationId xmlns:a16="http://schemas.microsoft.com/office/drawing/2014/main" id="{7083890D-A2B6-4D47-9CBC-6CB8D68CC4BA}"/>
+                <a16:creationId xmlns:a16="http://schemas.microsoft.com/office/drawing/2014/main" id="{3CA530E9-9884-4F91-9B7A-B649EE191F18}"/>
               </a:ext>
             </a:extLst>
           </p:cNvPr>
@@ -1908,7 +1913,7 @@
           <p:cNvPr id="9" name="Slide Number Placeholder 8">
             <a:extLst>
               <a:ext uri="{FF2B5EF4-FFF2-40B4-BE49-F238E27FC236}">
-                <a16:creationId xmlns:a16="http://schemas.microsoft.com/office/drawing/2014/main" id="{9177281B-0928-436D-B153-CB1AF7CAC7F6}"/>
+                <a16:creationId xmlns:a16="http://schemas.microsoft.com/office/drawing/2014/main" id="{E40FD5EE-65DA-4F82-AC9B-44486C0C9799}"/>
               </a:ext>
             </a:extLst>
           </p:cNvPr>
@@ -1935,7 +1940,7 @@
     </p:spTree>
     <p:extLst>
       <p:ext uri="{BB962C8B-B14F-4D97-AF65-F5344CB8AC3E}">
-        <p14:creationId xmlns:p14="http://schemas.microsoft.com/office/powerpoint/2010/main" val="4048716245"/>
+        <p14:creationId xmlns:p14="http://schemas.microsoft.com/office/powerpoint/2010/main" val="3303619758"/>
       </p:ext>
     </p:extLst>
   </p:cSld>
@@ -1967,7 +1972,7 @@
           <p:cNvPr id="2" name="Title 1">
             <a:extLst>
               <a:ext uri="{FF2B5EF4-FFF2-40B4-BE49-F238E27FC236}">
-                <a16:creationId xmlns:a16="http://schemas.microsoft.com/office/drawing/2014/main" id="{C0AC7318-4201-4443-93F5-AC5964628BD3}"/>
+                <a16:creationId xmlns:a16="http://schemas.microsoft.com/office/drawing/2014/main" id="{6B2284EB-5615-4A63-8245-7226D01DD589}"/>
               </a:ext>
             </a:extLst>
           </p:cNvPr>
@@ -1996,7 +2001,7 @@
           <p:cNvPr id="3" name="Date Placeholder 2">
             <a:extLst>
               <a:ext uri="{FF2B5EF4-FFF2-40B4-BE49-F238E27FC236}">
-                <a16:creationId xmlns:a16="http://schemas.microsoft.com/office/drawing/2014/main" id="{64363D0D-08B0-4DAA-871E-25C5551B9C25}"/>
+                <a16:creationId xmlns:a16="http://schemas.microsoft.com/office/drawing/2014/main" id="{2188EFB2-62CE-4462-98B2-1D5AE03DCFF4}"/>
               </a:ext>
             </a:extLst>
           </p:cNvPr>
@@ -2014,7 +2019,7 @@
           <a:p>
             <a:fld id="{20FD754C-4370-4621-9D47-182DEC24FB63}" type="datetimeFigureOut">
               <a:rPr lang="en-IN" smtClean="0"/>
-              <a:t>15-07-2020</a:t>
+              <a:t>17-07-2020</a:t>
             </a:fld>
             <a:endParaRPr lang="en-IN"/>
           </a:p>
@@ -2025,7 +2030,7 @@
           <p:cNvPr id="4" name="Footer Placeholder 3">
             <a:extLst>
               <a:ext uri="{FF2B5EF4-FFF2-40B4-BE49-F238E27FC236}">
-                <a16:creationId xmlns:a16="http://schemas.microsoft.com/office/drawing/2014/main" id="{030AE6C9-6AA9-4058-B85B-6486FDFAF4E1}"/>
+                <a16:creationId xmlns:a16="http://schemas.microsoft.com/office/drawing/2014/main" id="{0ACB68EA-F695-4DE3-9BD7-17BBC9EAF00F}"/>
               </a:ext>
             </a:extLst>
           </p:cNvPr>
@@ -2050,7 +2055,7 @@
           <p:cNvPr id="5" name="Slide Number Placeholder 4">
             <a:extLst>
               <a:ext uri="{FF2B5EF4-FFF2-40B4-BE49-F238E27FC236}">
-                <a16:creationId xmlns:a16="http://schemas.microsoft.com/office/drawing/2014/main" id="{7E9E99FC-B979-42A3-BEA0-BE16A1C3559A}"/>
+                <a16:creationId xmlns:a16="http://schemas.microsoft.com/office/drawing/2014/main" id="{C3F6420E-01FC-4D33-A11A-B64A6F6F018B}"/>
               </a:ext>
             </a:extLst>
           </p:cNvPr>
@@ -2077,7 +2082,7 @@
     </p:spTree>
     <p:extLst>
       <p:ext uri="{BB962C8B-B14F-4D97-AF65-F5344CB8AC3E}">
-        <p14:creationId xmlns:p14="http://schemas.microsoft.com/office/powerpoint/2010/main" val="218618731"/>
+        <p14:creationId xmlns:p14="http://schemas.microsoft.com/office/powerpoint/2010/main" val="119074483"/>
       </p:ext>
     </p:extLst>
   </p:cSld>
@@ -2109,7 +2114,7 @@
           <p:cNvPr id="2" name="Date Placeholder 1">
             <a:extLst>
               <a:ext uri="{FF2B5EF4-FFF2-40B4-BE49-F238E27FC236}">
-                <a16:creationId xmlns:a16="http://schemas.microsoft.com/office/drawing/2014/main" id="{13A72749-70AC-48C7-B5AE-A96AD6B2CF12}"/>
+                <a16:creationId xmlns:a16="http://schemas.microsoft.com/office/drawing/2014/main" id="{B64BADE1-C382-478E-A6F8-1652FB22E372}"/>
               </a:ext>
             </a:extLst>
           </p:cNvPr>
@@ -2127,7 +2132,7 @@
           <a:p>
             <a:fld id="{20FD754C-4370-4621-9D47-182DEC24FB63}" type="datetimeFigureOut">
               <a:rPr lang="en-IN" smtClean="0"/>
-              <a:t>15-07-2020</a:t>
+              <a:t>17-07-2020</a:t>
             </a:fld>
             <a:endParaRPr lang="en-IN"/>
           </a:p>
@@ -2138,7 +2143,7 @@
           <p:cNvPr id="3" name="Footer Placeholder 2">
             <a:extLst>
               <a:ext uri="{FF2B5EF4-FFF2-40B4-BE49-F238E27FC236}">
-                <a16:creationId xmlns:a16="http://schemas.microsoft.com/office/drawing/2014/main" id="{1AA5FA1E-7751-4ADF-8DB7-00BA07FED28A}"/>
+                <a16:creationId xmlns:a16="http://schemas.microsoft.com/office/drawing/2014/main" id="{004824BF-17EE-47C3-B78E-6ABC6455B094}"/>
               </a:ext>
             </a:extLst>
           </p:cNvPr>
@@ -2163,7 +2168,7 @@
           <p:cNvPr id="4" name="Slide Number Placeholder 3">
             <a:extLst>
               <a:ext uri="{FF2B5EF4-FFF2-40B4-BE49-F238E27FC236}">
-                <a16:creationId xmlns:a16="http://schemas.microsoft.com/office/drawing/2014/main" id="{708ED9D9-29FA-407E-BA36-2393665FD81B}"/>
+                <a16:creationId xmlns:a16="http://schemas.microsoft.com/office/drawing/2014/main" id="{75C23541-02DC-414F-ABE8-B6BA10ADC89B}"/>
               </a:ext>
             </a:extLst>
           </p:cNvPr>
@@ -2190,7 +2195,7 @@
     </p:spTree>
     <p:extLst>
       <p:ext uri="{BB962C8B-B14F-4D97-AF65-F5344CB8AC3E}">
-        <p14:creationId xmlns:p14="http://schemas.microsoft.com/office/powerpoint/2010/main" val="1909426412"/>
+        <p14:creationId xmlns:p14="http://schemas.microsoft.com/office/powerpoint/2010/main" val="1543335437"/>
       </p:ext>
     </p:extLst>
   </p:cSld>
@@ -2222,7 +2227,7 @@
           <p:cNvPr id="2" name="Title 1">
             <a:extLst>
               <a:ext uri="{FF2B5EF4-FFF2-40B4-BE49-F238E27FC236}">
-                <a16:creationId xmlns:a16="http://schemas.microsoft.com/office/drawing/2014/main" id="{83B715C3-0A99-4DE8-B4B4-4115825CA83E}"/>
+                <a16:creationId xmlns:a16="http://schemas.microsoft.com/office/drawing/2014/main" id="{4ECF5EF6-68D5-4DC9-84B0-E5336845549E}"/>
               </a:ext>
             </a:extLst>
           </p:cNvPr>
@@ -2260,7 +2265,7 @@
           <p:cNvPr id="3" name="Content Placeholder 2">
             <a:extLst>
               <a:ext uri="{FF2B5EF4-FFF2-40B4-BE49-F238E27FC236}">
-                <a16:creationId xmlns:a16="http://schemas.microsoft.com/office/drawing/2014/main" id="{DFB45357-D0F8-4C41-BA41-5DD66763A3E5}"/>
+                <a16:creationId xmlns:a16="http://schemas.microsoft.com/office/drawing/2014/main" id="{D7A99920-7DE1-47D9-801F-04A2C351E334}"/>
               </a:ext>
             </a:extLst>
           </p:cNvPr>
@@ -2351,7 +2356,7 @@
           <p:cNvPr id="4" name="Text Placeholder 3">
             <a:extLst>
               <a:ext uri="{FF2B5EF4-FFF2-40B4-BE49-F238E27FC236}">
-                <a16:creationId xmlns:a16="http://schemas.microsoft.com/office/drawing/2014/main" id="{31A4DF90-306A-4845-9FC9-50CA9A98AD6E}"/>
+                <a16:creationId xmlns:a16="http://schemas.microsoft.com/office/drawing/2014/main" id="{6B6EA4EC-7F37-43BE-A394-A7B43B107643}"/>
               </a:ext>
             </a:extLst>
           </p:cNvPr>
@@ -2422,7 +2427,7 @@
           <p:cNvPr id="5" name="Date Placeholder 4">
             <a:extLst>
               <a:ext uri="{FF2B5EF4-FFF2-40B4-BE49-F238E27FC236}">
-                <a16:creationId xmlns:a16="http://schemas.microsoft.com/office/drawing/2014/main" id="{7D86AC37-6157-4E9A-B7C6-1003D348E9AF}"/>
+                <a16:creationId xmlns:a16="http://schemas.microsoft.com/office/drawing/2014/main" id="{40BCCB5A-6CED-4385-8F20-C674B3226079}"/>
               </a:ext>
             </a:extLst>
           </p:cNvPr>
@@ -2440,7 +2445,7 @@
           <a:p>
             <a:fld id="{20FD754C-4370-4621-9D47-182DEC24FB63}" type="datetimeFigureOut">
               <a:rPr lang="en-IN" smtClean="0"/>
-              <a:t>15-07-2020</a:t>
+              <a:t>17-07-2020</a:t>
             </a:fld>
             <a:endParaRPr lang="en-IN"/>
           </a:p>
@@ -2451,7 +2456,7 @@
           <p:cNvPr id="6" name="Footer Placeholder 5">
             <a:extLst>
               <a:ext uri="{FF2B5EF4-FFF2-40B4-BE49-F238E27FC236}">
-                <a16:creationId xmlns:a16="http://schemas.microsoft.com/office/drawing/2014/main" id="{2948D16A-C31D-42C2-BC04-27E439AA3893}"/>
+                <a16:creationId xmlns:a16="http://schemas.microsoft.com/office/drawing/2014/main" id="{C1092968-2078-4818-9627-D36C78B59A13}"/>
               </a:ext>
             </a:extLst>
           </p:cNvPr>
@@ -2476,7 +2481,7 @@
           <p:cNvPr id="7" name="Slide Number Placeholder 6">
             <a:extLst>
               <a:ext uri="{FF2B5EF4-FFF2-40B4-BE49-F238E27FC236}">
-                <a16:creationId xmlns:a16="http://schemas.microsoft.com/office/drawing/2014/main" id="{EBBF1B4D-3431-4635-A20C-C8B2D81D9258}"/>
+                <a16:creationId xmlns:a16="http://schemas.microsoft.com/office/drawing/2014/main" id="{4C401443-EB3C-4C03-8A40-D1A724DA6B4F}"/>
               </a:ext>
             </a:extLst>
           </p:cNvPr>
@@ -2503,7 +2508,7 @@
     </p:spTree>
     <p:extLst>
       <p:ext uri="{BB962C8B-B14F-4D97-AF65-F5344CB8AC3E}">
-        <p14:creationId xmlns:p14="http://schemas.microsoft.com/office/powerpoint/2010/main" val="3738421489"/>
+        <p14:creationId xmlns:p14="http://schemas.microsoft.com/office/powerpoint/2010/main" val="612813635"/>
       </p:ext>
     </p:extLst>
   </p:cSld>
@@ -2535,7 +2540,7 @@
           <p:cNvPr id="2" name="Title 1">
             <a:extLst>
               <a:ext uri="{FF2B5EF4-FFF2-40B4-BE49-F238E27FC236}">
-                <a16:creationId xmlns:a16="http://schemas.microsoft.com/office/drawing/2014/main" id="{260A9F6A-1712-4DF8-B308-5B960737B3AB}"/>
+                <a16:creationId xmlns:a16="http://schemas.microsoft.com/office/drawing/2014/main" id="{E8CEEFCF-26B6-451C-9929-52060FE2C311}"/>
               </a:ext>
             </a:extLst>
           </p:cNvPr>
@@ -2573,7 +2578,7 @@
           <p:cNvPr id="3" name="Picture Placeholder 2">
             <a:extLst>
               <a:ext uri="{FF2B5EF4-FFF2-40B4-BE49-F238E27FC236}">
-                <a16:creationId xmlns:a16="http://schemas.microsoft.com/office/drawing/2014/main" id="{6A3DD8FE-CD35-4DF4-B1E5-5AFDF1CC28B7}"/>
+                <a16:creationId xmlns:a16="http://schemas.microsoft.com/office/drawing/2014/main" id="{39D22EAA-9A8D-47E0-B4D1-8D3E14710C68}"/>
               </a:ext>
             </a:extLst>
           </p:cNvPr>
@@ -2640,7 +2645,7 @@
           <p:cNvPr id="4" name="Text Placeholder 3">
             <a:extLst>
               <a:ext uri="{FF2B5EF4-FFF2-40B4-BE49-F238E27FC236}">
-                <a16:creationId xmlns:a16="http://schemas.microsoft.com/office/drawing/2014/main" id="{2FF26FC8-4E88-462F-A162-DE9E9CD011E1}"/>
+                <a16:creationId xmlns:a16="http://schemas.microsoft.com/office/drawing/2014/main" id="{1E11BC88-EEAA-4CBB-96C4-9398B2A88B30}"/>
               </a:ext>
             </a:extLst>
           </p:cNvPr>
@@ -2711,7 +2716,7 @@
           <p:cNvPr id="5" name="Date Placeholder 4">
             <a:extLst>
               <a:ext uri="{FF2B5EF4-FFF2-40B4-BE49-F238E27FC236}">
-                <a16:creationId xmlns:a16="http://schemas.microsoft.com/office/drawing/2014/main" id="{29088125-9306-4DC7-ABBC-39F8194E64F7}"/>
+                <a16:creationId xmlns:a16="http://schemas.microsoft.com/office/drawing/2014/main" id="{A7CE0BED-EED9-4634-9C5D-9297AB6EDC51}"/>
               </a:ext>
             </a:extLst>
           </p:cNvPr>
@@ -2729,7 +2734,7 @@
           <a:p>
             <a:fld id="{20FD754C-4370-4621-9D47-182DEC24FB63}" type="datetimeFigureOut">
               <a:rPr lang="en-IN" smtClean="0"/>
-              <a:t>15-07-2020</a:t>
+              <a:t>17-07-2020</a:t>
             </a:fld>
             <a:endParaRPr lang="en-IN"/>
           </a:p>
@@ -2740,7 +2745,7 @@
           <p:cNvPr id="6" name="Footer Placeholder 5">
             <a:extLst>
               <a:ext uri="{FF2B5EF4-FFF2-40B4-BE49-F238E27FC236}">
-                <a16:creationId xmlns:a16="http://schemas.microsoft.com/office/drawing/2014/main" id="{82789224-692B-4652-8908-EDF799F44D8F}"/>
+                <a16:creationId xmlns:a16="http://schemas.microsoft.com/office/drawing/2014/main" id="{5D4958AC-842D-4A9F-B8D6-4B74C795BAB2}"/>
               </a:ext>
             </a:extLst>
           </p:cNvPr>
@@ -2756,7 +2761,7 @@
           <a:bodyPr/>
           <a:lstStyle/>
           <a:p>
-            <a:endParaRPr lang="en-IN"/>
+            <a:endParaRPr lang="en-US" dirty="0"/>
           </a:p>
         </p:txBody>
       </p:sp>
@@ -2765,7 +2770,7 @@
           <p:cNvPr id="7" name="Slide Number Placeholder 6">
             <a:extLst>
               <a:ext uri="{FF2B5EF4-FFF2-40B4-BE49-F238E27FC236}">
-                <a16:creationId xmlns:a16="http://schemas.microsoft.com/office/drawing/2014/main" id="{DA8CF2BB-4C26-4437-8A8F-3AF25262A84C}"/>
+                <a16:creationId xmlns:a16="http://schemas.microsoft.com/office/drawing/2014/main" id="{16F8D8C2-2E16-431A-BB69-2CE27D186C8D}"/>
               </a:ext>
             </a:extLst>
           </p:cNvPr>
@@ -2792,7 +2797,7 @@
     </p:spTree>
     <p:extLst>
       <p:ext uri="{BB962C8B-B14F-4D97-AF65-F5344CB8AC3E}">
-        <p14:creationId xmlns:p14="http://schemas.microsoft.com/office/powerpoint/2010/main" val="2623767823"/>
+        <p14:creationId xmlns:p14="http://schemas.microsoft.com/office/powerpoint/2010/main" val="2380028681"/>
       </p:ext>
     </p:extLst>
   </p:cSld>
@@ -2806,9 +2811,40 @@
 <p:sldMaster xmlns:a="http://schemas.openxmlformats.org/drawingml/2006/main" xmlns:r="http://schemas.openxmlformats.org/officeDocument/2006/relationships" xmlns:p="http://schemas.openxmlformats.org/presentationml/2006/main">
   <p:cSld>
     <p:bg>
-      <p:bgRef idx="1001">
-        <a:schemeClr val="bg1"/>
-      </p:bgRef>
+      <p:bgPr>
+        <a:gradFill flip="none" rotWithShape="1">
+          <a:gsLst>
+            <a:gs pos="44000">
+              <a:srgbClr val="D1DCF0">
+                <a:alpha val="46000"/>
+              </a:srgbClr>
+            </a:gs>
+            <a:gs pos="7000">
+              <a:schemeClr val="accent1">
+                <a:lumMod val="5000"/>
+                <a:lumOff val="95000"/>
+              </a:schemeClr>
+            </a:gs>
+            <a:gs pos="56000">
+              <a:schemeClr val="accent1">
+                <a:lumMod val="45000"/>
+                <a:lumOff val="55000"/>
+                <a:alpha val="30000"/>
+              </a:schemeClr>
+            </a:gs>
+            <a:gs pos="90000">
+              <a:schemeClr val="accent4">
+                <a:lumMod val="40000"/>
+                <a:lumOff val="60000"/>
+                <a:alpha val="22000"/>
+              </a:schemeClr>
+            </a:gs>
+          </a:gsLst>
+          <a:lin ang="5400000" scaled="1"/>
+          <a:tileRect/>
+        </a:gradFill>
+        <a:effectLst/>
+      </p:bgPr>
     </p:bg>
     <p:spTree>
       <p:nvGrpSpPr>
@@ -2829,7 +2865,7 @@
           <p:cNvPr id="2" name="Title Placeholder 1">
             <a:extLst>
               <a:ext uri="{FF2B5EF4-FFF2-40B4-BE49-F238E27FC236}">
-                <a16:creationId xmlns:a16="http://schemas.microsoft.com/office/drawing/2014/main" id="{BC778036-D2B7-4C00-8BF6-8AF7A134E4C8}"/>
+                <a16:creationId xmlns:a16="http://schemas.microsoft.com/office/drawing/2014/main" id="{A9EE6760-924A-4918-97A8-FEFC6C2CE9C9}"/>
               </a:ext>
             </a:extLst>
           </p:cNvPr>
@@ -2868,7 +2904,7 @@
           <p:cNvPr id="3" name="Text Placeholder 2">
             <a:extLst>
               <a:ext uri="{FF2B5EF4-FFF2-40B4-BE49-F238E27FC236}">
-                <a16:creationId xmlns:a16="http://schemas.microsoft.com/office/drawing/2014/main" id="{52A98E74-8B8C-4BA2-A3FD-0F007069EAB5}"/>
+                <a16:creationId xmlns:a16="http://schemas.microsoft.com/office/drawing/2014/main" id="{03CCDFA9-2FFF-43D0-8447-670F7006B4C0}"/>
               </a:ext>
             </a:extLst>
           </p:cNvPr>
@@ -2936,7 +2972,7 @@
           <p:cNvPr id="4" name="Date Placeholder 3">
             <a:extLst>
               <a:ext uri="{FF2B5EF4-FFF2-40B4-BE49-F238E27FC236}">
-                <a16:creationId xmlns:a16="http://schemas.microsoft.com/office/drawing/2014/main" id="{9CB7E1B1-379D-4374-8EDE-33BBBCBD0F81}"/>
+                <a16:creationId xmlns:a16="http://schemas.microsoft.com/office/drawing/2014/main" id="{E8B56819-ECF9-402E-9C46-9B45367B8719}"/>
               </a:ext>
             </a:extLst>
           </p:cNvPr>
@@ -2972,7 +3008,7 @@
           <a:p>
             <a:fld id="{20FD754C-4370-4621-9D47-182DEC24FB63}" type="datetimeFigureOut">
               <a:rPr lang="en-IN" smtClean="0"/>
-              <a:t>15-07-2020</a:t>
+              <a:t>17-07-2020</a:t>
             </a:fld>
             <a:endParaRPr lang="en-IN"/>
           </a:p>
@@ -2983,7 +3019,7 @@
           <p:cNvPr id="5" name="Footer Placeholder 4">
             <a:extLst>
               <a:ext uri="{FF2B5EF4-FFF2-40B4-BE49-F238E27FC236}">
-                <a16:creationId xmlns:a16="http://schemas.microsoft.com/office/drawing/2014/main" id="{DCC892C9-B1C6-428D-85AB-235BC90B9EAA}"/>
+                <a16:creationId xmlns:a16="http://schemas.microsoft.com/office/drawing/2014/main" id="{B123E1E2-1458-41BB-AB95-1B5905F8F267}"/>
               </a:ext>
             </a:extLst>
           </p:cNvPr>
@@ -3026,7 +3062,7 @@
           <p:cNvPr id="6" name="Slide Number Placeholder 5">
             <a:extLst>
               <a:ext uri="{FF2B5EF4-FFF2-40B4-BE49-F238E27FC236}">
-                <a16:creationId xmlns:a16="http://schemas.microsoft.com/office/drawing/2014/main" id="{DEB26772-1A68-49B0-B8AB-2C2B5B3E8469}"/>
+                <a16:creationId xmlns:a16="http://schemas.microsoft.com/office/drawing/2014/main" id="{66322EF2-139C-43ED-886F-84C9D294D8A7}"/>
               </a:ext>
             </a:extLst>
           </p:cNvPr>
@@ -3071,23 +3107,23 @@
     </p:spTree>
     <p:extLst>
       <p:ext uri="{BB962C8B-B14F-4D97-AF65-F5344CB8AC3E}">
-        <p14:creationId xmlns:p14="http://schemas.microsoft.com/office/powerpoint/2010/main" val="1494419799"/>
+        <p14:creationId xmlns:p14="http://schemas.microsoft.com/office/powerpoint/2010/main" val="2024316569"/>
       </p:ext>
     </p:extLst>
   </p:cSld>
   <p:clrMap bg1="lt1" tx1="dk1" bg2="lt2" tx2="dk2" accent1="accent1" accent2="accent2" accent3="accent3" accent4="accent4" accent5="accent5" accent6="accent6" hlink="hlink" folHlink="folHlink"/>
   <p:sldLayoutIdLst>
-    <p:sldLayoutId id="2147483649" r:id="rId1"/>
-    <p:sldLayoutId id="2147483650" r:id="rId2"/>
-    <p:sldLayoutId id="2147483651" r:id="rId3"/>
-    <p:sldLayoutId id="2147483652" r:id="rId4"/>
-    <p:sldLayoutId id="2147483653" r:id="rId5"/>
-    <p:sldLayoutId id="2147483654" r:id="rId6"/>
-    <p:sldLayoutId id="2147483655" r:id="rId7"/>
-    <p:sldLayoutId id="2147483656" r:id="rId8"/>
-    <p:sldLayoutId id="2147483657" r:id="rId9"/>
-    <p:sldLayoutId id="2147483658" r:id="rId10"/>
-    <p:sldLayoutId id="2147483659" r:id="rId11"/>
+    <p:sldLayoutId id="2147483861" r:id="rId1"/>
+    <p:sldLayoutId id="2147483862" r:id="rId2"/>
+    <p:sldLayoutId id="2147483863" r:id="rId3"/>
+    <p:sldLayoutId id="2147483864" r:id="rId4"/>
+    <p:sldLayoutId id="2147483865" r:id="rId5"/>
+    <p:sldLayoutId id="2147483866" r:id="rId6"/>
+    <p:sldLayoutId id="2147483867" r:id="rId7"/>
+    <p:sldLayoutId id="2147483868" r:id="rId8"/>
+    <p:sldLayoutId id="2147483869" r:id="rId9"/>
+    <p:sldLayoutId id="2147483870" r:id="rId10"/>
+    <p:sldLayoutId id="2147483871" r:id="rId11"/>
   </p:sldLayoutIdLst>
   <p:txStyles>
     <p:titleStyle>
@@ -3369,6 +3405,11 @@
       </a:lvl9pPr>
     </p:otherStyle>
   </p:txStyles>
+  <p:extLst>
+    <p:ext uri="{27BBF7A9-308A-43DC-89C8-2F10F3537804}">
+      <p15:sldGuideLst xmlns:p15="http://schemas.microsoft.com/office/powerpoint/2012/main"/>
+    </p:ext>
+  </p:extLst>
 </p:sldMaster>
 </file>
 
@@ -3674,7 +3715,9 @@
         </p:nvSpPr>
         <p:spPr/>
         <p:txBody>
-          <a:bodyPr/>
+          <a:bodyPr>
+            <a:normAutofit/>
+          </a:bodyPr>
           <a:lstStyle/>
           <a:p>
             <a:pPr>
@@ -3695,7 +3738,7 @@
             </a:pPr>
             <a:r>
               <a:rPr lang="en-IN" dirty="0"/>
-              <a:t>Since the competition, the dataset is being used as the primary dataset for almost every IDS</a:t>
+              <a:t>Since the competition, the dataset is being used as the primary dataset for almost every IDS research</a:t>
             </a:r>
           </a:p>
           <a:p>
@@ -4331,7 +4374,7 @@
         <p:spPr/>
         <p:txBody>
           <a:bodyPr>
-            <a:normAutofit fontScale="92500" lnSpcReduction="10000"/>
+            <a:normAutofit lnSpcReduction="10000"/>
           </a:bodyPr>
           <a:lstStyle/>
           <a:p>
@@ -5331,7 +5374,12 @@
             <p:ph idx="1"/>
           </p:nvPr>
         </p:nvSpPr>
-        <p:spPr/>
+        <p:spPr>
+          <a:xfrm>
+            <a:off x="838200" y="1507573"/>
+            <a:ext cx="10515600" cy="4351338"/>
+          </a:xfrm>
+        </p:spPr>
         <p:txBody>
           <a:bodyPr/>
           <a:lstStyle/>
@@ -5342,6 +5390,205 @@
             <a:r>
               <a:rPr lang="en-IN" dirty="0"/>
               <a:t>Let’s have a look at out dataset once again</a:t>
+            </a:r>
+          </a:p>
+        </p:txBody>
+      </p:sp>
+      <p:pic>
+        <p:nvPicPr>
+          <p:cNvPr id="4" name="Picture 2" descr="The feature in KDD Cup'99 dataset [2]. | Download Table">
+            <a:extLst>
+              <a:ext uri="{FF2B5EF4-FFF2-40B4-BE49-F238E27FC236}">
+                <a16:creationId xmlns:a16="http://schemas.microsoft.com/office/drawing/2014/main" id="{AD01FEAB-BFC6-43B2-A9CC-8046A67C7D33}"/>
+              </a:ext>
+            </a:extLst>
+          </p:cNvPr>
+          <p:cNvPicPr>
+            <a:picLocks noChangeAspect="1" noChangeArrowheads="1"/>
+          </p:cNvPicPr>
+          <p:nvPr/>
+        </p:nvPicPr>
+        <p:blipFill>
+          <a:blip r:embed="rId2">
+            <a:extLst>
+              <a:ext uri="{28A0092B-C50C-407E-A947-70E740481C1C}">
+                <a14:useLocalDpi xmlns:a14="http://schemas.microsoft.com/office/drawing/2010/main" val="0"/>
+              </a:ext>
+            </a:extLst>
+          </a:blip>
+          <a:srcRect/>
+          <a:stretch>
+            <a:fillRect/>
+          </a:stretch>
+        </p:blipFill>
+        <p:spPr bwMode="auto">
+          <a:xfrm>
+            <a:off x="1961322" y="2109312"/>
+            <a:ext cx="6586330" cy="4694023"/>
+          </a:xfrm>
+          <a:prstGeom prst="rect">
+            <a:avLst/>
+          </a:prstGeom>
+          <a:noFill/>
+          <a:extLst>
+            <a:ext uri="{909E8E84-426E-40DD-AFC4-6F175D3DCCD1}">
+              <a14:hiddenFill xmlns:a14="http://schemas.microsoft.com/office/drawing/2010/main">
+                <a:solidFill>
+                  <a:srgbClr val="FFFFFF"/>
+                </a:solidFill>
+              </a14:hiddenFill>
+            </a:ext>
+          </a:extLst>
+        </p:spPr>
+      </p:pic>
+      <p:sp>
+        <p:nvSpPr>
+          <p:cNvPr id="5" name="Oval 4">
+            <a:extLst>
+              <a:ext uri="{FF2B5EF4-FFF2-40B4-BE49-F238E27FC236}">
+                <a16:creationId xmlns:a16="http://schemas.microsoft.com/office/drawing/2014/main" id="{6CBB6250-A09E-4EA1-B1B2-10381E0A5DF7}"/>
+              </a:ext>
+            </a:extLst>
+          </p:cNvPr>
+          <p:cNvSpPr/>
+          <p:nvPr/>
+        </p:nvSpPr>
+        <p:spPr>
+          <a:xfrm>
+            <a:off x="3882887" y="3429000"/>
+            <a:ext cx="1245704" cy="533400"/>
+          </a:xfrm>
+          <a:prstGeom prst="ellipse">
+            <a:avLst/>
+          </a:prstGeom>
+          <a:noFill/>
+          <a:ln w="57150"/>
+        </p:spPr>
+        <p:style>
+          <a:lnRef idx="2">
+            <a:schemeClr val="accent1">
+              <a:shade val="50000"/>
+            </a:schemeClr>
+          </a:lnRef>
+          <a:fillRef idx="1">
+            <a:schemeClr val="accent1"/>
+          </a:fillRef>
+          <a:effectRef idx="0">
+            <a:schemeClr val="accent1"/>
+          </a:effectRef>
+          <a:fontRef idx="minor">
+            <a:schemeClr val="lt1"/>
+          </a:fontRef>
+        </p:style>
+        <p:txBody>
+          <a:bodyPr rtlCol="0" anchor="ctr"/>
+          <a:lstStyle/>
+          <a:p>
+            <a:pPr algn="ctr"/>
+            <a:endParaRPr lang="en-IN"/>
+          </a:p>
+        </p:txBody>
+      </p:sp>
+      <p:sp>
+        <p:nvSpPr>
+          <p:cNvPr id="6" name="Oval 5">
+            <a:extLst>
+              <a:ext uri="{FF2B5EF4-FFF2-40B4-BE49-F238E27FC236}">
+                <a16:creationId xmlns:a16="http://schemas.microsoft.com/office/drawing/2014/main" id="{8BBC7ACB-73A7-456B-B83A-1FDF5BFFEE1D}"/>
+              </a:ext>
+            </a:extLst>
+          </p:cNvPr>
+          <p:cNvSpPr/>
+          <p:nvPr/>
+        </p:nvSpPr>
+        <p:spPr>
+          <a:xfrm>
+            <a:off x="3882887" y="4520329"/>
+            <a:ext cx="1245704" cy="533400"/>
+          </a:xfrm>
+          <a:prstGeom prst="ellipse">
+            <a:avLst/>
+          </a:prstGeom>
+          <a:noFill/>
+          <a:ln w="57150"/>
+        </p:spPr>
+        <p:style>
+          <a:lnRef idx="2">
+            <a:schemeClr val="accent1">
+              <a:shade val="50000"/>
+            </a:schemeClr>
+          </a:lnRef>
+          <a:fillRef idx="1">
+            <a:schemeClr val="accent1"/>
+          </a:fillRef>
+          <a:effectRef idx="0">
+            <a:schemeClr val="accent1"/>
+          </a:effectRef>
+          <a:fontRef idx="minor">
+            <a:schemeClr val="lt1"/>
+          </a:fontRef>
+        </p:style>
+        <p:txBody>
+          <a:bodyPr rtlCol="0" anchor="ctr"/>
+          <a:lstStyle/>
+          <a:p>
+            <a:pPr algn="ctr"/>
+            <a:endParaRPr lang="en-IN"/>
+          </a:p>
+        </p:txBody>
+      </p:sp>
+      <p:sp>
+        <p:nvSpPr>
+          <p:cNvPr id="7" name="TextBox 6">
+            <a:extLst>
+              <a:ext uri="{FF2B5EF4-FFF2-40B4-BE49-F238E27FC236}">
+                <a16:creationId xmlns:a16="http://schemas.microsoft.com/office/drawing/2014/main" id="{03F0D462-2A79-4C04-BFFC-1369B1BC0F6B}"/>
+              </a:ext>
+            </a:extLst>
+          </p:cNvPr>
+          <p:cNvSpPr txBox="1"/>
+          <p:nvPr/>
+        </p:nvSpPr>
+        <p:spPr>
+          <a:xfrm>
+            <a:off x="8930780" y="2483466"/>
+            <a:ext cx="3186834" cy="1631216"/>
+          </a:xfrm>
+          <a:prstGeom prst="rect">
+            <a:avLst/>
+          </a:prstGeom>
+          <a:noFill/>
+        </p:spPr>
+        <p:txBody>
+          <a:bodyPr wrap="none" rtlCol="0">
+            <a:spAutoFit/>
+          </a:bodyPr>
+          <a:lstStyle/>
+          <a:p>
+            <a:r>
+              <a:rPr lang="en-IN" sz="2000" b="1" dirty="0"/>
+              <a:t>There are mostly numeric </a:t>
+            </a:r>
+          </a:p>
+          <a:p>
+            <a:r>
+              <a:rPr lang="en-IN" sz="2000" b="1" dirty="0"/>
+              <a:t>or continuous features.</a:t>
+            </a:r>
+          </a:p>
+          <a:p>
+            <a:endParaRPr lang="en-IN" sz="2000" b="1" dirty="0"/>
+          </a:p>
+          <a:p>
+            <a:r>
+              <a:rPr lang="en-IN" sz="2000" b="1" dirty="0"/>
+              <a:t>But there are discrete or </a:t>
+            </a:r>
+          </a:p>
+          <a:p>
+            <a:r>
+              <a:rPr lang="en-IN" sz="2000" b="1" dirty="0"/>
+              <a:t>categorical features as well. </a:t>
             </a:r>
           </a:p>
         </p:txBody>
@@ -5933,7 +6180,47 @@
             </a:pPr>
             <a:r>
               <a:rPr lang="en-IN" dirty="0"/>
-              <a:t>We need to come up with something that will convert text to numeric data </a:t>
+              <a:t>We need to come up with something that will convert discrete data to numeric data </a:t>
+            </a:r>
+          </a:p>
+        </p:txBody>
+      </p:sp>
+      <p:sp>
+        <p:nvSpPr>
+          <p:cNvPr id="4" name="TextBox 3">
+            <a:extLst>
+              <a:ext uri="{FF2B5EF4-FFF2-40B4-BE49-F238E27FC236}">
+                <a16:creationId xmlns:a16="http://schemas.microsoft.com/office/drawing/2014/main" id="{537F0AE5-EC2F-4BDA-A40F-31A479105D40}"/>
+              </a:ext>
+            </a:extLst>
+          </p:cNvPr>
+          <p:cNvSpPr txBox="1"/>
+          <p:nvPr/>
+        </p:nvSpPr>
+        <p:spPr>
+          <a:xfrm>
+            <a:off x="4319167" y="4333461"/>
+            <a:ext cx="3553665" cy="707886"/>
+          </a:xfrm>
+          <a:prstGeom prst="rect">
+            <a:avLst/>
+          </a:prstGeom>
+          <a:noFill/>
+        </p:spPr>
+        <p:txBody>
+          <a:bodyPr wrap="none" rtlCol="0">
+            <a:spAutoFit/>
+          </a:bodyPr>
+          <a:lstStyle/>
+          <a:p>
+            <a:pPr algn="ctr"/>
+            <a:r>
+              <a:rPr lang="en-IN" sz="4000" dirty="0">
+                <a:solidFill>
+                  <a:srgbClr val="FF0000"/>
+                </a:solidFill>
+              </a:rPr>
+              <a:t>How to do that?</a:t>
             </a:r>
           </a:p>
         </p:txBody>
@@ -5948,6 +6235,92 @@
   <p:clrMapOvr>
     <a:masterClrMapping/>
   </p:clrMapOvr>
+  <p:timing>
+    <p:tnLst>
+      <p:par>
+        <p:cTn id="1" dur="indefinite" restart="never" nodeType="tmRoot">
+          <p:childTnLst>
+            <p:seq concurrent="1" nextAc="seek">
+              <p:cTn id="2" dur="indefinite" nodeType="mainSeq">
+                <p:childTnLst>
+                  <p:par>
+                    <p:cTn id="3" fill="hold">
+                      <p:stCondLst>
+                        <p:cond delay="indefinite"/>
+                      </p:stCondLst>
+                      <p:childTnLst>
+                        <p:par>
+                          <p:cTn id="4" fill="hold">
+                            <p:stCondLst>
+                              <p:cond delay="0"/>
+                            </p:stCondLst>
+                            <p:childTnLst>
+                              <p:par>
+                                <p:cTn id="5" presetID="9" presetClass="entr" presetSubtype="0" fill="hold" grpId="0" nodeType="clickEffect">
+                                  <p:stCondLst>
+                                    <p:cond delay="0"/>
+                                  </p:stCondLst>
+                                  <p:childTnLst>
+                                    <p:set>
+                                      <p:cBhvr>
+                                        <p:cTn id="6" dur="1" fill="hold">
+                                          <p:stCondLst>
+                                            <p:cond delay="0"/>
+                                          </p:stCondLst>
+                                        </p:cTn>
+                                        <p:tgtEl>
+                                          <p:spTgt spid="4"/>
+                                        </p:tgtEl>
+                                        <p:attrNameLst>
+                                          <p:attrName>style.visibility</p:attrName>
+                                        </p:attrNameLst>
+                                      </p:cBhvr>
+                                      <p:to>
+                                        <p:strVal val="visible"/>
+                                      </p:to>
+                                    </p:set>
+                                    <p:animEffect transition="in" filter="dissolve">
+                                      <p:cBhvr>
+                                        <p:cTn id="7" dur="500"/>
+                                        <p:tgtEl>
+                                          <p:spTgt spid="4"/>
+                                        </p:tgtEl>
+                                      </p:cBhvr>
+                                    </p:animEffect>
+                                  </p:childTnLst>
+                                </p:cTn>
+                              </p:par>
+                            </p:childTnLst>
+                          </p:cTn>
+                        </p:par>
+                      </p:childTnLst>
+                    </p:cTn>
+                  </p:par>
+                </p:childTnLst>
+              </p:cTn>
+              <p:prevCondLst>
+                <p:cond evt="onPrev" delay="0">
+                  <p:tgtEl>
+                    <p:sldTgt/>
+                  </p:tgtEl>
+                </p:cond>
+              </p:prevCondLst>
+              <p:nextCondLst>
+                <p:cond evt="onNext" delay="0">
+                  <p:tgtEl>
+                    <p:sldTgt/>
+                  </p:tgtEl>
+                </p:cond>
+              </p:nextCondLst>
+            </p:seq>
+          </p:childTnLst>
+        </p:cTn>
+      </p:par>
+    </p:tnLst>
+    <p:bldLst>
+      <p:bldP spid="4" grpId="0"/>
+    </p:bldLst>
+  </p:timing>
 </p:sld>
 </file>
 
@@ -5973,7 +6346,7 @@
           <p:cNvPr id="2" name="Title 1">
             <a:extLst>
               <a:ext uri="{FF2B5EF4-FFF2-40B4-BE49-F238E27FC236}">
-                <a16:creationId xmlns:a16="http://schemas.microsoft.com/office/drawing/2014/main" id="{E24D5788-5081-4BEC-8106-83EDA4455DE2}"/>
+                <a16:creationId xmlns:a16="http://schemas.microsoft.com/office/drawing/2014/main" id="{53091BDE-9780-433C-9359-D52342D78B1E}"/>
               </a:ext>
             </a:extLst>
           </p:cNvPr>
@@ -5984,14 +6357,19 @@
             <p:ph type="title"/>
           </p:nvPr>
         </p:nvSpPr>
-        <p:spPr/>
+        <p:spPr>
+          <a:xfrm>
+            <a:off x="838200" y="336989"/>
+            <a:ext cx="10515600" cy="1325563"/>
+          </a:xfrm>
+        </p:spPr>
         <p:txBody>
           <a:bodyPr/>
           <a:lstStyle/>
           <a:p>
             <a:r>
               <a:rPr lang="en-IN" dirty="0"/>
-              <a:t>Scaling the numeric data</a:t>
+              <a:t>Is our dataset ready yet?</a:t>
             </a:r>
           </a:p>
         </p:txBody>
@@ -6001,7 +6379,7 @@
           <p:cNvPr id="3" name="Content Placeholder 2">
             <a:extLst>
               <a:ext uri="{FF2B5EF4-FFF2-40B4-BE49-F238E27FC236}">
-                <a16:creationId xmlns:a16="http://schemas.microsoft.com/office/drawing/2014/main" id="{05567299-A7B0-4693-AA9E-7F88EA66A669}"/>
+                <a16:creationId xmlns:a16="http://schemas.microsoft.com/office/drawing/2014/main" id="{59176F25-7A6C-4292-9682-75D6B907B014}"/>
               </a:ext>
             </a:extLst>
           </p:cNvPr>
@@ -6012,75 +6390,520 @@
             <p:ph idx="1"/>
           </p:nvPr>
         </p:nvSpPr>
+        <p:spPr/>
+        <p:txBody>
+          <a:bodyPr/>
+          <a:lstStyle/>
+          <a:p>
+            <a:r>
+              <a:rPr lang="en-IN" dirty="0"/>
+              <a:t>We’ll assign each category in categorical feature a number</a:t>
+            </a:r>
+          </a:p>
+          <a:p>
+            <a:r>
+              <a:rPr lang="en-IN" dirty="0"/>
+              <a:t>This is known as </a:t>
+            </a:r>
+            <a:r>
+              <a:rPr lang="en-IN" dirty="0">
+                <a:solidFill>
+                  <a:srgbClr val="FF0000"/>
+                </a:solidFill>
+              </a:rPr>
+              <a:t>Label encoding</a:t>
+            </a:r>
+            <a:endParaRPr lang="en-IN" dirty="0"/>
+          </a:p>
+          <a:p>
+            <a:pPr marL="0" indent="0">
+              <a:buNone/>
+            </a:pPr>
+            <a:r>
+              <a:rPr lang="en-IN" dirty="0"/>
+              <a:t>e.g. </a:t>
+            </a:r>
+          </a:p>
+          <a:p>
+            <a:pPr marL="0" indent="0">
+              <a:buNone/>
+            </a:pPr>
+            <a:endParaRPr lang="en-IN" dirty="0">
+              <a:solidFill>
+                <a:srgbClr val="FF0000"/>
+              </a:solidFill>
+            </a:endParaRPr>
+          </a:p>
+          <a:p>
+            <a:pPr marL="0" indent="0">
+              <a:buNone/>
+            </a:pPr>
+            <a:r>
+              <a:rPr lang="en-IN" dirty="0">
+                <a:solidFill>
+                  <a:srgbClr val="FF0000"/>
+                </a:solidFill>
+              </a:rPr>
+              <a:t>	</a:t>
+            </a:r>
+          </a:p>
+        </p:txBody>
+      </p:sp>
+      <p:graphicFrame>
+        <p:nvGraphicFramePr>
+          <p:cNvPr id="5" name="Table 5">
+            <a:extLst>
+              <a:ext uri="{FF2B5EF4-FFF2-40B4-BE49-F238E27FC236}">
+                <a16:creationId xmlns:a16="http://schemas.microsoft.com/office/drawing/2014/main" id="{49945862-6DB9-4105-B8DE-3AB0F0EB6CD3}"/>
+              </a:ext>
+            </a:extLst>
+          </p:cNvPr>
+          <p:cNvGraphicFramePr>
+            <a:graphicFrameLocks noGrp="1"/>
+          </p:cNvGraphicFramePr>
+          <p:nvPr>
+            <p:extLst>
+              <p:ext uri="{D42A27DB-BD31-4B8C-83A1-F6EECF244321}">
+                <p14:modId xmlns:p14="http://schemas.microsoft.com/office/powerpoint/2010/main" val="1543392180"/>
+              </p:ext>
+            </p:extLst>
+          </p:nvPr>
+        </p:nvGraphicFramePr>
+        <p:xfrm>
+          <a:off x="1258957" y="3548411"/>
+          <a:ext cx="2186608" cy="2791625"/>
+        </p:xfrm>
+        <a:graphic>
+          <a:graphicData uri="http://schemas.openxmlformats.org/drawingml/2006/table">
+            <a:tbl>
+              <a:tblPr firstRow="1" bandRow="1">
+                <a:tableStyleId>{5C22544A-7EE6-4342-B048-85BDC9FD1C3A}</a:tableStyleId>
+              </a:tblPr>
+              <a:tblGrid>
+                <a:gridCol w="2186608">
+                  <a:extLst>
+                    <a:ext uri="{9D8B030D-6E8A-4147-A177-3AD203B41FA5}">
+                      <a16:colId xmlns:a16="http://schemas.microsoft.com/office/drawing/2014/main" val="2887610727"/>
+                    </a:ext>
+                  </a:extLst>
+                </a:gridCol>
+              </a:tblGrid>
+              <a:tr h="558325">
+                <a:tc>
+                  <a:txBody>
+                    <a:bodyPr/>
+                    <a:lstStyle/>
+                    <a:p>
+                      <a:pPr algn="ctr"/>
+                      <a:r>
+                        <a:rPr lang="en-IN" sz="2800" dirty="0"/>
+                        <a:t>F1</a:t>
+                      </a:r>
+                    </a:p>
+                  </a:txBody>
+                  <a:tcPr/>
+                </a:tc>
+                <a:extLst>
+                  <a:ext uri="{0D108BD9-81ED-4DB2-BD59-A6C34878D82A}">
+                    <a16:rowId xmlns:a16="http://schemas.microsoft.com/office/drawing/2014/main" val="2270676686"/>
+                  </a:ext>
+                </a:extLst>
+              </a:tr>
+              <a:tr h="558325">
+                <a:tc>
+                  <a:txBody>
+                    <a:bodyPr/>
+                    <a:lstStyle/>
+                    <a:p>
+                      <a:pPr algn="ctr"/>
+                      <a:r>
+                        <a:rPr lang="en-IN" sz="2800" dirty="0"/>
+                        <a:t>A</a:t>
+                      </a:r>
+                    </a:p>
+                  </a:txBody>
+                  <a:tcPr/>
+                </a:tc>
+                <a:extLst>
+                  <a:ext uri="{0D108BD9-81ED-4DB2-BD59-A6C34878D82A}">
+                    <a16:rowId xmlns:a16="http://schemas.microsoft.com/office/drawing/2014/main" val="3706689772"/>
+                  </a:ext>
+                </a:extLst>
+              </a:tr>
+              <a:tr h="558325">
+                <a:tc>
+                  <a:txBody>
+                    <a:bodyPr/>
+                    <a:lstStyle/>
+                    <a:p>
+                      <a:pPr algn="ctr"/>
+                      <a:r>
+                        <a:rPr lang="en-IN" sz="2800" dirty="0"/>
+                        <a:t>B</a:t>
+                      </a:r>
+                    </a:p>
+                  </a:txBody>
+                  <a:tcPr/>
+                </a:tc>
+                <a:extLst>
+                  <a:ext uri="{0D108BD9-81ED-4DB2-BD59-A6C34878D82A}">
+                    <a16:rowId xmlns:a16="http://schemas.microsoft.com/office/drawing/2014/main" val="3881817768"/>
+                  </a:ext>
+                </a:extLst>
+              </a:tr>
+              <a:tr h="558325">
+                <a:tc>
+                  <a:txBody>
+                    <a:bodyPr/>
+                    <a:lstStyle/>
+                    <a:p>
+                      <a:pPr algn="ctr"/>
+                      <a:r>
+                        <a:rPr lang="en-IN" sz="2800" dirty="0"/>
+                        <a:t>C</a:t>
+                      </a:r>
+                    </a:p>
+                  </a:txBody>
+                  <a:tcPr/>
+                </a:tc>
+                <a:extLst>
+                  <a:ext uri="{0D108BD9-81ED-4DB2-BD59-A6C34878D82A}">
+                    <a16:rowId xmlns:a16="http://schemas.microsoft.com/office/drawing/2014/main" val="3134604915"/>
+                  </a:ext>
+                </a:extLst>
+              </a:tr>
+              <a:tr h="558325">
+                <a:tc>
+                  <a:txBody>
+                    <a:bodyPr/>
+                    <a:lstStyle/>
+                    <a:p>
+                      <a:pPr algn="ctr"/>
+                      <a:r>
+                        <a:rPr lang="en-IN" sz="2800" dirty="0"/>
+                        <a:t>A</a:t>
+                      </a:r>
+                    </a:p>
+                  </a:txBody>
+                  <a:tcPr/>
+                </a:tc>
+                <a:extLst>
+                  <a:ext uri="{0D108BD9-81ED-4DB2-BD59-A6C34878D82A}">
+                    <a16:rowId xmlns:a16="http://schemas.microsoft.com/office/drawing/2014/main" val="3093443447"/>
+                  </a:ext>
+                </a:extLst>
+              </a:tr>
+            </a:tbl>
+          </a:graphicData>
+        </a:graphic>
+      </p:graphicFrame>
+      <p:sp>
+        <p:nvSpPr>
+          <p:cNvPr id="6" name="Arrow: Right 5">
+            <a:extLst>
+              <a:ext uri="{FF2B5EF4-FFF2-40B4-BE49-F238E27FC236}">
+                <a16:creationId xmlns:a16="http://schemas.microsoft.com/office/drawing/2014/main" id="{0766CE68-6CBF-49D6-B7F8-0AF6F0E15176}"/>
+              </a:ext>
+            </a:extLst>
+          </p:cNvPr>
+          <p:cNvSpPr/>
+          <p:nvPr/>
+        </p:nvSpPr>
         <p:spPr>
           <a:xfrm>
-            <a:off x="838200" y="1825624"/>
-            <a:ext cx="10515600" cy="4828393"/>
-          </a:xfrm>
-        </p:spPr>
-        <p:txBody>
-          <a:bodyPr>
-            <a:normAutofit fontScale="92500" lnSpcReduction="20000"/>
-          </a:bodyPr>
-          <a:lstStyle/>
-          <a:p>
-            <a:pPr>
-              <a:lnSpc>
-                <a:spcPct val="150000"/>
-              </a:lnSpc>
-            </a:pPr>
-            <a:r>
-              <a:rPr lang="en-IN" dirty="0"/>
-              <a:t>Not all numeric data are in the same scale. </a:t>
-            </a:r>
-          </a:p>
-          <a:p>
-            <a:pPr>
-              <a:lnSpc>
-                <a:spcPct val="150000"/>
-              </a:lnSpc>
-            </a:pPr>
-            <a:r>
-              <a:rPr lang="en-IN" dirty="0"/>
-              <a:t>For e.g. mean value of duration is around 54 and mean value of </a:t>
-            </a:r>
-            <a:r>
-              <a:rPr lang="en-IN" dirty="0" err="1"/>
-              <a:t>src_bytes</a:t>
-            </a:r>
-            <a:r>
-              <a:rPr lang="en-IN" dirty="0"/>
-              <a:t> is around 17644</a:t>
-            </a:r>
-          </a:p>
-          <a:p>
-            <a:pPr>
-              <a:lnSpc>
-                <a:spcPct val="150000"/>
-              </a:lnSpc>
-            </a:pPr>
-            <a:r>
-              <a:rPr lang="en-IN" dirty="0"/>
-              <a:t>The reason this is an important step is because (a) most model works when data is standardized and (b) data will become unit invariant</a:t>
-            </a:r>
-          </a:p>
-          <a:p>
-            <a:pPr>
-              <a:lnSpc>
-                <a:spcPct val="150000"/>
-              </a:lnSpc>
-            </a:pPr>
-            <a:r>
-              <a:rPr lang="en-IN" dirty="0"/>
-              <a:t>We need to bring all the numeric data into same scale. We’ll standardize the data so that the mean is 0 and standard deviation is 1 for each of the numeric features.</a:t>
-            </a:r>
+            <a:off x="3644348" y="4764882"/>
+            <a:ext cx="874643" cy="516834"/>
+          </a:xfrm>
+          <a:prstGeom prst="rightArrow">
+            <a:avLst/>
+          </a:prstGeom>
+        </p:spPr>
+        <p:style>
+          <a:lnRef idx="2">
+            <a:schemeClr val="accent1">
+              <a:shade val="50000"/>
+            </a:schemeClr>
+          </a:lnRef>
+          <a:fillRef idx="1">
+            <a:schemeClr val="accent1"/>
+          </a:fillRef>
+          <a:effectRef idx="0">
+            <a:schemeClr val="accent1"/>
+          </a:effectRef>
+          <a:fontRef idx="minor">
+            <a:schemeClr val="lt1"/>
+          </a:fontRef>
+        </p:style>
+        <p:txBody>
+          <a:bodyPr rtlCol="0" anchor="ctr"/>
+          <a:lstStyle/>
+          <a:p>
+            <a:pPr algn="ctr"/>
+            <a:endParaRPr lang="en-IN"/>
+          </a:p>
+        </p:txBody>
+      </p:sp>
+      <p:sp>
+        <p:nvSpPr>
+          <p:cNvPr id="7" name="Rectangle 6">
+            <a:extLst>
+              <a:ext uri="{FF2B5EF4-FFF2-40B4-BE49-F238E27FC236}">
+                <a16:creationId xmlns:a16="http://schemas.microsoft.com/office/drawing/2014/main" id="{E0441F7D-E02C-480A-A801-0A9549DDBA2C}"/>
+              </a:ext>
+            </a:extLst>
+          </p:cNvPr>
+          <p:cNvSpPr/>
+          <p:nvPr/>
+        </p:nvSpPr>
+        <p:spPr>
+          <a:xfrm>
+            <a:off x="4797287" y="3803374"/>
+            <a:ext cx="2186608" cy="2186609"/>
+          </a:xfrm>
+          <a:prstGeom prst="rect">
+            <a:avLst/>
+          </a:prstGeom>
+        </p:spPr>
+        <p:style>
+          <a:lnRef idx="2">
+            <a:schemeClr val="accent1">
+              <a:shade val="50000"/>
+            </a:schemeClr>
+          </a:lnRef>
+          <a:fillRef idx="1">
+            <a:schemeClr val="accent1"/>
+          </a:fillRef>
+          <a:effectRef idx="0">
+            <a:schemeClr val="accent1"/>
+          </a:effectRef>
+          <a:fontRef idx="minor">
+            <a:schemeClr val="lt1"/>
+          </a:fontRef>
+        </p:style>
+        <p:txBody>
+          <a:bodyPr rtlCol="0" anchor="ctr"/>
+          <a:lstStyle/>
+          <a:p>
+            <a:pPr algn="ctr"/>
+            <a:r>
+              <a:rPr lang="en-IN" sz="3600" dirty="0"/>
+              <a:t>A = 0</a:t>
+            </a:r>
+          </a:p>
+          <a:p>
+            <a:pPr algn="ctr"/>
+            <a:r>
+              <a:rPr lang="en-IN" sz="3600" dirty="0"/>
+              <a:t>B = 1</a:t>
+            </a:r>
+          </a:p>
+          <a:p>
+            <a:pPr algn="ctr"/>
+            <a:r>
+              <a:rPr lang="en-IN" sz="3600" dirty="0"/>
+              <a:t>C = 2</a:t>
+            </a:r>
+          </a:p>
+        </p:txBody>
+      </p:sp>
+      <p:graphicFrame>
+        <p:nvGraphicFramePr>
+          <p:cNvPr id="8" name="Table 5">
+            <a:extLst>
+              <a:ext uri="{FF2B5EF4-FFF2-40B4-BE49-F238E27FC236}">
+                <a16:creationId xmlns:a16="http://schemas.microsoft.com/office/drawing/2014/main" id="{620CAAF6-A590-4C49-A111-1E123E3A8E1E}"/>
+              </a:ext>
+            </a:extLst>
+          </p:cNvPr>
+          <p:cNvGraphicFramePr>
+            <a:graphicFrameLocks noGrp="1"/>
+          </p:cNvGraphicFramePr>
+          <p:nvPr>
+            <p:extLst>
+              <p:ext uri="{D42A27DB-BD31-4B8C-83A1-F6EECF244321}">
+                <p14:modId xmlns:p14="http://schemas.microsoft.com/office/powerpoint/2010/main" val="664093783"/>
+              </p:ext>
+            </p:extLst>
+          </p:nvPr>
+        </p:nvGraphicFramePr>
+        <p:xfrm>
+          <a:off x="8822636" y="3548411"/>
+          <a:ext cx="2186608" cy="2791625"/>
+        </p:xfrm>
+        <a:graphic>
+          <a:graphicData uri="http://schemas.openxmlformats.org/drawingml/2006/table">
+            <a:tbl>
+              <a:tblPr firstRow="1" bandRow="1">
+                <a:tableStyleId>{5C22544A-7EE6-4342-B048-85BDC9FD1C3A}</a:tableStyleId>
+              </a:tblPr>
+              <a:tblGrid>
+                <a:gridCol w="2186608">
+                  <a:extLst>
+                    <a:ext uri="{9D8B030D-6E8A-4147-A177-3AD203B41FA5}">
+                      <a16:colId xmlns:a16="http://schemas.microsoft.com/office/drawing/2014/main" val="2887610727"/>
+                    </a:ext>
+                  </a:extLst>
+                </a:gridCol>
+              </a:tblGrid>
+              <a:tr h="558325">
+                <a:tc>
+                  <a:txBody>
+                    <a:bodyPr/>
+                    <a:lstStyle/>
+                    <a:p>
+                      <a:pPr algn="ctr"/>
+                      <a:r>
+                        <a:rPr lang="en-IN" sz="2800" dirty="0"/>
+                        <a:t>F1</a:t>
+                      </a:r>
+                    </a:p>
+                  </a:txBody>
+                  <a:tcPr/>
+                </a:tc>
+                <a:extLst>
+                  <a:ext uri="{0D108BD9-81ED-4DB2-BD59-A6C34878D82A}">
+                    <a16:rowId xmlns:a16="http://schemas.microsoft.com/office/drawing/2014/main" val="2270676686"/>
+                  </a:ext>
+                </a:extLst>
+              </a:tr>
+              <a:tr h="558325">
+                <a:tc>
+                  <a:txBody>
+                    <a:bodyPr/>
+                    <a:lstStyle/>
+                    <a:p>
+                      <a:pPr algn="ctr"/>
+                      <a:r>
+                        <a:rPr lang="en-IN" sz="2800" dirty="0"/>
+                        <a:t>0</a:t>
+                      </a:r>
+                    </a:p>
+                  </a:txBody>
+                  <a:tcPr/>
+                </a:tc>
+                <a:extLst>
+                  <a:ext uri="{0D108BD9-81ED-4DB2-BD59-A6C34878D82A}">
+                    <a16:rowId xmlns:a16="http://schemas.microsoft.com/office/drawing/2014/main" val="3706689772"/>
+                  </a:ext>
+                </a:extLst>
+              </a:tr>
+              <a:tr h="558325">
+                <a:tc>
+                  <a:txBody>
+                    <a:bodyPr/>
+                    <a:lstStyle/>
+                    <a:p>
+                      <a:pPr algn="ctr"/>
+                      <a:r>
+                        <a:rPr lang="en-IN" sz="2800" dirty="0"/>
+                        <a:t>1</a:t>
+                      </a:r>
+                    </a:p>
+                  </a:txBody>
+                  <a:tcPr/>
+                </a:tc>
+                <a:extLst>
+                  <a:ext uri="{0D108BD9-81ED-4DB2-BD59-A6C34878D82A}">
+                    <a16:rowId xmlns:a16="http://schemas.microsoft.com/office/drawing/2014/main" val="3881817768"/>
+                  </a:ext>
+                </a:extLst>
+              </a:tr>
+              <a:tr h="558325">
+                <a:tc>
+                  <a:txBody>
+                    <a:bodyPr/>
+                    <a:lstStyle/>
+                    <a:p>
+                      <a:pPr algn="ctr"/>
+                      <a:r>
+                        <a:rPr lang="en-IN" sz="2800" dirty="0"/>
+                        <a:t>2</a:t>
+                      </a:r>
+                    </a:p>
+                  </a:txBody>
+                  <a:tcPr/>
+                </a:tc>
+                <a:extLst>
+                  <a:ext uri="{0D108BD9-81ED-4DB2-BD59-A6C34878D82A}">
+                    <a16:rowId xmlns:a16="http://schemas.microsoft.com/office/drawing/2014/main" val="3134604915"/>
+                  </a:ext>
+                </a:extLst>
+              </a:tr>
+              <a:tr h="558325">
+                <a:tc>
+                  <a:txBody>
+                    <a:bodyPr/>
+                    <a:lstStyle/>
+                    <a:p>
+                      <a:pPr algn="ctr"/>
+                      <a:r>
+                        <a:rPr lang="en-IN" sz="2800" dirty="0"/>
+                        <a:t>0</a:t>
+                      </a:r>
+                    </a:p>
+                  </a:txBody>
+                  <a:tcPr/>
+                </a:tc>
+                <a:extLst>
+                  <a:ext uri="{0D108BD9-81ED-4DB2-BD59-A6C34878D82A}">
+                    <a16:rowId xmlns:a16="http://schemas.microsoft.com/office/drawing/2014/main" val="3093443447"/>
+                  </a:ext>
+                </a:extLst>
+              </a:tr>
+            </a:tbl>
+          </a:graphicData>
+        </a:graphic>
+      </p:graphicFrame>
+      <p:sp>
+        <p:nvSpPr>
+          <p:cNvPr id="9" name="Arrow: Right 8">
+            <a:extLst>
+              <a:ext uri="{FF2B5EF4-FFF2-40B4-BE49-F238E27FC236}">
+                <a16:creationId xmlns:a16="http://schemas.microsoft.com/office/drawing/2014/main" id="{44E1F6BF-AD70-4B38-BB22-14B905CB8EE2}"/>
+              </a:ext>
+            </a:extLst>
+          </p:cNvPr>
+          <p:cNvSpPr/>
+          <p:nvPr/>
+        </p:nvSpPr>
+        <p:spPr>
+          <a:xfrm>
+            <a:off x="7499075" y="4764882"/>
+            <a:ext cx="874643" cy="516834"/>
+          </a:xfrm>
+          <a:prstGeom prst="rightArrow">
+            <a:avLst/>
+          </a:prstGeom>
+        </p:spPr>
+        <p:style>
+          <a:lnRef idx="2">
+            <a:schemeClr val="accent1">
+              <a:shade val="50000"/>
+            </a:schemeClr>
+          </a:lnRef>
+          <a:fillRef idx="1">
+            <a:schemeClr val="accent1"/>
+          </a:fillRef>
+          <a:effectRef idx="0">
+            <a:schemeClr val="accent1"/>
+          </a:effectRef>
+          <a:fontRef idx="minor">
+            <a:schemeClr val="lt1"/>
+          </a:fontRef>
+        </p:style>
+        <p:txBody>
+          <a:bodyPr rtlCol="0" anchor="ctr"/>
+          <a:lstStyle/>
+          <a:p>
+            <a:pPr algn="ctr"/>
+            <a:endParaRPr lang="en-IN"/>
           </a:p>
         </p:txBody>
       </p:sp>
     </p:spTree>
     <p:extLst>
       <p:ext uri="{BB962C8B-B14F-4D97-AF65-F5344CB8AC3E}">
-        <p14:creationId xmlns:p14="http://schemas.microsoft.com/office/powerpoint/2010/main" val="6674461"/>
+        <p14:creationId xmlns:p14="http://schemas.microsoft.com/office/powerpoint/2010/main" val="706910"/>
       </p:ext>
     </p:extLst>
   </p:cSld>
@@ -6112,7 +6935,7 @@
           <p:cNvPr id="2" name="Title 1">
             <a:extLst>
               <a:ext uri="{FF2B5EF4-FFF2-40B4-BE49-F238E27FC236}">
-                <a16:creationId xmlns:a16="http://schemas.microsoft.com/office/drawing/2014/main" id="{D3CC7A64-236B-44D7-BBD9-56375BEEFA40}"/>
+                <a16:creationId xmlns:a16="http://schemas.microsoft.com/office/drawing/2014/main" id="{E24D5788-5081-4BEC-8106-83EDA4455DE2}"/>
               </a:ext>
             </a:extLst>
           </p:cNvPr>
@@ -6126,6 +6949,322 @@
         <p:spPr/>
         <p:txBody>
           <a:bodyPr/>
+          <a:lstStyle/>
+          <a:p>
+            <a:r>
+              <a:rPr lang="en-IN" dirty="0"/>
+              <a:t>Scaling the numeric data</a:t>
+            </a:r>
+          </a:p>
+        </p:txBody>
+      </p:sp>
+      <p:sp>
+        <p:nvSpPr>
+          <p:cNvPr id="3" name="Content Placeholder 2">
+            <a:extLst>
+              <a:ext uri="{FF2B5EF4-FFF2-40B4-BE49-F238E27FC236}">
+                <a16:creationId xmlns:a16="http://schemas.microsoft.com/office/drawing/2014/main" id="{05567299-A7B0-4693-AA9E-7F88EA66A669}"/>
+              </a:ext>
+            </a:extLst>
+          </p:cNvPr>
+          <p:cNvSpPr>
+            <a:spLocks noGrp="1"/>
+          </p:cNvSpPr>
+          <p:nvPr>
+            <p:ph idx="1"/>
+          </p:nvPr>
+        </p:nvSpPr>
+        <p:spPr>
+          <a:xfrm>
+            <a:off x="838200" y="1825624"/>
+            <a:ext cx="10515600" cy="4828393"/>
+          </a:xfrm>
+        </p:spPr>
+        <p:txBody>
+          <a:bodyPr>
+            <a:normAutofit fontScale="92500" lnSpcReduction="20000"/>
+          </a:bodyPr>
+          <a:lstStyle/>
+          <a:p>
+            <a:pPr>
+              <a:lnSpc>
+                <a:spcPct val="150000"/>
+              </a:lnSpc>
+            </a:pPr>
+            <a:r>
+              <a:rPr lang="en-IN" dirty="0"/>
+              <a:t>Not all numeric data are in the same scale. </a:t>
+            </a:r>
+          </a:p>
+          <a:p>
+            <a:pPr>
+              <a:lnSpc>
+                <a:spcPct val="150000"/>
+              </a:lnSpc>
+            </a:pPr>
+            <a:r>
+              <a:rPr lang="en-IN" dirty="0"/>
+              <a:t>For e.g. mean value of duration is around 54 and mean value of </a:t>
+            </a:r>
+            <a:r>
+              <a:rPr lang="en-IN" dirty="0" err="1"/>
+              <a:t>src_bytes</a:t>
+            </a:r>
+            <a:r>
+              <a:rPr lang="en-IN" dirty="0"/>
+              <a:t> is around 17644</a:t>
+            </a:r>
+          </a:p>
+          <a:p>
+            <a:pPr>
+              <a:lnSpc>
+                <a:spcPct val="150000"/>
+              </a:lnSpc>
+            </a:pPr>
+            <a:r>
+              <a:rPr lang="en-IN" dirty="0"/>
+              <a:t>The reason this is an important step is because (a) most model works when data is standardized and (b) data will become unit invariant</a:t>
+            </a:r>
+          </a:p>
+          <a:p>
+            <a:pPr>
+              <a:lnSpc>
+                <a:spcPct val="150000"/>
+              </a:lnSpc>
+            </a:pPr>
+            <a:r>
+              <a:rPr lang="en-IN" dirty="0"/>
+              <a:t>We need to bring all the numeric data into same scale. We’ll standardize the data so that the mean is 0 and standard deviation is 1 for each of the numeric features.</a:t>
+            </a:r>
+          </a:p>
+        </p:txBody>
+      </p:sp>
+      <mc:AlternateContent xmlns:mc="http://schemas.openxmlformats.org/markup-compatibility/2006">
+        <mc:Choice xmlns:a14="http://schemas.microsoft.com/office/drawing/2010/main" Requires="a14">
+          <p:sp>
+            <p:nvSpPr>
+              <p:cNvPr id="4" name="TextBox 3">
+                <a:extLst>
+                  <a:ext uri="{FF2B5EF4-FFF2-40B4-BE49-F238E27FC236}">
+                    <a16:creationId xmlns:a16="http://schemas.microsoft.com/office/drawing/2014/main" id="{9F4396A5-86FF-4708-8387-3FC82E8D1E2F}"/>
+                  </a:ext>
+                </a:extLst>
+              </p:cNvPr>
+              <p:cNvSpPr txBox="1"/>
+              <p:nvPr/>
+            </p:nvSpPr>
+            <p:spPr>
+              <a:xfrm>
+                <a:off x="9037981" y="1027906"/>
+                <a:ext cx="2315819" cy="680699"/>
+              </a:xfrm>
+              <a:prstGeom prst="rect">
+                <a:avLst/>
+              </a:prstGeom>
+              <a:noFill/>
+              <a:ln w="28575">
+                <a:solidFill>
+                  <a:schemeClr val="accent6">
+                    <a:lumMod val="50000"/>
+                  </a:schemeClr>
+                </a:solidFill>
+              </a:ln>
+            </p:spPr>
+            <p:txBody>
+              <a:bodyPr wrap="square" rtlCol="0">
+                <a:spAutoFit/>
+              </a:bodyPr>
+              <a:lstStyle/>
+              <a:p>
+                <a:r>
+                  <a:rPr lang="en-IN" sz="2400" dirty="0"/>
+                  <a:t>X’ = </a:t>
+                </a:r>
+                <a14:m>
+                  <m:oMath xmlns:m="http://schemas.openxmlformats.org/officeDocument/2006/math">
+                    <m:f>
+                      <m:fPr>
+                        <m:ctrlPr>
+                          <a:rPr lang="en-IN" sz="2400" i="1" smtClean="0">
+                            <a:latin typeface="Cambria Math" panose="02040503050406030204" pitchFamily="18" charset="0"/>
+                          </a:rPr>
+                        </m:ctrlPr>
+                      </m:fPr>
+                      <m:num>
+                        <m:r>
+                          <a:rPr lang="en-IN" sz="2400" b="0" i="1" smtClean="0">
+                            <a:latin typeface="Cambria Math" panose="02040503050406030204" pitchFamily="18" charset="0"/>
+                          </a:rPr>
+                          <m:t>𝑋</m:t>
+                        </m:r>
+                        <m:r>
+                          <a:rPr lang="en-IN" sz="2400" b="0" i="1" smtClean="0">
+                            <a:latin typeface="Cambria Math" panose="02040503050406030204" pitchFamily="18" charset="0"/>
+                          </a:rPr>
+                          <m:t> −</m:t>
+                        </m:r>
+                        <m:r>
+                          <a:rPr lang="en-IN" sz="2400" b="0" i="1" smtClean="0">
+                            <a:latin typeface="Cambria Math" panose="02040503050406030204" pitchFamily="18" charset="0"/>
+                          </a:rPr>
+                          <m:t>𝑚𝑒𝑎𝑛</m:t>
+                        </m:r>
+                        <m:r>
+                          <a:rPr lang="en-IN" sz="2400" b="0" i="1" smtClean="0">
+                            <a:latin typeface="Cambria Math" panose="02040503050406030204" pitchFamily="18" charset="0"/>
+                          </a:rPr>
+                          <m:t>(</m:t>
+                        </m:r>
+                        <m:r>
+                          <a:rPr lang="en-IN" sz="2400" b="0" i="1" smtClean="0">
+                            <a:latin typeface="Cambria Math" panose="02040503050406030204" pitchFamily="18" charset="0"/>
+                          </a:rPr>
+                          <m:t>𝑋</m:t>
+                        </m:r>
+                        <m:r>
+                          <a:rPr lang="en-IN" sz="2400" b="0" i="1" smtClean="0">
+                            <a:latin typeface="Cambria Math" panose="02040503050406030204" pitchFamily="18" charset="0"/>
+                          </a:rPr>
+                          <m:t>)</m:t>
+                        </m:r>
+                      </m:num>
+                      <m:den>
+                        <m:r>
+                          <a:rPr lang="en-IN" sz="2400" b="0" i="1" smtClean="0">
+                            <a:latin typeface="Cambria Math" panose="02040503050406030204" pitchFamily="18" charset="0"/>
+                          </a:rPr>
+                          <m:t>𝑠𝑡𝑑𝑑𝑒𝑣</m:t>
+                        </m:r>
+                        <m:r>
+                          <a:rPr lang="en-IN" sz="2400" b="0" i="1" smtClean="0">
+                            <a:latin typeface="Cambria Math" panose="02040503050406030204" pitchFamily="18" charset="0"/>
+                          </a:rPr>
+                          <m:t>(</m:t>
+                        </m:r>
+                        <m:r>
+                          <a:rPr lang="en-IN" sz="2400" b="0" i="1" smtClean="0">
+                            <a:latin typeface="Cambria Math" panose="02040503050406030204" pitchFamily="18" charset="0"/>
+                          </a:rPr>
+                          <m:t>𝑋</m:t>
+                        </m:r>
+                        <m:r>
+                          <a:rPr lang="en-IN" sz="2400" b="0" i="1" smtClean="0">
+                            <a:latin typeface="Cambria Math" panose="02040503050406030204" pitchFamily="18" charset="0"/>
+                          </a:rPr>
+                          <m:t>)</m:t>
+                        </m:r>
+                      </m:den>
+                    </m:f>
+                  </m:oMath>
+                </a14:m>
+                <a:endParaRPr lang="en-IN" dirty="0"/>
+              </a:p>
+            </p:txBody>
+          </p:sp>
+        </mc:Choice>
+        <mc:Fallback>
+          <p:sp>
+            <p:nvSpPr>
+              <p:cNvPr id="4" name="TextBox 3">
+                <a:extLst>
+                  <a:ext uri="{FF2B5EF4-FFF2-40B4-BE49-F238E27FC236}">
+                    <a16:creationId xmlns:a16="http://schemas.microsoft.com/office/drawing/2014/main" id="{9F4396A5-86FF-4708-8387-3FC82E8D1E2F}"/>
+                  </a:ext>
+                </a:extLst>
+              </p:cNvPr>
+              <p:cNvSpPr txBox="1">
+                <a:spLocks noRot="1" noChangeAspect="1" noMove="1" noResize="1" noEditPoints="1" noAdjustHandles="1" noChangeArrowheads="1" noChangeShapeType="1" noTextEdit="1"/>
+              </p:cNvSpPr>
+              <p:nvPr/>
+            </p:nvSpPr>
+            <p:spPr>
+              <a:xfrm>
+                <a:off x="9037981" y="1027906"/>
+                <a:ext cx="2315819" cy="680699"/>
+              </a:xfrm>
+              <a:prstGeom prst="rect">
+                <a:avLst/>
+              </a:prstGeom>
+              <a:blipFill>
+                <a:blip r:embed="rId2"/>
+                <a:stretch>
+                  <a:fillRect l="-3636"/>
+                </a:stretch>
+              </a:blipFill>
+              <a:ln w="28575">
+                <a:solidFill>
+                  <a:schemeClr val="accent6">
+                    <a:lumMod val="50000"/>
+                  </a:schemeClr>
+                </a:solidFill>
+              </a:ln>
+            </p:spPr>
+            <p:txBody>
+              <a:bodyPr/>
+              <a:lstStyle/>
+              <a:p>
+                <a:r>
+                  <a:rPr lang="en-IN">
+                    <a:noFill/>
+                  </a:rPr>
+                  <a:t> </a:t>
+                </a:r>
+              </a:p>
+            </p:txBody>
+          </p:sp>
+        </mc:Fallback>
+      </mc:AlternateContent>
+    </p:spTree>
+    <p:extLst>
+      <p:ext uri="{BB962C8B-B14F-4D97-AF65-F5344CB8AC3E}">
+        <p14:creationId xmlns:p14="http://schemas.microsoft.com/office/powerpoint/2010/main" val="6674461"/>
+      </p:ext>
+    </p:extLst>
+  </p:cSld>
+  <p:clrMapOvr>
+    <a:masterClrMapping/>
+  </p:clrMapOvr>
+</p:sld>
+</file>
+
+<file path=ppt/slides/slide23.xml><?xml version="1.0" encoding="utf-8"?>
+<p:sld xmlns:a="http://schemas.openxmlformats.org/drawingml/2006/main" xmlns:r="http://schemas.openxmlformats.org/officeDocument/2006/relationships" xmlns:p="http://schemas.openxmlformats.org/presentationml/2006/main">
+  <p:cSld>
+    <p:spTree>
+      <p:nvGrpSpPr>
+        <p:cNvPr id="1" name=""/>
+        <p:cNvGrpSpPr/>
+        <p:nvPr/>
+      </p:nvGrpSpPr>
+      <p:grpSpPr>
+        <a:xfrm>
+          <a:off x="0" y="0"/>
+          <a:ext cx="0" cy="0"/>
+          <a:chOff x="0" y="0"/>
+          <a:chExt cx="0" cy="0"/>
+        </a:xfrm>
+      </p:grpSpPr>
+      <p:sp>
+        <p:nvSpPr>
+          <p:cNvPr id="2" name="Title 1">
+            <a:extLst>
+              <a:ext uri="{FF2B5EF4-FFF2-40B4-BE49-F238E27FC236}">
+                <a16:creationId xmlns:a16="http://schemas.microsoft.com/office/drawing/2014/main" id="{D3CC7A64-236B-44D7-BBD9-56375BEEFA40}"/>
+              </a:ext>
+            </a:extLst>
+          </p:cNvPr>
+          <p:cNvSpPr>
+            <a:spLocks noGrp="1"/>
+          </p:cNvSpPr>
+          <p:nvPr>
+            <p:ph type="title"/>
+          </p:nvPr>
+        </p:nvSpPr>
+        <p:spPr/>
+        <p:txBody>
+          <a:bodyPr>
+            <a:normAutofit/>
+          </a:bodyPr>
           <a:lstStyle/>
           <a:p>
             <a:r>
@@ -6575,164 +7714,6 @@
 </p:sld>
 </file>
 
-<file path=ppt/slides/slide23.xml><?xml version="1.0" encoding="utf-8"?>
-<p:sld xmlns:a="http://schemas.openxmlformats.org/drawingml/2006/main" xmlns:r="http://schemas.openxmlformats.org/officeDocument/2006/relationships" xmlns:p="http://schemas.openxmlformats.org/presentationml/2006/main">
-  <p:cSld>
-    <p:spTree>
-      <p:nvGrpSpPr>
-        <p:cNvPr id="1" name=""/>
-        <p:cNvGrpSpPr/>
-        <p:nvPr/>
-      </p:nvGrpSpPr>
-      <p:grpSpPr>
-        <a:xfrm>
-          <a:off x="0" y="0"/>
-          <a:ext cx="0" cy="0"/>
-          <a:chOff x="0" y="0"/>
-          <a:chExt cx="0" cy="0"/>
-        </a:xfrm>
-      </p:grpSpPr>
-      <p:sp>
-        <p:nvSpPr>
-          <p:cNvPr id="2" name="Title 1">
-            <a:extLst>
-              <a:ext uri="{FF2B5EF4-FFF2-40B4-BE49-F238E27FC236}">
-                <a16:creationId xmlns:a16="http://schemas.microsoft.com/office/drawing/2014/main" id="{B3D9E838-FAE3-4485-BA30-1A76CCAEB458}"/>
-              </a:ext>
-            </a:extLst>
-          </p:cNvPr>
-          <p:cNvSpPr>
-            <a:spLocks noGrp="1"/>
-          </p:cNvSpPr>
-          <p:nvPr>
-            <p:ph type="title"/>
-          </p:nvPr>
-        </p:nvSpPr>
-        <p:spPr/>
-        <p:txBody>
-          <a:bodyPr/>
-          <a:lstStyle/>
-          <a:p>
-            <a:r>
-              <a:rPr lang="en-IN" dirty="0"/>
-              <a:t>Applying machine learning models</a:t>
-            </a:r>
-          </a:p>
-        </p:txBody>
-      </p:sp>
-      <p:sp>
-        <p:nvSpPr>
-          <p:cNvPr id="3" name="Content Placeholder 2">
-            <a:extLst>
-              <a:ext uri="{FF2B5EF4-FFF2-40B4-BE49-F238E27FC236}">
-                <a16:creationId xmlns:a16="http://schemas.microsoft.com/office/drawing/2014/main" id="{1CB1F33E-8319-41E6-A616-02C627972B16}"/>
-              </a:ext>
-            </a:extLst>
-          </p:cNvPr>
-          <p:cNvSpPr>
-            <a:spLocks noGrp="1"/>
-          </p:cNvSpPr>
-          <p:nvPr>
-            <p:ph idx="1"/>
-          </p:nvPr>
-        </p:nvSpPr>
-        <p:spPr/>
-        <p:txBody>
-          <a:bodyPr/>
-          <a:lstStyle/>
-          <a:p>
-            <a:pPr marL="0" indent="0">
-              <a:buNone/>
-            </a:pPr>
-            <a:r>
-              <a:rPr lang="en-IN" dirty="0"/>
-              <a:t>We have implemented 4 machine learning models in this project:</a:t>
-            </a:r>
-          </a:p>
-          <a:p>
-            <a:pPr marL="514350" indent="-514350">
-              <a:buAutoNum type="arabicParenR"/>
-            </a:pPr>
-            <a:r>
-              <a:rPr lang="en-IN" dirty="0"/>
-              <a:t>K- nearest neighbour</a:t>
-            </a:r>
-          </a:p>
-          <a:p>
-            <a:pPr marL="514350" indent="-514350">
-              <a:buAutoNum type="arabicParenR"/>
-            </a:pPr>
-            <a:r>
-              <a:rPr lang="en-IN" dirty="0"/>
-              <a:t>Naïve Bayes classifier</a:t>
-            </a:r>
-          </a:p>
-          <a:p>
-            <a:pPr marL="514350" indent="-514350">
-              <a:buAutoNum type="arabicParenR"/>
-            </a:pPr>
-            <a:r>
-              <a:rPr lang="en-IN" dirty="0"/>
-              <a:t>Logistic regression </a:t>
-            </a:r>
-          </a:p>
-          <a:p>
-            <a:pPr marL="514350" indent="-514350">
-              <a:buAutoNum type="arabicParenR"/>
-            </a:pPr>
-            <a:r>
-              <a:rPr lang="en-IN" dirty="0"/>
-              <a:t>Decision tree classifier</a:t>
-            </a:r>
-          </a:p>
-          <a:p>
-            <a:pPr marL="514350" indent="-514350">
-              <a:buAutoNum type="arabicParenR"/>
-            </a:pPr>
-            <a:endParaRPr lang="en-IN" dirty="0"/>
-          </a:p>
-          <a:p>
-            <a:pPr marL="0" indent="0">
-              <a:buNone/>
-            </a:pPr>
-            <a:r>
-              <a:rPr lang="en-IN" dirty="0"/>
-              <a:t>And the results of these models are then compared.</a:t>
-            </a:r>
-          </a:p>
-          <a:p>
-            <a:pPr marL="514350" indent="-514350">
-              <a:buAutoNum type="arabicParenR"/>
-            </a:pPr>
-            <a:endParaRPr lang="en-IN" dirty="0"/>
-          </a:p>
-          <a:p>
-            <a:pPr marL="0" indent="0">
-              <a:buNone/>
-            </a:pPr>
-            <a:endParaRPr lang="en-IN" dirty="0"/>
-          </a:p>
-          <a:p>
-            <a:pPr marL="514350" indent="-514350">
-              <a:buAutoNum type="arabicParenR"/>
-            </a:pPr>
-            <a:endParaRPr lang="en-IN" dirty="0"/>
-          </a:p>
-        </p:txBody>
-      </p:sp>
-    </p:spTree>
-    <p:extLst>
-      <p:ext uri="{BB962C8B-B14F-4D97-AF65-F5344CB8AC3E}">
-        <p14:creationId xmlns:p14="http://schemas.microsoft.com/office/powerpoint/2010/main" val="667608939"/>
-      </p:ext>
-    </p:extLst>
-  </p:cSld>
-  <p:clrMapOvr>
-    <a:masterClrMapping/>
-  </p:clrMapOvr>
-</p:sld>
-</file>
-
 <file path=ppt/slides/slide24.xml><?xml version="1.0" encoding="utf-8"?>
 <p:sld xmlns:a="http://schemas.openxmlformats.org/drawingml/2006/main" xmlns:r="http://schemas.openxmlformats.org/officeDocument/2006/relationships" xmlns:p="http://schemas.openxmlformats.org/presentationml/2006/main">
   <p:cSld>
@@ -6755,7 +7736,7 @@
           <p:cNvPr id="2" name="Title 1">
             <a:extLst>
               <a:ext uri="{FF2B5EF4-FFF2-40B4-BE49-F238E27FC236}">
-                <a16:creationId xmlns:a16="http://schemas.microsoft.com/office/drawing/2014/main" id="{72C6AD10-C612-4855-A954-070C08F5C879}"/>
+                <a16:creationId xmlns:a16="http://schemas.microsoft.com/office/drawing/2014/main" id="{B3D9E838-FAE3-4485-BA30-1A76CCAEB458}"/>
               </a:ext>
             </a:extLst>
           </p:cNvPr>
@@ -6773,7 +7754,7 @@
           <a:p>
             <a:r>
               <a:rPr lang="en-IN" dirty="0"/>
-              <a:t>K-nearest neighbour</a:t>
+              <a:t>Applying machine learning models</a:t>
             </a:r>
           </a:p>
         </p:txBody>
@@ -6783,7 +7764,7 @@
           <p:cNvPr id="3" name="Content Placeholder 2">
             <a:extLst>
               <a:ext uri="{FF2B5EF4-FFF2-40B4-BE49-F238E27FC236}">
-                <a16:creationId xmlns:a16="http://schemas.microsoft.com/office/drawing/2014/main" id="{77105D34-2C32-4A55-AE84-5EEAD7F8B98D}"/>
+                <a16:creationId xmlns:a16="http://schemas.microsoft.com/office/drawing/2014/main" id="{1CB1F33E-8319-41E6-A616-02C627972B16}"/>
               </a:ext>
             </a:extLst>
           </p:cNvPr>
@@ -6794,69 +7775,88 @@
             <p:ph idx="1"/>
           </p:nvPr>
         </p:nvSpPr>
-        <p:spPr>
-          <a:xfrm>
-            <a:off x="838199" y="1825624"/>
-            <a:ext cx="10992729" cy="4561107"/>
-          </a:xfrm>
-        </p:spPr>
+        <p:spPr/>
         <p:txBody>
           <a:bodyPr>
-            <a:normAutofit lnSpcReduction="10000"/>
+            <a:normAutofit/>
           </a:bodyPr>
           <a:lstStyle/>
           <a:p>
+            <a:pPr marL="0" indent="0">
+              <a:buNone/>
+            </a:pPr>
             <a:r>
               <a:rPr lang="en-IN" dirty="0"/>
-              <a:t>Simple model based on the principle that if two objects are close (here geometrically) , there are similar. </a:t>
-            </a:r>
-          </a:p>
-          <a:p>
+              <a:t>We have implemented 4 machine learning models in this project:</a:t>
+            </a:r>
+          </a:p>
+          <a:p>
+            <a:pPr marL="514350" indent="-514350">
+              <a:buAutoNum type="arabicParenR"/>
+            </a:pPr>
+            <a:r>
+              <a:rPr lang="en-IN" dirty="0"/>
+              <a:t>K- nearest neighbour</a:t>
+            </a:r>
+          </a:p>
+          <a:p>
+            <a:pPr marL="514350" indent="-514350">
+              <a:buAutoNum type="arabicParenR"/>
+            </a:pPr>
+            <a:r>
+              <a:rPr lang="en-IN" dirty="0"/>
+              <a:t>Naïve Bayes classifier</a:t>
+            </a:r>
+          </a:p>
+          <a:p>
+            <a:pPr marL="514350" indent="-514350">
+              <a:buAutoNum type="arabicParenR"/>
+            </a:pPr>
+            <a:r>
+              <a:rPr lang="en-IN" dirty="0"/>
+              <a:t>Logistic regression </a:t>
+            </a:r>
+          </a:p>
+          <a:p>
+            <a:pPr marL="514350" indent="-514350">
+              <a:buAutoNum type="arabicParenR"/>
+            </a:pPr>
+            <a:r>
+              <a:rPr lang="en-IN" dirty="0"/>
+              <a:t>Decision tree classifier</a:t>
+            </a:r>
+          </a:p>
+          <a:p>
+            <a:pPr marL="514350" indent="-514350">
+              <a:buAutoNum type="arabicParenR"/>
+            </a:pPr>
             <a:endParaRPr lang="en-IN" dirty="0"/>
           </a:p>
           <a:p>
+            <a:pPr marL="0" indent="0">
+              <a:buNone/>
+            </a:pPr>
             <a:r>
               <a:rPr lang="en-IN" dirty="0"/>
-              <a:t>Given a new data point for which we want to find the output, we find points that are distance-wise close to the concerned point. </a:t>
-            </a:r>
-          </a:p>
-          <a:p>
+              <a:t>And the results of these models are then compared.</a:t>
+            </a:r>
+          </a:p>
+          <a:p>
+            <a:pPr marL="514350" indent="-514350">
+              <a:buAutoNum type="arabicParenR"/>
+            </a:pPr>
             <a:endParaRPr lang="en-IN" dirty="0"/>
           </a:p>
           <a:p>
-            <a:r>
-              <a:rPr lang="en-IN" dirty="0"/>
-              <a:t>Whatever is the class label for </a:t>
-            </a:r>
-            <a:r>
-              <a:rPr lang="en-IN" dirty="0">
-                <a:solidFill>
-                  <a:srgbClr val="FF0000"/>
-                </a:solidFill>
-              </a:rPr>
-              <a:t>majority</a:t>
-            </a:r>
-            <a:r>
-              <a:rPr lang="en-IN" dirty="0"/>
-              <a:t> of points in that neighbourhood, that would be the class label for our new data point.</a:t>
-            </a:r>
-          </a:p>
-          <a:p>
+            <a:pPr marL="0" indent="0">
+              <a:buNone/>
+            </a:pPr>
             <a:endParaRPr lang="en-IN" dirty="0"/>
           </a:p>
           <a:p>
-            <a:r>
-              <a:rPr lang="en-IN" dirty="0"/>
-              <a:t>K value decides how many points should we take for neighbourhood</a:t>
-            </a:r>
-          </a:p>
-          <a:p>
-            <a:endParaRPr lang="en-IN" dirty="0"/>
-          </a:p>
-          <a:p>
-            <a:endParaRPr lang="en-IN" dirty="0"/>
-          </a:p>
-          <a:p>
+            <a:pPr marL="514350" indent="-514350">
+              <a:buAutoNum type="arabicParenR"/>
+            </a:pPr>
             <a:endParaRPr lang="en-IN" dirty="0"/>
           </a:p>
         </p:txBody>
@@ -6864,7 +7864,7 @@
     </p:spTree>
     <p:extLst>
       <p:ext uri="{BB962C8B-B14F-4D97-AF65-F5344CB8AC3E}">
-        <p14:creationId xmlns:p14="http://schemas.microsoft.com/office/powerpoint/2010/main" val="3870837968"/>
+        <p14:creationId xmlns:p14="http://schemas.microsoft.com/office/powerpoint/2010/main" val="667608939"/>
       </p:ext>
     </p:extLst>
   </p:cSld>
@@ -6937,110 +7937,75 @@
         </p:nvSpPr>
         <p:spPr>
           <a:xfrm>
-            <a:off x="-1221677" y="1825624"/>
-            <a:ext cx="12288261" cy="6205121"/>
-          </a:xfrm>
-        </p:spPr>
-        <p:txBody>
-          <a:bodyPr/>
-          <a:lstStyle/>
+            <a:off x="838199" y="1825624"/>
+            <a:ext cx="10992729" cy="4561107"/>
+          </a:xfrm>
+        </p:spPr>
+        <p:txBody>
+          <a:bodyPr>
+            <a:normAutofit lnSpcReduction="10000"/>
+          </a:bodyPr>
+          <a:lstStyle/>
+          <a:p>
+            <a:r>
+              <a:rPr lang="en-IN" dirty="0"/>
+              <a:t>Simple model based on the principle that if two data points are close (here geometrically) , they are similar. </a:t>
+            </a:r>
+          </a:p>
           <a:p>
             <a:endParaRPr lang="en-IN" dirty="0"/>
           </a:p>
           <a:p>
+            <a:r>
+              <a:rPr lang="en-IN" dirty="0"/>
+              <a:t>Given a new data point for which we want to find the output, we find points that are distance-wise close to the concerned point. </a:t>
+            </a:r>
+          </a:p>
+          <a:p>
             <a:endParaRPr lang="en-IN" dirty="0"/>
           </a:p>
           <a:p>
+            <a:r>
+              <a:rPr lang="en-IN" dirty="0"/>
+              <a:t>Whatever is the class label for </a:t>
+            </a:r>
+            <a:r>
+              <a:rPr lang="en-IN" dirty="0">
+                <a:solidFill>
+                  <a:srgbClr val="FF0000"/>
+                </a:solidFill>
+              </a:rPr>
+              <a:t>majority</a:t>
+            </a:r>
+            <a:r>
+              <a:rPr lang="en-IN" dirty="0"/>
+              <a:t> of points in that neighbourhood, that would be the class label for our new data point.</a:t>
+            </a:r>
+          </a:p>
+          <a:p>
             <a:endParaRPr lang="en-IN" dirty="0"/>
           </a:p>
-        </p:txBody>
-      </p:sp>
-      <p:pic>
-        <p:nvPicPr>
-          <p:cNvPr id="1026" name="Picture 2" descr="K Nearest Neighbor | KNN Algorithm | KNN in Python &amp; R">
-            <a:extLst>
-              <a:ext uri="{FF2B5EF4-FFF2-40B4-BE49-F238E27FC236}">
-                <a16:creationId xmlns:a16="http://schemas.microsoft.com/office/drawing/2014/main" id="{570D5A78-D0D1-4799-A07D-C51C262AFF01}"/>
-              </a:ext>
-            </a:extLst>
-          </p:cNvPr>
-          <p:cNvPicPr>
-            <a:picLocks noChangeAspect="1" noChangeArrowheads="1"/>
-          </p:cNvPicPr>
-          <p:nvPr/>
-        </p:nvPicPr>
-        <p:blipFill>
-          <a:blip r:embed="rId2">
-            <a:extLst>
-              <a:ext uri="{28A0092B-C50C-407E-A947-70E740481C1C}">
-                <a14:useLocalDpi xmlns:a14="http://schemas.microsoft.com/office/drawing/2010/main" val="0"/>
-              </a:ext>
-            </a:extLst>
-          </a:blip>
-          <a:srcRect/>
-          <a:stretch>
-            <a:fillRect/>
-          </a:stretch>
-        </p:blipFill>
-        <p:spPr bwMode="auto">
-          <a:xfrm>
-            <a:off x="630937" y="1938338"/>
-            <a:ext cx="9711772" cy="4251447"/>
-          </a:xfrm>
-          <a:prstGeom prst="rect">
-            <a:avLst/>
-          </a:prstGeom>
-          <a:noFill/>
-          <a:extLst>
-            <a:ext uri="{909E8E84-426E-40DD-AFC4-6F175D3DCCD1}">
-              <a14:hiddenFill xmlns:a14="http://schemas.microsoft.com/office/drawing/2010/main">
-                <a:solidFill>
-                  <a:srgbClr val="FFFFFF"/>
-                </a:solidFill>
-              </a14:hiddenFill>
-            </a:ext>
-          </a:extLst>
-        </p:spPr>
-      </p:pic>
-      <p:sp>
-        <p:nvSpPr>
-          <p:cNvPr id="4" name="TextBox 3">
-            <a:extLst>
-              <a:ext uri="{FF2B5EF4-FFF2-40B4-BE49-F238E27FC236}">
-                <a16:creationId xmlns:a16="http://schemas.microsoft.com/office/drawing/2014/main" id="{CEF904FA-4230-43DA-BC36-776363833826}"/>
-              </a:ext>
-            </a:extLst>
-          </p:cNvPr>
-          <p:cNvSpPr txBox="1"/>
-          <p:nvPr/>
-        </p:nvSpPr>
-        <p:spPr>
-          <a:xfrm>
-            <a:off x="5936566" y="1690688"/>
-            <a:ext cx="2250831" cy="461665"/>
-          </a:xfrm>
-          <a:prstGeom prst="rect">
-            <a:avLst/>
-          </a:prstGeom>
-          <a:noFill/>
-        </p:spPr>
-        <p:txBody>
-          <a:bodyPr wrap="square" rtlCol="0">
-            <a:spAutoFit/>
-          </a:bodyPr>
-          <a:lstStyle/>
-          <a:p>
-            <a:r>
-              <a:rPr lang="en-IN" sz="2400" dirty="0"/>
-              <a:t>Here K = 3</a:t>
-            </a:r>
+          <a:p>
+            <a:r>
+              <a:rPr lang="en-IN" dirty="0"/>
+              <a:t>K value decides how many points should we take for neighbourhood</a:t>
+            </a:r>
+          </a:p>
+          <a:p>
+            <a:endParaRPr lang="en-IN" dirty="0"/>
+          </a:p>
+          <a:p>
+            <a:endParaRPr lang="en-IN" dirty="0"/>
+          </a:p>
+          <a:p>
+            <a:endParaRPr lang="en-IN" dirty="0"/>
           </a:p>
         </p:txBody>
       </p:sp>
     </p:spTree>
     <p:extLst>
       <p:ext uri="{BB962C8B-B14F-4D97-AF65-F5344CB8AC3E}">
-        <p14:creationId xmlns:p14="http://schemas.microsoft.com/office/powerpoint/2010/main" val="1714880621"/>
+        <p14:creationId xmlns:p14="http://schemas.microsoft.com/office/powerpoint/2010/main" val="3870837968"/>
       </p:ext>
     </p:extLst>
   </p:cSld>
@@ -7072,7 +8037,7 @@
           <p:cNvPr id="2" name="Title 1">
             <a:extLst>
               <a:ext uri="{FF2B5EF4-FFF2-40B4-BE49-F238E27FC236}">
-                <a16:creationId xmlns:a16="http://schemas.microsoft.com/office/drawing/2014/main" id="{6C85ADB2-C9AC-4D78-8662-786F0F38C40D}"/>
+                <a16:creationId xmlns:a16="http://schemas.microsoft.com/office/drawing/2014/main" id="{72C6AD10-C612-4855-A954-070C08F5C879}"/>
               </a:ext>
             </a:extLst>
           </p:cNvPr>
@@ -7090,7 +8055,7 @@
           <a:p>
             <a:r>
               <a:rPr lang="en-IN" dirty="0"/>
-              <a:t>Naïve Bayes classifier </a:t>
+              <a:t>K-nearest neighbour</a:t>
             </a:r>
           </a:p>
         </p:txBody>
@@ -7100,7 +8065,7 @@
           <p:cNvPr id="3" name="Content Placeholder 2">
             <a:extLst>
               <a:ext uri="{FF2B5EF4-FFF2-40B4-BE49-F238E27FC236}">
-                <a16:creationId xmlns:a16="http://schemas.microsoft.com/office/drawing/2014/main" id="{5B223641-573C-4A66-9B32-B205BA4E08F0}"/>
+                <a16:creationId xmlns:a16="http://schemas.microsoft.com/office/drawing/2014/main" id="{77105D34-2C32-4A55-AE84-5EEAD7F8B98D}"/>
               </a:ext>
             </a:extLst>
           </p:cNvPr>
@@ -7111,46 +8076,104 @@
             <p:ph idx="1"/>
           </p:nvPr>
         </p:nvSpPr>
-        <p:spPr/>
-        <p:txBody>
-          <a:bodyPr>
-            <a:normAutofit/>
+        <p:spPr>
+          <a:xfrm>
+            <a:off x="-1221677" y="1825624"/>
+            <a:ext cx="12288261" cy="6205121"/>
+          </a:xfrm>
+        </p:spPr>
+        <p:txBody>
+          <a:bodyPr/>
+          <a:lstStyle/>
+          <a:p>
+            <a:endParaRPr lang="en-IN" dirty="0"/>
+          </a:p>
+          <a:p>
+            <a:endParaRPr lang="en-IN" dirty="0"/>
+          </a:p>
+          <a:p>
+            <a:endParaRPr lang="en-IN" dirty="0"/>
+          </a:p>
+        </p:txBody>
+      </p:sp>
+      <p:pic>
+        <p:nvPicPr>
+          <p:cNvPr id="1026" name="Picture 2" descr="K Nearest Neighbor | KNN Algorithm | KNN in Python &amp; R">
+            <a:extLst>
+              <a:ext uri="{FF2B5EF4-FFF2-40B4-BE49-F238E27FC236}">
+                <a16:creationId xmlns:a16="http://schemas.microsoft.com/office/drawing/2014/main" id="{570D5A78-D0D1-4799-A07D-C51C262AFF01}"/>
+              </a:ext>
+            </a:extLst>
+          </p:cNvPr>
+          <p:cNvPicPr>
+            <a:picLocks noChangeAspect="1" noChangeArrowheads="1"/>
+          </p:cNvPicPr>
+          <p:nvPr/>
+        </p:nvPicPr>
+        <p:blipFill>
+          <a:blip r:embed="rId2">
+            <a:extLst>
+              <a:ext uri="{28A0092B-C50C-407E-A947-70E740481C1C}">
+                <a14:useLocalDpi xmlns:a14="http://schemas.microsoft.com/office/drawing/2010/main" val="0"/>
+              </a:ext>
+            </a:extLst>
+          </a:blip>
+          <a:srcRect/>
+          <a:stretch>
+            <a:fillRect/>
+          </a:stretch>
+        </p:blipFill>
+        <p:spPr bwMode="auto">
+          <a:xfrm>
+            <a:off x="630937" y="1938338"/>
+            <a:ext cx="9711772" cy="4251447"/>
+          </a:xfrm>
+          <a:prstGeom prst="rect">
+            <a:avLst/>
+          </a:prstGeom>
+          <a:noFill/>
+          <a:extLst>
+            <a:ext uri="{909E8E84-426E-40DD-AFC4-6F175D3DCCD1}">
+              <a14:hiddenFill xmlns:a14="http://schemas.microsoft.com/office/drawing/2010/main">
+                <a:solidFill>
+                  <a:srgbClr val="FFFFFF"/>
+                </a:solidFill>
+              </a14:hiddenFill>
+            </a:ext>
+          </a:extLst>
+        </p:spPr>
+      </p:pic>
+      <p:sp>
+        <p:nvSpPr>
+          <p:cNvPr id="4" name="TextBox 3">
+            <a:extLst>
+              <a:ext uri="{FF2B5EF4-FFF2-40B4-BE49-F238E27FC236}">
+                <a16:creationId xmlns:a16="http://schemas.microsoft.com/office/drawing/2014/main" id="{CEF904FA-4230-43DA-BC36-776363833826}"/>
+              </a:ext>
+            </a:extLst>
+          </p:cNvPr>
+          <p:cNvSpPr txBox="1"/>
+          <p:nvPr/>
+        </p:nvSpPr>
+        <p:spPr>
+          <a:xfrm>
+            <a:off x="5936566" y="1690688"/>
+            <a:ext cx="2250831" cy="461665"/>
+          </a:xfrm>
+          <a:prstGeom prst="rect">
+            <a:avLst/>
+          </a:prstGeom>
+          <a:noFill/>
+        </p:spPr>
+        <p:txBody>
+          <a:bodyPr wrap="square" rtlCol="0">
+            <a:spAutoFit/>
           </a:bodyPr>
           <a:lstStyle/>
           <a:p>
-            <a:pPr marL="0" indent="0">
-              <a:buNone/>
-            </a:pPr>
             <a:r>
               <a:rPr lang="en-IN" sz="2400" dirty="0"/>
-              <a:t>It consists of calculating three things:</a:t>
-            </a:r>
-          </a:p>
-          <a:p>
-            <a:endParaRPr lang="en-IN" sz="2400" dirty="0"/>
-          </a:p>
-          <a:p>
-            <a:r>
-              <a:rPr lang="en-IN" sz="2400" dirty="0"/>
-              <a:t>1) Prior probabilities (Train stage)</a:t>
-            </a:r>
-          </a:p>
-          <a:p>
-            <a:endParaRPr lang="en-IN" sz="2400" dirty="0"/>
-          </a:p>
-          <a:p>
-            <a:r>
-              <a:rPr lang="en-IN" sz="2400" dirty="0"/>
-              <a:t>2) Likelihood probabilities (Train stage)</a:t>
-            </a:r>
-          </a:p>
-          <a:p>
-            <a:endParaRPr lang="en-IN" sz="2400" dirty="0"/>
-          </a:p>
-          <a:p>
-            <a:r>
-              <a:rPr lang="en-IN" sz="2400" dirty="0"/>
-              <a:t>3) Posterior probabilities (Test stage)</a:t>
+              <a:t>Here K = 3</a:t>
             </a:r>
           </a:p>
         </p:txBody>
@@ -7158,7 +8181,7 @@
     </p:spTree>
     <p:extLst>
       <p:ext uri="{BB962C8B-B14F-4D97-AF65-F5344CB8AC3E}">
-        <p14:creationId xmlns:p14="http://schemas.microsoft.com/office/powerpoint/2010/main" val="2391281023"/>
+        <p14:creationId xmlns:p14="http://schemas.microsoft.com/office/powerpoint/2010/main" val="1714880621"/>
       </p:ext>
     </p:extLst>
   </p:cSld>
@@ -7190,7 +8213,7 @@
           <p:cNvPr id="2" name="Title 1">
             <a:extLst>
               <a:ext uri="{FF2B5EF4-FFF2-40B4-BE49-F238E27FC236}">
-                <a16:creationId xmlns:a16="http://schemas.microsoft.com/office/drawing/2014/main" id="{A37F76BF-8C0A-47AE-91B9-ED6654B72BAB}"/>
+                <a16:creationId xmlns:a16="http://schemas.microsoft.com/office/drawing/2014/main" id="{6C85ADB2-C9AC-4D78-8662-786F0F38C40D}"/>
               </a:ext>
             </a:extLst>
           </p:cNvPr>
@@ -7203,13 +8226,11 @@
         </p:nvSpPr>
         <p:spPr/>
         <p:txBody>
-          <a:bodyPr>
-            <a:normAutofit/>
-          </a:bodyPr>
-          <a:lstStyle/>
-          <a:p>
-            <a:r>
-              <a:rPr lang="en-IN" sz="3600" dirty="0"/>
+          <a:bodyPr/>
+          <a:lstStyle/>
+          <a:p>
+            <a:r>
+              <a:rPr lang="en-IN" dirty="0"/>
               <a:t>Naïve Bayes classifier </a:t>
             </a:r>
           </a:p>
@@ -7220,7 +8241,7 @@
           <p:cNvPr id="3" name="Content Placeholder 2">
             <a:extLst>
               <a:ext uri="{FF2B5EF4-FFF2-40B4-BE49-F238E27FC236}">
-                <a16:creationId xmlns:a16="http://schemas.microsoft.com/office/drawing/2014/main" id="{80BEE7ED-EB1D-4753-9A41-FF261051B54B}"/>
+                <a16:creationId xmlns:a16="http://schemas.microsoft.com/office/drawing/2014/main" id="{5B223641-573C-4A66-9B32-B205BA4E08F0}"/>
               </a:ext>
             </a:extLst>
           </p:cNvPr>
@@ -7233,7 +8254,7 @@
         </p:nvSpPr>
         <p:spPr>
           <a:xfrm>
-            <a:off x="683455" y="1690688"/>
+            <a:off x="653079" y="1880889"/>
             <a:ext cx="10515600" cy="4351338"/>
           </a:xfrm>
         </p:spPr>
@@ -7247,107 +8268,929 @@
               <a:buNone/>
             </a:pPr>
             <a:r>
-              <a:rPr lang="en-IN" dirty="0">
+              <a:rPr lang="en-IN" sz="2400" dirty="0">
                 <a:solidFill>
                   <a:srgbClr val="FF0000"/>
                 </a:solidFill>
               </a:rPr>
-              <a:t>1</a:t>
-            </a:r>
-            <a:r>
-              <a:rPr lang="en-IN" baseline="30000" dirty="0">
-                <a:solidFill>
-                  <a:srgbClr val="FF0000"/>
-                </a:solidFill>
-              </a:rPr>
-              <a:t>st</a:t>
-            </a:r>
-            <a:r>
-              <a:rPr lang="en-IN" dirty="0">
-                <a:solidFill>
-                  <a:srgbClr val="FF0000"/>
-                </a:solidFill>
-              </a:rPr>
-              <a:t> step : Prior probability</a:t>
-            </a:r>
-          </a:p>
-          <a:p>
-            <a:pPr marL="0" indent="0">
-              <a:lnSpc>
-                <a:spcPct val="150000"/>
-              </a:lnSpc>
-              <a:buNone/>
-            </a:pPr>
-            <a:r>
-              <a:rPr lang="en-IN" dirty="0"/>
-              <a:t>Calculate number of points belonging to each of the classes and then divide with total number of points in the dataset to get respective probabilities of each class </a:t>
-            </a:r>
-          </a:p>
-          <a:p>
-            <a:pPr marL="0" indent="0">
-              <a:lnSpc>
-                <a:spcPct val="150000"/>
-              </a:lnSpc>
-              <a:buNone/>
-            </a:pPr>
-            <a:r>
-              <a:rPr lang="en-IN" dirty="0"/>
-              <a:t>i.e. calculate P(y=c</a:t>
-            </a:r>
-            <a:r>
-              <a:rPr lang="en-IN" baseline="-25000" dirty="0"/>
-              <a:t>1</a:t>
-            </a:r>
-            <a:r>
-              <a:rPr lang="en-IN" dirty="0"/>
-              <a:t>) , P(y=c</a:t>
-            </a:r>
-            <a:r>
-              <a:rPr lang="en-IN" baseline="-25000" dirty="0"/>
-              <a:t>2</a:t>
-            </a:r>
-            <a:r>
-              <a:rPr lang="en-IN" dirty="0"/>
-              <a:t>) ,…., P(y=c</a:t>
-            </a:r>
-            <a:r>
-              <a:rPr lang="en-IN" baseline="-25000" dirty="0"/>
-              <a:t>k</a:t>
-            </a:r>
-            <a:r>
-              <a:rPr lang="en-IN" dirty="0"/>
-              <a:t>) if there are k classes</a:t>
-            </a:r>
-            <a:r>
-              <a:rPr lang="en-IN" baseline="30000" dirty="0"/>
-              <a:t> </a:t>
-            </a:r>
-            <a:endParaRPr lang="en-IN" dirty="0"/>
+              <a:t>Assumption</a:t>
+            </a:r>
+            <a:r>
+              <a:rPr lang="en-IN" sz="2400" dirty="0"/>
+              <a:t>: Features are conditionally independent</a:t>
+            </a:r>
           </a:p>
           <a:p>
             <a:pPr marL="0" indent="0">
               <a:buNone/>
             </a:pPr>
-            <a:endParaRPr lang="en-IN" dirty="0"/>
+            <a:endParaRPr lang="en-IN" sz="2400" dirty="0"/>
           </a:p>
           <a:p>
             <a:pPr marL="0" indent="0">
               <a:buNone/>
             </a:pPr>
-            <a:endParaRPr lang="en-IN" sz="3200" dirty="0"/>
+            <a:r>
+              <a:rPr lang="en-IN" sz="2400" dirty="0"/>
+              <a:t>It consists of calculating three things:</a:t>
+            </a:r>
+          </a:p>
+          <a:p>
+            <a:endParaRPr lang="en-IN" sz="2400" dirty="0"/>
+          </a:p>
+          <a:p>
+            <a:pPr marL="0" indent="0">
+              <a:buNone/>
+            </a:pPr>
+            <a:r>
+              <a:rPr lang="en-IN" sz="2400" dirty="0"/>
+              <a:t>1) Prior probabilities (Train stage)</a:t>
+            </a:r>
+          </a:p>
+          <a:p>
+            <a:endParaRPr lang="en-IN" sz="2400" dirty="0"/>
+          </a:p>
+          <a:p>
+            <a:pPr marL="0" indent="0">
+              <a:buNone/>
+            </a:pPr>
+            <a:r>
+              <a:rPr lang="en-IN" sz="2400" dirty="0"/>
+              <a:t>2) Likelihood probabilities (Train stage)</a:t>
+            </a:r>
+          </a:p>
+          <a:p>
+            <a:endParaRPr lang="en-IN" sz="2400" dirty="0"/>
+          </a:p>
+          <a:p>
+            <a:pPr marL="0" indent="0">
+              <a:buNone/>
+            </a:pPr>
+            <a:r>
+              <a:rPr lang="en-IN" sz="2400" dirty="0"/>
+              <a:t>3) Posterior probabilities (Test stage)</a:t>
+            </a:r>
+          </a:p>
+        </p:txBody>
+      </p:sp>
+      <mc:AlternateContent xmlns:mc="http://schemas.openxmlformats.org/markup-compatibility/2006">
+        <mc:Choice xmlns:a14="http://schemas.microsoft.com/office/drawing/2010/main" Requires="a14">
+          <p:sp>
+            <p:nvSpPr>
+              <p:cNvPr id="4" name="TextBox 3">
+                <a:extLst>
+                  <a:ext uri="{FF2B5EF4-FFF2-40B4-BE49-F238E27FC236}">
+                    <a16:creationId xmlns:a16="http://schemas.microsoft.com/office/drawing/2014/main" id="{154C959C-A343-4179-8049-FCBA37F43450}"/>
+                  </a:ext>
+                </a:extLst>
+              </p:cNvPr>
+              <p:cNvSpPr txBox="1"/>
+              <p:nvPr/>
+            </p:nvSpPr>
+            <p:spPr>
+              <a:xfrm>
+                <a:off x="7301948" y="3244334"/>
+                <a:ext cx="4414606" cy="892296"/>
+              </a:xfrm>
+              <a:prstGeom prst="rect">
+                <a:avLst/>
+              </a:prstGeom>
+              <a:noFill/>
+            </p:spPr>
+            <p:txBody>
+              <a:bodyPr wrap="none" rtlCol="0">
+                <a:spAutoFit/>
+              </a:bodyPr>
+              <a:lstStyle/>
+              <a:p>
+                <a:r>
+                  <a:rPr lang="en-IN" sz="2400" dirty="0"/>
+                  <a:t>P( y=c</a:t>
+                </a:r>
+                <a:r>
+                  <a:rPr lang="en-IN" sz="2400" baseline="-25000" dirty="0"/>
+                  <a:t>k </a:t>
+                </a:r>
+                <a:r>
+                  <a:rPr lang="en-IN" sz="2400" dirty="0"/>
+                  <a:t> | </a:t>
+                </a:r>
+                <a:r>
+                  <a:rPr lang="en-IN" sz="2400" dirty="0" err="1"/>
+                  <a:t>x</a:t>
+                </a:r>
+                <a:r>
+                  <a:rPr lang="en-IN" sz="2400" baseline="-25000" dirty="0" err="1"/>
+                  <a:t>q</a:t>
+                </a:r>
+                <a:r>
+                  <a:rPr lang="en-IN" sz="2400" dirty="0"/>
+                  <a:t> ) </a:t>
+                </a:r>
+                <a:r>
+                  <a:rPr lang="en-IN" dirty="0"/>
+                  <a:t>= </a:t>
+                </a:r>
+                <a14:m>
+                  <m:oMath xmlns:m="http://schemas.openxmlformats.org/officeDocument/2006/math">
+                    <m:f>
+                      <m:fPr>
+                        <m:ctrlPr>
+                          <a:rPr lang="en-IN" sz="2800" i="1" smtClean="0">
+                            <a:latin typeface="Cambria Math" panose="02040503050406030204" pitchFamily="18" charset="0"/>
+                          </a:rPr>
+                        </m:ctrlPr>
+                      </m:fPr>
+                      <m:num>
+                        <m:r>
+                          <a:rPr lang="en-IN" sz="2800" b="0" i="1" smtClean="0">
+                            <a:latin typeface="Cambria Math" panose="02040503050406030204" pitchFamily="18" charset="0"/>
+                          </a:rPr>
+                          <m:t>𝑃</m:t>
+                        </m:r>
+                        <m:d>
+                          <m:dPr>
+                            <m:ctrlPr>
+                              <a:rPr lang="en-IN" sz="2800" b="0" i="1" smtClean="0">
+                                <a:latin typeface="Cambria Math" panose="02040503050406030204" pitchFamily="18" charset="0"/>
+                              </a:rPr>
+                            </m:ctrlPr>
+                          </m:dPr>
+                          <m:e>
+                            <m:r>
+                              <a:rPr lang="en-IN" sz="2800" b="0" i="1" smtClean="0">
+                                <a:latin typeface="Cambria Math" panose="02040503050406030204" pitchFamily="18" charset="0"/>
+                              </a:rPr>
+                              <m:t>𝑦</m:t>
+                            </m:r>
+                            <m:r>
+                              <a:rPr lang="en-IN" sz="2800" b="0" i="1" smtClean="0">
+                                <a:latin typeface="Cambria Math" panose="02040503050406030204" pitchFamily="18" charset="0"/>
+                              </a:rPr>
+                              <m:t>=</m:t>
+                            </m:r>
+                            <m:sSub>
+                              <m:sSubPr>
+                                <m:ctrlPr>
+                                  <a:rPr lang="en-IN" sz="2800" b="0" i="1" smtClean="0">
+                                    <a:latin typeface="Cambria Math" panose="02040503050406030204" pitchFamily="18" charset="0"/>
+                                  </a:rPr>
+                                </m:ctrlPr>
+                              </m:sSubPr>
+                              <m:e>
+                                <m:r>
+                                  <a:rPr lang="en-IN" sz="2800" b="0" i="1" smtClean="0">
+                                    <a:latin typeface="Cambria Math" panose="02040503050406030204" pitchFamily="18" charset="0"/>
+                                  </a:rPr>
+                                  <m:t>𝑐</m:t>
+                                </m:r>
+                              </m:e>
+                              <m:sub>
+                                <m:r>
+                                  <a:rPr lang="en-IN" sz="2800" b="0" i="1" smtClean="0">
+                                    <a:latin typeface="Cambria Math" panose="02040503050406030204" pitchFamily="18" charset="0"/>
+                                  </a:rPr>
+                                  <m:t>𝑘</m:t>
+                                </m:r>
+                              </m:sub>
+                            </m:sSub>
+                          </m:e>
+                        </m:d>
+                        <m:r>
+                          <a:rPr lang="en-IN" sz="2800" b="0" i="1" smtClean="0">
+                            <a:latin typeface="Cambria Math" panose="02040503050406030204" pitchFamily="18" charset="0"/>
+                          </a:rPr>
+                          <m:t>∗</m:t>
+                        </m:r>
+                        <m:r>
+                          <a:rPr lang="en-IN" sz="2800" b="0" i="1" smtClean="0">
+                            <a:latin typeface="Cambria Math" panose="02040503050406030204" pitchFamily="18" charset="0"/>
+                          </a:rPr>
+                          <m:t>𝑃</m:t>
+                        </m:r>
+                        <m:d>
+                          <m:dPr>
+                            <m:endChr m:val="|"/>
+                            <m:ctrlPr>
+                              <a:rPr lang="en-IN" sz="2800" b="0" i="1" smtClean="0">
+                                <a:latin typeface="Cambria Math" panose="02040503050406030204" pitchFamily="18" charset="0"/>
+                              </a:rPr>
+                            </m:ctrlPr>
+                          </m:dPr>
+                          <m:e>
+                            <m:r>
+                              <a:rPr lang="en-IN" sz="2800" b="0" i="1" smtClean="0">
+                                <a:latin typeface="Cambria Math" panose="02040503050406030204" pitchFamily="18" charset="0"/>
+                              </a:rPr>
+                              <m:t> </m:t>
+                            </m:r>
+                            <m:sSub>
+                              <m:sSubPr>
+                                <m:ctrlPr>
+                                  <a:rPr lang="en-IN" sz="2800" b="0" i="1" smtClean="0">
+                                    <a:latin typeface="Cambria Math" panose="02040503050406030204" pitchFamily="18" charset="0"/>
+                                  </a:rPr>
+                                </m:ctrlPr>
+                              </m:sSubPr>
+                              <m:e>
+                                <m:r>
+                                  <a:rPr lang="en-IN" sz="2800" b="0" i="1" smtClean="0">
+                                    <a:latin typeface="Cambria Math" panose="02040503050406030204" pitchFamily="18" charset="0"/>
+                                  </a:rPr>
+                                  <m:t>𝑥</m:t>
+                                </m:r>
+                              </m:e>
+                              <m:sub>
+                                <m:r>
+                                  <a:rPr lang="en-IN" sz="2800" b="0" i="1" smtClean="0">
+                                    <a:latin typeface="Cambria Math" panose="02040503050406030204" pitchFamily="18" charset="0"/>
+                                  </a:rPr>
+                                  <m:t>𝑞</m:t>
+                                </m:r>
+                              </m:sub>
+                            </m:sSub>
+                            <m:r>
+                              <a:rPr lang="en-IN" sz="2800" b="0" i="1" smtClean="0">
+                                <a:latin typeface="Cambria Math" panose="02040503050406030204" pitchFamily="18" charset="0"/>
+                              </a:rPr>
+                              <m:t> </m:t>
+                            </m:r>
+                          </m:e>
+                        </m:d>
+                        <m:sSub>
+                          <m:sSubPr>
+                            <m:ctrlPr>
+                              <a:rPr lang="en-IN" sz="2800" b="0" i="1" smtClean="0">
+                                <a:latin typeface="Cambria Math" panose="02040503050406030204" pitchFamily="18" charset="0"/>
+                              </a:rPr>
+                            </m:ctrlPr>
+                          </m:sSubPr>
+                          <m:e>
+                            <m:r>
+                              <a:rPr lang="en-IN" sz="2800" b="0" i="1" smtClean="0">
+                                <a:latin typeface="Cambria Math" panose="02040503050406030204" pitchFamily="18" charset="0"/>
+                              </a:rPr>
+                              <m:t>𝑐</m:t>
+                            </m:r>
+                          </m:e>
+                          <m:sub>
+                            <m:r>
+                              <a:rPr lang="en-IN" sz="2800" b="0" i="1" smtClean="0">
+                                <a:latin typeface="Cambria Math" panose="02040503050406030204" pitchFamily="18" charset="0"/>
+                              </a:rPr>
+                              <m:t>𝑘</m:t>
+                            </m:r>
+                          </m:sub>
+                        </m:sSub>
+                        <m:r>
+                          <a:rPr lang="en-IN" sz="2800" b="0" i="1" smtClean="0">
+                            <a:latin typeface="Cambria Math" panose="02040503050406030204" pitchFamily="18" charset="0"/>
+                          </a:rPr>
+                          <m:t>)</m:t>
+                        </m:r>
+                      </m:num>
+                      <m:den>
+                        <m:r>
+                          <a:rPr lang="en-IN" sz="2800" b="0" i="1" smtClean="0">
+                            <a:latin typeface="Cambria Math" panose="02040503050406030204" pitchFamily="18" charset="0"/>
+                          </a:rPr>
+                          <m:t>𝑃</m:t>
+                        </m:r>
+                        <m:r>
+                          <a:rPr lang="en-IN" sz="2800" b="0" i="1" smtClean="0">
+                            <a:latin typeface="Cambria Math" panose="02040503050406030204" pitchFamily="18" charset="0"/>
+                          </a:rPr>
+                          <m:t>(</m:t>
+                        </m:r>
+                        <m:sSub>
+                          <m:sSubPr>
+                            <m:ctrlPr>
+                              <a:rPr lang="en-IN" sz="2800" b="0" i="1" smtClean="0">
+                                <a:latin typeface="Cambria Math" panose="02040503050406030204" pitchFamily="18" charset="0"/>
+                              </a:rPr>
+                            </m:ctrlPr>
+                          </m:sSubPr>
+                          <m:e>
+                            <m:r>
+                              <a:rPr lang="en-IN" sz="2800" b="0" i="1" smtClean="0">
+                                <a:latin typeface="Cambria Math" panose="02040503050406030204" pitchFamily="18" charset="0"/>
+                              </a:rPr>
+                              <m:t>𝑥</m:t>
+                            </m:r>
+                          </m:e>
+                          <m:sub>
+                            <m:r>
+                              <a:rPr lang="en-IN" sz="2800" b="0" i="1" smtClean="0">
+                                <a:latin typeface="Cambria Math" panose="02040503050406030204" pitchFamily="18" charset="0"/>
+                              </a:rPr>
+                              <m:t>𝑞</m:t>
+                            </m:r>
+                          </m:sub>
+                        </m:sSub>
+                        <m:r>
+                          <a:rPr lang="en-IN" sz="2800" b="0" i="1" smtClean="0">
+                            <a:latin typeface="Cambria Math" panose="02040503050406030204" pitchFamily="18" charset="0"/>
+                          </a:rPr>
+                          <m:t>)</m:t>
+                        </m:r>
+                      </m:den>
+                    </m:f>
+                  </m:oMath>
+                </a14:m>
+                <a:r>
+                  <a:rPr lang="en-IN" sz="2800" dirty="0"/>
+                  <a:t> </a:t>
+                </a:r>
+                <a:endParaRPr lang="en-IN" dirty="0"/>
+              </a:p>
+            </p:txBody>
+          </p:sp>
+        </mc:Choice>
+        <mc:Fallback>
+          <p:sp>
+            <p:nvSpPr>
+              <p:cNvPr id="4" name="TextBox 3">
+                <a:extLst>
+                  <a:ext uri="{FF2B5EF4-FFF2-40B4-BE49-F238E27FC236}">
+                    <a16:creationId xmlns:a16="http://schemas.microsoft.com/office/drawing/2014/main" id="{154C959C-A343-4179-8049-FCBA37F43450}"/>
+                  </a:ext>
+                </a:extLst>
+              </p:cNvPr>
+              <p:cNvSpPr txBox="1">
+                <a:spLocks noRot="1" noChangeAspect="1" noMove="1" noResize="1" noEditPoints="1" noAdjustHandles="1" noChangeArrowheads="1" noChangeShapeType="1" noTextEdit="1"/>
+              </p:cNvSpPr>
+              <p:nvPr/>
+            </p:nvSpPr>
+            <p:spPr>
+              <a:xfrm>
+                <a:off x="7301948" y="3244334"/>
+                <a:ext cx="4414606" cy="892296"/>
+              </a:xfrm>
+              <a:prstGeom prst="rect">
+                <a:avLst/>
+              </a:prstGeom>
+              <a:blipFill>
+                <a:blip r:embed="rId2"/>
+                <a:stretch>
+                  <a:fillRect l="-2210"/>
+                </a:stretch>
+              </a:blipFill>
+            </p:spPr>
+            <p:txBody>
+              <a:bodyPr/>
+              <a:lstStyle/>
+              <a:p>
+                <a:r>
+                  <a:rPr lang="en-IN">
+                    <a:noFill/>
+                  </a:rPr>
+                  <a:t> </a:t>
+                </a:r>
+              </a:p>
+            </p:txBody>
+          </p:sp>
+        </mc:Fallback>
+      </mc:AlternateContent>
+      <p:sp>
+        <p:nvSpPr>
+          <p:cNvPr id="5" name="TextBox 4">
+            <a:extLst>
+              <a:ext uri="{FF2B5EF4-FFF2-40B4-BE49-F238E27FC236}">
+                <a16:creationId xmlns:a16="http://schemas.microsoft.com/office/drawing/2014/main" id="{EDB68051-682B-430C-844F-08D696A7FBAA}"/>
+              </a:ext>
+            </a:extLst>
+          </p:cNvPr>
+          <p:cNvSpPr txBox="1"/>
+          <p:nvPr/>
+        </p:nvSpPr>
+        <p:spPr>
+          <a:xfrm>
+            <a:off x="8715059" y="4972130"/>
+            <a:ext cx="2660537" cy="646331"/>
+          </a:xfrm>
+          <a:prstGeom prst="rect">
+            <a:avLst/>
+          </a:prstGeom>
+          <a:noFill/>
+        </p:spPr>
+        <p:txBody>
+          <a:bodyPr wrap="none" rtlCol="0">
+            <a:spAutoFit/>
+          </a:bodyPr>
+          <a:lstStyle/>
+          <a:p>
+            <a:r>
+              <a:rPr lang="en-IN" dirty="0"/>
+              <a:t>Bayes theorem formula </a:t>
+            </a:r>
+          </a:p>
+          <a:p>
+            <a:r>
+              <a:rPr lang="en-IN" dirty="0"/>
+              <a:t>For conditional probability</a:t>
+            </a:r>
+          </a:p>
+        </p:txBody>
+      </p:sp>
+      <p:cxnSp>
+        <p:nvCxnSpPr>
+          <p:cNvPr id="7" name="Straight Arrow Connector 6">
+            <a:extLst>
+              <a:ext uri="{FF2B5EF4-FFF2-40B4-BE49-F238E27FC236}">
+                <a16:creationId xmlns:a16="http://schemas.microsoft.com/office/drawing/2014/main" id="{BBBE748E-3FC7-497C-9F5C-F74721211AC6}"/>
+              </a:ext>
+            </a:extLst>
+          </p:cNvPr>
+          <p:cNvCxnSpPr/>
+          <p:nvPr/>
+        </p:nvCxnSpPr>
+        <p:spPr>
+          <a:xfrm flipV="1">
+            <a:off x="7301948" y="4136630"/>
+            <a:ext cx="636104" cy="1204832"/>
+          </a:xfrm>
+          <a:prstGeom prst="straightConnector1">
+            <a:avLst/>
+          </a:prstGeom>
+          <a:ln>
+            <a:tailEnd type="triangle"/>
+          </a:ln>
+        </p:spPr>
+        <p:style>
+          <a:lnRef idx="1">
+            <a:schemeClr val="accent1"/>
+          </a:lnRef>
+          <a:fillRef idx="0">
+            <a:schemeClr val="accent1"/>
+          </a:fillRef>
+          <a:effectRef idx="0">
+            <a:schemeClr val="accent1"/>
+          </a:effectRef>
+          <a:fontRef idx="minor">
+            <a:schemeClr val="tx1"/>
+          </a:fontRef>
+        </p:style>
+      </p:cxnSp>
+      <p:sp>
+        <p:nvSpPr>
+          <p:cNvPr id="8" name="TextBox 7">
+            <a:extLst>
+              <a:ext uri="{FF2B5EF4-FFF2-40B4-BE49-F238E27FC236}">
+                <a16:creationId xmlns:a16="http://schemas.microsoft.com/office/drawing/2014/main" id="{CA67877F-B6D1-40F3-985D-CA69578A88E3}"/>
+              </a:ext>
+            </a:extLst>
+          </p:cNvPr>
+          <p:cNvSpPr txBox="1"/>
+          <p:nvPr/>
+        </p:nvSpPr>
+        <p:spPr>
+          <a:xfrm>
+            <a:off x="6579587" y="5389880"/>
+            <a:ext cx="1040413" cy="369332"/>
+          </a:xfrm>
+          <a:prstGeom prst="rect">
+            <a:avLst/>
+          </a:prstGeom>
+          <a:noFill/>
+        </p:spPr>
+        <p:txBody>
+          <a:bodyPr wrap="none" rtlCol="0">
+            <a:spAutoFit/>
+          </a:bodyPr>
+          <a:lstStyle/>
+          <a:p>
+            <a:r>
+              <a:rPr lang="en-IN" dirty="0"/>
+              <a:t>posterior</a:t>
+            </a:r>
+          </a:p>
+        </p:txBody>
+      </p:sp>
+      <p:cxnSp>
+        <p:nvCxnSpPr>
+          <p:cNvPr id="10" name="Straight Arrow Connector 9">
+            <a:extLst>
+              <a:ext uri="{FF2B5EF4-FFF2-40B4-BE49-F238E27FC236}">
+                <a16:creationId xmlns:a16="http://schemas.microsoft.com/office/drawing/2014/main" id="{8B6E499A-0FA9-4EDA-99F1-C85EC146A5C1}"/>
+              </a:ext>
+            </a:extLst>
+          </p:cNvPr>
+          <p:cNvCxnSpPr>
+            <a:cxnSpLocks/>
+          </p:cNvCxnSpPr>
+          <p:nvPr/>
+        </p:nvCxnSpPr>
+        <p:spPr>
+          <a:xfrm>
+            <a:off x="8865704" y="2332383"/>
+            <a:ext cx="821635" cy="911951"/>
+          </a:xfrm>
+          <a:prstGeom prst="straightConnector1">
+            <a:avLst/>
+          </a:prstGeom>
+          <a:ln>
+            <a:tailEnd type="triangle"/>
+          </a:ln>
+        </p:spPr>
+        <p:style>
+          <a:lnRef idx="1">
+            <a:schemeClr val="accent1"/>
+          </a:lnRef>
+          <a:fillRef idx="0">
+            <a:schemeClr val="accent1"/>
+          </a:fillRef>
+          <a:effectRef idx="0">
+            <a:schemeClr val="accent1"/>
+          </a:effectRef>
+          <a:fontRef idx="minor">
+            <a:schemeClr val="tx1"/>
+          </a:fontRef>
+        </p:style>
+      </p:cxnSp>
+      <p:cxnSp>
+        <p:nvCxnSpPr>
+          <p:cNvPr id="12" name="Straight Arrow Connector 11">
+            <a:extLst>
+              <a:ext uri="{FF2B5EF4-FFF2-40B4-BE49-F238E27FC236}">
+                <a16:creationId xmlns:a16="http://schemas.microsoft.com/office/drawing/2014/main" id="{8E5B59F2-01B1-4F25-9C24-3114492849F6}"/>
+              </a:ext>
+            </a:extLst>
+          </p:cNvPr>
+          <p:cNvCxnSpPr>
+            <a:cxnSpLocks/>
+          </p:cNvCxnSpPr>
+          <p:nvPr/>
+        </p:nvCxnSpPr>
+        <p:spPr>
+          <a:xfrm flipH="1">
+            <a:off x="11078794" y="2332383"/>
+            <a:ext cx="45566" cy="864915"/>
+          </a:xfrm>
+          <a:prstGeom prst="straightConnector1">
+            <a:avLst/>
+          </a:prstGeom>
+          <a:ln>
+            <a:tailEnd type="triangle"/>
+          </a:ln>
+        </p:spPr>
+        <p:style>
+          <a:lnRef idx="1">
+            <a:schemeClr val="accent1"/>
+          </a:lnRef>
+          <a:fillRef idx="0">
+            <a:schemeClr val="accent1"/>
+          </a:fillRef>
+          <a:effectRef idx="0">
+            <a:schemeClr val="accent1"/>
+          </a:effectRef>
+          <a:fontRef idx="minor">
+            <a:schemeClr val="tx1"/>
+          </a:fontRef>
+        </p:style>
+      </p:cxnSp>
+      <p:sp>
+        <p:nvSpPr>
+          <p:cNvPr id="14" name="TextBox 13">
+            <a:extLst>
+              <a:ext uri="{FF2B5EF4-FFF2-40B4-BE49-F238E27FC236}">
+                <a16:creationId xmlns:a16="http://schemas.microsoft.com/office/drawing/2014/main" id="{0373ED6C-BA8C-4E81-A1E3-C7161660D5ED}"/>
+              </a:ext>
+            </a:extLst>
+          </p:cNvPr>
+          <p:cNvSpPr txBox="1"/>
+          <p:nvPr/>
+        </p:nvSpPr>
+        <p:spPr>
+          <a:xfrm>
+            <a:off x="8502950" y="1980982"/>
+            <a:ext cx="641522" cy="369332"/>
+          </a:xfrm>
+          <a:prstGeom prst="rect">
+            <a:avLst/>
+          </a:prstGeom>
+          <a:noFill/>
+        </p:spPr>
+        <p:txBody>
+          <a:bodyPr wrap="none" rtlCol="0">
+            <a:spAutoFit/>
+          </a:bodyPr>
+          <a:lstStyle/>
+          <a:p>
+            <a:r>
+              <a:rPr lang="en-IN" dirty="0"/>
+              <a:t>prior</a:t>
+            </a:r>
+          </a:p>
+        </p:txBody>
+      </p:sp>
+      <p:sp>
+        <p:nvSpPr>
+          <p:cNvPr id="15" name="TextBox 14">
+            <a:extLst>
+              <a:ext uri="{FF2B5EF4-FFF2-40B4-BE49-F238E27FC236}">
+                <a16:creationId xmlns:a16="http://schemas.microsoft.com/office/drawing/2014/main" id="{274CD405-9CF5-4ED8-9F18-1FFD54B9D420}"/>
+              </a:ext>
+            </a:extLst>
+          </p:cNvPr>
+          <p:cNvSpPr txBox="1"/>
+          <p:nvPr/>
+        </p:nvSpPr>
+        <p:spPr>
+          <a:xfrm>
+            <a:off x="10620805" y="1894338"/>
+            <a:ext cx="1095749" cy="369332"/>
+          </a:xfrm>
+          <a:prstGeom prst="rect">
+            <a:avLst/>
+          </a:prstGeom>
+          <a:noFill/>
+        </p:spPr>
+        <p:txBody>
+          <a:bodyPr wrap="none" rtlCol="0">
+            <a:spAutoFit/>
+          </a:bodyPr>
+          <a:lstStyle/>
+          <a:p>
+            <a:r>
+              <a:rPr lang="en-IN" dirty="0"/>
+              <a:t>likelihood</a:t>
+            </a:r>
           </a:p>
         </p:txBody>
       </p:sp>
     </p:spTree>
     <p:extLst>
       <p:ext uri="{BB962C8B-B14F-4D97-AF65-F5344CB8AC3E}">
-        <p14:creationId xmlns:p14="http://schemas.microsoft.com/office/powerpoint/2010/main" val="3107143559"/>
+        <p14:creationId xmlns:p14="http://schemas.microsoft.com/office/powerpoint/2010/main" val="2391281023"/>
       </p:ext>
     </p:extLst>
   </p:cSld>
   <p:clrMapOvr>
     <a:masterClrMapping/>
   </p:clrMapOvr>
+  <p:timing>
+    <p:tnLst>
+      <p:par>
+        <p:cTn id="1" dur="indefinite" restart="never" nodeType="tmRoot">
+          <p:childTnLst>
+            <p:seq concurrent="1" nextAc="seek">
+              <p:cTn id="2" dur="indefinite" nodeType="mainSeq">
+                <p:childTnLst>
+                  <p:par>
+                    <p:cTn id="3" fill="hold">
+                      <p:stCondLst>
+                        <p:cond delay="indefinite"/>
+                      </p:stCondLst>
+                      <p:childTnLst>
+                        <p:par>
+                          <p:cTn id="4" fill="hold">
+                            <p:stCondLst>
+                              <p:cond delay="0"/>
+                            </p:stCondLst>
+                            <p:childTnLst>
+                              <p:par>
+                                <p:cTn id="5" presetID="9" presetClass="entr" presetSubtype="0" fill="hold" grpId="0" nodeType="clickEffect">
+                                  <p:stCondLst>
+                                    <p:cond delay="0"/>
+                                  </p:stCondLst>
+                                  <p:childTnLst>
+                                    <p:set>
+                                      <p:cBhvr>
+                                        <p:cTn id="6" dur="1" fill="hold">
+                                          <p:stCondLst>
+                                            <p:cond delay="0"/>
+                                          </p:stCondLst>
+                                        </p:cTn>
+                                        <p:tgtEl>
+                                          <p:spTgt spid="8"/>
+                                        </p:tgtEl>
+                                        <p:attrNameLst>
+                                          <p:attrName>style.visibility</p:attrName>
+                                        </p:attrNameLst>
+                                      </p:cBhvr>
+                                      <p:to>
+                                        <p:strVal val="visible"/>
+                                      </p:to>
+                                    </p:set>
+                                    <p:animEffect transition="in" filter="dissolve">
+                                      <p:cBhvr>
+                                        <p:cTn id="7" dur="500"/>
+                                        <p:tgtEl>
+                                          <p:spTgt spid="8"/>
+                                        </p:tgtEl>
+                                      </p:cBhvr>
+                                    </p:animEffect>
+                                  </p:childTnLst>
+                                </p:cTn>
+                              </p:par>
+                              <p:par>
+                                <p:cTn id="8" presetID="9" presetClass="entr" presetSubtype="0" fill="hold" nodeType="withEffect">
+                                  <p:stCondLst>
+                                    <p:cond delay="0"/>
+                                  </p:stCondLst>
+                                  <p:childTnLst>
+                                    <p:set>
+                                      <p:cBhvr>
+                                        <p:cTn id="9" dur="1" fill="hold">
+                                          <p:stCondLst>
+                                            <p:cond delay="0"/>
+                                          </p:stCondLst>
+                                        </p:cTn>
+                                        <p:tgtEl>
+                                          <p:spTgt spid="7"/>
+                                        </p:tgtEl>
+                                        <p:attrNameLst>
+                                          <p:attrName>style.visibility</p:attrName>
+                                        </p:attrNameLst>
+                                      </p:cBhvr>
+                                      <p:to>
+                                        <p:strVal val="visible"/>
+                                      </p:to>
+                                    </p:set>
+                                    <p:animEffect transition="in" filter="dissolve">
+                                      <p:cBhvr>
+                                        <p:cTn id="10" dur="500"/>
+                                        <p:tgtEl>
+                                          <p:spTgt spid="7"/>
+                                        </p:tgtEl>
+                                      </p:cBhvr>
+                                    </p:animEffect>
+                                  </p:childTnLst>
+                                </p:cTn>
+                              </p:par>
+                              <p:par>
+                                <p:cTn id="11" presetID="9" presetClass="entr" presetSubtype="0" fill="hold" nodeType="withEffect">
+                                  <p:stCondLst>
+                                    <p:cond delay="0"/>
+                                  </p:stCondLst>
+                                  <p:childTnLst>
+                                    <p:set>
+                                      <p:cBhvr>
+                                        <p:cTn id="12" dur="1" fill="hold">
+                                          <p:stCondLst>
+                                            <p:cond delay="0"/>
+                                          </p:stCondLst>
+                                        </p:cTn>
+                                        <p:tgtEl>
+                                          <p:spTgt spid="10"/>
+                                        </p:tgtEl>
+                                        <p:attrNameLst>
+                                          <p:attrName>style.visibility</p:attrName>
+                                        </p:attrNameLst>
+                                      </p:cBhvr>
+                                      <p:to>
+                                        <p:strVal val="visible"/>
+                                      </p:to>
+                                    </p:set>
+                                    <p:animEffect transition="in" filter="dissolve">
+                                      <p:cBhvr>
+                                        <p:cTn id="13" dur="500"/>
+                                        <p:tgtEl>
+                                          <p:spTgt spid="10"/>
+                                        </p:tgtEl>
+                                      </p:cBhvr>
+                                    </p:animEffect>
+                                  </p:childTnLst>
+                                </p:cTn>
+                              </p:par>
+                              <p:par>
+                                <p:cTn id="14" presetID="9" presetClass="entr" presetSubtype="0" fill="hold" grpId="0" nodeType="withEffect">
+                                  <p:stCondLst>
+                                    <p:cond delay="0"/>
+                                  </p:stCondLst>
+                                  <p:childTnLst>
+                                    <p:set>
+                                      <p:cBhvr>
+                                        <p:cTn id="15" dur="1" fill="hold">
+                                          <p:stCondLst>
+                                            <p:cond delay="0"/>
+                                          </p:stCondLst>
+                                        </p:cTn>
+                                        <p:tgtEl>
+                                          <p:spTgt spid="14"/>
+                                        </p:tgtEl>
+                                        <p:attrNameLst>
+                                          <p:attrName>style.visibility</p:attrName>
+                                        </p:attrNameLst>
+                                      </p:cBhvr>
+                                      <p:to>
+                                        <p:strVal val="visible"/>
+                                      </p:to>
+                                    </p:set>
+                                    <p:animEffect transition="in" filter="dissolve">
+                                      <p:cBhvr>
+                                        <p:cTn id="16" dur="500"/>
+                                        <p:tgtEl>
+                                          <p:spTgt spid="14"/>
+                                        </p:tgtEl>
+                                      </p:cBhvr>
+                                    </p:animEffect>
+                                  </p:childTnLst>
+                                </p:cTn>
+                              </p:par>
+                              <p:par>
+                                <p:cTn id="17" presetID="9" presetClass="entr" presetSubtype="0" fill="hold" nodeType="withEffect">
+                                  <p:stCondLst>
+                                    <p:cond delay="0"/>
+                                  </p:stCondLst>
+                                  <p:childTnLst>
+                                    <p:set>
+                                      <p:cBhvr>
+                                        <p:cTn id="18" dur="1" fill="hold">
+                                          <p:stCondLst>
+                                            <p:cond delay="0"/>
+                                          </p:stCondLst>
+                                        </p:cTn>
+                                        <p:tgtEl>
+                                          <p:spTgt spid="12"/>
+                                        </p:tgtEl>
+                                        <p:attrNameLst>
+                                          <p:attrName>style.visibility</p:attrName>
+                                        </p:attrNameLst>
+                                      </p:cBhvr>
+                                      <p:to>
+                                        <p:strVal val="visible"/>
+                                      </p:to>
+                                    </p:set>
+                                    <p:animEffect transition="in" filter="dissolve">
+                                      <p:cBhvr>
+                                        <p:cTn id="19" dur="500"/>
+                                        <p:tgtEl>
+                                          <p:spTgt spid="12"/>
+                                        </p:tgtEl>
+                                      </p:cBhvr>
+                                    </p:animEffect>
+                                  </p:childTnLst>
+                                </p:cTn>
+                              </p:par>
+                              <p:par>
+                                <p:cTn id="20" presetID="9" presetClass="entr" presetSubtype="0" fill="hold" grpId="0" nodeType="withEffect">
+                                  <p:stCondLst>
+                                    <p:cond delay="0"/>
+                                  </p:stCondLst>
+                                  <p:childTnLst>
+                                    <p:set>
+                                      <p:cBhvr>
+                                        <p:cTn id="21" dur="1" fill="hold">
+                                          <p:stCondLst>
+                                            <p:cond delay="0"/>
+                                          </p:stCondLst>
+                                        </p:cTn>
+                                        <p:tgtEl>
+                                          <p:spTgt spid="15"/>
+                                        </p:tgtEl>
+                                        <p:attrNameLst>
+                                          <p:attrName>style.visibility</p:attrName>
+                                        </p:attrNameLst>
+                                      </p:cBhvr>
+                                      <p:to>
+                                        <p:strVal val="visible"/>
+                                      </p:to>
+                                    </p:set>
+                                    <p:animEffect transition="in" filter="dissolve">
+                                      <p:cBhvr>
+                                        <p:cTn id="22" dur="500"/>
+                                        <p:tgtEl>
+                                          <p:spTgt spid="15"/>
+                                        </p:tgtEl>
+                                      </p:cBhvr>
+                                    </p:animEffect>
+                                  </p:childTnLst>
+                                </p:cTn>
+                              </p:par>
+                            </p:childTnLst>
+                          </p:cTn>
+                        </p:par>
+                      </p:childTnLst>
+                    </p:cTn>
+                  </p:par>
+                </p:childTnLst>
+              </p:cTn>
+              <p:prevCondLst>
+                <p:cond evt="onPrev" delay="0">
+                  <p:tgtEl>
+                    <p:sldTgt/>
+                  </p:tgtEl>
+                </p:cond>
+              </p:prevCondLst>
+              <p:nextCondLst>
+                <p:cond evt="onNext" delay="0">
+                  <p:tgtEl>
+                    <p:sldTgt/>
+                  </p:tgtEl>
+                </p:cond>
+              </p:nextCondLst>
+            </p:seq>
+          </p:childTnLst>
+        </p:cTn>
+      </p:par>
+    </p:tnLst>
+    <p:bldLst>
+      <p:bldP spid="8" grpId="0"/>
+      <p:bldP spid="14" grpId="0"/>
+      <p:bldP spid="15" grpId="0"/>
+    </p:bldLst>
+  </p:timing>
 </p:sld>
 </file>
 
@@ -7435,7 +9278,7 @@
                   <a:srgbClr val="FF0000"/>
                 </a:solidFill>
               </a:rPr>
-              <a:t>2</a:t>
+              <a:t>1</a:t>
             </a:r>
             <a:r>
               <a:rPr lang="en-IN" baseline="30000" dirty="0">
@@ -7443,7 +9286,7 @@
                   <a:srgbClr val="FF0000"/>
                 </a:solidFill>
               </a:rPr>
-              <a:t>nd</a:t>
+              <a:t>st</a:t>
             </a:r>
             <a:r>
               <a:rPr lang="en-IN" dirty="0">
@@ -7451,8 +9294,61 @@
                   <a:srgbClr val="FF0000"/>
                 </a:solidFill>
               </a:rPr>
-              <a:t>  step : Likelihood probabilities</a:t>
-            </a:r>
+              <a:t> step : Prior probability</a:t>
+            </a:r>
+          </a:p>
+          <a:p>
+            <a:pPr marL="0" indent="0">
+              <a:lnSpc>
+                <a:spcPct val="150000"/>
+              </a:lnSpc>
+              <a:buNone/>
+            </a:pPr>
+            <a:r>
+              <a:rPr lang="en-IN" dirty="0"/>
+              <a:t>Calculate number of points belonging to each of the classes and then divide with total number of points in the dataset to get respective probabilities of each class </a:t>
+            </a:r>
+          </a:p>
+          <a:p>
+            <a:pPr marL="0" indent="0">
+              <a:lnSpc>
+                <a:spcPct val="150000"/>
+              </a:lnSpc>
+              <a:buNone/>
+            </a:pPr>
+            <a:r>
+              <a:rPr lang="en-IN" dirty="0"/>
+              <a:t>i.e. calculate P(y=c</a:t>
+            </a:r>
+            <a:r>
+              <a:rPr lang="en-IN" baseline="-25000" dirty="0"/>
+              <a:t>1</a:t>
+            </a:r>
+            <a:r>
+              <a:rPr lang="en-IN" dirty="0"/>
+              <a:t>) , P(y=c</a:t>
+            </a:r>
+            <a:r>
+              <a:rPr lang="en-IN" baseline="-25000" dirty="0"/>
+              <a:t>2</a:t>
+            </a:r>
+            <a:r>
+              <a:rPr lang="en-IN" dirty="0"/>
+              <a:t>) ,…., P(y=c</a:t>
+            </a:r>
+            <a:r>
+              <a:rPr lang="en-IN" baseline="-25000" dirty="0"/>
+              <a:t>k</a:t>
+            </a:r>
+            <a:r>
+              <a:rPr lang="en-IN" dirty="0"/>
+              <a:t>) if there are k classes</a:t>
+            </a:r>
+            <a:r>
+              <a:rPr lang="en-IN" baseline="30000" dirty="0"/>
+              <a:t> </a:t>
+            </a:r>
+            <a:endParaRPr lang="en-IN" dirty="0"/>
           </a:p>
           <a:p>
             <a:pPr marL="0" indent="0">
@@ -7464,20 +9360,344 @@
             <a:pPr marL="0" indent="0">
               <a:buNone/>
             </a:pPr>
-            <a:endParaRPr lang="en-IN" dirty="0"/>
-          </a:p>
-          <a:p>
-            <a:pPr marL="0" indent="0">
-              <a:buNone/>
-            </a:pPr>
             <a:endParaRPr lang="en-IN" sz="3200" dirty="0"/>
           </a:p>
         </p:txBody>
       </p:sp>
+      <mc:AlternateContent xmlns:mc="http://schemas.openxmlformats.org/markup-compatibility/2006">
+        <mc:Choice xmlns:a14="http://schemas.microsoft.com/office/drawing/2010/main" Requires="a14">
+          <p:sp>
+            <p:nvSpPr>
+              <p:cNvPr id="4" name="Rectangle 3">
+                <a:extLst>
+                  <a:ext uri="{FF2B5EF4-FFF2-40B4-BE49-F238E27FC236}">
+                    <a16:creationId xmlns:a16="http://schemas.microsoft.com/office/drawing/2014/main" id="{ADE14245-83FA-4042-A798-A156F90B5D3B}"/>
+                  </a:ext>
+                </a:extLst>
+              </p:cNvPr>
+              <p:cNvSpPr/>
+              <p:nvPr/>
+            </p:nvSpPr>
+            <p:spPr>
+              <a:xfrm>
+                <a:off x="7997583" y="1027906"/>
+                <a:ext cx="3854838" cy="778162"/>
+              </a:xfrm>
+              <a:prstGeom prst="rect">
+                <a:avLst/>
+              </a:prstGeom>
+              <a:ln>
+                <a:solidFill>
+                  <a:schemeClr val="accent3">
+                    <a:lumMod val="50000"/>
+                  </a:schemeClr>
+                </a:solidFill>
+              </a:ln>
+            </p:spPr>
+            <p:txBody>
+              <a:bodyPr wrap="none">
+                <a:spAutoFit/>
+              </a:bodyPr>
+              <a:lstStyle/>
+              <a:p>
+                <a:r>
+                  <a:rPr lang="en-IN" sz="2000" dirty="0"/>
+                  <a:t>P( y=c</a:t>
+                </a:r>
+                <a:r>
+                  <a:rPr lang="en-IN" sz="2000" baseline="-25000" dirty="0"/>
+                  <a:t>k </a:t>
+                </a:r>
+                <a:r>
+                  <a:rPr lang="en-IN" sz="2000" dirty="0"/>
+                  <a:t> | </a:t>
+                </a:r>
+                <a:r>
+                  <a:rPr lang="en-IN" sz="2000" dirty="0" err="1"/>
+                  <a:t>x</a:t>
+                </a:r>
+                <a:r>
+                  <a:rPr lang="en-IN" sz="2000" baseline="-25000" dirty="0" err="1"/>
+                  <a:t>q</a:t>
+                </a:r>
+                <a:r>
+                  <a:rPr lang="en-IN" sz="2000" dirty="0"/>
+                  <a:t> ) </a:t>
+                </a:r>
+                <a:r>
+                  <a:rPr lang="en-IN" sz="2400" dirty="0"/>
+                  <a:t>= </a:t>
+                </a:r>
+                <a14:m>
+                  <m:oMath xmlns:m="http://schemas.openxmlformats.org/officeDocument/2006/math">
+                    <m:f>
+                      <m:fPr>
+                        <m:ctrlPr>
+                          <a:rPr lang="en-IN" sz="2400" i="1">
+                            <a:latin typeface="Cambria Math" panose="02040503050406030204" pitchFamily="18" charset="0"/>
+                          </a:rPr>
+                        </m:ctrlPr>
+                      </m:fPr>
+                      <m:num>
+                        <m:r>
+                          <a:rPr lang="en-IN" sz="2400" i="1">
+                            <a:latin typeface="Cambria Math" panose="02040503050406030204" pitchFamily="18" charset="0"/>
+                          </a:rPr>
+                          <m:t>𝑃</m:t>
+                        </m:r>
+                        <m:d>
+                          <m:dPr>
+                            <m:ctrlPr>
+                              <a:rPr lang="en-IN" sz="2400" i="1">
+                                <a:latin typeface="Cambria Math" panose="02040503050406030204" pitchFamily="18" charset="0"/>
+                              </a:rPr>
+                            </m:ctrlPr>
+                          </m:dPr>
+                          <m:e>
+                            <m:r>
+                              <a:rPr lang="en-IN" sz="2400" i="1">
+                                <a:latin typeface="Cambria Math" panose="02040503050406030204" pitchFamily="18" charset="0"/>
+                              </a:rPr>
+                              <m:t>𝑦</m:t>
+                            </m:r>
+                            <m:r>
+                              <a:rPr lang="en-IN" sz="2400" i="1">
+                                <a:latin typeface="Cambria Math" panose="02040503050406030204" pitchFamily="18" charset="0"/>
+                              </a:rPr>
+                              <m:t>=</m:t>
+                            </m:r>
+                            <m:sSub>
+                              <m:sSubPr>
+                                <m:ctrlPr>
+                                  <a:rPr lang="en-IN" sz="2400" i="1">
+                                    <a:latin typeface="Cambria Math" panose="02040503050406030204" pitchFamily="18" charset="0"/>
+                                  </a:rPr>
+                                </m:ctrlPr>
+                              </m:sSubPr>
+                              <m:e>
+                                <m:r>
+                                  <a:rPr lang="en-IN" sz="2400" i="1">
+                                    <a:latin typeface="Cambria Math" panose="02040503050406030204" pitchFamily="18" charset="0"/>
+                                  </a:rPr>
+                                  <m:t>𝑐</m:t>
+                                </m:r>
+                              </m:e>
+                              <m:sub>
+                                <m:r>
+                                  <a:rPr lang="en-IN" sz="2400" i="1">
+                                    <a:latin typeface="Cambria Math" panose="02040503050406030204" pitchFamily="18" charset="0"/>
+                                  </a:rPr>
+                                  <m:t>𝑘</m:t>
+                                </m:r>
+                              </m:sub>
+                            </m:sSub>
+                          </m:e>
+                        </m:d>
+                        <m:r>
+                          <a:rPr lang="en-IN" sz="2400" i="1">
+                            <a:latin typeface="Cambria Math" panose="02040503050406030204" pitchFamily="18" charset="0"/>
+                          </a:rPr>
+                          <m:t>∗</m:t>
+                        </m:r>
+                        <m:r>
+                          <a:rPr lang="en-IN" sz="2400" i="1">
+                            <a:latin typeface="Cambria Math" panose="02040503050406030204" pitchFamily="18" charset="0"/>
+                          </a:rPr>
+                          <m:t>𝑃</m:t>
+                        </m:r>
+                        <m:d>
+                          <m:dPr>
+                            <m:endChr m:val="|"/>
+                            <m:ctrlPr>
+                              <a:rPr lang="en-IN" sz="2400" i="1">
+                                <a:latin typeface="Cambria Math" panose="02040503050406030204" pitchFamily="18" charset="0"/>
+                              </a:rPr>
+                            </m:ctrlPr>
+                          </m:dPr>
+                          <m:e>
+                            <m:r>
+                              <a:rPr lang="en-IN" sz="2400" i="1">
+                                <a:latin typeface="Cambria Math" panose="02040503050406030204" pitchFamily="18" charset="0"/>
+                              </a:rPr>
+                              <m:t> </m:t>
+                            </m:r>
+                            <m:sSub>
+                              <m:sSubPr>
+                                <m:ctrlPr>
+                                  <a:rPr lang="en-IN" sz="2400" i="1">
+                                    <a:latin typeface="Cambria Math" panose="02040503050406030204" pitchFamily="18" charset="0"/>
+                                  </a:rPr>
+                                </m:ctrlPr>
+                              </m:sSubPr>
+                              <m:e>
+                                <m:r>
+                                  <a:rPr lang="en-IN" sz="2400" i="1">
+                                    <a:latin typeface="Cambria Math" panose="02040503050406030204" pitchFamily="18" charset="0"/>
+                                  </a:rPr>
+                                  <m:t>𝑥</m:t>
+                                </m:r>
+                              </m:e>
+                              <m:sub>
+                                <m:r>
+                                  <a:rPr lang="en-IN" sz="2400" i="1">
+                                    <a:latin typeface="Cambria Math" panose="02040503050406030204" pitchFamily="18" charset="0"/>
+                                  </a:rPr>
+                                  <m:t>𝑞</m:t>
+                                </m:r>
+                              </m:sub>
+                            </m:sSub>
+                            <m:r>
+                              <a:rPr lang="en-IN" sz="2400" i="1">
+                                <a:latin typeface="Cambria Math" panose="02040503050406030204" pitchFamily="18" charset="0"/>
+                              </a:rPr>
+                              <m:t> </m:t>
+                            </m:r>
+                          </m:e>
+                        </m:d>
+                        <m:sSub>
+                          <m:sSubPr>
+                            <m:ctrlPr>
+                              <a:rPr lang="en-IN" sz="2400" i="1">
+                                <a:latin typeface="Cambria Math" panose="02040503050406030204" pitchFamily="18" charset="0"/>
+                              </a:rPr>
+                            </m:ctrlPr>
+                          </m:sSubPr>
+                          <m:e>
+                            <m:r>
+                              <a:rPr lang="en-IN" sz="2400" i="1">
+                                <a:latin typeface="Cambria Math" panose="02040503050406030204" pitchFamily="18" charset="0"/>
+                              </a:rPr>
+                              <m:t>𝑐</m:t>
+                            </m:r>
+                          </m:e>
+                          <m:sub>
+                            <m:r>
+                              <a:rPr lang="en-IN" sz="2400" i="1">
+                                <a:latin typeface="Cambria Math" panose="02040503050406030204" pitchFamily="18" charset="0"/>
+                              </a:rPr>
+                              <m:t>𝑘</m:t>
+                            </m:r>
+                          </m:sub>
+                        </m:sSub>
+                        <m:r>
+                          <a:rPr lang="en-IN" sz="2400" i="1">
+                            <a:latin typeface="Cambria Math" panose="02040503050406030204" pitchFamily="18" charset="0"/>
+                          </a:rPr>
+                          <m:t>)</m:t>
+                        </m:r>
+                      </m:num>
+                      <m:den>
+                        <m:r>
+                          <a:rPr lang="en-IN" sz="2400" i="1">
+                            <a:latin typeface="Cambria Math" panose="02040503050406030204" pitchFamily="18" charset="0"/>
+                          </a:rPr>
+                          <m:t>𝑃</m:t>
+                        </m:r>
+                        <m:r>
+                          <a:rPr lang="en-IN" sz="2400" i="1">
+                            <a:latin typeface="Cambria Math" panose="02040503050406030204" pitchFamily="18" charset="0"/>
+                          </a:rPr>
+                          <m:t>(</m:t>
+                        </m:r>
+                        <m:sSub>
+                          <m:sSubPr>
+                            <m:ctrlPr>
+                              <a:rPr lang="en-IN" sz="2400" i="1">
+                                <a:latin typeface="Cambria Math" panose="02040503050406030204" pitchFamily="18" charset="0"/>
+                              </a:rPr>
+                            </m:ctrlPr>
+                          </m:sSubPr>
+                          <m:e>
+                            <m:r>
+                              <a:rPr lang="en-IN" sz="2400" i="1">
+                                <a:latin typeface="Cambria Math" panose="02040503050406030204" pitchFamily="18" charset="0"/>
+                              </a:rPr>
+                              <m:t>𝑥</m:t>
+                            </m:r>
+                          </m:e>
+                          <m:sub>
+                            <m:r>
+                              <a:rPr lang="en-IN" sz="2400" i="1">
+                                <a:latin typeface="Cambria Math" panose="02040503050406030204" pitchFamily="18" charset="0"/>
+                              </a:rPr>
+                              <m:t>𝑞</m:t>
+                            </m:r>
+                          </m:sub>
+                        </m:sSub>
+                        <m:r>
+                          <a:rPr lang="en-IN" sz="2400" i="1">
+                            <a:latin typeface="Cambria Math" panose="02040503050406030204" pitchFamily="18" charset="0"/>
+                          </a:rPr>
+                          <m:t>)</m:t>
+                        </m:r>
+                      </m:den>
+                    </m:f>
+                  </m:oMath>
+                </a14:m>
+                <a:r>
+                  <a:rPr lang="en-IN" sz="2400" dirty="0"/>
+                  <a:t> </a:t>
+                </a:r>
+              </a:p>
+            </p:txBody>
+          </p:sp>
+        </mc:Choice>
+        <mc:Fallback>
+          <p:sp>
+            <p:nvSpPr>
+              <p:cNvPr id="4" name="Rectangle 3">
+                <a:extLst>
+                  <a:ext uri="{FF2B5EF4-FFF2-40B4-BE49-F238E27FC236}">
+                    <a16:creationId xmlns:a16="http://schemas.microsoft.com/office/drawing/2014/main" id="{ADE14245-83FA-4042-A798-A156F90B5D3B}"/>
+                  </a:ext>
+                </a:extLst>
+              </p:cNvPr>
+              <p:cNvSpPr>
+                <a:spLocks noRot="1" noChangeAspect="1" noMove="1" noResize="1" noEditPoints="1" noAdjustHandles="1" noChangeArrowheads="1" noChangeShapeType="1" noTextEdit="1"/>
+              </p:cNvSpPr>
+              <p:nvPr/>
+            </p:nvSpPr>
+            <p:spPr>
+              <a:xfrm>
+                <a:off x="7997583" y="1027906"/>
+                <a:ext cx="3854838" cy="778162"/>
+              </a:xfrm>
+              <a:prstGeom prst="rect">
+                <a:avLst/>
+              </a:prstGeom>
+              <a:blipFill>
+                <a:blip r:embed="rId2"/>
+                <a:stretch>
+                  <a:fillRect l="-1577"/>
+                </a:stretch>
+              </a:blipFill>
+              <a:ln>
+                <a:solidFill>
+                  <a:schemeClr val="accent3">
+                    <a:lumMod val="50000"/>
+                  </a:schemeClr>
+                </a:solidFill>
+              </a:ln>
+            </p:spPr>
+            <p:txBody>
+              <a:bodyPr/>
+              <a:lstStyle/>
+              <a:p>
+                <a:r>
+                  <a:rPr lang="en-IN">
+                    <a:noFill/>
+                  </a:rPr>
+                  <a:t> </a:t>
+                </a:r>
+              </a:p>
+            </p:txBody>
+          </p:sp>
+        </mc:Fallback>
+      </mc:AlternateContent>
     </p:spTree>
     <p:extLst>
       <p:ext uri="{BB962C8B-B14F-4D97-AF65-F5344CB8AC3E}">
-        <p14:creationId xmlns:p14="http://schemas.microsoft.com/office/powerpoint/2010/main" val="3894043852"/>
+        <p14:creationId xmlns:p14="http://schemas.microsoft.com/office/powerpoint/2010/main" val="3107143559"/>
       </p:ext>
     </p:extLst>
   </p:cSld>
@@ -7552,17 +9772,100 @@
         </p:nvSpPr>
         <p:spPr>
           <a:xfrm>
-            <a:off x="683455" y="1690688"/>
-            <a:ext cx="10515600" cy="4351338"/>
+            <a:off x="626305" y="1601788"/>
+            <a:ext cx="10515600" cy="4938712"/>
           </a:xfrm>
         </p:spPr>
         <p:txBody>
           <a:bodyPr>
-            <a:normAutofit/>
+            <a:normAutofit lnSpcReduction="10000"/>
           </a:bodyPr>
           <a:lstStyle/>
           <a:p>
             <a:pPr marL="0" indent="0">
+              <a:lnSpc>
+                <a:spcPct val="150000"/>
+              </a:lnSpc>
+              <a:buNone/>
+            </a:pPr>
+            <a:r>
+              <a:rPr lang="en-IN" dirty="0">
+                <a:solidFill>
+                  <a:srgbClr val="FF0000"/>
+                </a:solidFill>
+              </a:rPr>
+              <a:t>2</a:t>
+            </a:r>
+            <a:r>
+              <a:rPr lang="en-IN" baseline="30000" dirty="0">
+                <a:solidFill>
+                  <a:srgbClr val="FF0000"/>
+                </a:solidFill>
+              </a:rPr>
+              <a:t>nd</a:t>
+            </a:r>
+            <a:r>
+              <a:rPr lang="en-IN" dirty="0">
+                <a:solidFill>
+                  <a:srgbClr val="FF0000"/>
+                </a:solidFill>
+              </a:rPr>
+              <a:t>  step : Likelihood probabilities</a:t>
+            </a:r>
+          </a:p>
+          <a:p>
+            <a:pPr marL="0" indent="0">
+              <a:lnSpc>
+                <a:spcPct val="150000"/>
+              </a:lnSpc>
+              <a:buNone/>
+            </a:pPr>
+            <a:r>
+              <a:rPr lang="en-IN" dirty="0"/>
+              <a:t>For each feature f: P( f | y = c</a:t>
+            </a:r>
+            <a:r>
+              <a:rPr lang="en-IN" baseline="-25000" dirty="0"/>
+              <a:t>1</a:t>
+            </a:r>
+            <a:r>
+              <a:rPr lang="en-IN" dirty="0"/>
+              <a:t> ) , P( f | y = c</a:t>
+            </a:r>
+            <a:r>
+              <a:rPr lang="en-IN" baseline="-25000" dirty="0"/>
+              <a:t>2</a:t>
+            </a:r>
+            <a:r>
+              <a:rPr lang="en-IN" dirty="0"/>
+              <a:t>) ,….., P( f | y = c</a:t>
+            </a:r>
+            <a:r>
+              <a:rPr lang="en-IN" baseline="-25000" dirty="0"/>
+              <a:t>k</a:t>
+            </a:r>
+            <a:r>
+              <a:rPr lang="en-IN" dirty="0"/>
+              <a:t> ) </a:t>
+            </a:r>
+          </a:p>
+          <a:p>
+            <a:pPr marL="0" indent="0">
+              <a:lnSpc>
+                <a:spcPct val="150000"/>
+              </a:lnSpc>
+              <a:buNone/>
+            </a:pPr>
+            <a:r>
+              <a:rPr lang="en-IN" dirty="0"/>
+              <a:t>(Use gaussian distribution for continuous features)</a:t>
+            </a:r>
+          </a:p>
+          <a:p>
+            <a:pPr marL="0" indent="0">
+              <a:lnSpc>
+                <a:spcPct val="150000"/>
+              </a:lnSpc>
               <a:buNone/>
             </a:pPr>
             <a:r>
@@ -7589,6 +9892,39 @@
               </a:rPr>
               <a:t>  step : Posterior probabilities</a:t>
             </a:r>
+            <a:endParaRPr lang="en-IN" dirty="0"/>
+          </a:p>
+          <a:p>
+            <a:pPr marL="0" indent="0">
+              <a:lnSpc>
+                <a:spcPct val="150000"/>
+              </a:lnSpc>
+              <a:buNone/>
+            </a:pPr>
+            <a:r>
+              <a:rPr lang="en-IN" dirty="0"/>
+              <a:t>Put prior and likelihood probabilities in Bayes theorem formula and find out the posterior probabilities for each class (ignoring denominator, as  that would be same for all classes)</a:t>
+            </a:r>
+          </a:p>
+          <a:p>
+            <a:pPr marL="0" indent="0">
+              <a:buNone/>
+            </a:pPr>
+            <a:endParaRPr lang="en-IN" dirty="0">
+              <a:solidFill>
+                <a:srgbClr val="FF0000"/>
+              </a:solidFill>
+            </a:endParaRPr>
+          </a:p>
+          <a:p>
+            <a:pPr marL="0" indent="0">
+              <a:buNone/>
+            </a:pPr>
+            <a:endParaRPr lang="en-IN" dirty="0">
+              <a:solidFill>
+                <a:srgbClr val="FF0000"/>
+              </a:solidFill>
+            </a:endParaRPr>
           </a:p>
           <a:p>
             <a:pPr marL="0" indent="0">
@@ -7610,10 +9946,340 @@
           </a:p>
         </p:txBody>
       </p:sp>
+      <mc:AlternateContent xmlns:mc="http://schemas.openxmlformats.org/markup-compatibility/2006">
+        <mc:Choice xmlns:a14="http://schemas.microsoft.com/office/drawing/2010/main" Requires="a14">
+          <p:sp>
+            <p:nvSpPr>
+              <p:cNvPr id="4" name="Rectangle 3">
+                <a:extLst>
+                  <a:ext uri="{FF2B5EF4-FFF2-40B4-BE49-F238E27FC236}">
+                    <a16:creationId xmlns:a16="http://schemas.microsoft.com/office/drawing/2014/main" id="{3A814225-82E5-440F-90CE-95B8D72486CA}"/>
+                  </a:ext>
+                </a:extLst>
+              </p:cNvPr>
+              <p:cNvSpPr/>
+              <p:nvPr/>
+            </p:nvSpPr>
+            <p:spPr>
+              <a:xfrm>
+                <a:off x="7765774" y="1027906"/>
+                <a:ext cx="4200939" cy="778162"/>
+              </a:xfrm>
+              <a:prstGeom prst="rect">
+                <a:avLst/>
+              </a:prstGeom>
+              <a:ln>
+                <a:solidFill>
+                  <a:schemeClr val="accent1">
+                    <a:lumMod val="50000"/>
+                  </a:schemeClr>
+                </a:solidFill>
+              </a:ln>
+            </p:spPr>
+            <p:txBody>
+              <a:bodyPr wrap="square">
+                <a:spAutoFit/>
+              </a:bodyPr>
+              <a:lstStyle/>
+              <a:p>
+                <a:r>
+                  <a:rPr lang="en-IN" sz="2000" dirty="0"/>
+                  <a:t>P( y=c</a:t>
+                </a:r>
+                <a:r>
+                  <a:rPr lang="en-IN" sz="2000" baseline="-25000" dirty="0"/>
+                  <a:t>k </a:t>
+                </a:r>
+                <a:r>
+                  <a:rPr lang="en-IN" sz="2000" dirty="0"/>
+                  <a:t> | </a:t>
+                </a:r>
+                <a:r>
+                  <a:rPr lang="en-IN" sz="2000" dirty="0" err="1"/>
+                  <a:t>x</a:t>
+                </a:r>
+                <a:r>
+                  <a:rPr lang="en-IN" sz="2000" baseline="-25000" dirty="0" err="1"/>
+                  <a:t>q</a:t>
+                </a:r>
+                <a:r>
+                  <a:rPr lang="en-IN" sz="2000" dirty="0"/>
+                  <a:t> ) </a:t>
+                </a:r>
+                <a:r>
+                  <a:rPr lang="en-IN" sz="2400" dirty="0"/>
+                  <a:t>= </a:t>
+                </a:r>
+                <a14:m>
+                  <m:oMath xmlns:m="http://schemas.openxmlformats.org/officeDocument/2006/math">
+                    <m:f>
+                      <m:fPr>
+                        <m:ctrlPr>
+                          <a:rPr lang="en-IN" sz="2400" i="1">
+                            <a:latin typeface="Cambria Math" panose="02040503050406030204" pitchFamily="18" charset="0"/>
+                          </a:rPr>
+                        </m:ctrlPr>
+                      </m:fPr>
+                      <m:num>
+                        <m:r>
+                          <a:rPr lang="en-IN" sz="2400" i="1">
+                            <a:latin typeface="Cambria Math" panose="02040503050406030204" pitchFamily="18" charset="0"/>
+                          </a:rPr>
+                          <m:t>𝑃</m:t>
+                        </m:r>
+                        <m:d>
+                          <m:dPr>
+                            <m:ctrlPr>
+                              <a:rPr lang="en-IN" sz="2400" i="1">
+                                <a:latin typeface="Cambria Math" panose="02040503050406030204" pitchFamily="18" charset="0"/>
+                              </a:rPr>
+                            </m:ctrlPr>
+                          </m:dPr>
+                          <m:e>
+                            <m:r>
+                              <a:rPr lang="en-IN" sz="2400" i="1">
+                                <a:latin typeface="Cambria Math" panose="02040503050406030204" pitchFamily="18" charset="0"/>
+                              </a:rPr>
+                              <m:t>𝑦</m:t>
+                            </m:r>
+                            <m:r>
+                              <a:rPr lang="en-IN" sz="2400" i="1">
+                                <a:latin typeface="Cambria Math" panose="02040503050406030204" pitchFamily="18" charset="0"/>
+                              </a:rPr>
+                              <m:t>=</m:t>
+                            </m:r>
+                            <m:sSub>
+                              <m:sSubPr>
+                                <m:ctrlPr>
+                                  <a:rPr lang="en-IN" sz="2400" i="1">
+                                    <a:latin typeface="Cambria Math" panose="02040503050406030204" pitchFamily="18" charset="0"/>
+                                  </a:rPr>
+                                </m:ctrlPr>
+                              </m:sSubPr>
+                              <m:e>
+                                <m:r>
+                                  <a:rPr lang="en-IN" sz="2400" i="1">
+                                    <a:latin typeface="Cambria Math" panose="02040503050406030204" pitchFamily="18" charset="0"/>
+                                  </a:rPr>
+                                  <m:t>𝑐</m:t>
+                                </m:r>
+                              </m:e>
+                              <m:sub>
+                                <m:r>
+                                  <a:rPr lang="en-IN" sz="2400" i="1">
+                                    <a:latin typeface="Cambria Math" panose="02040503050406030204" pitchFamily="18" charset="0"/>
+                                  </a:rPr>
+                                  <m:t>𝑘</m:t>
+                                </m:r>
+                              </m:sub>
+                            </m:sSub>
+                          </m:e>
+                        </m:d>
+                        <m:r>
+                          <a:rPr lang="en-IN" sz="2400" i="1">
+                            <a:latin typeface="Cambria Math" panose="02040503050406030204" pitchFamily="18" charset="0"/>
+                          </a:rPr>
+                          <m:t>∗</m:t>
+                        </m:r>
+                        <m:r>
+                          <a:rPr lang="en-IN" sz="2400" i="1">
+                            <a:latin typeface="Cambria Math" panose="02040503050406030204" pitchFamily="18" charset="0"/>
+                          </a:rPr>
+                          <m:t>𝑃</m:t>
+                        </m:r>
+                        <m:d>
+                          <m:dPr>
+                            <m:endChr m:val="|"/>
+                            <m:ctrlPr>
+                              <a:rPr lang="en-IN" sz="2400" i="1">
+                                <a:latin typeface="Cambria Math" panose="02040503050406030204" pitchFamily="18" charset="0"/>
+                              </a:rPr>
+                            </m:ctrlPr>
+                          </m:dPr>
+                          <m:e>
+                            <m:r>
+                              <a:rPr lang="en-IN" sz="2400" i="1">
+                                <a:latin typeface="Cambria Math" panose="02040503050406030204" pitchFamily="18" charset="0"/>
+                              </a:rPr>
+                              <m:t> </m:t>
+                            </m:r>
+                            <m:sSub>
+                              <m:sSubPr>
+                                <m:ctrlPr>
+                                  <a:rPr lang="en-IN" sz="2400" i="1">
+                                    <a:latin typeface="Cambria Math" panose="02040503050406030204" pitchFamily="18" charset="0"/>
+                                  </a:rPr>
+                                </m:ctrlPr>
+                              </m:sSubPr>
+                              <m:e>
+                                <m:r>
+                                  <a:rPr lang="en-IN" sz="2400" i="1">
+                                    <a:latin typeface="Cambria Math" panose="02040503050406030204" pitchFamily="18" charset="0"/>
+                                  </a:rPr>
+                                  <m:t>𝑥</m:t>
+                                </m:r>
+                              </m:e>
+                              <m:sub>
+                                <m:r>
+                                  <a:rPr lang="en-IN" sz="2400" i="1">
+                                    <a:latin typeface="Cambria Math" panose="02040503050406030204" pitchFamily="18" charset="0"/>
+                                  </a:rPr>
+                                  <m:t>𝑞</m:t>
+                                </m:r>
+                              </m:sub>
+                            </m:sSub>
+                            <m:r>
+                              <a:rPr lang="en-IN" sz="2400" i="1">
+                                <a:latin typeface="Cambria Math" panose="02040503050406030204" pitchFamily="18" charset="0"/>
+                              </a:rPr>
+                              <m:t> </m:t>
+                            </m:r>
+                          </m:e>
+                        </m:d>
+                        <m:sSub>
+                          <m:sSubPr>
+                            <m:ctrlPr>
+                              <a:rPr lang="en-IN" sz="2400" i="1">
+                                <a:latin typeface="Cambria Math" panose="02040503050406030204" pitchFamily="18" charset="0"/>
+                              </a:rPr>
+                            </m:ctrlPr>
+                          </m:sSubPr>
+                          <m:e>
+                            <m:r>
+                              <a:rPr lang="en-IN" sz="2400" i="1">
+                                <a:latin typeface="Cambria Math" panose="02040503050406030204" pitchFamily="18" charset="0"/>
+                              </a:rPr>
+                              <m:t>𝑐</m:t>
+                            </m:r>
+                          </m:e>
+                          <m:sub>
+                            <m:r>
+                              <a:rPr lang="en-IN" sz="2400" i="1">
+                                <a:latin typeface="Cambria Math" panose="02040503050406030204" pitchFamily="18" charset="0"/>
+                              </a:rPr>
+                              <m:t>𝑘</m:t>
+                            </m:r>
+                          </m:sub>
+                        </m:sSub>
+                        <m:r>
+                          <a:rPr lang="en-IN" sz="2400" i="1">
+                            <a:latin typeface="Cambria Math" panose="02040503050406030204" pitchFamily="18" charset="0"/>
+                          </a:rPr>
+                          <m:t>)</m:t>
+                        </m:r>
+                      </m:num>
+                      <m:den>
+                        <m:r>
+                          <a:rPr lang="en-IN" sz="2400" i="1">
+                            <a:latin typeface="Cambria Math" panose="02040503050406030204" pitchFamily="18" charset="0"/>
+                          </a:rPr>
+                          <m:t>𝑃</m:t>
+                        </m:r>
+                        <m:r>
+                          <a:rPr lang="en-IN" sz="2400" i="1">
+                            <a:latin typeface="Cambria Math" panose="02040503050406030204" pitchFamily="18" charset="0"/>
+                          </a:rPr>
+                          <m:t>(</m:t>
+                        </m:r>
+                        <m:sSub>
+                          <m:sSubPr>
+                            <m:ctrlPr>
+                              <a:rPr lang="en-IN" sz="2400" i="1">
+                                <a:latin typeface="Cambria Math" panose="02040503050406030204" pitchFamily="18" charset="0"/>
+                              </a:rPr>
+                            </m:ctrlPr>
+                          </m:sSubPr>
+                          <m:e>
+                            <m:r>
+                              <a:rPr lang="en-IN" sz="2400" i="1">
+                                <a:latin typeface="Cambria Math" panose="02040503050406030204" pitchFamily="18" charset="0"/>
+                              </a:rPr>
+                              <m:t>𝑥</m:t>
+                            </m:r>
+                          </m:e>
+                          <m:sub>
+                            <m:r>
+                              <a:rPr lang="en-IN" sz="2400" i="1">
+                                <a:latin typeface="Cambria Math" panose="02040503050406030204" pitchFamily="18" charset="0"/>
+                              </a:rPr>
+                              <m:t>𝑞</m:t>
+                            </m:r>
+                          </m:sub>
+                        </m:sSub>
+                        <m:r>
+                          <a:rPr lang="en-IN" sz="2400" i="1">
+                            <a:latin typeface="Cambria Math" panose="02040503050406030204" pitchFamily="18" charset="0"/>
+                          </a:rPr>
+                          <m:t>)</m:t>
+                        </m:r>
+                      </m:den>
+                    </m:f>
+                  </m:oMath>
+                </a14:m>
+                <a:r>
+                  <a:rPr lang="en-IN" sz="2400" dirty="0"/>
+                  <a:t> </a:t>
+                </a:r>
+              </a:p>
+            </p:txBody>
+          </p:sp>
+        </mc:Choice>
+        <mc:Fallback>
+          <p:sp>
+            <p:nvSpPr>
+              <p:cNvPr id="4" name="Rectangle 3">
+                <a:extLst>
+                  <a:ext uri="{FF2B5EF4-FFF2-40B4-BE49-F238E27FC236}">
+                    <a16:creationId xmlns:a16="http://schemas.microsoft.com/office/drawing/2014/main" id="{3A814225-82E5-440F-90CE-95B8D72486CA}"/>
+                  </a:ext>
+                </a:extLst>
+              </p:cNvPr>
+              <p:cNvSpPr>
+                <a:spLocks noRot="1" noChangeAspect="1" noMove="1" noResize="1" noEditPoints="1" noAdjustHandles="1" noChangeArrowheads="1" noChangeShapeType="1" noTextEdit="1"/>
+              </p:cNvSpPr>
+              <p:nvPr/>
+            </p:nvSpPr>
+            <p:spPr>
+              <a:xfrm>
+                <a:off x="7765774" y="1027906"/>
+                <a:ext cx="4200939" cy="778162"/>
+              </a:xfrm>
+              <a:prstGeom prst="rect">
+                <a:avLst/>
+              </a:prstGeom>
+              <a:blipFill>
+                <a:blip r:embed="rId2"/>
+                <a:stretch>
+                  <a:fillRect l="-1447"/>
+                </a:stretch>
+              </a:blipFill>
+              <a:ln>
+                <a:solidFill>
+                  <a:schemeClr val="accent1">
+                    <a:lumMod val="50000"/>
+                  </a:schemeClr>
+                </a:solidFill>
+              </a:ln>
+            </p:spPr>
+            <p:txBody>
+              <a:bodyPr/>
+              <a:lstStyle/>
+              <a:p>
+                <a:r>
+                  <a:rPr lang="en-IN">
+                    <a:noFill/>
+                  </a:rPr>
+                  <a:t> </a:t>
+                </a:r>
+              </a:p>
+            </p:txBody>
+          </p:sp>
+        </mc:Fallback>
+      </mc:AlternateContent>
     </p:spTree>
     <p:extLst>
       <p:ext uri="{BB962C8B-B14F-4D97-AF65-F5344CB8AC3E}">
-        <p14:creationId xmlns:p14="http://schemas.microsoft.com/office/powerpoint/2010/main" val="1557458713"/>
+        <p14:creationId xmlns:p14="http://schemas.microsoft.com/office/powerpoint/2010/main" val="3894043852"/>
       </p:ext>
     </p:extLst>
   </p:cSld>
@@ -7836,12 +10502,79 @@
           </a:p>
         </p:txBody>
       </p:sp>
+      <p:sp>
+        <p:nvSpPr>
+          <p:cNvPr id="6" name="TextBox 5">
+            <a:extLst>
+              <a:ext uri="{FF2B5EF4-FFF2-40B4-BE49-F238E27FC236}">
+                <a16:creationId xmlns:a16="http://schemas.microsoft.com/office/drawing/2014/main" id="{978EFC57-0E6D-49A6-A236-A581FD45F8F9}"/>
+              </a:ext>
+            </a:extLst>
+          </p:cNvPr>
+          <p:cNvSpPr txBox="1"/>
+          <p:nvPr/>
+        </p:nvSpPr>
+        <p:spPr>
+          <a:xfrm>
+            <a:off x="488742" y="1603152"/>
+            <a:ext cx="6123184" cy="2677656"/>
+          </a:xfrm>
+          <a:prstGeom prst="rect">
+            <a:avLst/>
+          </a:prstGeom>
+          <a:noFill/>
+        </p:spPr>
+        <p:txBody>
+          <a:bodyPr wrap="square" rtlCol="0">
+            <a:spAutoFit/>
+          </a:bodyPr>
+          <a:lstStyle/>
+          <a:p>
+            <a:r>
+              <a:rPr lang="en-IN" sz="2400" dirty="0">
+                <a:solidFill>
+                  <a:srgbClr val="FF0000"/>
+                </a:solidFill>
+              </a:rPr>
+              <a:t>Assumption</a:t>
+            </a:r>
+            <a:r>
+              <a:rPr lang="en-IN" sz="2400" dirty="0"/>
+              <a:t>: data points are linearly separable</a:t>
+            </a:r>
+          </a:p>
+          <a:p>
+            <a:endParaRPr lang="en-IN" sz="2400" dirty="0"/>
+          </a:p>
+          <a:p>
+            <a:r>
+              <a:rPr lang="en-IN" sz="2400" dirty="0"/>
+              <a:t>In this we have to find a plane that minimizes the logistic loss</a:t>
+            </a:r>
+          </a:p>
+          <a:p>
+            <a:endParaRPr lang="en-IN" sz="2400" dirty="0"/>
+          </a:p>
+          <a:p>
+            <a:r>
+              <a:rPr lang="en-IN" sz="2400" dirty="0"/>
+              <a:t>Points in direction of normal (w) will be positive</a:t>
+            </a:r>
+          </a:p>
+          <a:p>
+            <a:r>
+              <a:rPr lang="en-IN" sz="2400" dirty="0"/>
+              <a:t>and opposite to it will be negative</a:t>
+            </a:r>
+          </a:p>
+        </p:txBody>
+      </p:sp>
       <p:pic>
         <p:nvPicPr>
-          <p:cNvPr id="5" name="Picture 4">
-            <a:extLst>
-              <a:ext uri="{FF2B5EF4-FFF2-40B4-BE49-F238E27FC236}">
-                <a16:creationId xmlns:a16="http://schemas.microsoft.com/office/drawing/2014/main" id="{F6B005EB-9D67-4051-B8FB-B374279ABCA7}"/>
+          <p:cNvPr id="4" name="Picture 3">
+            <a:extLst>
+              <a:ext uri="{FF2B5EF4-FFF2-40B4-BE49-F238E27FC236}">
+                <a16:creationId xmlns:a16="http://schemas.microsoft.com/office/drawing/2014/main" id="{A8A01BBD-11A6-4262-9B8E-FE899A569EEB}"/>
               </a:ext>
             </a:extLst>
           </p:cNvPr>
@@ -7858,8 +10591,8 @@
         </p:blipFill>
         <p:spPr>
           <a:xfrm>
-            <a:off x="6096000" y="1244021"/>
-            <a:ext cx="5845624" cy="5613979"/>
+            <a:off x="1372054" y="4554402"/>
+            <a:ext cx="6599917" cy="1275984"/>
           </a:xfrm>
           <a:prstGeom prst="rect">
             <a:avLst/>
@@ -7868,10 +10601,10 @@
       </p:pic>
       <p:pic>
         <p:nvPicPr>
-          <p:cNvPr id="4" name="Picture 3">
-            <a:extLst>
-              <a:ext uri="{FF2B5EF4-FFF2-40B4-BE49-F238E27FC236}">
-                <a16:creationId xmlns:a16="http://schemas.microsoft.com/office/drawing/2014/main" id="{A8A01BBD-11A6-4262-9B8E-FE899A569EEB}"/>
+          <p:cNvPr id="12" name="Picture 11">
+            <a:extLst>
+              <a:ext uri="{FF2B5EF4-FFF2-40B4-BE49-F238E27FC236}">
+                <a16:creationId xmlns:a16="http://schemas.microsoft.com/office/drawing/2014/main" id="{9266AE25-F522-4620-8E9F-5E07942A9C24}"/>
               </a:ext>
             </a:extLst>
           </p:cNvPr>
@@ -7888,8 +10621,8 @@
         </p:blipFill>
         <p:spPr>
           <a:xfrm>
-            <a:off x="250376" y="3278430"/>
-            <a:ext cx="6599917" cy="1275984"/>
+            <a:off x="8438209" y="365125"/>
+            <a:ext cx="3617465" cy="4874598"/>
           </a:xfrm>
           <a:prstGeom prst="rect">
             <a:avLst/>
@@ -7898,41 +10631,6 @@
       </p:pic>
       <p:sp>
         <p:nvSpPr>
-          <p:cNvPr id="6" name="TextBox 5">
-            <a:extLst>
-              <a:ext uri="{FF2B5EF4-FFF2-40B4-BE49-F238E27FC236}">
-                <a16:creationId xmlns:a16="http://schemas.microsoft.com/office/drawing/2014/main" id="{978EFC57-0E6D-49A6-A236-A581FD45F8F9}"/>
-              </a:ext>
-            </a:extLst>
-          </p:cNvPr>
-          <p:cNvSpPr txBox="1"/>
-          <p:nvPr/>
-        </p:nvSpPr>
-        <p:spPr>
-          <a:xfrm>
-            <a:off x="520504" y="2152357"/>
-            <a:ext cx="5767753" cy="830997"/>
-          </a:xfrm>
-          <a:prstGeom prst="rect">
-            <a:avLst/>
-          </a:prstGeom>
-          <a:noFill/>
-        </p:spPr>
-        <p:txBody>
-          <a:bodyPr wrap="square" rtlCol="0">
-            <a:spAutoFit/>
-          </a:bodyPr>
-          <a:lstStyle/>
-          <a:p>
-            <a:r>
-              <a:rPr lang="en-IN" sz="2400" dirty="0"/>
-              <a:t>In this we have to find a plane that minimizes the logistic loss</a:t>
-            </a:r>
-          </a:p>
-        </p:txBody>
-      </p:sp>
-      <p:sp>
-        <p:nvSpPr>
           <p:cNvPr id="7" name="Oval 6">
             <a:extLst>
               <a:ext uri="{FF2B5EF4-FFF2-40B4-BE49-F238E27FC236}">
@@ -7945,8 +10643,8 @@
         </p:nvSpPr>
         <p:spPr>
           <a:xfrm>
-            <a:off x="2841674" y="3278430"/>
-            <a:ext cx="3559126" cy="970013"/>
+            <a:off x="3944455" y="4565745"/>
+            <a:ext cx="3971330" cy="970013"/>
           </a:xfrm>
           <a:prstGeom prst="ellipse">
             <a:avLst/>
@@ -7974,7 +10672,7 @@
           <a:lstStyle/>
           <a:p>
             <a:pPr algn="ctr"/>
-            <a:endParaRPr lang="en-IN"/>
+            <a:endParaRPr lang="en-IN" dirty="0"/>
           </a:p>
         </p:txBody>
       </p:sp>
@@ -7987,13 +10685,15 @@
               </a:ext>
             </a:extLst>
           </p:cNvPr>
-          <p:cNvCxnSpPr/>
+          <p:cNvCxnSpPr>
+            <a:cxnSpLocks/>
+          </p:cNvCxnSpPr>
           <p:nvPr/>
         </p:nvCxnSpPr>
         <p:spPr>
           <a:xfrm flipV="1">
-            <a:off x="2743200" y="4248443"/>
-            <a:ext cx="1308295" cy="1167619"/>
+            <a:off x="5449740" y="5535758"/>
+            <a:ext cx="393300" cy="323423"/>
           </a:xfrm>
           <a:prstGeom prst="straightConnector1">
             <a:avLst/>
@@ -8031,7 +10731,7 @@
         </p:nvSpPr>
         <p:spPr>
           <a:xfrm>
-            <a:off x="1167618" y="5550998"/>
+            <a:off x="4176614" y="6088360"/>
             <a:ext cx="2546253" cy="461665"/>
           </a:xfrm>
           <a:prstGeom prst="rect">
@@ -8115,6 +10815,81 @@
           </a:p>
         </p:txBody>
       </p:sp>
+      <p:sp>
+        <p:nvSpPr>
+          <p:cNvPr id="3" name="Content Placeholder 2">
+            <a:extLst>
+              <a:ext uri="{FF2B5EF4-FFF2-40B4-BE49-F238E27FC236}">
+                <a16:creationId xmlns:a16="http://schemas.microsoft.com/office/drawing/2014/main" id="{2E2A96CB-C803-4D4B-B24D-6417343D2C74}"/>
+              </a:ext>
+            </a:extLst>
+          </p:cNvPr>
+          <p:cNvSpPr>
+            <a:spLocks noGrp="1"/>
+          </p:cNvSpPr>
+          <p:nvPr>
+            <p:ph idx="1"/>
+          </p:nvPr>
+        </p:nvSpPr>
+        <p:spPr>
+          <a:xfrm>
+            <a:off x="331763" y="1825625"/>
+            <a:ext cx="10515600" cy="4351338"/>
+          </a:xfrm>
+        </p:spPr>
+        <p:txBody>
+          <a:bodyPr/>
+          <a:lstStyle/>
+          <a:p>
+            <a:pPr marL="0" indent="0">
+              <a:buNone/>
+            </a:pPr>
+            <a:r>
+              <a:rPr lang="en-IN" dirty="0"/>
+              <a:t>Let’s first talk about entropy</a:t>
+            </a:r>
+          </a:p>
+          <a:p>
+            <a:pPr marL="0" indent="0">
+              <a:buNone/>
+            </a:pPr>
+            <a:endParaRPr lang="en-IN" dirty="0"/>
+          </a:p>
+          <a:p>
+            <a:pPr marL="0" indent="0">
+              <a:buNone/>
+            </a:pPr>
+            <a:r>
+              <a:rPr lang="en-IN" dirty="0"/>
+              <a:t>Take a ball from </a:t>
+            </a:r>
+          </a:p>
+          <a:p>
+            <a:pPr marL="0" indent="0">
+              <a:buNone/>
+            </a:pPr>
+            <a:r>
+              <a:rPr lang="en-IN" dirty="0"/>
+              <a:t>each of the boxes</a:t>
+            </a:r>
+          </a:p>
+          <a:p>
+            <a:pPr marL="0" indent="0">
+              <a:buNone/>
+            </a:pPr>
+            <a:r>
+              <a:rPr lang="en-IN" dirty="0"/>
+              <a:t>and guess the colour</a:t>
+            </a:r>
+          </a:p>
+          <a:p>
+            <a:pPr marL="0" indent="0">
+              <a:buNone/>
+            </a:pPr>
+            <a:endParaRPr lang="en-IN" dirty="0"/>
+          </a:p>
+        </p:txBody>
+      </p:sp>
       <p:pic>
         <p:nvPicPr>
           <p:cNvPr id="4" name="Picture 3">
@@ -8145,81 +10920,6 @@
           </a:prstGeom>
         </p:spPr>
       </p:pic>
-      <p:sp>
-        <p:nvSpPr>
-          <p:cNvPr id="3" name="Content Placeholder 2">
-            <a:extLst>
-              <a:ext uri="{FF2B5EF4-FFF2-40B4-BE49-F238E27FC236}">
-                <a16:creationId xmlns:a16="http://schemas.microsoft.com/office/drawing/2014/main" id="{2E2A96CB-C803-4D4B-B24D-6417343D2C74}"/>
-              </a:ext>
-            </a:extLst>
-          </p:cNvPr>
-          <p:cNvSpPr>
-            <a:spLocks noGrp="1"/>
-          </p:cNvSpPr>
-          <p:nvPr>
-            <p:ph idx="1"/>
-          </p:nvPr>
-        </p:nvSpPr>
-        <p:spPr>
-          <a:xfrm>
-            <a:off x="331763" y="1825625"/>
-            <a:ext cx="10515600" cy="4351338"/>
-          </a:xfrm>
-        </p:spPr>
-        <p:txBody>
-          <a:bodyPr/>
-          <a:lstStyle/>
-          <a:p>
-            <a:pPr marL="0" indent="0">
-              <a:buNone/>
-            </a:pPr>
-            <a:r>
-              <a:rPr lang="en-IN" dirty="0"/>
-              <a:t>Let’s first talk about entropy</a:t>
-            </a:r>
-          </a:p>
-          <a:p>
-            <a:pPr marL="0" indent="0">
-              <a:buNone/>
-            </a:pPr>
-            <a:endParaRPr lang="en-IN" dirty="0"/>
-          </a:p>
-          <a:p>
-            <a:pPr marL="0" indent="0">
-              <a:buNone/>
-            </a:pPr>
-            <a:r>
-              <a:rPr lang="en-IN" dirty="0"/>
-              <a:t>Take a ball from </a:t>
-            </a:r>
-          </a:p>
-          <a:p>
-            <a:pPr marL="0" indent="0">
-              <a:buNone/>
-            </a:pPr>
-            <a:r>
-              <a:rPr lang="en-IN" dirty="0"/>
-              <a:t>each of the boxes</a:t>
-            </a:r>
-          </a:p>
-          <a:p>
-            <a:pPr marL="0" indent="0">
-              <a:buNone/>
-            </a:pPr>
-            <a:r>
-              <a:rPr lang="en-IN" dirty="0"/>
-              <a:t>and guess the colour</a:t>
-            </a:r>
-          </a:p>
-          <a:p>
-            <a:pPr marL="0" indent="0">
-              <a:buNone/>
-            </a:pPr>
-            <a:endParaRPr lang="en-IN" dirty="0"/>
-          </a:p>
-        </p:txBody>
-      </p:sp>
       <p:sp>
         <p:nvSpPr>
           <p:cNvPr id="5" name="TextBox 4">
@@ -8700,6 +11400,133 @@
           </a:p>
         </p:txBody>
       </p:sp>
+      <p:sp>
+        <p:nvSpPr>
+          <p:cNvPr id="3" name="Content Placeholder 2">
+            <a:extLst>
+              <a:ext uri="{FF2B5EF4-FFF2-40B4-BE49-F238E27FC236}">
+                <a16:creationId xmlns:a16="http://schemas.microsoft.com/office/drawing/2014/main" id="{2E2A96CB-C803-4D4B-B24D-6417343D2C74}"/>
+              </a:ext>
+            </a:extLst>
+          </p:cNvPr>
+          <p:cNvSpPr>
+            <a:spLocks noGrp="1"/>
+          </p:cNvSpPr>
+          <p:nvPr>
+            <p:ph idx="1"/>
+          </p:nvPr>
+        </p:nvSpPr>
+        <p:spPr>
+          <a:xfrm>
+            <a:off x="526366" y="1587086"/>
+            <a:ext cx="10515600" cy="4959488"/>
+          </a:xfrm>
+        </p:spPr>
+        <p:txBody>
+          <a:bodyPr>
+            <a:normAutofit fontScale="92500" lnSpcReduction="20000"/>
+          </a:bodyPr>
+          <a:lstStyle/>
+          <a:p>
+            <a:pPr>
+              <a:lnSpc>
+                <a:spcPct val="150000"/>
+              </a:lnSpc>
+            </a:pPr>
+            <a:r>
+              <a:rPr lang="en-IN" dirty="0"/>
+              <a:t>A decision tree would split the data using features in such a way that at each split randomness of data keeps on decreasing.</a:t>
+            </a:r>
+          </a:p>
+          <a:p>
+            <a:pPr>
+              <a:lnSpc>
+                <a:spcPct val="150000"/>
+              </a:lnSpc>
+            </a:pPr>
+            <a:r>
+              <a:rPr lang="en-IN" dirty="0"/>
+              <a:t>Randomness or entropy of a system/data is given by:</a:t>
+            </a:r>
+          </a:p>
+          <a:p>
+            <a:pPr marL="0" indent="0">
+              <a:lnSpc>
+                <a:spcPct val="150000"/>
+              </a:lnSpc>
+              <a:buNone/>
+            </a:pPr>
+            <a:r>
+              <a:rPr lang="en-IN" dirty="0"/>
+              <a:t> </a:t>
+            </a:r>
+          </a:p>
+          <a:p>
+            <a:pPr>
+              <a:lnSpc>
+                <a:spcPct val="150000"/>
+              </a:lnSpc>
+            </a:pPr>
+            <a:endParaRPr lang="en-IN" dirty="0"/>
+          </a:p>
+          <a:p>
+            <a:pPr>
+              <a:lnSpc>
+                <a:spcPct val="150000"/>
+              </a:lnSpc>
+            </a:pPr>
+            <a:endParaRPr lang="en-IN" dirty="0"/>
+          </a:p>
+          <a:p>
+            <a:pPr marL="0" indent="0" algn="ctr">
+              <a:lnSpc>
+                <a:spcPct val="150000"/>
+              </a:lnSpc>
+              <a:buNone/>
+            </a:pPr>
+            <a:r>
+              <a:rPr lang="en-IN" dirty="0"/>
+              <a:t>Where k = number of classes </a:t>
+            </a:r>
+          </a:p>
+          <a:p>
+            <a:pPr marL="0" indent="0" algn="ctr">
+              <a:lnSpc>
+                <a:spcPct val="150000"/>
+              </a:lnSpc>
+              <a:buNone/>
+            </a:pPr>
+            <a:r>
+              <a:rPr lang="en-IN" dirty="0"/>
+              <a:t>p(</a:t>
+            </a:r>
+            <a:r>
+              <a:rPr lang="en-IN" dirty="0" err="1"/>
+              <a:t>y</a:t>
+            </a:r>
+            <a:r>
+              <a:rPr lang="en-IN" baseline="-25000" dirty="0" err="1"/>
+              <a:t>i</a:t>
+            </a:r>
+            <a:r>
+              <a:rPr lang="en-IN" dirty="0"/>
+              <a:t>) = probability of class </a:t>
+            </a:r>
+            <a:r>
+              <a:rPr lang="en-IN" dirty="0" err="1"/>
+              <a:t>y</a:t>
+            </a:r>
+            <a:r>
+              <a:rPr lang="en-IN" baseline="-25000" dirty="0" err="1"/>
+              <a:t>i</a:t>
+            </a:r>
+            <a:r>
+              <a:rPr lang="en-IN" dirty="0"/>
+              <a:t>  </a:t>
+            </a:r>
+          </a:p>
+        </p:txBody>
+      </p:sp>
       <p:pic>
         <p:nvPicPr>
           <p:cNvPr id="6" name="Picture 5">
@@ -8730,133 +11557,6 @@
           </a:prstGeom>
         </p:spPr>
       </p:pic>
-      <p:sp>
-        <p:nvSpPr>
-          <p:cNvPr id="3" name="Content Placeholder 2">
-            <a:extLst>
-              <a:ext uri="{FF2B5EF4-FFF2-40B4-BE49-F238E27FC236}">
-                <a16:creationId xmlns:a16="http://schemas.microsoft.com/office/drawing/2014/main" id="{2E2A96CB-C803-4D4B-B24D-6417343D2C74}"/>
-              </a:ext>
-            </a:extLst>
-          </p:cNvPr>
-          <p:cNvSpPr>
-            <a:spLocks noGrp="1"/>
-          </p:cNvSpPr>
-          <p:nvPr>
-            <p:ph idx="1"/>
-          </p:nvPr>
-        </p:nvSpPr>
-        <p:spPr>
-          <a:xfrm>
-            <a:off x="526366" y="1587086"/>
-            <a:ext cx="10515600" cy="4959488"/>
-          </a:xfrm>
-        </p:spPr>
-        <p:txBody>
-          <a:bodyPr>
-            <a:normAutofit fontScale="92500" lnSpcReduction="20000"/>
-          </a:bodyPr>
-          <a:lstStyle/>
-          <a:p>
-            <a:pPr>
-              <a:lnSpc>
-                <a:spcPct val="150000"/>
-              </a:lnSpc>
-            </a:pPr>
-            <a:r>
-              <a:rPr lang="en-IN" dirty="0"/>
-              <a:t>A decision tree would split the data using features in such a way that at each split randomness of data keeps on decreasing.</a:t>
-            </a:r>
-          </a:p>
-          <a:p>
-            <a:pPr>
-              <a:lnSpc>
-                <a:spcPct val="150000"/>
-              </a:lnSpc>
-            </a:pPr>
-            <a:r>
-              <a:rPr lang="en-IN" dirty="0"/>
-              <a:t>Randomness or entropy of a system/data is given by:</a:t>
-            </a:r>
-          </a:p>
-          <a:p>
-            <a:pPr marL="0" indent="0">
-              <a:lnSpc>
-                <a:spcPct val="150000"/>
-              </a:lnSpc>
-              <a:buNone/>
-            </a:pPr>
-            <a:r>
-              <a:rPr lang="en-IN" dirty="0"/>
-              <a:t> </a:t>
-            </a:r>
-          </a:p>
-          <a:p>
-            <a:pPr>
-              <a:lnSpc>
-                <a:spcPct val="150000"/>
-              </a:lnSpc>
-            </a:pPr>
-            <a:endParaRPr lang="en-IN" dirty="0"/>
-          </a:p>
-          <a:p>
-            <a:pPr>
-              <a:lnSpc>
-                <a:spcPct val="150000"/>
-              </a:lnSpc>
-            </a:pPr>
-            <a:endParaRPr lang="en-IN" dirty="0"/>
-          </a:p>
-          <a:p>
-            <a:pPr marL="0" indent="0" algn="ctr">
-              <a:lnSpc>
-                <a:spcPct val="150000"/>
-              </a:lnSpc>
-              <a:buNone/>
-            </a:pPr>
-            <a:r>
-              <a:rPr lang="en-IN" dirty="0"/>
-              <a:t>Where k = number of classes </a:t>
-            </a:r>
-          </a:p>
-          <a:p>
-            <a:pPr marL="0" indent="0" algn="ctr">
-              <a:lnSpc>
-                <a:spcPct val="150000"/>
-              </a:lnSpc>
-              <a:buNone/>
-            </a:pPr>
-            <a:r>
-              <a:rPr lang="en-IN" dirty="0"/>
-              <a:t>p(</a:t>
-            </a:r>
-            <a:r>
-              <a:rPr lang="en-IN" dirty="0" err="1"/>
-              <a:t>y</a:t>
-            </a:r>
-            <a:r>
-              <a:rPr lang="en-IN" baseline="-25000" dirty="0" err="1"/>
-              <a:t>i</a:t>
-            </a:r>
-            <a:r>
-              <a:rPr lang="en-IN" dirty="0"/>
-              <a:t>) = probability of class </a:t>
-            </a:r>
-            <a:r>
-              <a:rPr lang="en-IN" dirty="0" err="1"/>
-              <a:t>y</a:t>
-            </a:r>
-            <a:r>
-              <a:rPr lang="en-IN" baseline="-25000" dirty="0" err="1"/>
-              <a:t>i</a:t>
-            </a:r>
-            <a:r>
-              <a:rPr lang="en-IN" dirty="0"/>
-              <a:t>  </a:t>
-            </a:r>
-          </a:p>
-        </p:txBody>
-      </p:sp>
     </p:spTree>
     <p:extLst>
       <p:ext uri="{BB962C8B-B14F-4D97-AF65-F5344CB8AC3E}">
@@ -16000,7 +18700,9 @@
         </p:nvSpPr>
         <p:spPr/>
         <p:txBody>
-          <a:bodyPr/>
+          <a:bodyPr>
+            <a:normAutofit/>
+          </a:bodyPr>
           <a:lstStyle/>
           <a:p>
             <a:pPr marL="0" indent="0">
@@ -16008,7 +18710,7 @@
             </a:pPr>
             <a:r>
               <a:rPr lang="en-IN" dirty="0"/>
-              <a:t>The most common classifications are </a:t>
+              <a:t>The most common classifications is </a:t>
             </a:r>
           </a:p>
           <a:p>
@@ -16018,9 +18720,12 @@
             <a:endParaRPr lang="en-IN" dirty="0"/>
           </a:p>
           <a:p>
+            <a:pPr marL="0" indent="0">
+              <a:buNone/>
+            </a:pPr>
             <a:r>
               <a:rPr lang="en-IN" dirty="0"/>
-              <a:t>Network intrusion detection systems (NIDS)</a:t>
+              <a:t>1) Network intrusion detection systems (NIDS)</a:t>
             </a:r>
           </a:p>
           <a:p>
@@ -16039,9 +18744,12 @@
             <a:endParaRPr lang="en-IN" dirty="0"/>
           </a:p>
           <a:p>
+            <a:pPr marL="0" indent="0">
+              <a:buNone/>
+            </a:pPr>
             <a:r>
               <a:rPr lang="en-IN" dirty="0"/>
-              <a:t>Host-based intrusion detection systems (HIDS)</a:t>
+              <a:t>2) Host-based intrusion detection systems (HIDS)</a:t>
             </a:r>
           </a:p>
           <a:p>
@@ -16505,6 +19213,45 @@
           </a:p>
         </p:txBody>
       </p:sp>
+      <p:cxnSp>
+        <p:nvCxnSpPr>
+          <p:cNvPr id="12" name="Straight Arrow Connector 11">
+            <a:extLst>
+              <a:ext uri="{FF2B5EF4-FFF2-40B4-BE49-F238E27FC236}">
+                <a16:creationId xmlns:a16="http://schemas.microsoft.com/office/drawing/2014/main" id="{648FF72F-CF3A-4B01-BBE6-38693076E6CB}"/>
+              </a:ext>
+            </a:extLst>
+          </p:cNvPr>
+          <p:cNvCxnSpPr/>
+          <p:nvPr/>
+        </p:nvCxnSpPr>
+        <p:spPr>
+          <a:xfrm flipV="1">
+            <a:off x="9455426" y="3760299"/>
+            <a:ext cx="397565" cy="1"/>
+          </a:xfrm>
+          <a:prstGeom prst="straightConnector1">
+            <a:avLst/>
+          </a:prstGeom>
+          <a:ln w="28575">
+            <a:tailEnd type="triangle"/>
+          </a:ln>
+        </p:spPr>
+        <p:style>
+          <a:lnRef idx="1">
+            <a:schemeClr val="dk1"/>
+          </a:lnRef>
+          <a:fillRef idx="0">
+            <a:schemeClr val="dk1"/>
+          </a:fillRef>
+          <a:effectRef idx="0">
+            <a:schemeClr val="dk1"/>
+          </a:effectRef>
+          <a:fontRef idx="minor">
+            <a:schemeClr val="tx1"/>
+          </a:fontRef>
+        </p:style>
+      </p:cxnSp>
     </p:spTree>
     <p:extLst>
       <p:ext uri="{BB962C8B-B14F-4D97-AF65-F5344CB8AC3E}">
@@ -16888,8 +19635,8 @@
           </a:p>
         </p:txBody>
       </p:sp>
-      <mc:AlternateContent xmlns:mc="http://schemas.openxmlformats.org/markup-compatibility/2006">
-        <mc:Choice xmlns:a14="http://schemas.microsoft.com/office/drawing/2010/main" Requires="a14">
+      <mc:AlternateContent xmlns:mc="http://schemas.openxmlformats.org/markup-compatibility/2006" xmlns:a14="http://schemas.microsoft.com/office/drawing/2010/main">
+        <mc:Choice Requires="a14">
           <p:sp>
             <p:nvSpPr>
               <p:cNvPr id="3" name="Content Placeholder 2">
@@ -17100,7 +19847,7 @@
             </p:txBody>
           </p:sp>
         </mc:Choice>
-        <mc:Fallback>
+        <mc:Fallback xmlns="">
           <p:sp>
             <p:nvSpPr>
               <p:cNvPr id="3" name="Content Placeholder 2">
@@ -17204,8 +19951,8 @@
           </a:p>
         </p:txBody>
       </p:sp>
-      <mc:AlternateContent xmlns:mc="http://schemas.openxmlformats.org/markup-compatibility/2006">
-        <mc:Choice xmlns:a14="http://schemas.microsoft.com/office/drawing/2010/main" Requires="a14">
+      <mc:AlternateContent xmlns:mc="http://schemas.openxmlformats.org/markup-compatibility/2006" xmlns:a14="http://schemas.microsoft.com/office/drawing/2010/main">
+        <mc:Choice Requires="a14">
           <p:sp>
             <p:nvSpPr>
               <p:cNvPr id="3" name="Content Placeholder 2">
@@ -17368,7 +20115,7 @@
             </p:txBody>
           </p:sp>
         </mc:Choice>
-        <mc:Fallback>
+        <mc:Fallback xmlns="">
           <p:sp>
             <p:nvSpPr>
               <p:cNvPr id="3" name="Content Placeholder 2">
@@ -17425,6 +20172,1462 @@
 </p:sld>
 </file>
 
+<file path=ppt/slides/slide44.xml><?xml version="1.0" encoding="utf-8"?>
+<p:sld xmlns:a="http://schemas.openxmlformats.org/drawingml/2006/main" xmlns:r="http://schemas.openxmlformats.org/officeDocument/2006/relationships" xmlns:p="http://schemas.openxmlformats.org/presentationml/2006/main">
+  <p:cSld>
+    <p:spTree>
+      <p:nvGrpSpPr>
+        <p:cNvPr id="1" name=""/>
+        <p:cNvGrpSpPr/>
+        <p:nvPr/>
+      </p:nvGrpSpPr>
+      <p:grpSpPr>
+        <a:xfrm>
+          <a:off x="0" y="0"/>
+          <a:ext cx="0" cy="0"/>
+          <a:chOff x="0" y="0"/>
+          <a:chExt cx="0" cy="0"/>
+        </a:xfrm>
+      </p:grpSpPr>
+      <p:sp>
+        <p:nvSpPr>
+          <p:cNvPr id="2" name="Title 1">
+            <a:extLst>
+              <a:ext uri="{FF2B5EF4-FFF2-40B4-BE49-F238E27FC236}">
+                <a16:creationId xmlns:a16="http://schemas.microsoft.com/office/drawing/2014/main" id="{BC60434F-40EC-456E-AC10-B309FDCC7147}"/>
+              </a:ext>
+            </a:extLst>
+          </p:cNvPr>
+          <p:cNvSpPr>
+            <a:spLocks noGrp="1"/>
+          </p:cNvSpPr>
+          <p:nvPr>
+            <p:ph type="title"/>
+          </p:nvPr>
+        </p:nvSpPr>
+        <p:spPr>
+          <a:xfrm>
+            <a:off x="303212" y="104084"/>
+            <a:ext cx="10515600" cy="1325563"/>
+          </a:xfrm>
+        </p:spPr>
+        <p:txBody>
+          <a:bodyPr>
+            <a:normAutofit/>
+          </a:bodyPr>
+          <a:lstStyle/>
+          <a:p>
+            <a:r>
+              <a:rPr lang="en-IN" sz="3600" dirty="0"/>
+              <a:t>Results obtained</a:t>
+            </a:r>
+          </a:p>
+        </p:txBody>
+      </p:sp>
+      <p:graphicFrame>
+        <p:nvGraphicFramePr>
+          <p:cNvPr id="4" name="Table 4">
+            <a:extLst>
+              <a:ext uri="{FF2B5EF4-FFF2-40B4-BE49-F238E27FC236}">
+                <a16:creationId xmlns:a16="http://schemas.microsoft.com/office/drawing/2014/main" id="{096F8D46-A274-469D-98C8-505655B21D72}"/>
+              </a:ext>
+            </a:extLst>
+          </p:cNvPr>
+          <p:cNvGraphicFramePr>
+            <a:graphicFrameLocks noGrp="1"/>
+          </p:cNvGraphicFramePr>
+          <p:nvPr>
+            <p:extLst>
+              <p:ext uri="{D42A27DB-BD31-4B8C-83A1-F6EECF244321}">
+                <p14:modId xmlns:p14="http://schemas.microsoft.com/office/powerpoint/2010/main" val="120338033"/>
+              </p:ext>
+            </p:extLst>
+          </p:nvPr>
+        </p:nvGraphicFramePr>
+        <p:xfrm>
+          <a:off x="303212" y="1664083"/>
+          <a:ext cx="11769725" cy="3764270"/>
+        </p:xfrm>
+        <a:graphic>
+          <a:graphicData uri="http://schemas.openxmlformats.org/drawingml/2006/table">
+            <a:tbl>
+              <a:tblPr firstRow="1" bandRow="1">
+                <a:tableStyleId>{5C22544A-7EE6-4342-B048-85BDC9FD1C3A}</a:tableStyleId>
+              </a:tblPr>
+              <a:tblGrid>
+                <a:gridCol w="2353945">
+                  <a:extLst>
+                    <a:ext uri="{9D8B030D-6E8A-4147-A177-3AD203B41FA5}">
+                      <a16:colId xmlns:a16="http://schemas.microsoft.com/office/drawing/2014/main" val="806371559"/>
+                    </a:ext>
+                  </a:extLst>
+                </a:gridCol>
+                <a:gridCol w="2353945">
+                  <a:extLst>
+                    <a:ext uri="{9D8B030D-6E8A-4147-A177-3AD203B41FA5}">
+                      <a16:colId xmlns:a16="http://schemas.microsoft.com/office/drawing/2014/main" val="4224855615"/>
+                    </a:ext>
+                  </a:extLst>
+                </a:gridCol>
+                <a:gridCol w="2353945">
+                  <a:extLst>
+                    <a:ext uri="{9D8B030D-6E8A-4147-A177-3AD203B41FA5}">
+                      <a16:colId xmlns:a16="http://schemas.microsoft.com/office/drawing/2014/main" val="3866240346"/>
+                    </a:ext>
+                  </a:extLst>
+                </a:gridCol>
+                <a:gridCol w="2353945">
+                  <a:extLst>
+                    <a:ext uri="{9D8B030D-6E8A-4147-A177-3AD203B41FA5}">
+                      <a16:colId xmlns:a16="http://schemas.microsoft.com/office/drawing/2014/main" val="3618458214"/>
+                    </a:ext>
+                  </a:extLst>
+                </a:gridCol>
+                <a:gridCol w="2353945">
+                  <a:extLst>
+                    <a:ext uri="{9D8B030D-6E8A-4147-A177-3AD203B41FA5}">
+                      <a16:colId xmlns:a16="http://schemas.microsoft.com/office/drawing/2014/main" val="968521304"/>
+                    </a:ext>
+                  </a:extLst>
+                </a:gridCol>
+              </a:tblGrid>
+              <a:tr h="637428">
+                <a:tc>
+                  <a:txBody>
+                    <a:bodyPr/>
+                    <a:lstStyle/>
+                    <a:p>
+                      <a:pPr algn="ctr"/>
+                      <a:r>
+                        <a:rPr lang="en-IN" sz="2400" dirty="0"/>
+                        <a:t>Model</a:t>
+                      </a:r>
+                    </a:p>
+                  </a:txBody>
+                  <a:tcPr/>
+                </a:tc>
+                <a:tc>
+                  <a:txBody>
+                    <a:bodyPr/>
+                    <a:lstStyle/>
+                    <a:p>
+                      <a:pPr algn="ctr"/>
+                      <a:r>
+                        <a:rPr lang="en-IN" sz="2400" dirty="0"/>
+                        <a:t> Accuracy</a:t>
+                      </a:r>
+                    </a:p>
+                  </a:txBody>
+                  <a:tcPr/>
+                </a:tc>
+                <a:tc>
+                  <a:txBody>
+                    <a:bodyPr/>
+                    <a:lstStyle/>
+                    <a:p>
+                      <a:pPr algn="ctr"/>
+                      <a:r>
+                        <a:rPr lang="en-IN" sz="2400" dirty="0"/>
+                        <a:t>Macro-precision</a:t>
+                      </a:r>
+                    </a:p>
+                  </a:txBody>
+                  <a:tcPr/>
+                </a:tc>
+                <a:tc>
+                  <a:txBody>
+                    <a:bodyPr/>
+                    <a:lstStyle/>
+                    <a:p>
+                      <a:pPr algn="ctr"/>
+                      <a:r>
+                        <a:rPr lang="en-IN" sz="2400" dirty="0"/>
+                        <a:t>Macro-recall</a:t>
+                      </a:r>
+                    </a:p>
+                  </a:txBody>
+                  <a:tcPr/>
+                </a:tc>
+                <a:tc>
+                  <a:txBody>
+                    <a:bodyPr/>
+                    <a:lstStyle/>
+                    <a:p>
+                      <a:pPr algn="ctr"/>
+                      <a:r>
+                        <a:rPr lang="en-IN" sz="2400" dirty="0"/>
+                        <a:t>Macro-F1-Score</a:t>
+                      </a:r>
+                    </a:p>
+                  </a:txBody>
+                  <a:tcPr/>
+                </a:tc>
+                <a:extLst>
+                  <a:ext uri="{0D108BD9-81ED-4DB2-BD59-A6C34878D82A}">
+                    <a16:rowId xmlns:a16="http://schemas.microsoft.com/office/drawing/2014/main" val="4064675349"/>
+                  </a:ext>
+                </a:extLst>
+              </a:tr>
+              <a:tr h="703940">
+                <a:tc>
+                  <a:txBody>
+                    <a:bodyPr/>
+                    <a:lstStyle/>
+                    <a:p>
+                      <a:pPr algn="ctr"/>
+                      <a:r>
+                        <a:rPr lang="en-IN" sz="2400" dirty="0"/>
+                        <a:t>K-nearest neighbour</a:t>
+                      </a:r>
+                    </a:p>
+                  </a:txBody>
+                  <a:tcPr/>
+                </a:tc>
+                <a:tc>
+                  <a:txBody>
+                    <a:bodyPr/>
+                    <a:lstStyle/>
+                    <a:p>
+                      <a:pPr algn="ctr"/>
+                      <a:r>
+                        <a:rPr lang="en-IN" sz="2400" dirty="0"/>
+                        <a:t>0.989</a:t>
+                      </a:r>
+                    </a:p>
+                  </a:txBody>
+                  <a:tcPr/>
+                </a:tc>
+                <a:tc>
+                  <a:txBody>
+                    <a:bodyPr/>
+                    <a:lstStyle/>
+                    <a:p>
+                      <a:pPr algn="ctr"/>
+                      <a:r>
+                        <a:rPr lang="en-IN" sz="2400" dirty="0"/>
+                        <a:t>0.80</a:t>
+                      </a:r>
+                    </a:p>
+                  </a:txBody>
+                  <a:tcPr/>
+                </a:tc>
+                <a:tc>
+                  <a:txBody>
+                    <a:bodyPr/>
+                    <a:lstStyle/>
+                    <a:p>
+                      <a:pPr algn="ctr"/>
+                      <a:r>
+                        <a:rPr lang="en-IN" sz="2400" dirty="0"/>
+                        <a:t>0.76</a:t>
+                      </a:r>
+                    </a:p>
+                  </a:txBody>
+                  <a:tcPr/>
+                </a:tc>
+                <a:tc>
+                  <a:txBody>
+                    <a:bodyPr/>
+                    <a:lstStyle/>
+                    <a:p>
+                      <a:pPr algn="ctr"/>
+                      <a:r>
+                        <a:rPr lang="en-IN" sz="2400" dirty="0"/>
+                        <a:t>0.74</a:t>
+                      </a:r>
+                    </a:p>
+                  </a:txBody>
+                  <a:tcPr/>
+                </a:tc>
+                <a:extLst>
+                  <a:ext uri="{0D108BD9-81ED-4DB2-BD59-A6C34878D82A}">
+                    <a16:rowId xmlns:a16="http://schemas.microsoft.com/office/drawing/2014/main" val="4040676013"/>
+                  </a:ext>
+                </a:extLst>
+              </a:tr>
+              <a:tr h="728944">
+                <a:tc>
+                  <a:txBody>
+                    <a:bodyPr/>
+                    <a:lstStyle/>
+                    <a:p>
+                      <a:pPr algn="ctr"/>
+                      <a:r>
+                        <a:rPr lang="en-IN" sz="2400" dirty="0"/>
+                        <a:t>Naïve Bayes</a:t>
+                      </a:r>
+                    </a:p>
+                  </a:txBody>
+                  <a:tcPr/>
+                </a:tc>
+                <a:tc>
+                  <a:txBody>
+                    <a:bodyPr/>
+                    <a:lstStyle/>
+                    <a:p>
+                      <a:pPr algn="ctr"/>
+                      <a:r>
+                        <a:rPr lang="en-IN" sz="2400" dirty="0"/>
+                        <a:t>0.9103</a:t>
+                      </a:r>
+                    </a:p>
+                  </a:txBody>
+                  <a:tcPr/>
+                </a:tc>
+                <a:tc>
+                  <a:txBody>
+                    <a:bodyPr/>
+                    <a:lstStyle/>
+                    <a:p>
+                      <a:pPr algn="ctr"/>
+                      <a:r>
+                        <a:rPr lang="en-IN" sz="2400" dirty="0"/>
+                        <a:t>0.43</a:t>
+                      </a:r>
+                    </a:p>
+                  </a:txBody>
+                  <a:tcPr/>
+                </a:tc>
+                <a:tc>
+                  <a:txBody>
+                    <a:bodyPr/>
+                    <a:lstStyle/>
+                    <a:p>
+                      <a:pPr algn="ctr"/>
+                      <a:r>
+                        <a:rPr lang="en-IN" sz="2400" dirty="0"/>
+                        <a:t>0.72</a:t>
+                      </a:r>
+                    </a:p>
+                  </a:txBody>
+                  <a:tcPr/>
+                </a:tc>
+                <a:tc>
+                  <a:txBody>
+                    <a:bodyPr/>
+                    <a:lstStyle/>
+                    <a:p>
+                      <a:pPr algn="ctr"/>
+                      <a:r>
+                        <a:rPr lang="en-IN" sz="2400" dirty="0"/>
+                        <a:t>0.42</a:t>
+                      </a:r>
+                    </a:p>
+                  </a:txBody>
+                  <a:tcPr/>
+                </a:tc>
+                <a:extLst>
+                  <a:ext uri="{0D108BD9-81ED-4DB2-BD59-A6C34878D82A}">
+                    <a16:rowId xmlns:a16="http://schemas.microsoft.com/office/drawing/2014/main" val="2981488954"/>
+                  </a:ext>
+                </a:extLst>
+              </a:tr>
+              <a:tr h="687452">
+                <a:tc>
+                  <a:txBody>
+                    <a:bodyPr/>
+                    <a:lstStyle/>
+                    <a:p>
+                      <a:pPr algn="ctr"/>
+                      <a:r>
+                        <a:rPr lang="en-IN" sz="2400" dirty="0"/>
+                        <a:t>Logistic regression</a:t>
+                      </a:r>
+                    </a:p>
+                  </a:txBody>
+                  <a:tcPr/>
+                </a:tc>
+                <a:tc>
+                  <a:txBody>
+                    <a:bodyPr/>
+                    <a:lstStyle/>
+                    <a:p>
+                      <a:pPr algn="ctr"/>
+                      <a:r>
+                        <a:rPr lang="en-IN" sz="2400" dirty="0"/>
+                        <a:t>0.996</a:t>
+                      </a:r>
+                    </a:p>
+                  </a:txBody>
+                  <a:tcPr/>
+                </a:tc>
+                <a:tc>
+                  <a:txBody>
+                    <a:bodyPr/>
+                    <a:lstStyle/>
+                    <a:p>
+                      <a:pPr algn="ctr"/>
+                      <a:r>
+                        <a:rPr lang="en-IN" sz="2400" dirty="0"/>
+                        <a:t>0.73</a:t>
+                      </a:r>
+                    </a:p>
+                  </a:txBody>
+                  <a:tcPr/>
+                </a:tc>
+                <a:tc>
+                  <a:txBody>
+                    <a:bodyPr/>
+                    <a:lstStyle/>
+                    <a:p>
+                      <a:pPr algn="ctr"/>
+                      <a:r>
+                        <a:rPr lang="en-IN" sz="2400" dirty="0"/>
+                        <a:t>0.69</a:t>
+                      </a:r>
+                    </a:p>
+                  </a:txBody>
+                  <a:tcPr/>
+                </a:tc>
+                <a:tc>
+                  <a:txBody>
+                    <a:bodyPr/>
+                    <a:lstStyle/>
+                    <a:p>
+                      <a:pPr algn="ctr"/>
+                      <a:r>
+                        <a:rPr lang="en-IN" sz="2400" dirty="0"/>
+                        <a:t>0.71</a:t>
+                      </a:r>
+                    </a:p>
+                  </a:txBody>
+                  <a:tcPr/>
+                </a:tc>
+                <a:extLst>
+                  <a:ext uri="{0D108BD9-81ED-4DB2-BD59-A6C34878D82A}">
+                    <a16:rowId xmlns:a16="http://schemas.microsoft.com/office/drawing/2014/main" val="2154698393"/>
+                  </a:ext>
+                </a:extLst>
+              </a:tr>
+              <a:tr h="751978">
+                <a:tc>
+                  <a:txBody>
+                    <a:bodyPr/>
+                    <a:lstStyle/>
+                    <a:p>
+                      <a:pPr algn="ctr"/>
+                      <a:r>
+                        <a:rPr lang="en-IN" sz="2400" dirty="0"/>
+                        <a:t>Decision Tree</a:t>
+                      </a:r>
+                    </a:p>
+                  </a:txBody>
+                  <a:tcPr/>
+                </a:tc>
+                <a:tc>
+                  <a:txBody>
+                    <a:bodyPr/>
+                    <a:lstStyle/>
+                    <a:p>
+                      <a:pPr algn="ctr"/>
+                      <a:r>
+                        <a:rPr lang="en-IN" sz="2400" dirty="0"/>
+                        <a:t>0.9994</a:t>
+                      </a:r>
+                    </a:p>
+                  </a:txBody>
+                  <a:tcPr/>
+                </a:tc>
+                <a:tc>
+                  <a:txBody>
+                    <a:bodyPr/>
+                    <a:lstStyle/>
+                    <a:p>
+                      <a:pPr algn="ctr"/>
+                      <a:r>
+                        <a:rPr lang="en-IN" sz="2400" dirty="0"/>
+                        <a:t>0.97</a:t>
+                      </a:r>
+                    </a:p>
+                  </a:txBody>
+                  <a:tcPr/>
+                </a:tc>
+                <a:tc>
+                  <a:txBody>
+                    <a:bodyPr/>
+                    <a:lstStyle/>
+                    <a:p>
+                      <a:pPr algn="ctr"/>
+                      <a:r>
+                        <a:rPr lang="en-IN" sz="2400" dirty="0"/>
+                        <a:t>0.87</a:t>
+                      </a:r>
+                    </a:p>
+                  </a:txBody>
+                  <a:tcPr/>
+                </a:tc>
+                <a:tc>
+                  <a:txBody>
+                    <a:bodyPr/>
+                    <a:lstStyle/>
+                    <a:p>
+                      <a:pPr algn="ctr"/>
+                      <a:r>
+                        <a:rPr lang="en-IN" sz="2400" dirty="0"/>
+                        <a:t>0.91</a:t>
+                      </a:r>
+                    </a:p>
+                  </a:txBody>
+                  <a:tcPr/>
+                </a:tc>
+                <a:extLst>
+                  <a:ext uri="{0D108BD9-81ED-4DB2-BD59-A6C34878D82A}">
+                    <a16:rowId xmlns:a16="http://schemas.microsoft.com/office/drawing/2014/main" val="3613854103"/>
+                  </a:ext>
+                </a:extLst>
+              </a:tr>
+            </a:tbl>
+          </a:graphicData>
+        </a:graphic>
+      </p:graphicFrame>
+      <p:sp>
+        <p:nvSpPr>
+          <p:cNvPr id="5" name="Oval 4">
+            <a:extLst>
+              <a:ext uri="{FF2B5EF4-FFF2-40B4-BE49-F238E27FC236}">
+                <a16:creationId xmlns:a16="http://schemas.microsoft.com/office/drawing/2014/main" id="{CDF7188A-F88A-4B01-BC78-F69EA26CF35A}"/>
+              </a:ext>
+            </a:extLst>
+          </p:cNvPr>
+          <p:cNvSpPr/>
+          <p:nvPr/>
+        </p:nvSpPr>
+        <p:spPr>
+          <a:xfrm>
+            <a:off x="10023681" y="4522167"/>
+            <a:ext cx="1590261" cy="954156"/>
+          </a:xfrm>
+          <a:prstGeom prst="ellipse">
+            <a:avLst/>
+          </a:prstGeom>
+          <a:noFill/>
+        </p:spPr>
+        <p:style>
+          <a:lnRef idx="2">
+            <a:schemeClr val="accent1">
+              <a:shade val="50000"/>
+            </a:schemeClr>
+          </a:lnRef>
+          <a:fillRef idx="1">
+            <a:schemeClr val="accent1"/>
+          </a:fillRef>
+          <a:effectRef idx="0">
+            <a:schemeClr val="accent1"/>
+          </a:effectRef>
+          <a:fontRef idx="minor">
+            <a:schemeClr val="lt1"/>
+          </a:fontRef>
+        </p:style>
+        <p:txBody>
+          <a:bodyPr rtlCol="0" anchor="ctr"/>
+          <a:lstStyle/>
+          <a:p>
+            <a:pPr algn="ctr"/>
+            <a:endParaRPr lang="en-IN"/>
+          </a:p>
+        </p:txBody>
+      </p:sp>
+    </p:spTree>
+    <p:extLst>
+      <p:ext uri="{BB962C8B-B14F-4D97-AF65-F5344CB8AC3E}">
+        <p14:creationId xmlns:p14="http://schemas.microsoft.com/office/powerpoint/2010/main" val="4140187451"/>
+      </p:ext>
+    </p:extLst>
+  </p:cSld>
+  <p:clrMapOvr>
+    <a:masterClrMapping/>
+  </p:clrMapOvr>
+</p:sld>
+</file>
+
+<file path=ppt/slides/slide45.xml><?xml version="1.0" encoding="utf-8"?>
+<p:sld xmlns:a="http://schemas.openxmlformats.org/drawingml/2006/main" xmlns:r="http://schemas.openxmlformats.org/officeDocument/2006/relationships" xmlns:p="http://schemas.openxmlformats.org/presentationml/2006/main">
+  <p:cSld>
+    <p:spTree>
+      <p:nvGrpSpPr>
+        <p:cNvPr id="1" name=""/>
+        <p:cNvGrpSpPr/>
+        <p:nvPr/>
+      </p:nvGrpSpPr>
+      <p:grpSpPr>
+        <a:xfrm>
+          <a:off x="0" y="0"/>
+          <a:ext cx="0" cy="0"/>
+          <a:chOff x="0" y="0"/>
+          <a:chExt cx="0" cy="0"/>
+        </a:xfrm>
+      </p:grpSpPr>
+      <p:sp>
+        <p:nvSpPr>
+          <p:cNvPr id="2" name="Title 1">
+            <a:extLst>
+              <a:ext uri="{FF2B5EF4-FFF2-40B4-BE49-F238E27FC236}">
+                <a16:creationId xmlns:a16="http://schemas.microsoft.com/office/drawing/2014/main" id="{BC60434F-40EC-456E-AC10-B309FDCC7147}"/>
+              </a:ext>
+            </a:extLst>
+          </p:cNvPr>
+          <p:cNvSpPr>
+            <a:spLocks noGrp="1"/>
+          </p:cNvSpPr>
+          <p:nvPr>
+            <p:ph type="title"/>
+          </p:nvPr>
+        </p:nvSpPr>
+        <p:spPr/>
+        <p:txBody>
+          <a:bodyPr/>
+          <a:lstStyle/>
+          <a:p>
+            <a:r>
+              <a:rPr lang="en-IN" dirty="0"/>
+              <a:t>Conclusion</a:t>
+            </a:r>
+          </a:p>
+        </p:txBody>
+      </p:sp>
+      <p:sp>
+        <p:nvSpPr>
+          <p:cNvPr id="3" name="Content Placeholder 2">
+            <a:extLst>
+              <a:ext uri="{FF2B5EF4-FFF2-40B4-BE49-F238E27FC236}">
+                <a16:creationId xmlns:a16="http://schemas.microsoft.com/office/drawing/2014/main" id="{0C7529B8-721D-4595-9D4B-CA24A3249F15}"/>
+              </a:ext>
+            </a:extLst>
+          </p:cNvPr>
+          <p:cNvSpPr>
+            <a:spLocks noGrp="1"/>
+          </p:cNvSpPr>
+          <p:nvPr>
+            <p:ph idx="1"/>
+          </p:nvPr>
+        </p:nvSpPr>
+        <p:spPr/>
+        <p:txBody>
+          <a:bodyPr>
+            <a:normAutofit/>
+          </a:bodyPr>
+          <a:lstStyle/>
+          <a:p>
+            <a:pPr>
+              <a:lnSpc>
+                <a:spcPct val="150000"/>
+              </a:lnSpc>
+            </a:pPr>
+            <a:r>
+              <a:rPr lang="en-IN" dirty="0"/>
+              <a:t>Although all the classifiers results in 90+ accuracy, but accuracy may not be the best metric to evaluate them as accuracy loses its meaning when we deal with imbalanced dataset</a:t>
+            </a:r>
+          </a:p>
+          <a:p>
+            <a:pPr>
+              <a:lnSpc>
+                <a:spcPct val="150000"/>
+              </a:lnSpc>
+            </a:pPr>
+            <a:r>
+              <a:rPr lang="en-IN" dirty="0"/>
+              <a:t>A single metric macro f1 score is used here to compare models</a:t>
+            </a:r>
+          </a:p>
+          <a:p>
+            <a:pPr>
+              <a:lnSpc>
+                <a:spcPct val="150000"/>
+              </a:lnSpc>
+            </a:pPr>
+            <a:r>
+              <a:rPr lang="en-IN" dirty="0"/>
+              <a:t>Among the four classifiers, </a:t>
+            </a:r>
+            <a:r>
+              <a:rPr lang="en-IN" dirty="0">
+                <a:solidFill>
+                  <a:srgbClr val="FF0000"/>
+                </a:solidFill>
+              </a:rPr>
+              <a:t>decision tree </a:t>
+            </a:r>
+            <a:r>
+              <a:rPr lang="en-IN" dirty="0"/>
+              <a:t>performed the best</a:t>
+            </a:r>
+          </a:p>
+          <a:p>
+            <a:pPr marL="0" indent="0">
+              <a:lnSpc>
+                <a:spcPct val="150000"/>
+              </a:lnSpc>
+              <a:buNone/>
+            </a:pPr>
+            <a:r>
+              <a:rPr lang="en-IN" dirty="0"/>
+              <a:t> </a:t>
+            </a:r>
+          </a:p>
+        </p:txBody>
+      </p:sp>
+    </p:spTree>
+    <p:extLst>
+      <p:ext uri="{BB962C8B-B14F-4D97-AF65-F5344CB8AC3E}">
+        <p14:creationId xmlns:p14="http://schemas.microsoft.com/office/powerpoint/2010/main" val="1070085822"/>
+      </p:ext>
+    </p:extLst>
+  </p:cSld>
+  <p:clrMapOvr>
+    <a:masterClrMapping/>
+  </p:clrMapOvr>
+</p:sld>
+</file>
+
+<file path=ppt/slides/slide46.xml><?xml version="1.0" encoding="utf-8"?>
+<p:sld xmlns:a="http://schemas.openxmlformats.org/drawingml/2006/main" xmlns:r="http://schemas.openxmlformats.org/officeDocument/2006/relationships" xmlns:p="http://schemas.openxmlformats.org/presentationml/2006/main">
+  <p:cSld>
+    <p:spTree>
+      <p:nvGrpSpPr>
+        <p:cNvPr id="1" name=""/>
+        <p:cNvGrpSpPr/>
+        <p:nvPr/>
+      </p:nvGrpSpPr>
+      <p:grpSpPr>
+        <a:xfrm>
+          <a:off x="0" y="0"/>
+          <a:ext cx="0" cy="0"/>
+          <a:chOff x="0" y="0"/>
+          <a:chExt cx="0" cy="0"/>
+        </a:xfrm>
+      </p:grpSpPr>
+      <p:sp>
+        <p:nvSpPr>
+          <p:cNvPr id="2" name="Title 1">
+            <a:extLst>
+              <a:ext uri="{FF2B5EF4-FFF2-40B4-BE49-F238E27FC236}">
+                <a16:creationId xmlns:a16="http://schemas.microsoft.com/office/drawing/2014/main" id="{E96DF817-255A-47B5-872D-097C975D66E8}"/>
+              </a:ext>
+            </a:extLst>
+          </p:cNvPr>
+          <p:cNvSpPr>
+            <a:spLocks noGrp="1"/>
+          </p:cNvSpPr>
+          <p:nvPr>
+            <p:ph type="title"/>
+          </p:nvPr>
+        </p:nvSpPr>
+        <p:spPr/>
+        <p:txBody>
+          <a:bodyPr>
+            <a:normAutofit/>
+          </a:bodyPr>
+          <a:lstStyle/>
+          <a:p>
+            <a:pPr algn="ctr"/>
+            <a:r>
+              <a:rPr lang="en-IN" sz="3600" dirty="0"/>
+              <a:t>Now we’re done with out last stage</a:t>
+            </a:r>
+          </a:p>
+        </p:txBody>
+      </p:sp>
+      <p:sp>
+        <p:nvSpPr>
+          <p:cNvPr id="4" name="Rectangle 3">
+            <a:extLst>
+              <a:ext uri="{FF2B5EF4-FFF2-40B4-BE49-F238E27FC236}">
+                <a16:creationId xmlns:a16="http://schemas.microsoft.com/office/drawing/2014/main" id="{4795095D-AF0E-4AA5-A74C-1115AD3E2B4D}"/>
+              </a:ext>
+            </a:extLst>
+          </p:cNvPr>
+          <p:cNvSpPr/>
+          <p:nvPr/>
+        </p:nvSpPr>
+        <p:spPr>
+          <a:xfrm>
+            <a:off x="2776330" y="3269971"/>
+            <a:ext cx="1961322" cy="980661"/>
+          </a:xfrm>
+          <a:prstGeom prst="rect">
+            <a:avLst/>
+          </a:prstGeom>
+          <a:solidFill>
+            <a:schemeClr val="accent6"/>
+          </a:solidFill>
+        </p:spPr>
+        <p:style>
+          <a:lnRef idx="2">
+            <a:schemeClr val="accent1">
+              <a:shade val="50000"/>
+            </a:schemeClr>
+          </a:lnRef>
+          <a:fillRef idx="1">
+            <a:schemeClr val="accent1"/>
+          </a:fillRef>
+          <a:effectRef idx="0">
+            <a:schemeClr val="accent1"/>
+          </a:effectRef>
+          <a:fontRef idx="minor">
+            <a:schemeClr val="lt1"/>
+          </a:fontRef>
+        </p:style>
+        <p:txBody>
+          <a:bodyPr rtlCol="0" anchor="ctr"/>
+          <a:lstStyle/>
+          <a:p>
+            <a:pPr algn="ctr"/>
+            <a:r>
+              <a:rPr lang="en-IN" dirty="0"/>
+              <a:t>Acquire data</a:t>
+            </a:r>
+          </a:p>
+          <a:p>
+            <a:pPr algn="ctr"/>
+            <a:r>
+              <a:rPr lang="en-IN" dirty="0"/>
+              <a:t>&amp;</a:t>
+            </a:r>
+          </a:p>
+          <a:p>
+            <a:pPr algn="ctr"/>
+            <a:r>
+              <a:rPr lang="en-IN" dirty="0"/>
+              <a:t>explore</a:t>
+            </a:r>
+          </a:p>
+        </p:txBody>
+      </p:sp>
+      <p:sp>
+        <p:nvSpPr>
+          <p:cNvPr id="5" name="Rectangle 4">
+            <a:extLst>
+              <a:ext uri="{FF2B5EF4-FFF2-40B4-BE49-F238E27FC236}">
+                <a16:creationId xmlns:a16="http://schemas.microsoft.com/office/drawing/2014/main" id="{8D22CF6B-4A8A-476C-B3D2-1B2289CAA93E}"/>
+              </a:ext>
+            </a:extLst>
+          </p:cNvPr>
+          <p:cNvSpPr/>
+          <p:nvPr/>
+        </p:nvSpPr>
+        <p:spPr>
+          <a:xfrm>
+            <a:off x="5135217" y="3269970"/>
+            <a:ext cx="1961322" cy="980661"/>
+          </a:xfrm>
+          <a:prstGeom prst="rect">
+            <a:avLst/>
+          </a:prstGeom>
+          <a:solidFill>
+            <a:schemeClr val="accent6"/>
+          </a:solidFill>
+        </p:spPr>
+        <p:style>
+          <a:lnRef idx="2">
+            <a:schemeClr val="accent1">
+              <a:shade val="50000"/>
+            </a:schemeClr>
+          </a:lnRef>
+          <a:fillRef idx="1">
+            <a:schemeClr val="accent1"/>
+          </a:fillRef>
+          <a:effectRef idx="0">
+            <a:schemeClr val="accent1"/>
+          </a:effectRef>
+          <a:fontRef idx="minor">
+            <a:schemeClr val="lt1"/>
+          </a:fontRef>
+        </p:style>
+        <p:txBody>
+          <a:bodyPr rtlCol="0" anchor="ctr"/>
+          <a:lstStyle/>
+          <a:p>
+            <a:pPr algn="ctr"/>
+            <a:r>
+              <a:rPr lang="en-IN" dirty="0"/>
+              <a:t>Transform the data</a:t>
+            </a:r>
+          </a:p>
+        </p:txBody>
+      </p:sp>
+      <p:sp>
+        <p:nvSpPr>
+          <p:cNvPr id="6" name="Rectangle 5">
+            <a:extLst>
+              <a:ext uri="{FF2B5EF4-FFF2-40B4-BE49-F238E27FC236}">
+                <a16:creationId xmlns:a16="http://schemas.microsoft.com/office/drawing/2014/main" id="{77528AF8-3883-4E9A-ADEB-323E044DE330}"/>
+              </a:ext>
+            </a:extLst>
+          </p:cNvPr>
+          <p:cNvSpPr/>
+          <p:nvPr/>
+        </p:nvSpPr>
+        <p:spPr>
+          <a:xfrm>
+            <a:off x="7494104" y="3269970"/>
+            <a:ext cx="1961322" cy="980661"/>
+          </a:xfrm>
+          <a:prstGeom prst="rect">
+            <a:avLst/>
+          </a:prstGeom>
+          <a:solidFill>
+            <a:schemeClr val="accent6"/>
+          </a:solidFill>
+        </p:spPr>
+        <p:style>
+          <a:lnRef idx="2">
+            <a:schemeClr val="accent1">
+              <a:shade val="50000"/>
+            </a:schemeClr>
+          </a:lnRef>
+          <a:fillRef idx="1">
+            <a:schemeClr val="accent1"/>
+          </a:fillRef>
+          <a:effectRef idx="0">
+            <a:schemeClr val="accent1"/>
+          </a:effectRef>
+          <a:fontRef idx="minor">
+            <a:schemeClr val="lt1"/>
+          </a:fontRef>
+        </p:style>
+        <p:txBody>
+          <a:bodyPr rtlCol="0" anchor="ctr"/>
+          <a:lstStyle/>
+          <a:p>
+            <a:pPr algn="ctr"/>
+            <a:r>
+              <a:rPr lang="en-IN" dirty="0"/>
+              <a:t>Apply ML model</a:t>
+            </a:r>
+          </a:p>
+        </p:txBody>
+      </p:sp>
+      <p:sp>
+        <p:nvSpPr>
+          <p:cNvPr id="7" name="Rectangle 6">
+            <a:extLst>
+              <a:ext uri="{FF2B5EF4-FFF2-40B4-BE49-F238E27FC236}">
+                <a16:creationId xmlns:a16="http://schemas.microsoft.com/office/drawing/2014/main" id="{C57E6208-790F-4F0A-8592-9B73C04F5B3E}"/>
+              </a:ext>
+            </a:extLst>
+          </p:cNvPr>
+          <p:cNvSpPr/>
+          <p:nvPr/>
+        </p:nvSpPr>
+        <p:spPr>
+          <a:xfrm>
+            <a:off x="9852991" y="3269969"/>
+            <a:ext cx="1961322" cy="980661"/>
+          </a:xfrm>
+          <a:prstGeom prst="rect">
+            <a:avLst/>
+          </a:prstGeom>
+          <a:solidFill>
+            <a:schemeClr val="accent6"/>
+          </a:solidFill>
+        </p:spPr>
+        <p:style>
+          <a:lnRef idx="2">
+            <a:schemeClr val="accent1">
+              <a:shade val="50000"/>
+            </a:schemeClr>
+          </a:lnRef>
+          <a:fillRef idx="1">
+            <a:schemeClr val="accent1"/>
+          </a:fillRef>
+          <a:effectRef idx="0">
+            <a:schemeClr val="accent1"/>
+          </a:effectRef>
+          <a:fontRef idx="minor">
+            <a:schemeClr val="lt1"/>
+          </a:fontRef>
+        </p:style>
+        <p:txBody>
+          <a:bodyPr rtlCol="0" anchor="ctr"/>
+          <a:lstStyle/>
+          <a:p>
+            <a:pPr algn="ctr"/>
+            <a:r>
+              <a:rPr lang="en-IN" dirty="0"/>
+              <a:t>Test the model</a:t>
+            </a:r>
+          </a:p>
+        </p:txBody>
+      </p:sp>
+      <p:cxnSp>
+        <p:nvCxnSpPr>
+          <p:cNvPr id="8" name="Straight Arrow Connector 7">
+            <a:extLst>
+              <a:ext uri="{FF2B5EF4-FFF2-40B4-BE49-F238E27FC236}">
+                <a16:creationId xmlns:a16="http://schemas.microsoft.com/office/drawing/2014/main" id="{2CEE1C0B-C5B1-4F5A-8C25-5253F7362F07}"/>
+              </a:ext>
+            </a:extLst>
+          </p:cNvPr>
+          <p:cNvCxnSpPr>
+            <a:endCxn id="4" idx="1"/>
+          </p:cNvCxnSpPr>
+          <p:nvPr/>
+        </p:nvCxnSpPr>
+        <p:spPr>
+          <a:xfrm flipV="1">
+            <a:off x="2378765" y="3760302"/>
+            <a:ext cx="397565" cy="1"/>
+          </a:xfrm>
+          <a:prstGeom prst="straightConnector1">
+            <a:avLst/>
+          </a:prstGeom>
+          <a:ln w="28575">
+            <a:tailEnd type="triangle"/>
+          </a:ln>
+        </p:spPr>
+        <p:style>
+          <a:lnRef idx="1">
+            <a:schemeClr val="dk1"/>
+          </a:lnRef>
+          <a:fillRef idx="0">
+            <a:schemeClr val="dk1"/>
+          </a:fillRef>
+          <a:effectRef idx="0">
+            <a:schemeClr val="dk1"/>
+          </a:effectRef>
+          <a:fontRef idx="minor">
+            <a:schemeClr val="tx1"/>
+          </a:fontRef>
+        </p:style>
+      </p:cxnSp>
+      <p:cxnSp>
+        <p:nvCxnSpPr>
+          <p:cNvPr id="9" name="Straight Arrow Connector 8">
+            <a:extLst>
+              <a:ext uri="{FF2B5EF4-FFF2-40B4-BE49-F238E27FC236}">
+                <a16:creationId xmlns:a16="http://schemas.microsoft.com/office/drawing/2014/main" id="{655B750D-2271-4487-ADC7-95E23DC078CE}"/>
+              </a:ext>
+            </a:extLst>
+          </p:cNvPr>
+          <p:cNvCxnSpPr/>
+          <p:nvPr/>
+        </p:nvCxnSpPr>
+        <p:spPr>
+          <a:xfrm flipV="1">
+            <a:off x="4737652" y="3760299"/>
+            <a:ext cx="397565" cy="1"/>
+          </a:xfrm>
+          <a:prstGeom prst="straightConnector1">
+            <a:avLst/>
+          </a:prstGeom>
+          <a:ln w="28575">
+            <a:tailEnd type="triangle"/>
+          </a:ln>
+        </p:spPr>
+        <p:style>
+          <a:lnRef idx="1">
+            <a:schemeClr val="dk1"/>
+          </a:lnRef>
+          <a:fillRef idx="0">
+            <a:schemeClr val="dk1"/>
+          </a:fillRef>
+          <a:effectRef idx="0">
+            <a:schemeClr val="dk1"/>
+          </a:effectRef>
+          <a:fontRef idx="minor">
+            <a:schemeClr val="tx1"/>
+          </a:fontRef>
+        </p:style>
+      </p:cxnSp>
+      <p:cxnSp>
+        <p:nvCxnSpPr>
+          <p:cNvPr id="10" name="Straight Arrow Connector 9">
+            <a:extLst>
+              <a:ext uri="{FF2B5EF4-FFF2-40B4-BE49-F238E27FC236}">
+                <a16:creationId xmlns:a16="http://schemas.microsoft.com/office/drawing/2014/main" id="{5FC56C83-5CA2-49FA-9045-3F38EC6554D6}"/>
+              </a:ext>
+            </a:extLst>
+          </p:cNvPr>
+          <p:cNvCxnSpPr/>
+          <p:nvPr/>
+        </p:nvCxnSpPr>
+        <p:spPr>
+          <a:xfrm flipV="1">
+            <a:off x="7096539" y="3760299"/>
+            <a:ext cx="397565" cy="1"/>
+          </a:xfrm>
+          <a:prstGeom prst="straightConnector1">
+            <a:avLst/>
+          </a:prstGeom>
+          <a:ln w="28575">
+            <a:tailEnd type="triangle"/>
+          </a:ln>
+        </p:spPr>
+        <p:style>
+          <a:lnRef idx="1">
+            <a:schemeClr val="dk1"/>
+          </a:lnRef>
+          <a:fillRef idx="0">
+            <a:schemeClr val="dk1"/>
+          </a:fillRef>
+          <a:effectRef idx="0">
+            <a:schemeClr val="dk1"/>
+          </a:effectRef>
+          <a:fontRef idx="minor">
+            <a:schemeClr val="tx1"/>
+          </a:fontRef>
+        </p:style>
+      </p:cxnSp>
+      <p:sp>
+        <p:nvSpPr>
+          <p:cNvPr id="11" name="Rectangle 10">
+            <a:extLst>
+              <a:ext uri="{FF2B5EF4-FFF2-40B4-BE49-F238E27FC236}">
+                <a16:creationId xmlns:a16="http://schemas.microsoft.com/office/drawing/2014/main" id="{C87058A1-5CAD-427C-A7DA-200DF313EECB}"/>
+              </a:ext>
+            </a:extLst>
+          </p:cNvPr>
+          <p:cNvSpPr/>
+          <p:nvPr/>
+        </p:nvSpPr>
+        <p:spPr>
+          <a:xfrm>
+            <a:off x="417443" y="3269972"/>
+            <a:ext cx="1961322" cy="980661"/>
+          </a:xfrm>
+          <a:prstGeom prst="rect">
+            <a:avLst/>
+          </a:prstGeom>
+          <a:solidFill>
+            <a:schemeClr val="accent6"/>
+          </a:solidFill>
+        </p:spPr>
+        <p:style>
+          <a:lnRef idx="2">
+            <a:schemeClr val="accent1">
+              <a:shade val="50000"/>
+            </a:schemeClr>
+          </a:lnRef>
+          <a:fillRef idx="1">
+            <a:schemeClr val="accent1"/>
+          </a:fillRef>
+          <a:effectRef idx="0">
+            <a:schemeClr val="accent1"/>
+          </a:effectRef>
+          <a:fontRef idx="minor">
+            <a:schemeClr val="lt1"/>
+          </a:fontRef>
+        </p:style>
+        <p:txBody>
+          <a:bodyPr rtlCol="0" anchor="ctr"/>
+          <a:lstStyle/>
+          <a:p>
+            <a:pPr algn="ctr"/>
+            <a:r>
+              <a:rPr lang="en-IN" dirty="0"/>
+              <a:t>Define ML problem</a:t>
+            </a:r>
+          </a:p>
+        </p:txBody>
+      </p:sp>
+      <p:cxnSp>
+        <p:nvCxnSpPr>
+          <p:cNvPr id="12" name="Straight Arrow Connector 11">
+            <a:extLst>
+              <a:ext uri="{FF2B5EF4-FFF2-40B4-BE49-F238E27FC236}">
+                <a16:creationId xmlns:a16="http://schemas.microsoft.com/office/drawing/2014/main" id="{6EE61610-E117-461B-8B51-0297DB83ED27}"/>
+              </a:ext>
+            </a:extLst>
+          </p:cNvPr>
+          <p:cNvCxnSpPr/>
+          <p:nvPr/>
+        </p:nvCxnSpPr>
+        <p:spPr>
+          <a:xfrm flipV="1">
+            <a:off x="9455426" y="3760299"/>
+            <a:ext cx="397565" cy="1"/>
+          </a:xfrm>
+          <a:prstGeom prst="straightConnector1">
+            <a:avLst/>
+          </a:prstGeom>
+          <a:ln w="28575">
+            <a:tailEnd type="triangle"/>
+          </a:ln>
+        </p:spPr>
+        <p:style>
+          <a:lnRef idx="1">
+            <a:schemeClr val="dk1"/>
+          </a:lnRef>
+          <a:fillRef idx="0">
+            <a:schemeClr val="dk1"/>
+          </a:fillRef>
+          <a:effectRef idx="0">
+            <a:schemeClr val="dk1"/>
+          </a:effectRef>
+          <a:fontRef idx="minor">
+            <a:schemeClr val="tx1"/>
+          </a:fontRef>
+        </p:style>
+      </p:cxnSp>
+    </p:spTree>
+    <p:extLst>
+      <p:ext uri="{BB962C8B-B14F-4D97-AF65-F5344CB8AC3E}">
+        <p14:creationId xmlns:p14="http://schemas.microsoft.com/office/powerpoint/2010/main" val="978087348"/>
+      </p:ext>
+    </p:extLst>
+  </p:cSld>
+  <p:clrMapOvr>
+    <a:masterClrMapping/>
+  </p:clrMapOvr>
+</p:sld>
+</file>
+
+<file path=ppt/slides/slide47.xml><?xml version="1.0" encoding="utf-8"?>
+<p:sld xmlns:a="http://schemas.openxmlformats.org/drawingml/2006/main" xmlns:r="http://schemas.openxmlformats.org/officeDocument/2006/relationships" xmlns:p="http://schemas.openxmlformats.org/presentationml/2006/main">
+  <p:cSld>
+    <p:spTree>
+      <p:nvGrpSpPr>
+        <p:cNvPr id="1" name=""/>
+        <p:cNvGrpSpPr/>
+        <p:nvPr/>
+      </p:nvGrpSpPr>
+      <p:grpSpPr>
+        <a:xfrm>
+          <a:off x="0" y="0"/>
+          <a:ext cx="0" cy="0"/>
+          <a:chOff x="0" y="0"/>
+          <a:chExt cx="0" cy="0"/>
+        </a:xfrm>
+      </p:grpSpPr>
+      <p:sp>
+        <p:nvSpPr>
+          <p:cNvPr id="2" name="Title 1">
+            <a:extLst>
+              <a:ext uri="{FF2B5EF4-FFF2-40B4-BE49-F238E27FC236}">
+                <a16:creationId xmlns:a16="http://schemas.microsoft.com/office/drawing/2014/main" id="{8A3227DE-BC7D-4012-9DD6-8DEC44906AE6}"/>
+              </a:ext>
+            </a:extLst>
+          </p:cNvPr>
+          <p:cNvSpPr>
+            <a:spLocks noGrp="1"/>
+          </p:cNvSpPr>
+          <p:nvPr>
+            <p:ph type="title"/>
+          </p:nvPr>
+        </p:nvSpPr>
+        <p:spPr/>
+        <p:txBody>
+          <a:bodyPr/>
+          <a:lstStyle/>
+          <a:p>
+            <a:r>
+              <a:rPr lang="en-IN" dirty="0"/>
+              <a:t>Future scope </a:t>
+            </a:r>
+          </a:p>
+        </p:txBody>
+      </p:sp>
+      <p:sp>
+        <p:nvSpPr>
+          <p:cNvPr id="3" name="Content Placeholder 2">
+            <a:extLst>
+              <a:ext uri="{FF2B5EF4-FFF2-40B4-BE49-F238E27FC236}">
+                <a16:creationId xmlns:a16="http://schemas.microsoft.com/office/drawing/2014/main" id="{3064244E-C446-451B-8298-9060C79473C4}"/>
+              </a:ext>
+            </a:extLst>
+          </p:cNvPr>
+          <p:cNvSpPr>
+            <a:spLocks noGrp="1"/>
+          </p:cNvSpPr>
+          <p:nvPr>
+            <p:ph idx="1"/>
+          </p:nvPr>
+        </p:nvSpPr>
+        <p:spPr>
+          <a:xfrm>
+            <a:off x="838200" y="1825625"/>
+            <a:ext cx="10515600" cy="4667250"/>
+          </a:xfrm>
+        </p:spPr>
+        <p:txBody>
+          <a:bodyPr>
+            <a:normAutofit fontScale="85000" lnSpcReduction="20000"/>
+          </a:bodyPr>
+          <a:lstStyle/>
+          <a:p>
+            <a:pPr>
+              <a:lnSpc>
+                <a:spcPct val="150000"/>
+              </a:lnSpc>
+            </a:pPr>
+            <a:r>
+              <a:rPr lang="en-IN" dirty="0"/>
+              <a:t>With advancement in technology, there is always a need of better ways to deal with network attacks</a:t>
+            </a:r>
+          </a:p>
+          <a:p>
+            <a:pPr>
+              <a:lnSpc>
+                <a:spcPct val="150000"/>
+              </a:lnSpc>
+            </a:pPr>
+            <a:r>
+              <a:rPr lang="en-IN" dirty="0"/>
+              <a:t>Work to be done on newer datasets</a:t>
+            </a:r>
+          </a:p>
+          <a:p>
+            <a:pPr>
+              <a:lnSpc>
+                <a:spcPct val="150000"/>
+              </a:lnSpc>
+            </a:pPr>
+            <a:r>
+              <a:rPr lang="en-IN" dirty="0"/>
+              <a:t>Nowadays, a lot of research is being done on IDS using deep learning models.</a:t>
+            </a:r>
+          </a:p>
+          <a:p>
+            <a:pPr>
+              <a:lnSpc>
+                <a:spcPct val="150000"/>
+              </a:lnSpc>
+            </a:pPr>
+            <a:r>
+              <a:rPr lang="en-IN" dirty="0"/>
+              <a:t>There is no perfect model. IDS that are currently used are a combination of different models </a:t>
+            </a:r>
+          </a:p>
+          <a:p>
+            <a:pPr>
+              <a:lnSpc>
+                <a:spcPct val="150000"/>
+              </a:lnSpc>
+            </a:pPr>
+            <a:r>
+              <a:rPr lang="en-IN" dirty="0"/>
+              <a:t>There will always be a search for a model that requires less time but produces good results.</a:t>
+            </a:r>
+          </a:p>
+          <a:p>
+            <a:pPr marL="0" indent="0">
+              <a:buNone/>
+            </a:pPr>
+            <a:endParaRPr lang="en-IN" dirty="0"/>
+          </a:p>
+          <a:p>
+            <a:endParaRPr lang="en-IN" dirty="0"/>
+          </a:p>
+          <a:p>
+            <a:endParaRPr lang="en-IN" dirty="0"/>
+          </a:p>
+          <a:p>
+            <a:endParaRPr lang="en-IN" dirty="0"/>
+          </a:p>
+        </p:txBody>
+      </p:sp>
+    </p:spTree>
+    <p:extLst>
+      <p:ext uri="{BB962C8B-B14F-4D97-AF65-F5344CB8AC3E}">
+        <p14:creationId xmlns:p14="http://schemas.microsoft.com/office/powerpoint/2010/main" val="2493123782"/>
+      </p:ext>
+    </p:extLst>
+  </p:cSld>
+  <p:clrMapOvr>
+    <a:masterClrMapping/>
+  </p:clrMapOvr>
+</p:sld>
+</file>
+
+<file path=ppt/slides/slide48.xml><?xml version="1.0" encoding="utf-8"?>
+<p:sld xmlns:a="http://schemas.openxmlformats.org/drawingml/2006/main" xmlns:r="http://schemas.openxmlformats.org/officeDocument/2006/relationships" xmlns:p="http://schemas.openxmlformats.org/presentationml/2006/main">
+  <p:cSld>
+    <p:spTree>
+      <p:nvGrpSpPr>
+        <p:cNvPr id="1" name=""/>
+        <p:cNvGrpSpPr/>
+        <p:nvPr/>
+      </p:nvGrpSpPr>
+      <p:grpSpPr>
+        <a:xfrm>
+          <a:off x="0" y="0"/>
+          <a:ext cx="0" cy="0"/>
+          <a:chOff x="0" y="0"/>
+          <a:chExt cx="0" cy="0"/>
+        </a:xfrm>
+      </p:grpSpPr>
+      <p:sp>
+        <p:nvSpPr>
+          <p:cNvPr id="2" name="Title 1">
+            <a:extLst>
+              <a:ext uri="{FF2B5EF4-FFF2-40B4-BE49-F238E27FC236}">
+                <a16:creationId xmlns:a16="http://schemas.microsoft.com/office/drawing/2014/main" id="{082778A2-B41E-4086-AABE-85E2130CEB4E}"/>
+              </a:ext>
+            </a:extLst>
+          </p:cNvPr>
+          <p:cNvSpPr>
+            <a:spLocks noGrp="1"/>
+          </p:cNvSpPr>
+          <p:nvPr>
+            <p:ph type="title"/>
+          </p:nvPr>
+        </p:nvSpPr>
+        <p:spPr/>
+        <p:txBody>
+          <a:bodyPr/>
+          <a:lstStyle/>
+          <a:p>
+            <a:endParaRPr lang="en-IN"/>
+          </a:p>
+        </p:txBody>
+      </p:sp>
+      <p:sp>
+        <p:nvSpPr>
+          <p:cNvPr id="3" name="Content Placeholder 2">
+            <a:extLst>
+              <a:ext uri="{FF2B5EF4-FFF2-40B4-BE49-F238E27FC236}">
+                <a16:creationId xmlns:a16="http://schemas.microsoft.com/office/drawing/2014/main" id="{7A188A22-195A-4D1C-9A42-4FE2F9F704E5}"/>
+              </a:ext>
+            </a:extLst>
+          </p:cNvPr>
+          <p:cNvSpPr>
+            <a:spLocks noGrp="1"/>
+          </p:cNvSpPr>
+          <p:nvPr>
+            <p:ph idx="1"/>
+          </p:nvPr>
+        </p:nvSpPr>
+        <p:spPr>
+          <a:xfrm>
+            <a:off x="533400" y="2607504"/>
+            <a:ext cx="10515600" cy="4351338"/>
+          </a:xfrm>
+        </p:spPr>
+        <p:txBody>
+          <a:bodyPr>
+            <a:normAutofit/>
+          </a:bodyPr>
+          <a:lstStyle/>
+          <a:p>
+            <a:pPr marL="0" indent="0" algn="ctr">
+              <a:buNone/>
+            </a:pPr>
+            <a:r>
+              <a:rPr lang="en-IN" sz="11500" dirty="0">
+                <a:solidFill>
+                  <a:schemeClr val="accent6">
+                    <a:lumMod val="75000"/>
+                  </a:schemeClr>
+                </a:solidFill>
+              </a:rPr>
+              <a:t>THANK YOU</a:t>
+            </a:r>
+          </a:p>
+        </p:txBody>
+      </p:sp>
+    </p:spTree>
+    <p:extLst>
+      <p:ext uri="{BB962C8B-B14F-4D97-AF65-F5344CB8AC3E}">
+        <p14:creationId xmlns:p14="http://schemas.microsoft.com/office/powerpoint/2010/main" val="497105271"/>
+      </p:ext>
+    </p:extLst>
+  </p:cSld>
+  <p:clrMapOvr>
+    <a:masterClrMapping/>
+  </p:clrMapOvr>
+</p:sld>
+</file>
+
 <file path=ppt/slides/slide5.xml><?xml version="1.0" encoding="utf-8"?>
 <p:sld xmlns:a="http://schemas.openxmlformats.org/drawingml/2006/main" xmlns:r="http://schemas.openxmlformats.org/officeDocument/2006/relationships" xmlns:p="http://schemas.openxmlformats.org/presentationml/2006/main">
   <p:cSld>
@@ -17647,7 +21850,7 @@
             </a:r>
             <a:r>
               <a:rPr lang="en-IN" dirty="0"/>
-              <a:t> to create a model monitoring regular activity and then compares new behaviour with the existing model.</a:t>
+              <a:t> to create a model monitoring regular activity and then compares new behaviour using the existing model.</a:t>
             </a:r>
           </a:p>
         </p:txBody>
@@ -17745,7 +21948,7 @@
             </a:pPr>
             <a:r>
               <a:rPr lang="en-IN" dirty="0"/>
-              <a:t>Machine Learning is the field of study that gives computers the capability to learn and improve from experience without being programmed explicitly automatically. </a:t>
+              <a:t>Machine Learning is the field of study that gives computers the capability to learn and improve from experience without being programmed explicitly. </a:t>
             </a:r>
           </a:p>
           <a:p>

--- a/Minor Project presentation.pptx
+++ b/Minor Project presentation.pptx
@@ -308,7 +308,7 @@
           <a:p>
             <a:fld id="{20FD754C-4370-4621-9D47-182DEC24FB63}" type="datetimeFigureOut">
               <a:rPr lang="en-IN" smtClean="0"/>
-              <a:t>17-07-2020</a:t>
+              <a:t>18-07-2020</a:t>
             </a:fld>
             <a:endParaRPr lang="en-IN"/>
           </a:p>
@@ -508,7 +508,7 @@
           <a:p>
             <a:fld id="{20FD754C-4370-4621-9D47-182DEC24FB63}" type="datetimeFigureOut">
               <a:rPr lang="en-IN" smtClean="0"/>
-              <a:t>17-07-2020</a:t>
+              <a:t>18-07-2020</a:t>
             </a:fld>
             <a:endParaRPr lang="en-IN"/>
           </a:p>
@@ -718,7 +718,7 @@
           <a:p>
             <a:fld id="{20FD754C-4370-4621-9D47-182DEC24FB63}" type="datetimeFigureOut">
               <a:rPr lang="en-IN" smtClean="0"/>
-              <a:t>17-07-2020</a:t>
+              <a:t>18-07-2020</a:t>
             </a:fld>
             <a:endParaRPr lang="en-IN"/>
           </a:p>
@@ -918,7 +918,7 @@
           <a:p>
             <a:fld id="{20FD754C-4370-4621-9D47-182DEC24FB63}" type="datetimeFigureOut">
               <a:rPr lang="en-IN" smtClean="0"/>
-              <a:t>17-07-2020</a:t>
+              <a:t>18-07-2020</a:t>
             </a:fld>
             <a:endParaRPr lang="en-IN"/>
           </a:p>
@@ -1194,7 +1194,7 @@
           <a:p>
             <a:fld id="{20FD754C-4370-4621-9D47-182DEC24FB63}" type="datetimeFigureOut">
               <a:rPr lang="en-IN" smtClean="0"/>
-              <a:t>17-07-2020</a:t>
+              <a:t>18-07-2020</a:t>
             </a:fld>
             <a:endParaRPr lang="en-IN"/>
           </a:p>
@@ -1462,7 +1462,7 @@
           <a:p>
             <a:fld id="{20FD754C-4370-4621-9D47-182DEC24FB63}" type="datetimeFigureOut">
               <a:rPr lang="en-IN" smtClean="0"/>
-              <a:t>17-07-2020</a:t>
+              <a:t>18-07-2020</a:t>
             </a:fld>
             <a:endParaRPr lang="en-IN"/>
           </a:p>
@@ -1877,7 +1877,7 @@
           <a:p>
             <a:fld id="{20FD754C-4370-4621-9D47-182DEC24FB63}" type="datetimeFigureOut">
               <a:rPr lang="en-IN" smtClean="0"/>
-              <a:t>17-07-2020</a:t>
+              <a:t>18-07-2020</a:t>
             </a:fld>
             <a:endParaRPr lang="en-IN"/>
           </a:p>
@@ -2019,7 +2019,7 @@
           <a:p>
             <a:fld id="{20FD754C-4370-4621-9D47-182DEC24FB63}" type="datetimeFigureOut">
               <a:rPr lang="en-IN" smtClean="0"/>
-              <a:t>17-07-2020</a:t>
+              <a:t>18-07-2020</a:t>
             </a:fld>
             <a:endParaRPr lang="en-IN"/>
           </a:p>
@@ -2132,7 +2132,7 @@
           <a:p>
             <a:fld id="{20FD754C-4370-4621-9D47-182DEC24FB63}" type="datetimeFigureOut">
               <a:rPr lang="en-IN" smtClean="0"/>
-              <a:t>17-07-2020</a:t>
+              <a:t>18-07-2020</a:t>
             </a:fld>
             <a:endParaRPr lang="en-IN"/>
           </a:p>
@@ -2445,7 +2445,7 @@
           <a:p>
             <a:fld id="{20FD754C-4370-4621-9D47-182DEC24FB63}" type="datetimeFigureOut">
               <a:rPr lang="en-IN" smtClean="0"/>
-              <a:t>17-07-2020</a:t>
+              <a:t>18-07-2020</a:t>
             </a:fld>
             <a:endParaRPr lang="en-IN"/>
           </a:p>
@@ -2734,7 +2734,7 @@
           <a:p>
             <a:fld id="{20FD754C-4370-4621-9D47-182DEC24FB63}" type="datetimeFigureOut">
               <a:rPr lang="en-IN" smtClean="0"/>
-              <a:t>17-07-2020</a:t>
+              <a:t>18-07-2020</a:t>
             </a:fld>
             <a:endParaRPr lang="en-IN"/>
           </a:p>
@@ -3008,7 +3008,7 @@
           <a:p>
             <a:fld id="{20FD754C-4370-4621-9D47-182DEC24FB63}" type="datetimeFigureOut">
               <a:rPr lang="en-IN" smtClean="0"/>
-              <a:t>17-07-2020</a:t>
+              <a:t>18-07-2020</a:t>
             </a:fld>
             <a:endParaRPr lang="en-IN"/>
           </a:p>
@@ -7039,8 +7039,8 @@
           </a:p>
         </p:txBody>
       </p:sp>
-      <mc:AlternateContent xmlns:mc="http://schemas.openxmlformats.org/markup-compatibility/2006">
-        <mc:Choice xmlns:a14="http://schemas.microsoft.com/office/drawing/2010/main" Requires="a14">
+      <mc:AlternateContent xmlns:mc="http://schemas.openxmlformats.org/markup-compatibility/2006" xmlns:a14="http://schemas.microsoft.com/office/drawing/2010/main">
+        <mc:Choice Requires="a14">
           <p:sp>
             <p:nvSpPr>
               <p:cNvPr id="4" name="TextBox 3">
@@ -7162,7 +7162,7 @@
             </p:txBody>
           </p:sp>
         </mc:Choice>
-        <mc:Fallback>
+        <mc:Fallback xmlns="">
           <p:sp>
             <p:nvSpPr>
               <p:cNvPr id="4" name="TextBox 3">
@@ -8333,8 +8333,8 @@
           </a:p>
         </p:txBody>
       </p:sp>
-      <mc:AlternateContent xmlns:mc="http://schemas.openxmlformats.org/markup-compatibility/2006">
-        <mc:Choice xmlns:a14="http://schemas.microsoft.com/office/drawing/2010/main" Requires="a14">
+      <mc:AlternateContent xmlns:mc="http://schemas.openxmlformats.org/markup-compatibility/2006" xmlns:a14="http://schemas.microsoft.com/office/drawing/2010/main">
+        <mc:Choice Requires="a14">
           <p:sp>
             <p:nvSpPr>
               <p:cNvPr id="4" name="TextBox 3">
@@ -8606,7 +8606,7 @@
             </p:txBody>
           </p:sp>
         </mc:Choice>
-        <mc:Fallback>
+        <mc:Fallback xmlns="">
           <p:sp>
             <p:nvSpPr>
               <p:cNvPr id="4" name="TextBox 3">
@@ -9364,8 +9364,8 @@
           </a:p>
         </p:txBody>
       </p:sp>
-      <mc:AlternateContent xmlns:mc="http://schemas.openxmlformats.org/markup-compatibility/2006">
-        <mc:Choice xmlns:a14="http://schemas.microsoft.com/office/drawing/2010/main" Requires="a14">
+      <mc:AlternateContent xmlns:mc="http://schemas.openxmlformats.org/markup-compatibility/2006" xmlns:a14="http://schemas.microsoft.com/office/drawing/2010/main">
+        <mc:Choice Requires="a14">
           <p:sp>
             <p:nvSpPr>
               <p:cNvPr id="4" name="Rectangle 3">
@@ -9642,7 +9642,7 @@
             </p:txBody>
           </p:sp>
         </mc:Choice>
-        <mc:Fallback>
+        <mc:Fallback xmlns="">
           <p:sp>
             <p:nvSpPr>
               <p:cNvPr id="4" name="Rectangle 3">
@@ -9946,8 +9946,8 @@
           </a:p>
         </p:txBody>
       </p:sp>
-      <mc:AlternateContent xmlns:mc="http://schemas.openxmlformats.org/markup-compatibility/2006">
-        <mc:Choice xmlns:a14="http://schemas.microsoft.com/office/drawing/2010/main" Requires="a14">
+      <mc:AlternateContent xmlns:mc="http://schemas.openxmlformats.org/markup-compatibility/2006" xmlns:a14="http://schemas.microsoft.com/office/drawing/2010/main">
+        <mc:Choice Requires="a14">
           <p:sp>
             <p:nvSpPr>
               <p:cNvPr id="4" name="Rectangle 3">
@@ -10224,7 +10224,7 @@
             </p:txBody>
           </p:sp>
         </mc:Choice>
-        <mc:Fallback>
+        <mc:Fallback xmlns="">
           <p:sp>
             <p:nvSpPr>
               <p:cNvPr id="4" name="Rectangle 3">
@@ -17615,7 +17615,7 @@
           <a:p>
             <a:r>
               <a:rPr lang="en-IN" dirty="0"/>
-              <a:t>It is always good to know what each of the features mean. This will help in deciding which features are relevant to our objective</a:t>
+              <a:t>It is always good to know what each of the features means. This will help in deciding which features are relevant to our objective</a:t>
             </a:r>
           </a:p>
           <a:p>
@@ -20815,7 +20815,7 @@
             </a:pPr>
             <a:r>
               <a:rPr lang="en-IN" dirty="0"/>
-              <a:t>Although all the classifiers results in 90+ accuracy, but accuracy may not be the best metric to evaluate them as accuracy loses its meaning when we deal with imbalanced dataset</a:t>
+              <a:t>Although all the classifiers resulted in 90+ accuracy, but accuracy may not be the best metric to evaluate them as accuracy loses its meaning when we deal with imbalanced dataset</a:t>
             </a:r>
           </a:p>
           <a:p>
@@ -20922,7 +20922,7 @@
             <a:pPr algn="ctr"/>
             <a:r>
               <a:rPr lang="en-IN" sz="3600" dirty="0"/>
-              <a:t>Now we’re done with out last stage</a:t>
+              <a:t>Now we’re done with our last stage</a:t>
             </a:r>
           </a:p>
         </p:txBody>
@@ -21546,31 +21546,6 @@
           <a:chExt cx="0" cy="0"/>
         </a:xfrm>
       </p:grpSpPr>
-      <p:sp>
-        <p:nvSpPr>
-          <p:cNvPr id="2" name="Title 1">
-            <a:extLst>
-              <a:ext uri="{FF2B5EF4-FFF2-40B4-BE49-F238E27FC236}">
-                <a16:creationId xmlns:a16="http://schemas.microsoft.com/office/drawing/2014/main" id="{082778A2-B41E-4086-AABE-85E2130CEB4E}"/>
-              </a:ext>
-            </a:extLst>
-          </p:cNvPr>
-          <p:cNvSpPr>
-            <a:spLocks noGrp="1"/>
-          </p:cNvSpPr>
-          <p:nvPr>
-            <p:ph type="title"/>
-          </p:nvPr>
-        </p:nvSpPr>
-        <p:spPr/>
-        <p:txBody>
-          <a:bodyPr/>
-          <a:lstStyle/>
-          <a:p>
-            <a:endParaRPr lang="en-IN"/>
-          </a:p>
-        </p:txBody>
-      </p:sp>
       <p:sp>
         <p:nvSpPr>
           <p:cNvPr id="3" name="Content Placeholder 2">

--- a/Minor Project presentation.pptx
+++ b/Minor Project presentation.pptx
@@ -20,22 +20,22 @@
     <p:sldId id="299" r:id="rId14"/>
     <p:sldId id="300" r:id="rId15"/>
     <p:sldId id="269" r:id="rId16"/>
-    <p:sldId id="267" r:id="rId17"/>
-    <p:sldId id="268" r:id="rId18"/>
-    <p:sldId id="271" r:id="rId19"/>
-    <p:sldId id="270" r:id="rId20"/>
-    <p:sldId id="272" r:id="rId21"/>
-    <p:sldId id="301" r:id="rId22"/>
-    <p:sldId id="273" r:id="rId23"/>
-    <p:sldId id="275" r:id="rId24"/>
-    <p:sldId id="276" r:id="rId25"/>
-    <p:sldId id="277" r:id="rId26"/>
-    <p:sldId id="278" r:id="rId27"/>
-    <p:sldId id="280" r:id="rId28"/>
-    <p:sldId id="281" r:id="rId29"/>
-    <p:sldId id="282" r:id="rId30"/>
-    <p:sldId id="279" r:id="rId31"/>
-    <p:sldId id="284" r:id="rId32"/>
+    <p:sldId id="307" r:id="rId17"/>
+    <p:sldId id="267" r:id="rId18"/>
+    <p:sldId id="268" r:id="rId19"/>
+    <p:sldId id="271" r:id="rId20"/>
+    <p:sldId id="270" r:id="rId21"/>
+    <p:sldId id="272" r:id="rId22"/>
+    <p:sldId id="301" r:id="rId23"/>
+    <p:sldId id="273" r:id="rId24"/>
+    <p:sldId id="275" r:id="rId25"/>
+    <p:sldId id="276" r:id="rId26"/>
+    <p:sldId id="277" r:id="rId27"/>
+    <p:sldId id="278" r:id="rId28"/>
+    <p:sldId id="280" r:id="rId29"/>
+    <p:sldId id="281" r:id="rId30"/>
+    <p:sldId id="282" r:id="rId31"/>
+    <p:sldId id="279" r:id="rId32"/>
     <p:sldId id="286" r:id="rId33"/>
     <p:sldId id="287" r:id="rId34"/>
     <p:sldId id="289" r:id="rId35"/>
@@ -308,7 +308,7 @@
           <a:p>
             <a:fld id="{20FD754C-4370-4621-9D47-182DEC24FB63}" type="datetimeFigureOut">
               <a:rPr lang="en-IN" smtClean="0"/>
-              <a:t>18-07-2020</a:t>
+              <a:t>19-07-2020</a:t>
             </a:fld>
             <a:endParaRPr lang="en-IN"/>
           </a:p>
@@ -508,7 +508,7 @@
           <a:p>
             <a:fld id="{20FD754C-4370-4621-9D47-182DEC24FB63}" type="datetimeFigureOut">
               <a:rPr lang="en-IN" smtClean="0"/>
-              <a:t>18-07-2020</a:t>
+              <a:t>19-07-2020</a:t>
             </a:fld>
             <a:endParaRPr lang="en-IN"/>
           </a:p>
@@ -718,7 +718,7 @@
           <a:p>
             <a:fld id="{20FD754C-4370-4621-9D47-182DEC24FB63}" type="datetimeFigureOut">
               <a:rPr lang="en-IN" smtClean="0"/>
-              <a:t>18-07-2020</a:t>
+              <a:t>19-07-2020</a:t>
             </a:fld>
             <a:endParaRPr lang="en-IN"/>
           </a:p>
@@ -918,7 +918,7 @@
           <a:p>
             <a:fld id="{20FD754C-4370-4621-9D47-182DEC24FB63}" type="datetimeFigureOut">
               <a:rPr lang="en-IN" smtClean="0"/>
-              <a:t>18-07-2020</a:t>
+              <a:t>19-07-2020</a:t>
             </a:fld>
             <a:endParaRPr lang="en-IN"/>
           </a:p>
@@ -1194,7 +1194,7 @@
           <a:p>
             <a:fld id="{20FD754C-4370-4621-9D47-182DEC24FB63}" type="datetimeFigureOut">
               <a:rPr lang="en-IN" smtClean="0"/>
-              <a:t>18-07-2020</a:t>
+              <a:t>19-07-2020</a:t>
             </a:fld>
             <a:endParaRPr lang="en-IN"/>
           </a:p>
@@ -1462,7 +1462,7 @@
           <a:p>
             <a:fld id="{20FD754C-4370-4621-9D47-182DEC24FB63}" type="datetimeFigureOut">
               <a:rPr lang="en-IN" smtClean="0"/>
-              <a:t>18-07-2020</a:t>
+              <a:t>19-07-2020</a:t>
             </a:fld>
             <a:endParaRPr lang="en-IN"/>
           </a:p>
@@ -1877,7 +1877,7 @@
           <a:p>
             <a:fld id="{20FD754C-4370-4621-9D47-182DEC24FB63}" type="datetimeFigureOut">
               <a:rPr lang="en-IN" smtClean="0"/>
-              <a:t>18-07-2020</a:t>
+              <a:t>19-07-2020</a:t>
             </a:fld>
             <a:endParaRPr lang="en-IN"/>
           </a:p>
@@ -2019,7 +2019,7 @@
           <a:p>
             <a:fld id="{20FD754C-4370-4621-9D47-182DEC24FB63}" type="datetimeFigureOut">
               <a:rPr lang="en-IN" smtClean="0"/>
-              <a:t>18-07-2020</a:t>
+              <a:t>19-07-2020</a:t>
             </a:fld>
             <a:endParaRPr lang="en-IN"/>
           </a:p>
@@ -2132,7 +2132,7 @@
           <a:p>
             <a:fld id="{20FD754C-4370-4621-9D47-182DEC24FB63}" type="datetimeFigureOut">
               <a:rPr lang="en-IN" smtClean="0"/>
-              <a:t>18-07-2020</a:t>
+              <a:t>19-07-2020</a:t>
             </a:fld>
             <a:endParaRPr lang="en-IN"/>
           </a:p>
@@ -2445,7 +2445,7 @@
           <a:p>
             <a:fld id="{20FD754C-4370-4621-9D47-182DEC24FB63}" type="datetimeFigureOut">
               <a:rPr lang="en-IN" smtClean="0"/>
-              <a:t>18-07-2020</a:t>
+              <a:t>19-07-2020</a:t>
             </a:fld>
             <a:endParaRPr lang="en-IN"/>
           </a:p>
@@ -2734,7 +2734,7 @@
           <a:p>
             <a:fld id="{20FD754C-4370-4621-9D47-182DEC24FB63}" type="datetimeFigureOut">
               <a:rPr lang="en-IN" smtClean="0"/>
-              <a:t>18-07-2020</a:t>
+              <a:t>19-07-2020</a:t>
             </a:fld>
             <a:endParaRPr lang="en-IN"/>
           </a:p>
@@ -3008,7 +3008,7 @@
           <a:p>
             <a:fld id="{20FD754C-4370-4621-9D47-182DEC24FB63}" type="datetimeFigureOut">
               <a:rPr lang="en-IN" smtClean="0"/>
-              <a:t>18-07-2020</a:t>
+              <a:t>19-07-2020</a:t>
             </a:fld>
             <a:endParaRPr lang="en-IN"/>
           </a:p>
@@ -4330,6 +4330,306 @@
           <p:cNvPr id="2" name="Title 1">
             <a:extLst>
               <a:ext uri="{FF2B5EF4-FFF2-40B4-BE49-F238E27FC236}">
+                <a16:creationId xmlns:a16="http://schemas.microsoft.com/office/drawing/2014/main" id="{417E3F44-1BAF-4EF1-804A-6C014308CEF9}"/>
+              </a:ext>
+            </a:extLst>
+          </p:cNvPr>
+          <p:cNvSpPr>
+            <a:spLocks noGrp="1"/>
+          </p:cNvSpPr>
+          <p:nvPr>
+            <p:ph type="title"/>
+          </p:nvPr>
+        </p:nvSpPr>
+        <p:spPr/>
+        <p:txBody>
+          <a:bodyPr/>
+          <a:lstStyle/>
+          <a:p>
+            <a:r>
+              <a:rPr lang="en-IN" dirty="0">
+                <a:solidFill>
+                  <a:srgbClr val="FF0000"/>
+                </a:solidFill>
+              </a:rPr>
+              <a:t>Question</a:t>
+            </a:r>
+          </a:p>
+        </p:txBody>
+      </p:sp>
+      <p:sp>
+        <p:nvSpPr>
+          <p:cNvPr id="3" name="Content Placeholder 2">
+            <a:extLst>
+              <a:ext uri="{FF2B5EF4-FFF2-40B4-BE49-F238E27FC236}">
+                <a16:creationId xmlns:a16="http://schemas.microsoft.com/office/drawing/2014/main" id="{2A276320-BA02-4217-BF48-28B6B274CF7F}"/>
+              </a:ext>
+            </a:extLst>
+          </p:cNvPr>
+          <p:cNvSpPr>
+            <a:spLocks noGrp="1"/>
+          </p:cNvSpPr>
+          <p:nvPr>
+            <p:ph idx="1"/>
+          </p:nvPr>
+        </p:nvSpPr>
+        <p:spPr>
+          <a:xfrm>
+            <a:off x="838200" y="1320656"/>
+            <a:ext cx="10515600" cy="5284859"/>
+          </a:xfrm>
+        </p:spPr>
+        <p:txBody>
+          <a:bodyPr>
+            <a:normAutofit/>
+          </a:bodyPr>
+          <a:lstStyle/>
+          <a:p>
+            <a:pPr marL="0" indent="0">
+              <a:buNone/>
+            </a:pPr>
+            <a:r>
+              <a:rPr lang="en-IN" sz="2400" dirty="0"/>
+              <a:t>Why 1999 KDD cup dataset is used?</a:t>
+            </a:r>
+          </a:p>
+          <a:p>
+            <a:pPr marL="0" indent="0">
+              <a:buNone/>
+            </a:pPr>
+            <a:endParaRPr lang="en-IN" sz="2400" dirty="0"/>
+          </a:p>
+          <a:p>
+            <a:pPr marL="0" indent="0">
+              <a:buNone/>
+            </a:pPr>
+            <a:r>
+              <a:rPr lang="en-IN" sz="2400" dirty="0"/>
+              <a:t>A study was conducted by professors of Jacobs University, Germany on the use of KDD99 dataset during 2010-2015</a:t>
+            </a:r>
+          </a:p>
+          <a:p>
+            <a:pPr marL="0" indent="0">
+              <a:buNone/>
+            </a:pPr>
+            <a:endParaRPr lang="en-IN" sz="3600" dirty="0"/>
+          </a:p>
+          <a:p>
+            <a:pPr marL="0" indent="0">
+              <a:buNone/>
+            </a:pPr>
+            <a:endParaRPr lang="en-IN" sz="3600" dirty="0"/>
+          </a:p>
+        </p:txBody>
+      </p:sp>
+      <p:pic>
+        <p:nvPicPr>
+          <p:cNvPr id="5" name="Picture 4">
+            <a:extLst>
+              <a:ext uri="{FF2B5EF4-FFF2-40B4-BE49-F238E27FC236}">
+                <a16:creationId xmlns:a16="http://schemas.microsoft.com/office/drawing/2014/main" id="{09E9FCA5-03F8-40F4-86A4-6386BF7BCF8E}"/>
+              </a:ext>
+            </a:extLst>
+          </p:cNvPr>
+          <p:cNvPicPr>
+            <a:picLocks noChangeAspect="1"/>
+          </p:cNvPicPr>
+          <p:nvPr/>
+        </p:nvPicPr>
+        <p:blipFill>
+          <a:blip r:embed="rId2"/>
+          <a:stretch>
+            <a:fillRect/>
+          </a:stretch>
+        </p:blipFill>
+        <p:spPr>
+          <a:xfrm>
+            <a:off x="224335" y="3395756"/>
+            <a:ext cx="3951880" cy="3097119"/>
+          </a:xfrm>
+          <a:prstGeom prst="rect">
+            <a:avLst/>
+          </a:prstGeom>
+        </p:spPr>
+      </p:pic>
+      <p:sp>
+        <p:nvSpPr>
+          <p:cNvPr id="6" name="TextBox 5">
+            <a:extLst>
+              <a:ext uri="{FF2B5EF4-FFF2-40B4-BE49-F238E27FC236}">
+                <a16:creationId xmlns:a16="http://schemas.microsoft.com/office/drawing/2014/main" id="{F1256258-A962-457A-9819-6227C6C7FB94}"/>
+              </a:ext>
+            </a:extLst>
+          </p:cNvPr>
+          <p:cNvSpPr txBox="1"/>
+          <p:nvPr/>
+        </p:nvSpPr>
+        <p:spPr>
+          <a:xfrm>
+            <a:off x="5813946" y="3712191"/>
+            <a:ext cx="184731" cy="369332"/>
+          </a:xfrm>
+          <a:prstGeom prst="rect">
+            <a:avLst/>
+          </a:prstGeom>
+          <a:noFill/>
+        </p:spPr>
+        <p:txBody>
+          <a:bodyPr wrap="none" rtlCol="0">
+            <a:spAutoFit/>
+          </a:bodyPr>
+          <a:lstStyle/>
+          <a:p>
+            <a:endParaRPr lang="en-IN" dirty="0"/>
+          </a:p>
+        </p:txBody>
+      </p:sp>
+      <p:sp>
+        <p:nvSpPr>
+          <p:cNvPr id="7" name="TextBox 6">
+            <a:extLst>
+              <a:ext uri="{FF2B5EF4-FFF2-40B4-BE49-F238E27FC236}">
+                <a16:creationId xmlns:a16="http://schemas.microsoft.com/office/drawing/2014/main" id="{007DB450-62C9-4FF7-83BA-BC063DEFCB43}"/>
+              </a:ext>
+            </a:extLst>
+          </p:cNvPr>
+          <p:cNvSpPr txBox="1"/>
+          <p:nvPr/>
+        </p:nvSpPr>
+        <p:spPr>
+          <a:xfrm>
+            <a:off x="4279350" y="3205377"/>
+            <a:ext cx="7831503" cy="3816429"/>
+          </a:xfrm>
+          <a:prstGeom prst="rect">
+            <a:avLst/>
+          </a:prstGeom>
+          <a:noFill/>
+        </p:spPr>
+        <p:txBody>
+          <a:bodyPr wrap="none" rtlCol="0">
+            <a:spAutoFit/>
+          </a:bodyPr>
+          <a:lstStyle/>
+          <a:p>
+            <a:pPr marL="342900" indent="-342900">
+              <a:buFont typeface="Arial" panose="020B0604020202020204" pitchFamily="34" charset="0"/>
+              <a:buChar char="•"/>
+            </a:pPr>
+            <a:r>
+              <a:rPr lang="en-IN" sz="2200" dirty="0"/>
+              <a:t>A total of 149 articles were published during this time period</a:t>
+            </a:r>
+          </a:p>
+          <a:p>
+            <a:r>
+              <a:rPr lang="en-IN" sz="2200" dirty="0"/>
+              <a:t>     which used this dataset.</a:t>
+            </a:r>
+          </a:p>
+          <a:p>
+            <a:pPr marL="342900" indent="-342900">
+              <a:buFont typeface="Arial" panose="020B0604020202020204" pitchFamily="34" charset="0"/>
+              <a:buChar char="•"/>
+            </a:pPr>
+            <a:endParaRPr lang="en-IN" sz="2200" dirty="0"/>
+          </a:p>
+          <a:p>
+            <a:pPr marL="342900" indent="-342900">
+              <a:buFont typeface="Arial" panose="020B0604020202020204" pitchFamily="34" charset="0"/>
+              <a:buChar char="•"/>
+            </a:pPr>
+            <a:r>
+              <a:rPr lang="en-IN" sz="2200" dirty="0"/>
+              <a:t>This shows the popularity of this dataset</a:t>
+            </a:r>
+          </a:p>
+          <a:p>
+            <a:pPr marL="342900" indent="-342900">
+              <a:buFont typeface="Arial" panose="020B0604020202020204" pitchFamily="34" charset="0"/>
+              <a:buChar char="•"/>
+            </a:pPr>
+            <a:endParaRPr lang="en-IN" sz="2200" dirty="0"/>
+          </a:p>
+          <a:p>
+            <a:pPr marL="342900" indent="-342900">
+              <a:buFont typeface="Arial" panose="020B0604020202020204" pitchFamily="34" charset="0"/>
+              <a:buChar char="•"/>
+            </a:pPr>
+            <a:r>
+              <a:rPr lang="en-IN" sz="2200" dirty="0"/>
+              <a:t>Even today, this the de facto dataset that is used in different</a:t>
+            </a:r>
+          </a:p>
+          <a:p>
+            <a:r>
+              <a:rPr lang="en-IN" sz="2200" dirty="0"/>
+              <a:t>      research works</a:t>
+            </a:r>
+          </a:p>
+          <a:p>
+            <a:pPr marL="342900" indent="-342900">
+              <a:buFont typeface="Arial" panose="020B0604020202020204" pitchFamily="34" charset="0"/>
+              <a:buChar char="•"/>
+            </a:pPr>
+            <a:endParaRPr lang="en-IN" sz="2200" dirty="0"/>
+          </a:p>
+          <a:p>
+            <a:pPr marL="342900" indent="-342900">
+              <a:buFont typeface="Arial" panose="020B0604020202020204" pitchFamily="34" charset="0"/>
+              <a:buChar char="•"/>
+            </a:pPr>
+            <a:r>
+              <a:rPr lang="en-IN" sz="2200" dirty="0"/>
+              <a:t>However latest datasets could have been used for our project, </a:t>
+            </a:r>
+          </a:p>
+          <a:p>
+            <a:r>
+              <a:rPr lang="en-IN" sz="2200" dirty="0"/>
+              <a:t>     we decided to stick with this dataset only.</a:t>
+            </a:r>
+          </a:p>
+          <a:p>
+            <a:endParaRPr lang="en-IN" sz="2200" dirty="0"/>
+          </a:p>
+        </p:txBody>
+      </p:sp>
+    </p:spTree>
+    <p:extLst>
+      <p:ext uri="{BB962C8B-B14F-4D97-AF65-F5344CB8AC3E}">
+        <p14:creationId xmlns:p14="http://schemas.microsoft.com/office/powerpoint/2010/main" val="3576528215"/>
+      </p:ext>
+    </p:extLst>
+  </p:cSld>
+  <p:clrMapOvr>
+    <a:masterClrMapping/>
+  </p:clrMapOvr>
+</p:sld>
+</file>
+
+<file path=ppt/slides/slide17.xml><?xml version="1.0" encoding="utf-8"?>
+<p:sld xmlns:a="http://schemas.openxmlformats.org/drawingml/2006/main" xmlns:r="http://schemas.openxmlformats.org/officeDocument/2006/relationships" xmlns:p="http://schemas.openxmlformats.org/presentationml/2006/main">
+  <p:cSld>
+    <p:spTree>
+      <p:nvGrpSpPr>
+        <p:cNvPr id="1" name=""/>
+        <p:cNvGrpSpPr/>
+        <p:nvPr/>
+      </p:nvGrpSpPr>
+      <p:grpSpPr>
+        <a:xfrm>
+          <a:off x="0" y="0"/>
+          <a:ext cx="0" cy="0"/>
+          <a:chOff x="0" y="0"/>
+          <a:chExt cx="0" cy="0"/>
+        </a:xfrm>
+      </p:grpSpPr>
+      <p:sp>
+        <p:nvSpPr>
+          <p:cNvPr id="2" name="Title 1">
+            <a:extLst>
+              <a:ext uri="{FF2B5EF4-FFF2-40B4-BE49-F238E27FC236}">
                 <a16:creationId xmlns:a16="http://schemas.microsoft.com/office/drawing/2014/main" id="{9C9F100F-1461-47AA-A44F-0ECDF4FA726F}"/>
               </a:ext>
             </a:extLst>
@@ -4431,7 +4731,7 @@
 </p:sld>
 </file>
 
-<file path=ppt/slides/slide17.xml><?xml version="1.0" encoding="utf-8"?>
+<file path=ppt/slides/slide18.xml><?xml version="1.0" encoding="utf-8"?>
 <p:sld xmlns:a="http://schemas.openxmlformats.org/drawingml/2006/main" xmlns:r="http://schemas.openxmlformats.org/officeDocument/2006/relationships" xmlns:p="http://schemas.openxmlformats.org/presentationml/2006/main">
   <p:cSld>
     <p:spTree>
@@ -4826,7 +5126,7 @@
 </p:sld>
 </file>
 
-<file path=ppt/slides/slide18.xml><?xml version="1.0" encoding="utf-8"?>
+<file path=ppt/slides/slide19.xml><?xml version="1.0" encoding="utf-8"?>
 <p:sld xmlns:a="http://schemas.openxmlformats.org/drawingml/2006/main" xmlns:r="http://schemas.openxmlformats.org/officeDocument/2006/relationships" xmlns:p="http://schemas.openxmlformats.org/presentationml/2006/main">
   <p:cSld>
     <p:spTree>
@@ -5299,304 +5599,6 @@
     <p:extLst>
       <p:ext uri="{BB962C8B-B14F-4D97-AF65-F5344CB8AC3E}">
         <p14:creationId xmlns:p14="http://schemas.microsoft.com/office/powerpoint/2010/main" val="439052592"/>
-      </p:ext>
-    </p:extLst>
-  </p:cSld>
-  <p:clrMapOvr>
-    <a:masterClrMapping/>
-  </p:clrMapOvr>
-</p:sld>
-</file>
-
-<file path=ppt/slides/slide19.xml><?xml version="1.0" encoding="utf-8"?>
-<p:sld xmlns:a="http://schemas.openxmlformats.org/drawingml/2006/main" xmlns:r="http://schemas.openxmlformats.org/officeDocument/2006/relationships" xmlns:p="http://schemas.openxmlformats.org/presentationml/2006/main">
-  <p:cSld>
-    <p:spTree>
-      <p:nvGrpSpPr>
-        <p:cNvPr id="1" name=""/>
-        <p:cNvGrpSpPr/>
-        <p:nvPr/>
-      </p:nvGrpSpPr>
-      <p:grpSpPr>
-        <a:xfrm>
-          <a:off x="0" y="0"/>
-          <a:ext cx="0" cy="0"/>
-          <a:chOff x="0" y="0"/>
-          <a:chExt cx="0" cy="0"/>
-        </a:xfrm>
-      </p:grpSpPr>
-      <p:sp>
-        <p:nvSpPr>
-          <p:cNvPr id="2" name="Title 1">
-            <a:extLst>
-              <a:ext uri="{FF2B5EF4-FFF2-40B4-BE49-F238E27FC236}">
-                <a16:creationId xmlns:a16="http://schemas.microsoft.com/office/drawing/2014/main" id="{53091BDE-9780-433C-9359-D52342D78B1E}"/>
-              </a:ext>
-            </a:extLst>
-          </p:cNvPr>
-          <p:cNvSpPr>
-            <a:spLocks noGrp="1"/>
-          </p:cNvSpPr>
-          <p:nvPr>
-            <p:ph type="title"/>
-          </p:nvPr>
-        </p:nvSpPr>
-        <p:spPr>
-          <a:xfrm>
-            <a:off x="838200" y="336989"/>
-            <a:ext cx="10515600" cy="1325563"/>
-          </a:xfrm>
-        </p:spPr>
-        <p:txBody>
-          <a:bodyPr/>
-          <a:lstStyle/>
-          <a:p>
-            <a:r>
-              <a:rPr lang="en-IN" dirty="0"/>
-              <a:t>Is our dataset ready yet?</a:t>
-            </a:r>
-          </a:p>
-        </p:txBody>
-      </p:sp>
-      <p:sp>
-        <p:nvSpPr>
-          <p:cNvPr id="3" name="Content Placeholder 2">
-            <a:extLst>
-              <a:ext uri="{FF2B5EF4-FFF2-40B4-BE49-F238E27FC236}">
-                <a16:creationId xmlns:a16="http://schemas.microsoft.com/office/drawing/2014/main" id="{59176F25-7A6C-4292-9682-75D6B907B014}"/>
-              </a:ext>
-            </a:extLst>
-          </p:cNvPr>
-          <p:cNvSpPr>
-            <a:spLocks noGrp="1"/>
-          </p:cNvSpPr>
-          <p:nvPr>
-            <p:ph idx="1"/>
-          </p:nvPr>
-        </p:nvSpPr>
-        <p:spPr>
-          <a:xfrm>
-            <a:off x="838200" y="1507573"/>
-            <a:ext cx="10515600" cy="4351338"/>
-          </a:xfrm>
-        </p:spPr>
-        <p:txBody>
-          <a:bodyPr/>
-          <a:lstStyle/>
-          <a:p>
-            <a:pPr marL="0" indent="0">
-              <a:buNone/>
-            </a:pPr>
-            <a:r>
-              <a:rPr lang="en-IN" dirty="0"/>
-              <a:t>Let’s have a look at out dataset once again</a:t>
-            </a:r>
-          </a:p>
-        </p:txBody>
-      </p:sp>
-      <p:pic>
-        <p:nvPicPr>
-          <p:cNvPr id="4" name="Picture 2" descr="The feature in KDD Cup'99 dataset [2]. | Download Table">
-            <a:extLst>
-              <a:ext uri="{FF2B5EF4-FFF2-40B4-BE49-F238E27FC236}">
-                <a16:creationId xmlns:a16="http://schemas.microsoft.com/office/drawing/2014/main" id="{AD01FEAB-BFC6-43B2-A9CC-8046A67C7D33}"/>
-              </a:ext>
-            </a:extLst>
-          </p:cNvPr>
-          <p:cNvPicPr>
-            <a:picLocks noChangeAspect="1" noChangeArrowheads="1"/>
-          </p:cNvPicPr>
-          <p:nvPr/>
-        </p:nvPicPr>
-        <p:blipFill>
-          <a:blip r:embed="rId2">
-            <a:extLst>
-              <a:ext uri="{28A0092B-C50C-407E-A947-70E740481C1C}">
-                <a14:useLocalDpi xmlns:a14="http://schemas.microsoft.com/office/drawing/2010/main" val="0"/>
-              </a:ext>
-            </a:extLst>
-          </a:blip>
-          <a:srcRect/>
-          <a:stretch>
-            <a:fillRect/>
-          </a:stretch>
-        </p:blipFill>
-        <p:spPr bwMode="auto">
-          <a:xfrm>
-            <a:off x="1961322" y="2109312"/>
-            <a:ext cx="6586330" cy="4694023"/>
-          </a:xfrm>
-          <a:prstGeom prst="rect">
-            <a:avLst/>
-          </a:prstGeom>
-          <a:noFill/>
-          <a:extLst>
-            <a:ext uri="{909E8E84-426E-40DD-AFC4-6F175D3DCCD1}">
-              <a14:hiddenFill xmlns:a14="http://schemas.microsoft.com/office/drawing/2010/main">
-                <a:solidFill>
-                  <a:srgbClr val="FFFFFF"/>
-                </a:solidFill>
-              </a14:hiddenFill>
-            </a:ext>
-          </a:extLst>
-        </p:spPr>
-      </p:pic>
-      <p:sp>
-        <p:nvSpPr>
-          <p:cNvPr id="5" name="Oval 4">
-            <a:extLst>
-              <a:ext uri="{FF2B5EF4-FFF2-40B4-BE49-F238E27FC236}">
-                <a16:creationId xmlns:a16="http://schemas.microsoft.com/office/drawing/2014/main" id="{6CBB6250-A09E-4EA1-B1B2-10381E0A5DF7}"/>
-              </a:ext>
-            </a:extLst>
-          </p:cNvPr>
-          <p:cNvSpPr/>
-          <p:nvPr/>
-        </p:nvSpPr>
-        <p:spPr>
-          <a:xfrm>
-            <a:off x="3882887" y="3429000"/>
-            <a:ext cx="1245704" cy="533400"/>
-          </a:xfrm>
-          <a:prstGeom prst="ellipse">
-            <a:avLst/>
-          </a:prstGeom>
-          <a:noFill/>
-          <a:ln w="57150"/>
-        </p:spPr>
-        <p:style>
-          <a:lnRef idx="2">
-            <a:schemeClr val="accent1">
-              <a:shade val="50000"/>
-            </a:schemeClr>
-          </a:lnRef>
-          <a:fillRef idx="1">
-            <a:schemeClr val="accent1"/>
-          </a:fillRef>
-          <a:effectRef idx="0">
-            <a:schemeClr val="accent1"/>
-          </a:effectRef>
-          <a:fontRef idx="minor">
-            <a:schemeClr val="lt1"/>
-          </a:fontRef>
-        </p:style>
-        <p:txBody>
-          <a:bodyPr rtlCol="0" anchor="ctr"/>
-          <a:lstStyle/>
-          <a:p>
-            <a:pPr algn="ctr"/>
-            <a:endParaRPr lang="en-IN"/>
-          </a:p>
-        </p:txBody>
-      </p:sp>
-      <p:sp>
-        <p:nvSpPr>
-          <p:cNvPr id="6" name="Oval 5">
-            <a:extLst>
-              <a:ext uri="{FF2B5EF4-FFF2-40B4-BE49-F238E27FC236}">
-                <a16:creationId xmlns:a16="http://schemas.microsoft.com/office/drawing/2014/main" id="{8BBC7ACB-73A7-456B-B83A-1FDF5BFFEE1D}"/>
-              </a:ext>
-            </a:extLst>
-          </p:cNvPr>
-          <p:cNvSpPr/>
-          <p:nvPr/>
-        </p:nvSpPr>
-        <p:spPr>
-          <a:xfrm>
-            <a:off x="3882887" y="4520329"/>
-            <a:ext cx="1245704" cy="533400"/>
-          </a:xfrm>
-          <a:prstGeom prst="ellipse">
-            <a:avLst/>
-          </a:prstGeom>
-          <a:noFill/>
-          <a:ln w="57150"/>
-        </p:spPr>
-        <p:style>
-          <a:lnRef idx="2">
-            <a:schemeClr val="accent1">
-              <a:shade val="50000"/>
-            </a:schemeClr>
-          </a:lnRef>
-          <a:fillRef idx="1">
-            <a:schemeClr val="accent1"/>
-          </a:fillRef>
-          <a:effectRef idx="0">
-            <a:schemeClr val="accent1"/>
-          </a:effectRef>
-          <a:fontRef idx="minor">
-            <a:schemeClr val="lt1"/>
-          </a:fontRef>
-        </p:style>
-        <p:txBody>
-          <a:bodyPr rtlCol="0" anchor="ctr"/>
-          <a:lstStyle/>
-          <a:p>
-            <a:pPr algn="ctr"/>
-            <a:endParaRPr lang="en-IN"/>
-          </a:p>
-        </p:txBody>
-      </p:sp>
-      <p:sp>
-        <p:nvSpPr>
-          <p:cNvPr id="7" name="TextBox 6">
-            <a:extLst>
-              <a:ext uri="{FF2B5EF4-FFF2-40B4-BE49-F238E27FC236}">
-                <a16:creationId xmlns:a16="http://schemas.microsoft.com/office/drawing/2014/main" id="{03F0D462-2A79-4C04-BFFC-1369B1BC0F6B}"/>
-              </a:ext>
-            </a:extLst>
-          </p:cNvPr>
-          <p:cNvSpPr txBox="1"/>
-          <p:nvPr/>
-        </p:nvSpPr>
-        <p:spPr>
-          <a:xfrm>
-            <a:off x="8930780" y="2483466"/>
-            <a:ext cx="3186834" cy="1631216"/>
-          </a:xfrm>
-          <a:prstGeom prst="rect">
-            <a:avLst/>
-          </a:prstGeom>
-          <a:noFill/>
-        </p:spPr>
-        <p:txBody>
-          <a:bodyPr wrap="none" rtlCol="0">
-            <a:spAutoFit/>
-          </a:bodyPr>
-          <a:lstStyle/>
-          <a:p>
-            <a:r>
-              <a:rPr lang="en-IN" sz="2000" b="1" dirty="0"/>
-              <a:t>There are mostly numeric </a:t>
-            </a:r>
-          </a:p>
-          <a:p>
-            <a:r>
-              <a:rPr lang="en-IN" sz="2000" b="1" dirty="0"/>
-              <a:t>or continuous features.</a:t>
-            </a:r>
-          </a:p>
-          <a:p>
-            <a:endParaRPr lang="en-IN" sz="2000" b="1" dirty="0"/>
-          </a:p>
-          <a:p>
-            <a:r>
-              <a:rPr lang="en-IN" sz="2000" b="1" dirty="0"/>
-              <a:t>But there are discrete or </a:t>
-            </a:r>
-          </a:p>
-          <a:p>
-            <a:r>
-              <a:rPr lang="en-IN" sz="2000" b="1" dirty="0"/>
-              <a:t>categorical features as well. </a:t>
-            </a:r>
-          </a:p>
-        </p:txBody>
-      </p:sp>
-    </p:spTree>
-    <p:extLst>
-      <p:ext uri="{BB962C8B-B14F-4D97-AF65-F5344CB8AC3E}">
-        <p14:creationId xmlns:p14="http://schemas.microsoft.com/office/powerpoint/2010/main" val="2132428047"/>
       </p:ext>
     </p:extLst>
   </p:cSld>
@@ -6161,7 +6163,12 @@
             <p:ph idx="1"/>
           </p:nvPr>
         </p:nvSpPr>
-        <p:spPr/>
+        <p:spPr>
+          <a:xfrm>
+            <a:off x="838200" y="1507573"/>
+            <a:ext cx="10515600" cy="4351338"/>
+          </a:xfrm>
+        </p:spPr>
         <p:txBody>
           <a:bodyPr/>
           <a:lstStyle/>
@@ -6171,13 +6178,300 @@
             </a:pPr>
             <a:r>
               <a:rPr lang="en-IN" dirty="0"/>
+              <a:t>Let’s have a look at out dataset once again</a:t>
+            </a:r>
+          </a:p>
+        </p:txBody>
+      </p:sp>
+      <p:pic>
+        <p:nvPicPr>
+          <p:cNvPr id="4" name="Picture 2" descr="The feature in KDD Cup'99 dataset [2]. | Download Table">
+            <a:extLst>
+              <a:ext uri="{FF2B5EF4-FFF2-40B4-BE49-F238E27FC236}">
+                <a16:creationId xmlns:a16="http://schemas.microsoft.com/office/drawing/2014/main" id="{AD01FEAB-BFC6-43B2-A9CC-8046A67C7D33}"/>
+              </a:ext>
+            </a:extLst>
+          </p:cNvPr>
+          <p:cNvPicPr>
+            <a:picLocks noChangeAspect="1" noChangeArrowheads="1"/>
+          </p:cNvPicPr>
+          <p:nvPr/>
+        </p:nvPicPr>
+        <p:blipFill>
+          <a:blip r:embed="rId2">
+            <a:extLst>
+              <a:ext uri="{28A0092B-C50C-407E-A947-70E740481C1C}">
+                <a14:useLocalDpi xmlns:a14="http://schemas.microsoft.com/office/drawing/2010/main" val="0"/>
+              </a:ext>
+            </a:extLst>
+          </a:blip>
+          <a:srcRect/>
+          <a:stretch>
+            <a:fillRect/>
+          </a:stretch>
+        </p:blipFill>
+        <p:spPr bwMode="auto">
+          <a:xfrm>
+            <a:off x="1961322" y="2109312"/>
+            <a:ext cx="6586330" cy="4694023"/>
+          </a:xfrm>
+          <a:prstGeom prst="rect">
+            <a:avLst/>
+          </a:prstGeom>
+          <a:noFill/>
+          <a:extLst>
+            <a:ext uri="{909E8E84-426E-40DD-AFC4-6F175D3DCCD1}">
+              <a14:hiddenFill xmlns:a14="http://schemas.microsoft.com/office/drawing/2010/main">
+                <a:solidFill>
+                  <a:srgbClr val="FFFFFF"/>
+                </a:solidFill>
+              </a14:hiddenFill>
+            </a:ext>
+          </a:extLst>
+        </p:spPr>
+      </p:pic>
+      <p:sp>
+        <p:nvSpPr>
+          <p:cNvPr id="5" name="Oval 4">
+            <a:extLst>
+              <a:ext uri="{FF2B5EF4-FFF2-40B4-BE49-F238E27FC236}">
+                <a16:creationId xmlns:a16="http://schemas.microsoft.com/office/drawing/2014/main" id="{6CBB6250-A09E-4EA1-B1B2-10381E0A5DF7}"/>
+              </a:ext>
+            </a:extLst>
+          </p:cNvPr>
+          <p:cNvSpPr/>
+          <p:nvPr/>
+        </p:nvSpPr>
+        <p:spPr>
+          <a:xfrm>
+            <a:off x="3882887" y="3429000"/>
+            <a:ext cx="1245704" cy="533400"/>
+          </a:xfrm>
+          <a:prstGeom prst="ellipse">
+            <a:avLst/>
+          </a:prstGeom>
+          <a:noFill/>
+          <a:ln w="57150"/>
+        </p:spPr>
+        <p:style>
+          <a:lnRef idx="2">
+            <a:schemeClr val="accent1">
+              <a:shade val="50000"/>
+            </a:schemeClr>
+          </a:lnRef>
+          <a:fillRef idx="1">
+            <a:schemeClr val="accent1"/>
+          </a:fillRef>
+          <a:effectRef idx="0">
+            <a:schemeClr val="accent1"/>
+          </a:effectRef>
+          <a:fontRef idx="minor">
+            <a:schemeClr val="lt1"/>
+          </a:fontRef>
+        </p:style>
+        <p:txBody>
+          <a:bodyPr rtlCol="0" anchor="ctr"/>
+          <a:lstStyle/>
+          <a:p>
+            <a:pPr algn="ctr"/>
+            <a:endParaRPr lang="en-IN"/>
+          </a:p>
+        </p:txBody>
+      </p:sp>
+      <p:sp>
+        <p:nvSpPr>
+          <p:cNvPr id="6" name="Oval 5">
+            <a:extLst>
+              <a:ext uri="{FF2B5EF4-FFF2-40B4-BE49-F238E27FC236}">
+                <a16:creationId xmlns:a16="http://schemas.microsoft.com/office/drawing/2014/main" id="{8BBC7ACB-73A7-456B-B83A-1FDF5BFFEE1D}"/>
+              </a:ext>
+            </a:extLst>
+          </p:cNvPr>
+          <p:cNvSpPr/>
+          <p:nvPr/>
+        </p:nvSpPr>
+        <p:spPr>
+          <a:xfrm>
+            <a:off x="3882887" y="4520329"/>
+            <a:ext cx="1245704" cy="533400"/>
+          </a:xfrm>
+          <a:prstGeom prst="ellipse">
+            <a:avLst/>
+          </a:prstGeom>
+          <a:noFill/>
+          <a:ln w="57150"/>
+        </p:spPr>
+        <p:style>
+          <a:lnRef idx="2">
+            <a:schemeClr val="accent1">
+              <a:shade val="50000"/>
+            </a:schemeClr>
+          </a:lnRef>
+          <a:fillRef idx="1">
+            <a:schemeClr val="accent1"/>
+          </a:fillRef>
+          <a:effectRef idx="0">
+            <a:schemeClr val="accent1"/>
+          </a:effectRef>
+          <a:fontRef idx="minor">
+            <a:schemeClr val="lt1"/>
+          </a:fontRef>
+        </p:style>
+        <p:txBody>
+          <a:bodyPr rtlCol="0" anchor="ctr"/>
+          <a:lstStyle/>
+          <a:p>
+            <a:pPr algn="ctr"/>
+            <a:endParaRPr lang="en-IN"/>
+          </a:p>
+        </p:txBody>
+      </p:sp>
+      <p:sp>
+        <p:nvSpPr>
+          <p:cNvPr id="7" name="TextBox 6">
+            <a:extLst>
+              <a:ext uri="{FF2B5EF4-FFF2-40B4-BE49-F238E27FC236}">
+                <a16:creationId xmlns:a16="http://schemas.microsoft.com/office/drawing/2014/main" id="{03F0D462-2A79-4C04-BFFC-1369B1BC0F6B}"/>
+              </a:ext>
+            </a:extLst>
+          </p:cNvPr>
+          <p:cNvSpPr txBox="1"/>
+          <p:nvPr/>
+        </p:nvSpPr>
+        <p:spPr>
+          <a:xfrm>
+            <a:off x="8930780" y="2483466"/>
+            <a:ext cx="3186834" cy="1631216"/>
+          </a:xfrm>
+          <a:prstGeom prst="rect">
+            <a:avLst/>
+          </a:prstGeom>
+          <a:noFill/>
+        </p:spPr>
+        <p:txBody>
+          <a:bodyPr wrap="none" rtlCol="0">
+            <a:spAutoFit/>
+          </a:bodyPr>
+          <a:lstStyle/>
+          <a:p>
+            <a:r>
+              <a:rPr lang="en-IN" sz="2000" b="1" dirty="0"/>
+              <a:t>There are mostly numeric </a:t>
+            </a:r>
+          </a:p>
+          <a:p>
+            <a:r>
+              <a:rPr lang="en-IN" sz="2000" b="1" dirty="0"/>
+              <a:t>or continuous features.</a:t>
+            </a:r>
+          </a:p>
+          <a:p>
+            <a:endParaRPr lang="en-IN" sz="2000" b="1" dirty="0"/>
+          </a:p>
+          <a:p>
+            <a:r>
+              <a:rPr lang="en-IN" sz="2000" b="1" dirty="0"/>
+              <a:t>But there are discrete or </a:t>
+            </a:r>
+          </a:p>
+          <a:p>
+            <a:r>
+              <a:rPr lang="en-IN" sz="2000" b="1" dirty="0"/>
+              <a:t>categorical features as well. </a:t>
+            </a:r>
+          </a:p>
+        </p:txBody>
+      </p:sp>
+    </p:spTree>
+    <p:extLst>
+      <p:ext uri="{BB962C8B-B14F-4D97-AF65-F5344CB8AC3E}">
+        <p14:creationId xmlns:p14="http://schemas.microsoft.com/office/powerpoint/2010/main" val="2132428047"/>
+      </p:ext>
+    </p:extLst>
+  </p:cSld>
+  <p:clrMapOvr>
+    <a:masterClrMapping/>
+  </p:clrMapOvr>
+</p:sld>
+</file>
+
+<file path=ppt/slides/slide21.xml><?xml version="1.0" encoding="utf-8"?>
+<p:sld xmlns:a="http://schemas.openxmlformats.org/drawingml/2006/main" xmlns:r="http://schemas.openxmlformats.org/officeDocument/2006/relationships" xmlns:p="http://schemas.openxmlformats.org/presentationml/2006/main">
+  <p:cSld>
+    <p:spTree>
+      <p:nvGrpSpPr>
+        <p:cNvPr id="1" name=""/>
+        <p:cNvGrpSpPr/>
+        <p:nvPr/>
+      </p:nvGrpSpPr>
+      <p:grpSpPr>
+        <a:xfrm>
+          <a:off x="0" y="0"/>
+          <a:ext cx="0" cy="0"/>
+          <a:chOff x="0" y="0"/>
+          <a:chExt cx="0" cy="0"/>
+        </a:xfrm>
+      </p:grpSpPr>
+      <p:sp>
+        <p:nvSpPr>
+          <p:cNvPr id="2" name="Title 1">
+            <a:extLst>
+              <a:ext uri="{FF2B5EF4-FFF2-40B4-BE49-F238E27FC236}">
+                <a16:creationId xmlns:a16="http://schemas.microsoft.com/office/drawing/2014/main" id="{53091BDE-9780-433C-9359-D52342D78B1E}"/>
+              </a:ext>
+            </a:extLst>
+          </p:cNvPr>
+          <p:cNvSpPr>
+            <a:spLocks noGrp="1"/>
+          </p:cNvSpPr>
+          <p:nvPr>
+            <p:ph type="title"/>
+          </p:nvPr>
+        </p:nvSpPr>
+        <p:spPr>
+          <a:xfrm>
+            <a:off x="838200" y="336989"/>
+            <a:ext cx="10515600" cy="1325563"/>
+          </a:xfrm>
+        </p:spPr>
+        <p:txBody>
+          <a:bodyPr/>
+          <a:lstStyle/>
+          <a:p>
+            <a:r>
+              <a:rPr lang="en-IN" dirty="0"/>
+              <a:t>Is our dataset ready yet?</a:t>
+            </a:r>
+          </a:p>
+        </p:txBody>
+      </p:sp>
+      <p:sp>
+        <p:nvSpPr>
+          <p:cNvPr id="3" name="Content Placeholder 2">
+            <a:extLst>
+              <a:ext uri="{FF2B5EF4-FFF2-40B4-BE49-F238E27FC236}">
+                <a16:creationId xmlns:a16="http://schemas.microsoft.com/office/drawing/2014/main" id="{59176F25-7A6C-4292-9682-75D6B907B014}"/>
+              </a:ext>
+            </a:extLst>
+          </p:cNvPr>
+          <p:cNvSpPr>
+            <a:spLocks noGrp="1"/>
+          </p:cNvSpPr>
+          <p:nvPr>
+            <p:ph idx="1"/>
+          </p:nvPr>
+        </p:nvSpPr>
+        <p:spPr/>
+        <p:txBody>
+          <a:bodyPr/>
+          <a:lstStyle/>
+          <a:p>
+            <a:r>
+              <a:rPr lang="en-IN" dirty="0"/>
               <a:t>Computers don’t understand text</a:t>
             </a:r>
           </a:p>
           <a:p>
-            <a:pPr marL="0" indent="0">
-              <a:buNone/>
-            </a:pPr>
             <a:r>
               <a:rPr lang="en-IN" dirty="0"/>
               <a:t>We need to come up with something that will convert discrete data to numeric data </a:t>
@@ -6324,7 +6618,7 @@
 </p:sld>
 </file>
 
-<file path=ppt/slides/slide21.xml><?xml version="1.0" encoding="utf-8"?>
+<file path=ppt/slides/slide22.xml><?xml version="1.0" encoding="utf-8"?>
 <p:sld xmlns:a="http://schemas.openxmlformats.org/drawingml/2006/main" xmlns:r="http://schemas.openxmlformats.org/officeDocument/2006/relationships" xmlns:p="http://schemas.openxmlformats.org/presentationml/2006/main">
   <p:cSld>
     <p:spTree>
@@ -6657,7 +6951,7 @@
         </p:nvSpPr>
         <p:spPr>
           <a:xfrm>
-            <a:off x="4797287" y="3803374"/>
+            <a:off x="4829591" y="3850918"/>
             <a:ext cx="2186608" cy="2186609"/>
           </a:xfrm>
           <a:prstGeom prst="rect">
@@ -6913,7 +7207,7 @@
 </p:sld>
 </file>
 
-<file path=ppt/slides/slide22.xml><?xml version="1.0" encoding="utf-8"?>
+<file path=ppt/slides/slide23.xml><?xml version="1.0" encoding="utf-8"?>
 <p:sld xmlns:a="http://schemas.openxmlformats.org/drawingml/2006/main" xmlns:r="http://schemas.openxmlformats.org/officeDocument/2006/relationships" xmlns:p="http://schemas.openxmlformats.org/presentationml/2006/main">
   <p:cSld>
     <p:spTree>
@@ -7227,7 +7521,7 @@
 </p:sld>
 </file>
 
-<file path=ppt/slides/slide23.xml><?xml version="1.0" encoding="utf-8"?>
+<file path=ppt/slides/slide24.xml><?xml version="1.0" encoding="utf-8"?>
 <p:sld xmlns:a="http://schemas.openxmlformats.org/drawingml/2006/main" xmlns:r="http://schemas.openxmlformats.org/officeDocument/2006/relationships" xmlns:p="http://schemas.openxmlformats.org/presentationml/2006/main">
   <p:cSld>
     <p:spTree>
@@ -7714,166 +8008,6 @@
 </p:sld>
 </file>
 
-<file path=ppt/slides/slide24.xml><?xml version="1.0" encoding="utf-8"?>
-<p:sld xmlns:a="http://schemas.openxmlformats.org/drawingml/2006/main" xmlns:r="http://schemas.openxmlformats.org/officeDocument/2006/relationships" xmlns:p="http://schemas.openxmlformats.org/presentationml/2006/main">
-  <p:cSld>
-    <p:spTree>
-      <p:nvGrpSpPr>
-        <p:cNvPr id="1" name=""/>
-        <p:cNvGrpSpPr/>
-        <p:nvPr/>
-      </p:nvGrpSpPr>
-      <p:grpSpPr>
-        <a:xfrm>
-          <a:off x="0" y="0"/>
-          <a:ext cx="0" cy="0"/>
-          <a:chOff x="0" y="0"/>
-          <a:chExt cx="0" cy="0"/>
-        </a:xfrm>
-      </p:grpSpPr>
-      <p:sp>
-        <p:nvSpPr>
-          <p:cNvPr id="2" name="Title 1">
-            <a:extLst>
-              <a:ext uri="{FF2B5EF4-FFF2-40B4-BE49-F238E27FC236}">
-                <a16:creationId xmlns:a16="http://schemas.microsoft.com/office/drawing/2014/main" id="{B3D9E838-FAE3-4485-BA30-1A76CCAEB458}"/>
-              </a:ext>
-            </a:extLst>
-          </p:cNvPr>
-          <p:cNvSpPr>
-            <a:spLocks noGrp="1"/>
-          </p:cNvSpPr>
-          <p:nvPr>
-            <p:ph type="title"/>
-          </p:nvPr>
-        </p:nvSpPr>
-        <p:spPr/>
-        <p:txBody>
-          <a:bodyPr/>
-          <a:lstStyle/>
-          <a:p>
-            <a:r>
-              <a:rPr lang="en-IN" dirty="0"/>
-              <a:t>Applying machine learning models</a:t>
-            </a:r>
-          </a:p>
-        </p:txBody>
-      </p:sp>
-      <p:sp>
-        <p:nvSpPr>
-          <p:cNvPr id="3" name="Content Placeholder 2">
-            <a:extLst>
-              <a:ext uri="{FF2B5EF4-FFF2-40B4-BE49-F238E27FC236}">
-                <a16:creationId xmlns:a16="http://schemas.microsoft.com/office/drawing/2014/main" id="{1CB1F33E-8319-41E6-A616-02C627972B16}"/>
-              </a:ext>
-            </a:extLst>
-          </p:cNvPr>
-          <p:cNvSpPr>
-            <a:spLocks noGrp="1"/>
-          </p:cNvSpPr>
-          <p:nvPr>
-            <p:ph idx="1"/>
-          </p:nvPr>
-        </p:nvSpPr>
-        <p:spPr/>
-        <p:txBody>
-          <a:bodyPr>
-            <a:normAutofit/>
-          </a:bodyPr>
-          <a:lstStyle/>
-          <a:p>
-            <a:pPr marL="0" indent="0">
-              <a:buNone/>
-            </a:pPr>
-            <a:r>
-              <a:rPr lang="en-IN" dirty="0"/>
-              <a:t>We have implemented 4 machine learning models in this project:</a:t>
-            </a:r>
-          </a:p>
-          <a:p>
-            <a:pPr marL="514350" indent="-514350">
-              <a:buAutoNum type="arabicParenR"/>
-            </a:pPr>
-            <a:r>
-              <a:rPr lang="en-IN" dirty="0"/>
-              <a:t>K- nearest neighbour</a:t>
-            </a:r>
-          </a:p>
-          <a:p>
-            <a:pPr marL="514350" indent="-514350">
-              <a:buAutoNum type="arabicParenR"/>
-            </a:pPr>
-            <a:r>
-              <a:rPr lang="en-IN" dirty="0"/>
-              <a:t>Naïve Bayes classifier</a:t>
-            </a:r>
-          </a:p>
-          <a:p>
-            <a:pPr marL="514350" indent="-514350">
-              <a:buAutoNum type="arabicParenR"/>
-            </a:pPr>
-            <a:r>
-              <a:rPr lang="en-IN" dirty="0"/>
-              <a:t>Logistic regression </a:t>
-            </a:r>
-          </a:p>
-          <a:p>
-            <a:pPr marL="514350" indent="-514350">
-              <a:buAutoNum type="arabicParenR"/>
-            </a:pPr>
-            <a:r>
-              <a:rPr lang="en-IN" dirty="0"/>
-              <a:t>Decision tree classifier</a:t>
-            </a:r>
-          </a:p>
-          <a:p>
-            <a:pPr marL="514350" indent="-514350">
-              <a:buAutoNum type="arabicParenR"/>
-            </a:pPr>
-            <a:endParaRPr lang="en-IN" dirty="0"/>
-          </a:p>
-          <a:p>
-            <a:pPr marL="0" indent="0">
-              <a:buNone/>
-            </a:pPr>
-            <a:r>
-              <a:rPr lang="en-IN" dirty="0"/>
-              <a:t>And the results of these models are then compared.</a:t>
-            </a:r>
-          </a:p>
-          <a:p>
-            <a:pPr marL="514350" indent="-514350">
-              <a:buAutoNum type="arabicParenR"/>
-            </a:pPr>
-            <a:endParaRPr lang="en-IN" dirty="0"/>
-          </a:p>
-          <a:p>
-            <a:pPr marL="0" indent="0">
-              <a:buNone/>
-            </a:pPr>
-            <a:endParaRPr lang="en-IN" dirty="0"/>
-          </a:p>
-          <a:p>
-            <a:pPr marL="514350" indent="-514350">
-              <a:buAutoNum type="arabicParenR"/>
-            </a:pPr>
-            <a:endParaRPr lang="en-IN" dirty="0"/>
-          </a:p>
-        </p:txBody>
-      </p:sp>
-    </p:spTree>
-    <p:extLst>
-      <p:ext uri="{BB962C8B-B14F-4D97-AF65-F5344CB8AC3E}">
-        <p14:creationId xmlns:p14="http://schemas.microsoft.com/office/powerpoint/2010/main" val="667608939"/>
-      </p:ext>
-    </p:extLst>
-  </p:cSld>
-  <p:clrMapOvr>
-    <a:masterClrMapping/>
-  </p:clrMapOvr>
-</p:sld>
-</file>
-
 <file path=ppt/slides/slide25.xml><?xml version="1.0" encoding="utf-8"?>
 <p:sld xmlns:a="http://schemas.openxmlformats.org/drawingml/2006/main" xmlns:r="http://schemas.openxmlformats.org/officeDocument/2006/relationships" xmlns:p="http://schemas.openxmlformats.org/presentationml/2006/main">
   <p:cSld>
@@ -7896,7 +8030,7 @@
           <p:cNvPr id="2" name="Title 1">
             <a:extLst>
               <a:ext uri="{FF2B5EF4-FFF2-40B4-BE49-F238E27FC236}">
-                <a16:creationId xmlns:a16="http://schemas.microsoft.com/office/drawing/2014/main" id="{72C6AD10-C612-4855-A954-070C08F5C879}"/>
+                <a16:creationId xmlns:a16="http://schemas.microsoft.com/office/drawing/2014/main" id="{B3D9E838-FAE3-4485-BA30-1A76CCAEB458}"/>
               </a:ext>
             </a:extLst>
           </p:cNvPr>
@@ -7914,7 +8048,7 @@
           <a:p>
             <a:r>
               <a:rPr lang="en-IN" dirty="0"/>
-              <a:t>K-nearest neighbour</a:t>
+              <a:t>Applying machine learning models</a:t>
             </a:r>
           </a:p>
         </p:txBody>
@@ -7924,7 +8058,7 @@
           <p:cNvPr id="3" name="Content Placeholder 2">
             <a:extLst>
               <a:ext uri="{FF2B5EF4-FFF2-40B4-BE49-F238E27FC236}">
-                <a16:creationId xmlns:a16="http://schemas.microsoft.com/office/drawing/2014/main" id="{77105D34-2C32-4A55-AE84-5EEAD7F8B98D}"/>
+                <a16:creationId xmlns:a16="http://schemas.microsoft.com/office/drawing/2014/main" id="{1CB1F33E-8319-41E6-A616-02C627972B16}"/>
               </a:ext>
             </a:extLst>
           </p:cNvPr>
@@ -7935,69 +8069,88 @@
             <p:ph idx="1"/>
           </p:nvPr>
         </p:nvSpPr>
-        <p:spPr>
-          <a:xfrm>
-            <a:off x="838199" y="1825624"/>
-            <a:ext cx="10992729" cy="4561107"/>
-          </a:xfrm>
-        </p:spPr>
+        <p:spPr/>
         <p:txBody>
           <a:bodyPr>
-            <a:normAutofit lnSpcReduction="10000"/>
+            <a:normAutofit/>
           </a:bodyPr>
           <a:lstStyle/>
           <a:p>
+            <a:pPr marL="0" indent="0">
+              <a:buNone/>
+            </a:pPr>
             <a:r>
               <a:rPr lang="en-IN" dirty="0"/>
-              <a:t>Simple model based on the principle that if two data points are close (here geometrically) , they are similar. </a:t>
-            </a:r>
-          </a:p>
-          <a:p>
+              <a:t>We have implemented 4 machine learning models in this project:</a:t>
+            </a:r>
+          </a:p>
+          <a:p>
+            <a:pPr marL="514350" indent="-514350">
+              <a:buAutoNum type="arabicParenR"/>
+            </a:pPr>
+            <a:r>
+              <a:rPr lang="en-IN" dirty="0"/>
+              <a:t>K- nearest neighbour</a:t>
+            </a:r>
+          </a:p>
+          <a:p>
+            <a:pPr marL="514350" indent="-514350">
+              <a:buAutoNum type="arabicParenR"/>
+            </a:pPr>
+            <a:r>
+              <a:rPr lang="en-IN" dirty="0"/>
+              <a:t>Naïve Bayes classifier</a:t>
+            </a:r>
+          </a:p>
+          <a:p>
+            <a:pPr marL="514350" indent="-514350">
+              <a:buAutoNum type="arabicParenR"/>
+            </a:pPr>
+            <a:r>
+              <a:rPr lang="en-IN" dirty="0"/>
+              <a:t>Logistic regression </a:t>
+            </a:r>
+          </a:p>
+          <a:p>
+            <a:pPr marL="514350" indent="-514350">
+              <a:buAutoNum type="arabicParenR"/>
+            </a:pPr>
+            <a:r>
+              <a:rPr lang="en-IN" dirty="0"/>
+              <a:t>Decision tree classifier</a:t>
+            </a:r>
+          </a:p>
+          <a:p>
+            <a:pPr marL="514350" indent="-514350">
+              <a:buAutoNum type="arabicParenR"/>
+            </a:pPr>
             <a:endParaRPr lang="en-IN" dirty="0"/>
           </a:p>
           <a:p>
+            <a:pPr marL="0" indent="0">
+              <a:buNone/>
+            </a:pPr>
             <a:r>
               <a:rPr lang="en-IN" dirty="0"/>
-              <a:t>Given a new data point for which we want to find the output, we find points that are distance-wise close to the concerned point. </a:t>
-            </a:r>
-          </a:p>
-          <a:p>
+              <a:t>And the results of these models are then compared.</a:t>
+            </a:r>
+          </a:p>
+          <a:p>
+            <a:pPr marL="514350" indent="-514350">
+              <a:buAutoNum type="arabicParenR"/>
+            </a:pPr>
             <a:endParaRPr lang="en-IN" dirty="0"/>
           </a:p>
           <a:p>
-            <a:r>
-              <a:rPr lang="en-IN" dirty="0"/>
-              <a:t>Whatever is the class label for </a:t>
-            </a:r>
-            <a:r>
-              <a:rPr lang="en-IN" dirty="0">
-                <a:solidFill>
-                  <a:srgbClr val="FF0000"/>
-                </a:solidFill>
-              </a:rPr>
-              <a:t>majority</a:t>
-            </a:r>
-            <a:r>
-              <a:rPr lang="en-IN" dirty="0"/>
-              <a:t> of points in that neighbourhood, that would be the class label for our new data point.</a:t>
-            </a:r>
-          </a:p>
-          <a:p>
+            <a:pPr marL="0" indent="0">
+              <a:buNone/>
+            </a:pPr>
             <a:endParaRPr lang="en-IN" dirty="0"/>
           </a:p>
           <a:p>
-            <a:r>
-              <a:rPr lang="en-IN" dirty="0"/>
-              <a:t>K value decides how many points should we take for neighbourhood</a:t>
-            </a:r>
-          </a:p>
-          <a:p>
-            <a:endParaRPr lang="en-IN" dirty="0"/>
-          </a:p>
-          <a:p>
-            <a:endParaRPr lang="en-IN" dirty="0"/>
-          </a:p>
-          <a:p>
+            <a:pPr marL="514350" indent="-514350">
+              <a:buAutoNum type="arabicParenR"/>
+            </a:pPr>
             <a:endParaRPr lang="en-IN" dirty="0"/>
           </a:p>
         </p:txBody>
@@ -8005,7 +8158,7 @@
     </p:spTree>
     <p:extLst>
       <p:ext uri="{BB962C8B-B14F-4D97-AF65-F5344CB8AC3E}">
-        <p14:creationId xmlns:p14="http://schemas.microsoft.com/office/powerpoint/2010/main" val="3870837968"/>
+        <p14:creationId xmlns:p14="http://schemas.microsoft.com/office/powerpoint/2010/main" val="667608939"/>
       </p:ext>
     </p:extLst>
   </p:cSld>
@@ -8078,6 +8231,147 @@
         </p:nvSpPr>
         <p:spPr>
           <a:xfrm>
+            <a:off x="838199" y="1825624"/>
+            <a:ext cx="10992729" cy="4561107"/>
+          </a:xfrm>
+        </p:spPr>
+        <p:txBody>
+          <a:bodyPr>
+            <a:normAutofit lnSpcReduction="10000"/>
+          </a:bodyPr>
+          <a:lstStyle/>
+          <a:p>
+            <a:r>
+              <a:rPr lang="en-IN" dirty="0"/>
+              <a:t>Simple model based on the principle that if two data points are close (here geometrically) , they are similar. </a:t>
+            </a:r>
+          </a:p>
+          <a:p>
+            <a:endParaRPr lang="en-IN" dirty="0"/>
+          </a:p>
+          <a:p>
+            <a:r>
+              <a:rPr lang="en-IN" dirty="0"/>
+              <a:t>Given a new data point for which we want to find the output, we find points that are distance-wise close to the concerned point. </a:t>
+            </a:r>
+          </a:p>
+          <a:p>
+            <a:endParaRPr lang="en-IN" dirty="0"/>
+          </a:p>
+          <a:p>
+            <a:r>
+              <a:rPr lang="en-IN" dirty="0"/>
+              <a:t>Whatever is the class label for </a:t>
+            </a:r>
+            <a:r>
+              <a:rPr lang="en-IN" dirty="0">
+                <a:solidFill>
+                  <a:srgbClr val="FF0000"/>
+                </a:solidFill>
+              </a:rPr>
+              <a:t>majority</a:t>
+            </a:r>
+            <a:r>
+              <a:rPr lang="en-IN" dirty="0"/>
+              <a:t> of points in that neighbourhood, that would be the class label for our new data point.</a:t>
+            </a:r>
+          </a:p>
+          <a:p>
+            <a:endParaRPr lang="en-IN" dirty="0"/>
+          </a:p>
+          <a:p>
+            <a:r>
+              <a:rPr lang="en-IN" dirty="0"/>
+              <a:t>K value decides how many points should we take for neighbourhood</a:t>
+            </a:r>
+          </a:p>
+          <a:p>
+            <a:endParaRPr lang="en-IN" dirty="0"/>
+          </a:p>
+          <a:p>
+            <a:endParaRPr lang="en-IN" dirty="0"/>
+          </a:p>
+          <a:p>
+            <a:endParaRPr lang="en-IN" dirty="0"/>
+          </a:p>
+        </p:txBody>
+      </p:sp>
+    </p:spTree>
+    <p:extLst>
+      <p:ext uri="{BB962C8B-B14F-4D97-AF65-F5344CB8AC3E}">
+        <p14:creationId xmlns:p14="http://schemas.microsoft.com/office/powerpoint/2010/main" val="3870837968"/>
+      </p:ext>
+    </p:extLst>
+  </p:cSld>
+  <p:clrMapOvr>
+    <a:masterClrMapping/>
+  </p:clrMapOvr>
+</p:sld>
+</file>
+
+<file path=ppt/slides/slide27.xml><?xml version="1.0" encoding="utf-8"?>
+<p:sld xmlns:a="http://schemas.openxmlformats.org/drawingml/2006/main" xmlns:r="http://schemas.openxmlformats.org/officeDocument/2006/relationships" xmlns:p="http://schemas.openxmlformats.org/presentationml/2006/main">
+  <p:cSld>
+    <p:spTree>
+      <p:nvGrpSpPr>
+        <p:cNvPr id="1" name=""/>
+        <p:cNvGrpSpPr/>
+        <p:nvPr/>
+      </p:nvGrpSpPr>
+      <p:grpSpPr>
+        <a:xfrm>
+          <a:off x="0" y="0"/>
+          <a:ext cx="0" cy="0"/>
+          <a:chOff x="0" y="0"/>
+          <a:chExt cx="0" cy="0"/>
+        </a:xfrm>
+      </p:grpSpPr>
+      <p:sp>
+        <p:nvSpPr>
+          <p:cNvPr id="2" name="Title 1">
+            <a:extLst>
+              <a:ext uri="{FF2B5EF4-FFF2-40B4-BE49-F238E27FC236}">
+                <a16:creationId xmlns:a16="http://schemas.microsoft.com/office/drawing/2014/main" id="{72C6AD10-C612-4855-A954-070C08F5C879}"/>
+              </a:ext>
+            </a:extLst>
+          </p:cNvPr>
+          <p:cNvSpPr>
+            <a:spLocks noGrp="1"/>
+          </p:cNvSpPr>
+          <p:nvPr>
+            <p:ph type="title"/>
+          </p:nvPr>
+        </p:nvSpPr>
+        <p:spPr/>
+        <p:txBody>
+          <a:bodyPr/>
+          <a:lstStyle/>
+          <a:p>
+            <a:r>
+              <a:rPr lang="en-IN" dirty="0"/>
+              <a:t>K-nearest neighbour</a:t>
+            </a:r>
+          </a:p>
+        </p:txBody>
+      </p:sp>
+      <p:sp>
+        <p:nvSpPr>
+          <p:cNvPr id="3" name="Content Placeholder 2">
+            <a:extLst>
+              <a:ext uri="{FF2B5EF4-FFF2-40B4-BE49-F238E27FC236}">
+                <a16:creationId xmlns:a16="http://schemas.microsoft.com/office/drawing/2014/main" id="{77105D34-2C32-4A55-AE84-5EEAD7F8B98D}"/>
+              </a:ext>
+            </a:extLst>
+          </p:cNvPr>
+          <p:cNvSpPr>
+            <a:spLocks noGrp="1"/>
+          </p:cNvSpPr>
+          <p:nvPr>
+            <p:ph idx="1"/>
+          </p:nvPr>
+        </p:nvSpPr>
+        <p:spPr>
+          <a:xfrm>
             <a:off x="-1221677" y="1825624"/>
             <a:ext cx="12288261" cy="6205121"/>
           </a:xfrm>
@@ -8191,7 +8485,7 @@
 </p:sld>
 </file>
 
-<file path=ppt/slides/slide27.xml><?xml version="1.0" encoding="utf-8"?>
+<file path=ppt/slides/slide28.xml><?xml version="1.0" encoding="utf-8"?>
 <p:sld xmlns:a="http://schemas.openxmlformats.org/drawingml/2006/main" xmlns:r="http://schemas.openxmlformats.org/officeDocument/2006/relationships" xmlns:p="http://schemas.openxmlformats.org/presentationml/2006/main">
   <p:cSld>
     <p:spTree>
@@ -9194,7 +9488,7 @@
 </p:sld>
 </file>
 
-<file path=ppt/slides/slide28.xml><?xml version="1.0" encoding="utf-8"?>
+<file path=ppt/slides/slide29.xml><?xml version="1.0" encoding="utf-8"?>
 <p:sld xmlns:a="http://schemas.openxmlformats.org/drawingml/2006/main" xmlns:r="http://schemas.openxmlformats.org/officeDocument/2006/relationships" xmlns:p="http://schemas.openxmlformats.org/presentationml/2006/main">
   <p:cSld>
     <p:spTree>
@@ -9707,7 +10001,137 @@
 </p:sld>
 </file>
 
-<file path=ppt/slides/slide29.xml><?xml version="1.0" encoding="utf-8"?>
+<file path=ppt/slides/slide3.xml><?xml version="1.0" encoding="utf-8"?>
+<p:sld xmlns:a="http://schemas.openxmlformats.org/drawingml/2006/main" xmlns:r="http://schemas.openxmlformats.org/officeDocument/2006/relationships" xmlns:p="http://schemas.openxmlformats.org/presentationml/2006/main">
+  <p:cSld>
+    <p:spTree>
+      <p:nvGrpSpPr>
+        <p:cNvPr id="1" name=""/>
+        <p:cNvGrpSpPr/>
+        <p:nvPr/>
+      </p:nvGrpSpPr>
+      <p:grpSpPr>
+        <a:xfrm>
+          <a:off x="0" y="0"/>
+          <a:ext cx="0" cy="0"/>
+          <a:chOff x="0" y="0"/>
+          <a:chExt cx="0" cy="0"/>
+        </a:xfrm>
+      </p:grpSpPr>
+      <p:sp>
+        <p:nvSpPr>
+          <p:cNvPr id="2" name="Title 1">
+            <a:extLst>
+              <a:ext uri="{FF2B5EF4-FFF2-40B4-BE49-F238E27FC236}">
+                <a16:creationId xmlns:a16="http://schemas.microsoft.com/office/drawing/2014/main" id="{9BE7A54E-4686-468B-8294-F50CA0796519}"/>
+              </a:ext>
+            </a:extLst>
+          </p:cNvPr>
+          <p:cNvSpPr>
+            <a:spLocks noGrp="1"/>
+          </p:cNvSpPr>
+          <p:nvPr>
+            <p:ph type="title"/>
+          </p:nvPr>
+        </p:nvSpPr>
+        <p:spPr/>
+        <p:txBody>
+          <a:bodyPr/>
+          <a:lstStyle/>
+          <a:p>
+            <a:r>
+              <a:rPr lang="en-IN" dirty="0"/>
+              <a:t>IDS vs Firewall : A common question</a:t>
+            </a:r>
+          </a:p>
+        </p:txBody>
+      </p:sp>
+      <p:sp>
+        <p:nvSpPr>
+          <p:cNvPr id="3" name="Content Placeholder 2">
+            <a:extLst>
+              <a:ext uri="{FF2B5EF4-FFF2-40B4-BE49-F238E27FC236}">
+                <a16:creationId xmlns:a16="http://schemas.microsoft.com/office/drawing/2014/main" id="{28FC06C3-5FEA-4791-8CAA-89530C67633E}"/>
+              </a:ext>
+            </a:extLst>
+          </p:cNvPr>
+          <p:cNvSpPr>
+            <a:spLocks noGrp="1"/>
+          </p:cNvSpPr>
+          <p:nvPr>
+            <p:ph idx="1"/>
+          </p:nvPr>
+        </p:nvSpPr>
+        <p:spPr>
+          <a:xfrm>
+            <a:off x="838200" y="2673764"/>
+            <a:ext cx="10515600" cy="4351338"/>
+          </a:xfrm>
+        </p:spPr>
+        <p:txBody>
+          <a:bodyPr/>
+          <a:lstStyle/>
+          <a:p>
+            <a:r>
+              <a:rPr lang="en-IN" dirty="0"/>
+              <a:t>Firewall uses a static set of rules to permit or deny network connections. It  detects intrusions from </a:t>
+            </a:r>
+            <a:r>
+              <a:rPr lang="en-IN" dirty="0">
+                <a:solidFill>
+                  <a:srgbClr val="FF0000"/>
+                </a:solidFill>
+              </a:rPr>
+              <a:t>outside the network</a:t>
+            </a:r>
+          </a:p>
+          <a:p>
+            <a:endParaRPr lang="en-IN" dirty="0">
+              <a:solidFill>
+                <a:srgbClr val="FF0000"/>
+              </a:solidFill>
+            </a:endParaRPr>
+          </a:p>
+          <a:p>
+            <a:r>
+              <a:rPr lang="en-IN" dirty="0"/>
+              <a:t>On the other hand, IDS can detect intrusions from the </a:t>
+            </a:r>
+            <a:r>
+              <a:rPr lang="en-IN" dirty="0">
+                <a:solidFill>
+                  <a:srgbClr val="FF0000"/>
+                </a:solidFill>
+              </a:rPr>
+              <a:t>within the network</a:t>
+            </a:r>
+            <a:r>
+              <a:rPr lang="en-IN" dirty="0"/>
+              <a:t> as well.</a:t>
+            </a:r>
+          </a:p>
+          <a:p>
+            <a:pPr marL="0" indent="0">
+              <a:buNone/>
+            </a:pPr>
+            <a:endParaRPr lang="en-IN" dirty="0"/>
+          </a:p>
+        </p:txBody>
+      </p:sp>
+    </p:spTree>
+    <p:extLst>
+      <p:ext uri="{BB962C8B-B14F-4D97-AF65-F5344CB8AC3E}">
+        <p14:creationId xmlns:p14="http://schemas.microsoft.com/office/powerpoint/2010/main" val="895573291"/>
+      </p:ext>
+    </p:extLst>
+  </p:cSld>
+  <p:clrMapOvr>
+    <a:masterClrMapping/>
+  </p:clrMapOvr>
+</p:sld>
+</file>
+
+<file path=ppt/slides/slide30.xml><?xml version="1.0" encoding="utf-8"?>
 <p:sld xmlns:a="http://schemas.openxmlformats.org/drawingml/2006/main" xmlns:r="http://schemas.openxmlformats.org/officeDocument/2006/relationships" xmlns:p="http://schemas.openxmlformats.org/presentationml/2006/main">
   <p:cSld>
     <p:spTree>
@@ -10289,482 +10713,6 @@
 </p:sld>
 </file>
 
-<file path=ppt/slides/slide3.xml><?xml version="1.0" encoding="utf-8"?>
-<p:sld xmlns:a="http://schemas.openxmlformats.org/drawingml/2006/main" xmlns:r="http://schemas.openxmlformats.org/officeDocument/2006/relationships" xmlns:p="http://schemas.openxmlformats.org/presentationml/2006/main">
-  <p:cSld>
-    <p:spTree>
-      <p:nvGrpSpPr>
-        <p:cNvPr id="1" name=""/>
-        <p:cNvGrpSpPr/>
-        <p:nvPr/>
-      </p:nvGrpSpPr>
-      <p:grpSpPr>
-        <a:xfrm>
-          <a:off x="0" y="0"/>
-          <a:ext cx="0" cy="0"/>
-          <a:chOff x="0" y="0"/>
-          <a:chExt cx="0" cy="0"/>
-        </a:xfrm>
-      </p:grpSpPr>
-      <p:sp>
-        <p:nvSpPr>
-          <p:cNvPr id="2" name="Title 1">
-            <a:extLst>
-              <a:ext uri="{FF2B5EF4-FFF2-40B4-BE49-F238E27FC236}">
-                <a16:creationId xmlns:a16="http://schemas.microsoft.com/office/drawing/2014/main" id="{9BE7A54E-4686-468B-8294-F50CA0796519}"/>
-              </a:ext>
-            </a:extLst>
-          </p:cNvPr>
-          <p:cNvSpPr>
-            <a:spLocks noGrp="1"/>
-          </p:cNvSpPr>
-          <p:nvPr>
-            <p:ph type="title"/>
-          </p:nvPr>
-        </p:nvSpPr>
-        <p:spPr/>
-        <p:txBody>
-          <a:bodyPr/>
-          <a:lstStyle/>
-          <a:p>
-            <a:r>
-              <a:rPr lang="en-IN" dirty="0"/>
-              <a:t>IDS vs Firewall : A common question</a:t>
-            </a:r>
-          </a:p>
-        </p:txBody>
-      </p:sp>
-      <p:sp>
-        <p:nvSpPr>
-          <p:cNvPr id="3" name="Content Placeholder 2">
-            <a:extLst>
-              <a:ext uri="{FF2B5EF4-FFF2-40B4-BE49-F238E27FC236}">
-                <a16:creationId xmlns:a16="http://schemas.microsoft.com/office/drawing/2014/main" id="{28FC06C3-5FEA-4791-8CAA-89530C67633E}"/>
-              </a:ext>
-            </a:extLst>
-          </p:cNvPr>
-          <p:cNvSpPr>
-            <a:spLocks noGrp="1"/>
-          </p:cNvSpPr>
-          <p:nvPr>
-            <p:ph idx="1"/>
-          </p:nvPr>
-        </p:nvSpPr>
-        <p:spPr>
-          <a:xfrm>
-            <a:off x="838200" y="2673764"/>
-            <a:ext cx="10515600" cy="4351338"/>
-          </a:xfrm>
-        </p:spPr>
-        <p:txBody>
-          <a:bodyPr/>
-          <a:lstStyle/>
-          <a:p>
-            <a:r>
-              <a:rPr lang="en-IN" dirty="0"/>
-              <a:t>Firewall uses a static set of rules to permit or deny network connections. It  detects intrusions from </a:t>
-            </a:r>
-            <a:r>
-              <a:rPr lang="en-IN" dirty="0">
-                <a:solidFill>
-                  <a:srgbClr val="FF0000"/>
-                </a:solidFill>
-              </a:rPr>
-              <a:t>outside the network</a:t>
-            </a:r>
-          </a:p>
-          <a:p>
-            <a:endParaRPr lang="en-IN" dirty="0">
-              <a:solidFill>
-                <a:srgbClr val="FF0000"/>
-              </a:solidFill>
-            </a:endParaRPr>
-          </a:p>
-          <a:p>
-            <a:r>
-              <a:rPr lang="en-IN" dirty="0"/>
-              <a:t>On the other hand, IDS can detect intrusions from the </a:t>
-            </a:r>
-            <a:r>
-              <a:rPr lang="en-IN" dirty="0">
-                <a:solidFill>
-                  <a:srgbClr val="FF0000"/>
-                </a:solidFill>
-              </a:rPr>
-              <a:t>within the network</a:t>
-            </a:r>
-            <a:r>
-              <a:rPr lang="en-IN" dirty="0"/>
-              <a:t> as well.</a:t>
-            </a:r>
-          </a:p>
-          <a:p>
-            <a:pPr marL="0" indent="0">
-              <a:buNone/>
-            </a:pPr>
-            <a:endParaRPr lang="en-IN" dirty="0"/>
-          </a:p>
-        </p:txBody>
-      </p:sp>
-    </p:spTree>
-    <p:extLst>
-      <p:ext uri="{BB962C8B-B14F-4D97-AF65-F5344CB8AC3E}">
-        <p14:creationId xmlns:p14="http://schemas.microsoft.com/office/powerpoint/2010/main" val="895573291"/>
-      </p:ext>
-    </p:extLst>
-  </p:cSld>
-  <p:clrMapOvr>
-    <a:masterClrMapping/>
-  </p:clrMapOvr>
-</p:sld>
-</file>
-
-<file path=ppt/slides/slide30.xml><?xml version="1.0" encoding="utf-8"?>
-<p:sld xmlns:a="http://schemas.openxmlformats.org/drawingml/2006/main" xmlns:r="http://schemas.openxmlformats.org/officeDocument/2006/relationships" xmlns:p="http://schemas.openxmlformats.org/presentationml/2006/main">
-  <p:cSld>
-    <p:spTree>
-      <p:nvGrpSpPr>
-        <p:cNvPr id="1" name=""/>
-        <p:cNvGrpSpPr/>
-        <p:nvPr/>
-      </p:nvGrpSpPr>
-      <p:grpSpPr>
-        <a:xfrm>
-          <a:off x="0" y="0"/>
-          <a:ext cx="0" cy="0"/>
-          <a:chOff x="0" y="0"/>
-          <a:chExt cx="0" cy="0"/>
-        </a:xfrm>
-      </p:grpSpPr>
-      <p:sp>
-        <p:nvSpPr>
-          <p:cNvPr id="2" name="Title 1">
-            <a:extLst>
-              <a:ext uri="{FF2B5EF4-FFF2-40B4-BE49-F238E27FC236}">
-                <a16:creationId xmlns:a16="http://schemas.microsoft.com/office/drawing/2014/main" id="{72C6AD10-C612-4855-A954-070C08F5C879}"/>
-              </a:ext>
-            </a:extLst>
-          </p:cNvPr>
-          <p:cNvSpPr>
-            <a:spLocks noGrp="1"/>
-          </p:cNvSpPr>
-          <p:nvPr>
-            <p:ph type="title"/>
-          </p:nvPr>
-        </p:nvSpPr>
-        <p:spPr/>
-        <p:txBody>
-          <a:bodyPr/>
-          <a:lstStyle/>
-          <a:p>
-            <a:r>
-              <a:rPr lang="en-IN" dirty="0"/>
-              <a:t>Logistic regression</a:t>
-            </a:r>
-          </a:p>
-        </p:txBody>
-      </p:sp>
-      <p:sp>
-        <p:nvSpPr>
-          <p:cNvPr id="3" name="Content Placeholder 2">
-            <a:extLst>
-              <a:ext uri="{FF2B5EF4-FFF2-40B4-BE49-F238E27FC236}">
-                <a16:creationId xmlns:a16="http://schemas.microsoft.com/office/drawing/2014/main" id="{77105D34-2C32-4A55-AE84-5EEAD7F8B98D}"/>
-              </a:ext>
-            </a:extLst>
-          </p:cNvPr>
-          <p:cNvSpPr>
-            <a:spLocks noGrp="1"/>
-          </p:cNvSpPr>
-          <p:nvPr>
-            <p:ph idx="1"/>
-          </p:nvPr>
-        </p:nvSpPr>
-        <p:spPr>
-          <a:xfrm>
-            <a:off x="838199" y="1825624"/>
-            <a:ext cx="10992729" cy="4561107"/>
-          </a:xfrm>
-        </p:spPr>
-        <p:txBody>
-          <a:bodyPr>
-            <a:normAutofit/>
-          </a:bodyPr>
-          <a:lstStyle/>
-          <a:p>
-            <a:endParaRPr lang="en-IN" dirty="0"/>
-          </a:p>
-          <a:p>
-            <a:endParaRPr lang="en-IN" dirty="0"/>
-          </a:p>
-          <a:p>
-            <a:endParaRPr lang="en-IN" dirty="0"/>
-          </a:p>
-        </p:txBody>
-      </p:sp>
-      <p:sp>
-        <p:nvSpPr>
-          <p:cNvPr id="6" name="TextBox 5">
-            <a:extLst>
-              <a:ext uri="{FF2B5EF4-FFF2-40B4-BE49-F238E27FC236}">
-                <a16:creationId xmlns:a16="http://schemas.microsoft.com/office/drawing/2014/main" id="{978EFC57-0E6D-49A6-A236-A581FD45F8F9}"/>
-              </a:ext>
-            </a:extLst>
-          </p:cNvPr>
-          <p:cNvSpPr txBox="1"/>
-          <p:nvPr/>
-        </p:nvSpPr>
-        <p:spPr>
-          <a:xfrm>
-            <a:off x="488742" y="1603152"/>
-            <a:ext cx="6123184" cy="2677656"/>
-          </a:xfrm>
-          <a:prstGeom prst="rect">
-            <a:avLst/>
-          </a:prstGeom>
-          <a:noFill/>
-        </p:spPr>
-        <p:txBody>
-          <a:bodyPr wrap="square" rtlCol="0">
-            <a:spAutoFit/>
-          </a:bodyPr>
-          <a:lstStyle/>
-          <a:p>
-            <a:r>
-              <a:rPr lang="en-IN" sz="2400" dirty="0">
-                <a:solidFill>
-                  <a:srgbClr val="FF0000"/>
-                </a:solidFill>
-              </a:rPr>
-              <a:t>Assumption</a:t>
-            </a:r>
-            <a:r>
-              <a:rPr lang="en-IN" sz="2400" dirty="0"/>
-              <a:t>: data points are linearly separable</a:t>
-            </a:r>
-          </a:p>
-          <a:p>
-            <a:endParaRPr lang="en-IN" sz="2400" dirty="0"/>
-          </a:p>
-          <a:p>
-            <a:r>
-              <a:rPr lang="en-IN" sz="2400" dirty="0"/>
-              <a:t>In this we have to find a plane that minimizes the logistic loss</a:t>
-            </a:r>
-          </a:p>
-          <a:p>
-            <a:endParaRPr lang="en-IN" sz="2400" dirty="0"/>
-          </a:p>
-          <a:p>
-            <a:r>
-              <a:rPr lang="en-IN" sz="2400" dirty="0"/>
-              <a:t>Points in direction of normal (w) will be positive</a:t>
-            </a:r>
-          </a:p>
-          <a:p>
-            <a:r>
-              <a:rPr lang="en-IN" sz="2400" dirty="0"/>
-              <a:t>and opposite to it will be negative</a:t>
-            </a:r>
-          </a:p>
-        </p:txBody>
-      </p:sp>
-      <p:pic>
-        <p:nvPicPr>
-          <p:cNvPr id="4" name="Picture 3">
-            <a:extLst>
-              <a:ext uri="{FF2B5EF4-FFF2-40B4-BE49-F238E27FC236}">
-                <a16:creationId xmlns:a16="http://schemas.microsoft.com/office/drawing/2014/main" id="{A8A01BBD-11A6-4262-9B8E-FE899A569EEB}"/>
-              </a:ext>
-            </a:extLst>
-          </p:cNvPr>
-          <p:cNvPicPr>
-            <a:picLocks noChangeAspect="1"/>
-          </p:cNvPicPr>
-          <p:nvPr/>
-        </p:nvPicPr>
-        <p:blipFill>
-          <a:blip r:embed="rId2"/>
-          <a:stretch>
-            <a:fillRect/>
-          </a:stretch>
-        </p:blipFill>
-        <p:spPr>
-          <a:xfrm>
-            <a:off x="1372054" y="4554402"/>
-            <a:ext cx="6599917" cy="1275984"/>
-          </a:xfrm>
-          <a:prstGeom prst="rect">
-            <a:avLst/>
-          </a:prstGeom>
-        </p:spPr>
-      </p:pic>
-      <p:pic>
-        <p:nvPicPr>
-          <p:cNvPr id="12" name="Picture 11">
-            <a:extLst>
-              <a:ext uri="{FF2B5EF4-FFF2-40B4-BE49-F238E27FC236}">
-                <a16:creationId xmlns:a16="http://schemas.microsoft.com/office/drawing/2014/main" id="{9266AE25-F522-4620-8E9F-5E07942A9C24}"/>
-              </a:ext>
-            </a:extLst>
-          </p:cNvPr>
-          <p:cNvPicPr>
-            <a:picLocks noChangeAspect="1"/>
-          </p:cNvPicPr>
-          <p:nvPr/>
-        </p:nvPicPr>
-        <p:blipFill>
-          <a:blip r:embed="rId3"/>
-          <a:stretch>
-            <a:fillRect/>
-          </a:stretch>
-        </p:blipFill>
-        <p:spPr>
-          <a:xfrm>
-            <a:off x="8438209" y="365125"/>
-            <a:ext cx="3617465" cy="4874598"/>
-          </a:xfrm>
-          <a:prstGeom prst="rect">
-            <a:avLst/>
-          </a:prstGeom>
-        </p:spPr>
-      </p:pic>
-      <p:sp>
-        <p:nvSpPr>
-          <p:cNvPr id="7" name="Oval 6">
-            <a:extLst>
-              <a:ext uri="{FF2B5EF4-FFF2-40B4-BE49-F238E27FC236}">
-                <a16:creationId xmlns:a16="http://schemas.microsoft.com/office/drawing/2014/main" id="{3471CB55-FA1E-429D-964C-B0A882ADFE14}"/>
-              </a:ext>
-            </a:extLst>
-          </p:cNvPr>
-          <p:cNvSpPr/>
-          <p:nvPr/>
-        </p:nvSpPr>
-        <p:spPr>
-          <a:xfrm>
-            <a:off x="3944455" y="4565745"/>
-            <a:ext cx="3971330" cy="970013"/>
-          </a:xfrm>
-          <a:prstGeom prst="ellipse">
-            <a:avLst/>
-          </a:prstGeom>
-          <a:noFill/>
-        </p:spPr>
-        <p:style>
-          <a:lnRef idx="2">
-            <a:schemeClr val="accent1">
-              <a:shade val="50000"/>
-            </a:schemeClr>
-          </a:lnRef>
-          <a:fillRef idx="1">
-            <a:schemeClr val="accent1"/>
-          </a:fillRef>
-          <a:effectRef idx="0">
-            <a:schemeClr val="accent1"/>
-          </a:effectRef>
-          <a:fontRef idx="minor">
-            <a:schemeClr val="lt1"/>
-          </a:fontRef>
-        </p:style>
-        <p:txBody>
-          <a:bodyPr rtlCol="0" anchor="ctr"/>
-          <a:lstStyle/>
-          <a:p>
-            <a:pPr algn="ctr"/>
-            <a:endParaRPr lang="en-IN" dirty="0"/>
-          </a:p>
-        </p:txBody>
-      </p:sp>
-      <p:cxnSp>
-        <p:nvCxnSpPr>
-          <p:cNvPr id="9" name="Straight Arrow Connector 8">
-            <a:extLst>
-              <a:ext uri="{FF2B5EF4-FFF2-40B4-BE49-F238E27FC236}">
-                <a16:creationId xmlns:a16="http://schemas.microsoft.com/office/drawing/2014/main" id="{10576E28-A54B-4110-803D-431F068F8078}"/>
-              </a:ext>
-            </a:extLst>
-          </p:cNvPr>
-          <p:cNvCxnSpPr>
-            <a:cxnSpLocks/>
-          </p:cNvCxnSpPr>
-          <p:nvPr/>
-        </p:nvCxnSpPr>
-        <p:spPr>
-          <a:xfrm flipV="1">
-            <a:off x="5449740" y="5535758"/>
-            <a:ext cx="393300" cy="323423"/>
-          </a:xfrm>
-          <a:prstGeom prst="straightConnector1">
-            <a:avLst/>
-          </a:prstGeom>
-          <a:ln>
-            <a:tailEnd type="triangle"/>
-          </a:ln>
-        </p:spPr>
-        <p:style>
-          <a:lnRef idx="1">
-            <a:schemeClr val="accent1"/>
-          </a:lnRef>
-          <a:fillRef idx="0">
-            <a:schemeClr val="accent1"/>
-          </a:fillRef>
-          <a:effectRef idx="0">
-            <a:schemeClr val="accent1"/>
-          </a:effectRef>
-          <a:fontRef idx="minor">
-            <a:schemeClr val="tx1"/>
-          </a:fontRef>
-        </p:style>
-      </p:cxnSp>
-      <p:sp>
-        <p:nvSpPr>
-          <p:cNvPr id="10" name="TextBox 9">
-            <a:extLst>
-              <a:ext uri="{FF2B5EF4-FFF2-40B4-BE49-F238E27FC236}">
-                <a16:creationId xmlns:a16="http://schemas.microsoft.com/office/drawing/2014/main" id="{5E7161FD-8D16-49E9-972E-2AAD9635AB83}"/>
-              </a:ext>
-            </a:extLst>
-          </p:cNvPr>
-          <p:cNvSpPr txBox="1"/>
-          <p:nvPr/>
-        </p:nvSpPr>
-        <p:spPr>
-          <a:xfrm>
-            <a:off x="4176614" y="6088360"/>
-            <a:ext cx="2546253" cy="461665"/>
-          </a:xfrm>
-          <a:prstGeom prst="rect">
-            <a:avLst/>
-          </a:prstGeom>
-          <a:noFill/>
-        </p:spPr>
-        <p:txBody>
-          <a:bodyPr wrap="square" rtlCol="0">
-            <a:spAutoFit/>
-          </a:bodyPr>
-          <a:lstStyle/>
-          <a:p>
-            <a:r>
-              <a:rPr lang="en-IN" sz="2400" dirty="0"/>
-              <a:t>Logistic loss</a:t>
-            </a:r>
-          </a:p>
-        </p:txBody>
-      </p:sp>
-    </p:spTree>
-    <p:extLst>
-      <p:ext uri="{BB962C8B-B14F-4D97-AF65-F5344CB8AC3E}">
-        <p14:creationId xmlns:p14="http://schemas.microsoft.com/office/powerpoint/2010/main" val="2582340681"/>
-      </p:ext>
-    </p:extLst>
-  </p:cSld>
-  <p:clrMapOvr>
-    <a:masterClrMapping/>
-  </p:clrMapOvr>
-</p:sld>
-</file>
-
 <file path=ppt/slides/slide31.xml><?xml version="1.0" encoding="utf-8"?>
 <p:sld xmlns:a="http://schemas.openxmlformats.org/drawingml/2006/main" xmlns:r="http://schemas.openxmlformats.org/officeDocument/2006/relationships" xmlns:p="http://schemas.openxmlformats.org/presentationml/2006/main">
   <p:cSld>
@@ -10787,7 +10735,7 @@
           <p:cNvPr id="2" name="Title 1">
             <a:extLst>
               <a:ext uri="{FF2B5EF4-FFF2-40B4-BE49-F238E27FC236}">
-                <a16:creationId xmlns:a16="http://schemas.microsoft.com/office/drawing/2014/main" id="{698FC6E4-8F67-4363-B815-64681728C3A0}"/>
+                <a16:creationId xmlns:a16="http://schemas.microsoft.com/office/drawing/2014/main" id="{72C6AD10-C612-4855-A954-070C08F5C879}"/>
               </a:ext>
             </a:extLst>
           </p:cNvPr>
@@ -10798,19 +10746,14 @@
             <p:ph type="title"/>
           </p:nvPr>
         </p:nvSpPr>
-        <p:spPr>
-          <a:xfrm>
-            <a:off x="526366" y="159156"/>
-            <a:ext cx="10515600" cy="1325563"/>
-          </a:xfrm>
-        </p:spPr>
+        <p:spPr/>
         <p:txBody>
           <a:bodyPr/>
           <a:lstStyle/>
           <a:p>
             <a:r>
               <a:rPr lang="en-IN" dirty="0"/>
-              <a:t>Decision tree classifier</a:t>
+              <a:t>Logistic regression</a:t>
             </a:r>
           </a:p>
         </p:txBody>
@@ -10820,7 +10763,7 @@
           <p:cNvPr id="3" name="Content Placeholder 2">
             <a:extLst>
               <a:ext uri="{FF2B5EF4-FFF2-40B4-BE49-F238E27FC236}">
-                <a16:creationId xmlns:a16="http://schemas.microsoft.com/office/drawing/2014/main" id="{2E2A96CB-C803-4D4B-B24D-6417343D2C74}"/>
+                <a16:creationId xmlns:a16="http://schemas.microsoft.com/office/drawing/2014/main" id="{77105D34-2C32-4A55-AE84-5EEAD7F8B98D}"/>
               </a:ext>
             </a:extLst>
           </p:cNvPr>
@@ -10833,60 +10776,90 @@
         </p:nvSpPr>
         <p:spPr>
           <a:xfrm>
-            <a:off x="331763" y="1825625"/>
-            <a:ext cx="10515600" cy="4351338"/>
-          </a:xfrm>
-        </p:spPr>
-        <p:txBody>
-          <a:bodyPr/>
-          <a:lstStyle/>
-          <a:p>
-            <a:pPr marL="0" indent="0">
-              <a:buNone/>
-            </a:pPr>
-            <a:r>
-              <a:rPr lang="en-IN" dirty="0"/>
-              <a:t>Let’s first talk about entropy</a:t>
-            </a:r>
-          </a:p>
-          <a:p>
-            <a:pPr marL="0" indent="0">
-              <a:buNone/>
-            </a:pPr>
+            <a:off x="838199" y="1825624"/>
+            <a:ext cx="10992729" cy="4561107"/>
+          </a:xfrm>
+        </p:spPr>
+        <p:txBody>
+          <a:bodyPr>
+            <a:normAutofit/>
+          </a:bodyPr>
+          <a:lstStyle/>
+          <a:p>
             <a:endParaRPr lang="en-IN" dirty="0"/>
           </a:p>
           <a:p>
-            <a:pPr marL="0" indent="0">
-              <a:buNone/>
-            </a:pPr>
-            <a:r>
-              <a:rPr lang="en-IN" dirty="0"/>
-              <a:t>Take a ball from </a:t>
-            </a:r>
-          </a:p>
-          <a:p>
-            <a:pPr marL="0" indent="0">
-              <a:buNone/>
-            </a:pPr>
-            <a:r>
-              <a:rPr lang="en-IN" dirty="0"/>
-              <a:t>each of the boxes</a:t>
-            </a:r>
-          </a:p>
-          <a:p>
-            <a:pPr marL="0" indent="0">
-              <a:buNone/>
-            </a:pPr>
-            <a:r>
-              <a:rPr lang="en-IN" dirty="0"/>
-              <a:t>and guess the colour</a:t>
-            </a:r>
-          </a:p>
-          <a:p>
-            <a:pPr marL="0" indent="0">
-              <a:buNone/>
-            </a:pPr>
             <a:endParaRPr lang="en-IN" dirty="0"/>
+          </a:p>
+          <a:p>
+            <a:endParaRPr lang="en-IN" dirty="0"/>
+          </a:p>
+        </p:txBody>
+      </p:sp>
+      <p:sp>
+        <p:nvSpPr>
+          <p:cNvPr id="6" name="TextBox 5">
+            <a:extLst>
+              <a:ext uri="{FF2B5EF4-FFF2-40B4-BE49-F238E27FC236}">
+                <a16:creationId xmlns:a16="http://schemas.microsoft.com/office/drawing/2014/main" id="{978EFC57-0E6D-49A6-A236-A581FD45F8F9}"/>
+              </a:ext>
+            </a:extLst>
+          </p:cNvPr>
+          <p:cNvSpPr txBox="1"/>
+          <p:nvPr/>
+        </p:nvSpPr>
+        <p:spPr>
+          <a:xfrm>
+            <a:off x="488742" y="1603152"/>
+            <a:ext cx="6123184" cy="2677656"/>
+          </a:xfrm>
+          <a:prstGeom prst="rect">
+            <a:avLst/>
+          </a:prstGeom>
+          <a:noFill/>
+        </p:spPr>
+        <p:txBody>
+          <a:bodyPr wrap="square" rtlCol="0">
+            <a:spAutoFit/>
+          </a:bodyPr>
+          <a:lstStyle/>
+          <a:p>
+            <a:r>
+              <a:rPr lang="en-IN" sz="2400" dirty="0">
+                <a:solidFill>
+                  <a:srgbClr val="FF0000"/>
+                </a:solidFill>
+              </a:rPr>
+              <a:t>Assumption</a:t>
+            </a:r>
+            <a:r>
+              <a:rPr lang="en-IN" sz="2400" dirty="0"/>
+              <a:t>: data points are linearly separable</a:t>
+            </a:r>
+          </a:p>
+          <a:p>
+            <a:endParaRPr lang="en-IN" sz="2400" dirty="0"/>
+          </a:p>
+          <a:p>
+            <a:r>
+              <a:rPr lang="en-IN" sz="2400" dirty="0"/>
+              <a:t>In this we have to find a plane that minimizes the logistic loss</a:t>
+            </a:r>
+          </a:p>
+          <a:p>
+            <a:endParaRPr lang="en-IN" sz="2400" dirty="0"/>
+          </a:p>
+          <a:p>
+            <a:r>
+              <a:rPr lang="en-IN" sz="2400" dirty="0"/>
+              <a:t>Points in direction of normal (w) will be positive</a:t>
+            </a:r>
+          </a:p>
+          <a:p>
+            <a:r>
+              <a:rPr lang="en-IN" sz="2400" dirty="0"/>
+              <a:t>and opposite to it will be negative</a:t>
+            </a:r>
           </a:p>
         </p:txBody>
       </p:sp>
@@ -10895,7 +10868,7 @@
           <p:cNvPr id="4" name="Picture 3">
             <a:extLst>
               <a:ext uri="{FF2B5EF4-FFF2-40B4-BE49-F238E27FC236}">
-                <a16:creationId xmlns:a16="http://schemas.microsoft.com/office/drawing/2014/main" id="{1E7F6418-FFB2-4D56-87E0-A18D102AC396}"/>
+                <a16:creationId xmlns:a16="http://schemas.microsoft.com/office/drawing/2014/main" id="{A8A01BBD-11A6-4262-9B8E-FE899A569EEB}"/>
               </a:ext>
             </a:extLst>
           </p:cNvPr>
@@ -10912,67 +10885,109 @@
         </p:blipFill>
         <p:spPr>
           <a:xfrm>
-            <a:off x="3524262" y="2348047"/>
-            <a:ext cx="8667738" cy="3306494"/>
+            <a:off x="1372054" y="4554402"/>
+            <a:ext cx="6599917" cy="1275984"/>
           </a:xfrm>
           <a:prstGeom prst="rect">
             <a:avLst/>
           </a:prstGeom>
         </p:spPr>
       </p:pic>
-      <p:sp>
-        <p:nvSpPr>
-          <p:cNvPr id="5" name="TextBox 4">
-            <a:extLst>
-              <a:ext uri="{FF2B5EF4-FFF2-40B4-BE49-F238E27FC236}">
-                <a16:creationId xmlns:a16="http://schemas.microsoft.com/office/drawing/2014/main" id="{0041908B-C5B4-4D83-AFDE-3E43C7A43B46}"/>
-              </a:ext>
-            </a:extLst>
-          </p:cNvPr>
-          <p:cNvSpPr txBox="1"/>
+      <p:pic>
+        <p:nvPicPr>
+          <p:cNvPr id="12" name="Picture 11">
+            <a:extLst>
+              <a:ext uri="{FF2B5EF4-FFF2-40B4-BE49-F238E27FC236}">
+                <a16:creationId xmlns:a16="http://schemas.microsoft.com/office/drawing/2014/main" id="{9266AE25-F522-4620-8E9F-5E07942A9C24}"/>
+              </a:ext>
+            </a:extLst>
+          </p:cNvPr>
+          <p:cNvPicPr>
+            <a:picLocks noChangeAspect="1"/>
+          </p:cNvPicPr>
           <p:nvPr/>
-        </p:nvSpPr>
+        </p:nvPicPr>
+        <p:blipFill>
+          <a:blip r:embed="rId3"/>
+          <a:stretch>
+            <a:fillRect/>
+          </a:stretch>
+        </p:blipFill>
         <p:spPr>
           <a:xfrm>
-            <a:off x="6096000" y="1321355"/>
-            <a:ext cx="1894449" cy="830997"/>
+            <a:off x="8438209" y="365125"/>
+            <a:ext cx="3617465" cy="4874598"/>
           </a:xfrm>
           <a:prstGeom prst="rect">
             <a:avLst/>
           </a:prstGeom>
+        </p:spPr>
+      </p:pic>
+      <p:sp>
+        <p:nvSpPr>
+          <p:cNvPr id="7" name="Oval 6">
+            <a:extLst>
+              <a:ext uri="{FF2B5EF4-FFF2-40B4-BE49-F238E27FC236}">
+                <a16:creationId xmlns:a16="http://schemas.microsoft.com/office/drawing/2014/main" id="{3471CB55-FA1E-429D-964C-B0A882ADFE14}"/>
+              </a:ext>
+            </a:extLst>
+          </p:cNvPr>
+          <p:cNvSpPr/>
+          <p:nvPr/>
+        </p:nvSpPr>
+        <p:spPr>
+          <a:xfrm>
+            <a:off x="3944455" y="4565745"/>
+            <a:ext cx="3971330" cy="970013"/>
+          </a:xfrm>
+          <a:prstGeom prst="ellipse">
+            <a:avLst/>
+          </a:prstGeom>
           <a:noFill/>
         </p:spPr>
-        <p:txBody>
-          <a:bodyPr wrap="square" rtlCol="0">
-            <a:spAutoFit/>
-          </a:bodyPr>
-          <a:lstStyle/>
-          <a:p>
-            <a:r>
-              <a:rPr lang="en-IN" sz="2400" dirty="0"/>
-              <a:t>Most likely blue</a:t>
-            </a:r>
+        <p:style>
+          <a:lnRef idx="2">
+            <a:schemeClr val="accent1">
+              <a:shade val="50000"/>
+            </a:schemeClr>
+          </a:lnRef>
+          <a:fillRef idx="1">
+            <a:schemeClr val="accent1"/>
+          </a:fillRef>
+          <a:effectRef idx="0">
+            <a:schemeClr val="accent1"/>
+          </a:effectRef>
+          <a:fontRef idx="minor">
+            <a:schemeClr val="lt1"/>
+          </a:fontRef>
+        </p:style>
+        <p:txBody>
+          <a:bodyPr rtlCol="0" anchor="ctr"/>
+          <a:lstStyle/>
+          <a:p>
+            <a:pPr algn="ctr"/>
+            <a:endParaRPr lang="en-IN" dirty="0"/>
           </a:p>
         </p:txBody>
       </p:sp>
       <p:cxnSp>
         <p:nvCxnSpPr>
-          <p:cNvPr id="7" name="Straight Arrow Connector 6">
-            <a:extLst>
-              <a:ext uri="{FF2B5EF4-FFF2-40B4-BE49-F238E27FC236}">
-                <a16:creationId xmlns:a16="http://schemas.microsoft.com/office/drawing/2014/main" id="{1DEC1C69-191F-4281-B494-C40D2DB54163}"/>
+          <p:cNvPr id="9" name="Straight Arrow Connector 8">
+            <a:extLst>
+              <a:ext uri="{FF2B5EF4-FFF2-40B4-BE49-F238E27FC236}">
+                <a16:creationId xmlns:a16="http://schemas.microsoft.com/office/drawing/2014/main" id="{10576E28-A54B-4110-803D-431F068F8078}"/>
               </a:ext>
             </a:extLst>
           </p:cNvPr>
           <p:cNvCxnSpPr>
-            <a:stCxn id="5" idx="1"/>
+            <a:cxnSpLocks/>
           </p:cNvCxnSpPr>
           <p:nvPr/>
         </p:nvCxnSpPr>
         <p:spPr>
-          <a:xfrm flipH="1">
-            <a:off x="5472332" y="1736854"/>
-            <a:ext cx="623668" cy="739060"/>
+          <a:xfrm flipV="1">
+            <a:off x="5449740" y="5535758"/>
+            <a:ext cx="393300" cy="323423"/>
           </a:xfrm>
           <a:prstGeom prst="straightConnector1">
             <a:avLst/>
@@ -10998,10 +11013,10 @@
       </p:cxnSp>
       <p:sp>
         <p:nvSpPr>
-          <p:cNvPr id="8" name="TextBox 7">
-            <a:extLst>
-              <a:ext uri="{FF2B5EF4-FFF2-40B4-BE49-F238E27FC236}">
-                <a16:creationId xmlns:a16="http://schemas.microsoft.com/office/drawing/2014/main" id="{58ECBE6F-6A49-4577-85F9-76CD42C8EB2C}"/>
+          <p:cNvPr id="10" name="TextBox 9">
+            <a:extLst>
+              <a:ext uri="{FF2B5EF4-FFF2-40B4-BE49-F238E27FC236}">
+                <a16:creationId xmlns:a16="http://schemas.microsoft.com/office/drawing/2014/main" id="{5E7161FD-8D16-49E9-972E-2AAD9635AB83}"/>
               </a:ext>
             </a:extLst>
           </p:cNvPr>
@@ -11010,8 +11025,8 @@
         </p:nvSpPr>
         <p:spPr>
           <a:xfrm>
-            <a:off x="9509760" y="1321355"/>
-            <a:ext cx="2265748" cy="461665"/>
+            <a:off x="4176614" y="6088360"/>
+            <a:ext cx="2546253" cy="461665"/>
           </a:xfrm>
           <a:prstGeom prst="rect">
             <a:avLst/>
@@ -11019,92 +11034,14 @@
           <a:noFill/>
         </p:spPr>
         <p:txBody>
-          <a:bodyPr wrap="none" rtlCol="0">
+          <a:bodyPr wrap="square" rtlCol="0">
             <a:spAutoFit/>
           </a:bodyPr>
           <a:lstStyle/>
           <a:p>
             <a:r>
               <a:rPr lang="en-IN" sz="2400" dirty="0"/>
-              <a:t>Difficult to guess</a:t>
-            </a:r>
-          </a:p>
-        </p:txBody>
-      </p:sp>
-      <p:cxnSp>
-        <p:nvCxnSpPr>
-          <p:cNvPr id="10" name="Straight Arrow Connector 9">
-            <a:extLst>
-              <a:ext uri="{FF2B5EF4-FFF2-40B4-BE49-F238E27FC236}">
-                <a16:creationId xmlns:a16="http://schemas.microsoft.com/office/drawing/2014/main" id="{EAA67FFE-605E-4061-A8F2-89B87F2E591A}"/>
-              </a:ext>
-            </a:extLst>
-          </p:cNvPr>
-          <p:cNvCxnSpPr/>
-          <p:nvPr/>
-        </p:nvCxnSpPr>
-        <p:spPr>
-          <a:xfrm flipH="1">
-            <a:off x="9608234" y="1783020"/>
-            <a:ext cx="140677" cy="664758"/>
-          </a:xfrm>
-          <a:prstGeom prst="straightConnector1">
-            <a:avLst/>
-          </a:prstGeom>
-          <a:ln>
-            <a:tailEnd type="triangle"/>
-          </a:ln>
-        </p:spPr>
-        <p:style>
-          <a:lnRef idx="1">
-            <a:schemeClr val="accent1"/>
-          </a:lnRef>
-          <a:fillRef idx="0">
-            <a:schemeClr val="accent1"/>
-          </a:fillRef>
-          <a:effectRef idx="0">
-            <a:schemeClr val="accent1"/>
-          </a:effectRef>
-          <a:fontRef idx="minor">
-            <a:schemeClr val="tx1"/>
-          </a:fontRef>
-        </p:style>
-      </p:cxnSp>
-      <p:sp>
-        <p:nvSpPr>
-          <p:cNvPr id="11" name="TextBox 10">
-            <a:extLst>
-              <a:ext uri="{FF2B5EF4-FFF2-40B4-BE49-F238E27FC236}">
-                <a16:creationId xmlns:a16="http://schemas.microsoft.com/office/drawing/2014/main" id="{63E4CF47-6A62-4ED3-907E-78C6DF4716EC}"/>
-              </a:ext>
-            </a:extLst>
-          </p:cNvPr>
-          <p:cNvSpPr txBox="1"/>
-          <p:nvPr/>
-        </p:nvSpPr>
-        <p:spPr>
-          <a:xfrm>
-            <a:off x="2755669" y="6176564"/>
-            <a:ext cx="7713074" cy="523220"/>
-          </a:xfrm>
-          <a:prstGeom prst="rect">
-            <a:avLst/>
-          </a:prstGeom>
-          <a:noFill/>
-        </p:spPr>
-        <p:txBody>
-          <a:bodyPr wrap="none" rtlCol="0">
-            <a:spAutoFit/>
-          </a:bodyPr>
-          <a:lstStyle/>
-          <a:p>
-            <a:r>
-              <a:rPr lang="en-IN" sz="2800" dirty="0">
-                <a:solidFill>
-                  <a:srgbClr val="FF0000"/>
-                </a:solidFill>
-              </a:rPr>
-              <a:t>Because Box 1 has less randomness i.e. less entropy</a:t>
+              <a:t>Logistic loss</a:t>
             </a:r>
           </a:p>
         </p:txBody>
@@ -11112,241 +11049,13 @@
     </p:spTree>
     <p:extLst>
       <p:ext uri="{BB962C8B-B14F-4D97-AF65-F5344CB8AC3E}">
-        <p14:creationId xmlns:p14="http://schemas.microsoft.com/office/powerpoint/2010/main" val="4027938627"/>
+        <p14:creationId xmlns:p14="http://schemas.microsoft.com/office/powerpoint/2010/main" val="2582340681"/>
       </p:ext>
     </p:extLst>
   </p:cSld>
   <p:clrMapOvr>
     <a:masterClrMapping/>
   </p:clrMapOvr>
-  <p:timing>
-    <p:tnLst>
-      <p:par>
-        <p:cTn id="1" dur="indefinite" restart="never" nodeType="tmRoot">
-          <p:childTnLst>
-            <p:seq concurrent="1" nextAc="seek">
-              <p:cTn id="2" dur="indefinite" nodeType="mainSeq">
-                <p:childTnLst>
-                  <p:par>
-                    <p:cTn id="3" fill="hold">
-                      <p:stCondLst>
-                        <p:cond delay="indefinite"/>
-                      </p:stCondLst>
-                      <p:childTnLst>
-                        <p:par>
-                          <p:cTn id="4" fill="hold">
-                            <p:stCondLst>
-                              <p:cond delay="0"/>
-                            </p:stCondLst>
-                            <p:childTnLst>
-                              <p:par>
-                                <p:cTn id="5" presetID="5" presetClass="entr" presetSubtype="10" fill="hold" grpId="0" nodeType="clickEffect">
-                                  <p:stCondLst>
-                                    <p:cond delay="0"/>
-                                  </p:stCondLst>
-                                  <p:childTnLst>
-                                    <p:set>
-                                      <p:cBhvr>
-                                        <p:cTn id="6" dur="1" fill="hold">
-                                          <p:stCondLst>
-                                            <p:cond delay="0"/>
-                                          </p:stCondLst>
-                                        </p:cTn>
-                                        <p:tgtEl>
-                                          <p:spTgt spid="5"/>
-                                        </p:tgtEl>
-                                        <p:attrNameLst>
-                                          <p:attrName>style.visibility</p:attrName>
-                                        </p:attrNameLst>
-                                      </p:cBhvr>
-                                      <p:to>
-                                        <p:strVal val="visible"/>
-                                      </p:to>
-                                    </p:set>
-                                    <p:animEffect transition="in" filter="checkerboard(across)">
-                                      <p:cBhvr>
-                                        <p:cTn id="7" dur="500"/>
-                                        <p:tgtEl>
-                                          <p:spTgt spid="5"/>
-                                        </p:tgtEl>
-                                      </p:cBhvr>
-                                    </p:animEffect>
-                                  </p:childTnLst>
-                                </p:cTn>
-                              </p:par>
-                              <p:par>
-                                <p:cTn id="8" presetID="5" presetClass="entr" presetSubtype="10" fill="hold" grpId="0" nodeType="withEffect">
-                                  <p:stCondLst>
-                                    <p:cond delay="0"/>
-                                  </p:stCondLst>
-                                  <p:childTnLst>
-                                    <p:set>
-                                      <p:cBhvr>
-                                        <p:cTn id="9" dur="1" fill="hold">
-                                          <p:stCondLst>
-                                            <p:cond delay="0"/>
-                                          </p:stCondLst>
-                                        </p:cTn>
-                                        <p:tgtEl>
-                                          <p:spTgt spid="8"/>
-                                        </p:tgtEl>
-                                        <p:attrNameLst>
-                                          <p:attrName>style.visibility</p:attrName>
-                                        </p:attrNameLst>
-                                      </p:cBhvr>
-                                      <p:to>
-                                        <p:strVal val="visible"/>
-                                      </p:to>
-                                    </p:set>
-                                    <p:animEffect transition="in" filter="checkerboard(across)">
-                                      <p:cBhvr>
-                                        <p:cTn id="10" dur="500"/>
-                                        <p:tgtEl>
-                                          <p:spTgt spid="8"/>
-                                        </p:tgtEl>
-                                      </p:cBhvr>
-                                    </p:animEffect>
-                                  </p:childTnLst>
-                                </p:cTn>
-                              </p:par>
-                              <p:par>
-                                <p:cTn id="11" presetID="5" presetClass="entr" presetSubtype="10" fill="hold" nodeType="withEffect">
-                                  <p:stCondLst>
-                                    <p:cond delay="0"/>
-                                  </p:stCondLst>
-                                  <p:childTnLst>
-                                    <p:set>
-                                      <p:cBhvr>
-                                        <p:cTn id="12" dur="1" fill="hold">
-                                          <p:stCondLst>
-                                            <p:cond delay="0"/>
-                                          </p:stCondLst>
-                                        </p:cTn>
-                                        <p:tgtEl>
-                                          <p:spTgt spid="10"/>
-                                        </p:tgtEl>
-                                        <p:attrNameLst>
-                                          <p:attrName>style.visibility</p:attrName>
-                                        </p:attrNameLst>
-                                      </p:cBhvr>
-                                      <p:to>
-                                        <p:strVal val="visible"/>
-                                      </p:to>
-                                    </p:set>
-                                    <p:animEffect transition="in" filter="checkerboard(across)">
-                                      <p:cBhvr>
-                                        <p:cTn id="13" dur="500"/>
-                                        <p:tgtEl>
-                                          <p:spTgt spid="10"/>
-                                        </p:tgtEl>
-                                      </p:cBhvr>
-                                    </p:animEffect>
-                                  </p:childTnLst>
-                                </p:cTn>
-                              </p:par>
-                              <p:par>
-                                <p:cTn id="14" presetID="5" presetClass="entr" presetSubtype="10" fill="hold" nodeType="withEffect">
-                                  <p:stCondLst>
-                                    <p:cond delay="0"/>
-                                  </p:stCondLst>
-                                  <p:childTnLst>
-                                    <p:set>
-                                      <p:cBhvr>
-                                        <p:cTn id="15" dur="1" fill="hold">
-                                          <p:stCondLst>
-                                            <p:cond delay="0"/>
-                                          </p:stCondLst>
-                                        </p:cTn>
-                                        <p:tgtEl>
-                                          <p:spTgt spid="7"/>
-                                        </p:tgtEl>
-                                        <p:attrNameLst>
-                                          <p:attrName>style.visibility</p:attrName>
-                                        </p:attrNameLst>
-                                      </p:cBhvr>
-                                      <p:to>
-                                        <p:strVal val="visible"/>
-                                      </p:to>
-                                    </p:set>
-                                    <p:animEffect transition="in" filter="checkerboard(across)">
-                                      <p:cBhvr>
-                                        <p:cTn id="16" dur="500"/>
-                                        <p:tgtEl>
-                                          <p:spTgt spid="7"/>
-                                        </p:tgtEl>
-                                      </p:cBhvr>
-                                    </p:animEffect>
-                                  </p:childTnLst>
-                                </p:cTn>
-                              </p:par>
-                              <p:par>
-                                <p:cTn id="17" presetID="5" presetClass="entr" presetSubtype="10" fill="hold" grpId="0" nodeType="withEffect">
-                                  <p:stCondLst>
-                                    <p:cond delay="0"/>
-                                  </p:stCondLst>
-                                  <p:childTnLst>
-                                    <p:set>
-                                      <p:cBhvr>
-                                        <p:cTn id="18" dur="1" fill="hold">
-                                          <p:stCondLst>
-                                            <p:cond delay="0"/>
-                                          </p:stCondLst>
-                                        </p:cTn>
-                                        <p:tgtEl>
-                                          <p:spTgt spid="11"/>
-                                        </p:tgtEl>
-                                        <p:attrNameLst>
-                                          <p:attrName>style.visibility</p:attrName>
-                                        </p:attrNameLst>
-                                      </p:cBhvr>
-                                      <p:to>
-                                        <p:strVal val="visible"/>
-                                      </p:to>
-                                    </p:set>
-                                    <p:animEffect transition="in" filter="checkerboard(across)">
-                                      <p:cBhvr>
-                                        <p:cTn id="19" dur="500"/>
-                                        <p:tgtEl>
-                                          <p:spTgt spid="11"/>
-                                        </p:tgtEl>
-                                      </p:cBhvr>
-                                    </p:animEffect>
-                                  </p:childTnLst>
-                                </p:cTn>
-                              </p:par>
-                            </p:childTnLst>
-                          </p:cTn>
-                        </p:par>
-                      </p:childTnLst>
-                    </p:cTn>
-                  </p:par>
-                </p:childTnLst>
-              </p:cTn>
-              <p:prevCondLst>
-                <p:cond evt="onPrev" delay="0">
-                  <p:tgtEl>
-                    <p:sldTgt/>
-                  </p:tgtEl>
-                </p:cond>
-              </p:prevCondLst>
-              <p:nextCondLst>
-                <p:cond evt="onNext" delay="0">
-                  <p:tgtEl>
-                    <p:sldTgt/>
-                  </p:tgtEl>
-                </p:cond>
-              </p:nextCondLst>
-            </p:seq>
-          </p:childTnLst>
-        </p:cTn>
-      </p:par>
-    </p:tnLst>
-    <p:bldLst>
-      <p:bldP spid="5" grpId="0"/>
-      <p:bldP spid="8" grpId="0"/>
-      <p:bldP spid="11" grpId="0"/>
-    </p:bldLst>
-  </p:timing>
 </p:sld>
 </file>
 
@@ -18019,7 +17728,7 @@
         </p:nvSpPr>
         <p:spPr>
           <a:xfrm>
-            <a:off x="1665044" y="3013503"/>
+            <a:off x="1717301" y="3018763"/>
             <a:ext cx="720069" cy="461665"/>
           </a:xfrm>
           <a:prstGeom prst="rect">
@@ -18258,7 +17967,7 @@
         </p:nvSpPr>
         <p:spPr>
           <a:xfrm>
-            <a:off x="1665044" y="4613318"/>
+            <a:off x="1665044" y="4613316"/>
             <a:ext cx="918841" cy="461665"/>
           </a:xfrm>
           <a:prstGeom prst="rect">
@@ -21441,7 +21150,7 @@
         </p:spPr>
         <p:txBody>
           <a:bodyPr>
-            <a:normAutofit fontScale="85000" lnSpcReduction="20000"/>
+            <a:normAutofit fontScale="85000" lnSpcReduction="10000"/>
           </a:bodyPr>
           <a:lstStyle/>
           <a:p>
@@ -21452,7 +21161,7 @@
             </a:pPr>
             <a:r>
               <a:rPr lang="en-IN" dirty="0"/>
-              <a:t>With advancement in technology, there is always a need of better ways to deal with network attacks</a:t>
+              <a:t>Fine tuning of different models could be done to improve performance</a:t>
             </a:r>
           </a:p>
           <a:p>

--- a/Minor Project presentation.pptx
+++ b/Minor Project presentation.pptx
@@ -3628,7 +3628,7 @@
           <a:p>
             <a:r>
               <a:rPr lang="en-IN" sz="2800" dirty="0"/>
-              <a:t>MINOR PROJECT </a:t>
+              <a:t>MINOR PROJECT  </a:t>
             </a:r>
           </a:p>
           <a:p>
@@ -4558,7 +4558,7 @@
             </a:pPr>
             <a:r>
               <a:rPr lang="en-IN" sz="2200" dirty="0"/>
-              <a:t>Even today, this the de facto dataset that is used in different</a:t>
+              <a:t>Even today, this is the de facto dataset that is used in different</a:t>
             </a:r>
           </a:p>
           <a:p>
@@ -18211,6 +18211,59 @@
           </a:p>
         </p:txBody>
       </p:sp>
+      <p:sp>
+        <p:nvSpPr>
+          <p:cNvPr id="3" name="TextBox 2">
+            <a:extLst>
+              <a:ext uri="{FF2B5EF4-FFF2-40B4-BE49-F238E27FC236}">
+                <a16:creationId xmlns:a16="http://schemas.microsoft.com/office/drawing/2014/main" id="{4F84672A-48D9-40F7-875A-FF5CB3F55172}"/>
+              </a:ext>
+            </a:extLst>
+          </p:cNvPr>
+          <p:cNvSpPr txBox="1"/>
+          <p:nvPr/>
+        </p:nvSpPr>
+        <p:spPr>
+          <a:xfrm>
+            <a:off x="5791710" y="4966446"/>
+            <a:ext cx="7618621" cy="1569660"/>
+          </a:xfrm>
+          <a:prstGeom prst="rect">
+            <a:avLst/>
+          </a:prstGeom>
+          <a:noFill/>
+        </p:spPr>
+        <p:txBody>
+          <a:bodyPr wrap="square" rtlCol="0">
+            <a:spAutoFit/>
+          </a:bodyPr>
+          <a:lstStyle/>
+          <a:p>
+            <a:r>
+              <a:rPr lang="en-IN" sz="2400" dirty="0"/>
+              <a:t>		       OR </a:t>
+            </a:r>
+          </a:p>
+          <a:p>
+            <a:r>
+              <a:rPr lang="en-IN" sz="2400" dirty="0"/>
+              <a:t>build a simple tree based model.</a:t>
+            </a:r>
+          </a:p>
+          <a:p>
+            <a:r>
+              <a:rPr lang="en-IN" sz="2400" dirty="0"/>
+              <a:t>The feature which gives max. Information gain</a:t>
+            </a:r>
+          </a:p>
+          <a:p>
+            <a:r>
+              <a:rPr lang="en-IN" sz="2400" dirty="0"/>
+              <a:t>is the most important feature</a:t>
+            </a:r>
+          </a:p>
+        </p:txBody>
+      </p:sp>
     </p:spTree>
     <p:extLst>
       <p:ext uri="{BB962C8B-B14F-4D97-AF65-F5344CB8AC3E}">

--- a/Minor Project presentation.pptx
+++ b/Minor Project presentation.pptx
@@ -49,8 +49,8 @@
     <p:sldId id="296" r:id="rId43"/>
     <p:sldId id="297" r:id="rId44"/>
     <p:sldId id="302" r:id="rId45"/>
-    <p:sldId id="304" r:id="rId46"/>
-    <p:sldId id="306" r:id="rId47"/>
+    <p:sldId id="306" r:id="rId46"/>
+    <p:sldId id="304" r:id="rId47"/>
     <p:sldId id="303" r:id="rId48"/>
     <p:sldId id="305" r:id="rId49"/>
   </p:sldIdLst>
@@ -20524,7 +20524,7 @@
           <p:cNvPr id="2" name="Title 1">
             <a:extLst>
               <a:ext uri="{FF2B5EF4-FFF2-40B4-BE49-F238E27FC236}">
-                <a16:creationId xmlns:a16="http://schemas.microsoft.com/office/drawing/2014/main" id="{BC60434F-40EC-456E-AC10-B309FDCC7147}"/>
+                <a16:creationId xmlns:a16="http://schemas.microsoft.com/office/drawing/2014/main" id="{E96DF817-255A-47B5-872D-097C975D66E8}"/>
               </a:ext>
             </a:extLst>
           </p:cNvPr>
@@ -20537,101 +20537,455 @@
         </p:nvSpPr>
         <p:spPr/>
         <p:txBody>
-          <a:bodyPr/>
-          <a:lstStyle/>
-          <a:p>
-            <a:r>
-              <a:rPr lang="en-IN" dirty="0"/>
-              <a:t>Conclusion</a:t>
-            </a:r>
-          </a:p>
-        </p:txBody>
-      </p:sp>
-      <p:sp>
-        <p:nvSpPr>
-          <p:cNvPr id="3" name="Content Placeholder 2">
-            <a:extLst>
-              <a:ext uri="{FF2B5EF4-FFF2-40B4-BE49-F238E27FC236}">
-                <a16:creationId xmlns:a16="http://schemas.microsoft.com/office/drawing/2014/main" id="{0C7529B8-721D-4595-9D4B-CA24A3249F15}"/>
-              </a:ext>
-            </a:extLst>
-          </p:cNvPr>
-          <p:cNvSpPr>
-            <a:spLocks noGrp="1"/>
-          </p:cNvSpPr>
-          <p:nvPr>
-            <p:ph idx="1"/>
-          </p:nvPr>
-        </p:nvSpPr>
-        <p:spPr/>
-        <p:txBody>
           <a:bodyPr>
             <a:normAutofit/>
           </a:bodyPr>
           <a:lstStyle/>
           <a:p>
-            <a:pPr>
-              <a:lnSpc>
-                <a:spcPct val="150000"/>
-              </a:lnSpc>
-            </a:pPr>
+            <a:pPr algn="ctr"/>
+            <a:r>
+              <a:rPr lang="en-IN" sz="3600" dirty="0"/>
+              <a:t>Now we’re done with our last stage</a:t>
+            </a:r>
+          </a:p>
+        </p:txBody>
+      </p:sp>
+      <p:sp>
+        <p:nvSpPr>
+          <p:cNvPr id="4" name="Rectangle 3">
+            <a:extLst>
+              <a:ext uri="{FF2B5EF4-FFF2-40B4-BE49-F238E27FC236}">
+                <a16:creationId xmlns:a16="http://schemas.microsoft.com/office/drawing/2014/main" id="{4795095D-AF0E-4AA5-A74C-1115AD3E2B4D}"/>
+              </a:ext>
+            </a:extLst>
+          </p:cNvPr>
+          <p:cNvSpPr/>
+          <p:nvPr/>
+        </p:nvSpPr>
+        <p:spPr>
+          <a:xfrm>
+            <a:off x="2776330" y="3269971"/>
+            <a:ext cx="1961322" cy="980661"/>
+          </a:xfrm>
+          <a:prstGeom prst="rect">
+            <a:avLst/>
+          </a:prstGeom>
+          <a:solidFill>
+            <a:schemeClr val="accent6"/>
+          </a:solidFill>
+        </p:spPr>
+        <p:style>
+          <a:lnRef idx="2">
+            <a:schemeClr val="accent1">
+              <a:shade val="50000"/>
+            </a:schemeClr>
+          </a:lnRef>
+          <a:fillRef idx="1">
+            <a:schemeClr val="accent1"/>
+          </a:fillRef>
+          <a:effectRef idx="0">
+            <a:schemeClr val="accent1"/>
+          </a:effectRef>
+          <a:fontRef idx="minor">
+            <a:schemeClr val="lt1"/>
+          </a:fontRef>
+        </p:style>
+        <p:txBody>
+          <a:bodyPr rtlCol="0" anchor="ctr"/>
+          <a:lstStyle/>
+          <a:p>
+            <a:pPr algn="ctr"/>
             <a:r>
               <a:rPr lang="en-IN" dirty="0"/>
-              <a:t>Although all the classifiers resulted in 90+ accuracy, but accuracy may not be the best metric to evaluate them as accuracy loses its meaning when we deal with imbalanced dataset</a:t>
-            </a:r>
-          </a:p>
-          <a:p>
-            <a:pPr>
-              <a:lnSpc>
-                <a:spcPct val="150000"/>
-              </a:lnSpc>
-            </a:pPr>
+              <a:t>Acquire data</a:t>
+            </a:r>
+          </a:p>
+          <a:p>
+            <a:pPr algn="ctr"/>
             <a:r>
               <a:rPr lang="en-IN" dirty="0"/>
-              <a:t>A single metric macro f1 score is used here to compare models</a:t>
-            </a:r>
-          </a:p>
-          <a:p>
-            <a:pPr>
-              <a:lnSpc>
-                <a:spcPct val="150000"/>
-              </a:lnSpc>
-            </a:pPr>
+              <a:t>&amp;</a:t>
+            </a:r>
+          </a:p>
+          <a:p>
+            <a:pPr algn="ctr"/>
             <a:r>
               <a:rPr lang="en-IN" dirty="0"/>
-              <a:t>Among the four classifiers, </a:t>
-            </a:r>
-            <a:r>
-              <a:rPr lang="en-IN" dirty="0">
-                <a:solidFill>
-                  <a:srgbClr val="FF0000"/>
-                </a:solidFill>
-              </a:rPr>
-              <a:t>decision tree </a:t>
-            </a:r>
+              <a:t>explore</a:t>
+            </a:r>
+          </a:p>
+        </p:txBody>
+      </p:sp>
+      <p:sp>
+        <p:nvSpPr>
+          <p:cNvPr id="5" name="Rectangle 4">
+            <a:extLst>
+              <a:ext uri="{FF2B5EF4-FFF2-40B4-BE49-F238E27FC236}">
+                <a16:creationId xmlns:a16="http://schemas.microsoft.com/office/drawing/2014/main" id="{8D22CF6B-4A8A-476C-B3D2-1B2289CAA93E}"/>
+              </a:ext>
+            </a:extLst>
+          </p:cNvPr>
+          <p:cNvSpPr/>
+          <p:nvPr/>
+        </p:nvSpPr>
+        <p:spPr>
+          <a:xfrm>
+            <a:off x="5135217" y="3269970"/>
+            <a:ext cx="1961322" cy="980661"/>
+          </a:xfrm>
+          <a:prstGeom prst="rect">
+            <a:avLst/>
+          </a:prstGeom>
+          <a:solidFill>
+            <a:schemeClr val="accent6"/>
+          </a:solidFill>
+        </p:spPr>
+        <p:style>
+          <a:lnRef idx="2">
+            <a:schemeClr val="accent1">
+              <a:shade val="50000"/>
+            </a:schemeClr>
+          </a:lnRef>
+          <a:fillRef idx="1">
+            <a:schemeClr val="accent1"/>
+          </a:fillRef>
+          <a:effectRef idx="0">
+            <a:schemeClr val="accent1"/>
+          </a:effectRef>
+          <a:fontRef idx="minor">
+            <a:schemeClr val="lt1"/>
+          </a:fontRef>
+        </p:style>
+        <p:txBody>
+          <a:bodyPr rtlCol="0" anchor="ctr"/>
+          <a:lstStyle/>
+          <a:p>
+            <a:pPr algn="ctr"/>
             <a:r>
               <a:rPr lang="en-IN" dirty="0"/>
-              <a:t>performed the best</a:t>
-            </a:r>
-          </a:p>
-          <a:p>
-            <a:pPr marL="0" indent="0">
-              <a:lnSpc>
-                <a:spcPct val="150000"/>
-              </a:lnSpc>
-              <a:buNone/>
-            </a:pPr>
+              <a:t>Transform the data</a:t>
+            </a:r>
+          </a:p>
+        </p:txBody>
+      </p:sp>
+      <p:sp>
+        <p:nvSpPr>
+          <p:cNvPr id="6" name="Rectangle 5">
+            <a:extLst>
+              <a:ext uri="{FF2B5EF4-FFF2-40B4-BE49-F238E27FC236}">
+                <a16:creationId xmlns:a16="http://schemas.microsoft.com/office/drawing/2014/main" id="{77528AF8-3883-4E9A-ADEB-323E044DE330}"/>
+              </a:ext>
+            </a:extLst>
+          </p:cNvPr>
+          <p:cNvSpPr/>
+          <p:nvPr/>
+        </p:nvSpPr>
+        <p:spPr>
+          <a:xfrm>
+            <a:off x="7494104" y="3269970"/>
+            <a:ext cx="1961322" cy="980661"/>
+          </a:xfrm>
+          <a:prstGeom prst="rect">
+            <a:avLst/>
+          </a:prstGeom>
+          <a:solidFill>
+            <a:schemeClr val="accent6"/>
+          </a:solidFill>
+        </p:spPr>
+        <p:style>
+          <a:lnRef idx="2">
+            <a:schemeClr val="accent1">
+              <a:shade val="50000"/>
+            </a:schemeClr>
+          </a:lnRef>
+          <a:fillRef idx="1">
+            <a:schemeClr val="accent1"/>
+          </a:fillRef>
+          <a:effectRef idx="0">
+            <a:schemeClr val="accent1"/>
+          </a:effectRef>
+          <a:fontRef idx="minor">
+            <a:schemeClr val="lt1"/>
+          </a:fontRef>
+        </p:style>
+        <p:txBody>
+          <a:bodyPr rtlCol="0" anchor="ctr"/>
+          <a:lstStyle/>
+          <a:p>
+            <a:pPr algn="ctr"/>
             <a:r>
               <a:rPr lang="en-IN" dirty="0"/>
-              <a:t> </a:t>
-            </a:r>
-          </a:p>
-        </p:txBody>
-      </p:sp>
+              <a:t>Apply ML model</a:t>
+            </a:r>
+          </a:p>
+        </p:txBody>
+      </p:sp>
+      <p:sp>
+        <p:nvSpPr>
+          <p:cNvPr id="7" name="Rectangle 6">
+            <a:extLst>
+              <a:ext uri="{FF2B5EF4-FFF2-40B4-BE49-F238E27FC236}">
+                <a16:creationId xmlns:a16="http://schemas.microsoft.com/office/drawing/2014/main" id="{C57E6208-790F-4F0A-8592-9B73C04F5B3E}"/>
+              </a:ext>
+            </a:extLst>
+          </p:cNvPr>
+          <p:cNvSpPr/>
+          <p:nvPr/>
+        </p:nvSpPr>
+        <p:spPr>
+          <a:xfrm>
+            <a:off x="9852991" y="3269969"/>
+            <a:ext cx="1961322" cy="980661"/>
+          </a:xfrm>
+          <a:prstGeom prst="rect">
+            <a:avLst/>
+          </a:prstGeom>
+          <a:solidFill>
+            <a:schemeClr val="accent6"/>
+          </a:solidFill>
+        </p:spPr>
+        <p:style>
+          <a:lnRef idx="2">
+            <a:schemeClr val="accent1">
+              <a:shade val="50000"/>
+            </a:schemeClr>
+          </a:lnRef>
+          <a:fillRef idx="1">
+            <a:schemeClr val="accent1"/>
+          </a:fillRef>
+          <a:effectRef idx="0">
+            <a:schemeClr val="accent1"/>
+          </a:effectRef>
+          <a:fontRef idx="minor">
+            <a:schemeClr val="lt1"/>
+          </a:fontRef>
+        </p:style>
+        <p:txBody>
+          <a:bodyPr rtlCol="0" anchor="ctr"/>
+          <a:lstStyle/>
+          <a:p>
+            <a:pPr algn="ctr"/>
+            <a:r>
+              <a:rPr lang="en-IN" dirty="0"/>
+              <a:t>Test the model</a:t>
+            </a:r>
+          </a:p>
+        </p:txBody>
+      </p:sp>
+      <p:cxnSp>
+        <p:nvCxnSpPr>
+          <p:cNvPr id="8" name="Straight Arrow Connector 7">
+            <a:extLst>
+              <a:ext uri="{FF2B5EF4-FFF2-40B4-BE49-F238E27FC236}">
+                <a16:creationId xmlns:a16="http://schemas.microsoft.com/office/drawing/2014/main" id="{2CEE1C0B-C5B1-4F5A-8C25-5253F7362F07}"/>
+              </a:ext>
+            </a:extLst>
+          </p:cNvPr>
+          <p:cNvCxnSpPr>
+            <a:endCxn id="4" idx="1"/>
+          </p:cNvCxnSpPr>
+          <p:nvPr/>
+        </p:nvCxnSpPr>
+        <p:spPr>
+          <a:xfrm flipV="1">
+            <a:off x="2378765" y="3760302"/>
+            <a:ext cx="397565" cy="1"/>
+          </a:xfrm>
+          <a:prstGeom prst="straightConnector1">
+            <a:avLst/>
+          </a:prstGeom>
+          <a:ln w="28575">
+            <a:tailEnd type="triangle"/>
+          </a:ln>
+        </p:spPr>
+        <p:style>
+          <a:lnRef idx="1">
+            <a:schemeClr val="dk1"/>
+          </a:lnRef>
+          <a:fillRef idx="0">
+            <a:schemeClr val="dk1"/>
+          </a:fillRef>
+          <a:effectRef idx="0">
+            <a:schemeClr val="dk1"/>
+          </a:effectRef>
+          <a:fontRef idx="minor">
+            <a:schemeClr val="tx1"/>
+          </a:fontRef>
+        </p:style>
+      </p:cxnSp>
+      <p:cxnSp>
+        <p:nvCxnSpPr>
+          <p:cNvPr id="9" name="Straight Arrow Connector 8">
+            <a:extLst>
+              <a:ext uri="{FF2B5EF4-FFF2-40B4-BE49-F238E27FC236}">
+                <a16:creationId xmlns:a16="http://schemas.microsoft.com/office/drawing/2014/main" id="{655B750D-2271-4487-ADC7-95E23DC078CE}"/>
+              </a:ext>
+            </a:extLst>
+          </p:cNvPr>
+          <p:cNvCxnSpPr/>
+          <p:nvPr/>
+        </p:nvCxnSpPr>
+        <p:spPr>
+          <a:xfrm flipV="1">
+            <a:off x="4737652" y="3760299"/>
+            <a:ext cx="397565" cy="1"/>
+          </a:xfrm>
+          <a:prstGeom prst="straightConnector1">
+            <a:avLst/>
+          </a:prstGeom>
+          <a:ln w="28575">
+            <a:tailEnd type="triangle"/>
+          </a:ln>
+        </p:spPr>
+        <p:style>
+          <a:lnRef idx="1">
+            <a:schemeClr val="dk1"/>
+          </a:lnRef>
+          <a:fillRef idx="0">
+            <a:schemeClr val="dk1"/>
+          </a:fillRef>
+          <a:effectRef idx="0">
+            <a:schemeClr val="dk1"/>
+          </a:effectRef>
+          <a:fontRef idx="minor">
+            <a:schemeClr val="tx1"/>
+          </a:fontRef>
+        </p:style>
+      </p:cxnSp>
+      <p:cxnSp>
+        <p:nvCxnSpPr>
+          <p:cNvPr id="10" name="Straight Arrow Connector 9">
+            <a:extLst>
+              <a:ext uri="{FF2B5EF4-FFF2-40B4-BE49-F238E27FC236}">
+                <a16:creationId xmlns:a16="http://schemas.microsoft.com/office/drawing/2014/main" id="{5FC56C83-5CA2-49FA-9045-3F38EC6554D6}"/>
+              </a:ext>
+            </a:extLst>
+          </p:cNvPr>
+          <p:cNvCxnSpPr/>
+          <p:nvPr/>
+        </p:nvCxnSpPr>
+        <p:spPr>
+          <a:xfrm flipV="1">
+            <a:off x="7096539" y="3760299"/>
+            <a:ext cx="397565" cy="1"/>
+          </a:xfrm>
+          <a:prstGeom prst="straightConnector1">
+            <a:avLst/>
+          </a:prstGeom>
+          <a:ln w="28575">
+            <a:tailEnd type="triangle"/>
+          </a:ln>
+        </p:spPr>
+        <p:style>
+          <a:lnRef idx="1">
+            <a:schemeClr val="dk1"/>
+          </a:lnRef>
+          <a:fillRef idx="0">
+            <a:schemeClr val="dk1"/>
+          </a:fillRef>
+          <a:effectRef idx="0">
+            <a:schemeClr val="dk1"/>
+          </a:effectRef>
+          <a:fontRef idx="minor">
+            <a:schemeClr val="tx1"/>
+          </a:fontRef>
+        </p:style>
+      </p:cxnSp>
+      <p:sp>
+        <p:nvSpPr>
+          <p:cNvPr id="11" name="Rectangle 10">
+            <a:extLst>
+              <a:ext uri="{FF2B5EF4-FFF2-40B4-BE49-F238E27FC236}">
+                <a16:creationId xmlns:a16="http://schemas.microsoft.com/office/drawing/2014/main" id="{C87058A1-5CAD-427C-A7DA-200DF313EECB}"/>
+              </a:ext>
+            </a:extLst>
+          </p:cNvPr>
+          <p:cNvSpPr/>
+          <p:nvPr/>
+        </p:nvSpPr>
+        <p:spPr>
+          <a:xfrm>
+            <a:off x="417443" y="3269972"/>
+            <a:ext cx="1961322" cy="980661"/>
+          </a:xfrm>
+          <a:prstGeom prst="rect">
+            <a:avLst/>
+          </a:prstGeom>
+          <a:solidFill>
+            <a:schemeClr val="accent6"/>
+          </a:solidFill>
+        </p:spPr>
+        <p:style>
+          <a:lnRef idx="2">
+            <a:schemeClr val="accent1">
+              <a:shade val="50000"/>
+            </a:schemeClr>
+          </a:lnRef>
+          <a:fillRef idx="1">
+            <a:schemeClr val="accent1"/>
+          </a:fillRef>
+          <a:effectRef idx="0">
+            <a:schemeClr val="accent1"/>
+          </a:effectRef>
+          <a:fontRef idx="minor">
+            <a:schemeClr val="lt1"/>
+          </a:fontRef>
+        </p:style>
+        <p:txBody>
+          <a:bodyPr rtlCol="0" anchor="ctr"/>
+          <a:lstStyle/>
+          <a:p>
+            <a:pPr algn="ctr"/>
+            <a:r>
+              <a:rPr lang="en-IN" dirty="0"/>
+              <a:t>Define ML problem</a:t>
+            </a:r>
+          </a:p>
+        </p:txBody>
+      </p:sp>
+      <p:cxnSp>
+        <p:nvCxnSpPr>
+          <p:cNvPr id="12" name="Straight Arrow Connector 11">
+            <a:extLst>
+              <a:ext uri="{FF2B5EF4-FFF2-40B4-BE49-F238E27FC236}">
+                <a16:creationId xmlns:a16="http://schemas.microsoft.com/office/drawing/2014/main" id="{6EE61610-E117-461B-8B51-0297DB83ED27}"/>
+              </a:ext>
+            </a:extLst>
+          </p:cNvPr>
+          <p:cNvCxnSpPr/>
+          <p:nvPr/>
+        </p:nvCxnSpPr>
+        <p:spPr>
+          <a:xfrm flipV="1">
+            <a:off x="9455426" y="3760299"/>
+            <a:ext cx="397565" cy="1"/>
+          </a:xfrm>
+          <a:prstGeom prst="straightConnector1">
+            <a:avLst/>
+          </a:prstGeom>
+          <a:ln w="28575">
+            <a:tailEnd type="triangle"/>
+          </a:ln>
+        </p:spPr>
+        <p:style>
+          <a:lnRef idx="1">
+            <a:schemeClr val="dk1"/>
+          </a:lnRef>
+          <a:fillRef idx="0">
+            <a:schemeClr val="dk1"/>
+          </a:fillRef>
+          <a:effectRef idx="0">
+            <a:schemeClr val="dk1"/>
+          </a:effectRef>
+          <a:fontRef idx="minor">
+            <a:schemeClr val="tx1"/>
+          </a:fontRef>
+        </p:style>
+      </p:cxnSp>
     </p:spTree>
     <p:extLst>
       <p:ext uri="{BB962C8B-B14F-4D97-AF65-F5344CB8AC3E}">
-        <p14:creationId xmlns:p14="http://schemas.microsoft.com/office/powerpoint/2010/main" val="1070085822"/>
+        <p14:creationId xmlns:p14="http://schemas.microsoft.com/office/powerpoint/2010/main" val="978087348"/>
       </p:ext>
     </p:extLst>
   </p:cSld>
@@ -20663,7 +21017,7 @@
           <p:cNvPr id="2" name="Title 1">
             <a:extLst>
               <a:ext uri="{FF2B5EF4-FFF2-40B4-BE49-F238E27FC236}">
-                <a16:creationId xmlns:a16="http://schemas.microsoft.com/office/drawing/2014/main" id="{E96DF817-255A-47B5-872D-097C975D66E8}"/>
+                <a16:creationId xmlns:a16="http://schemas.microsoft.com/office/drawing/2014/main" id="{BC60434F-40EC-456E-AC10-B309FDCC7147}"/>
               </a:ext>
             </a:extLst>
           </p:cNvPr>
@@ -20676,455 +21030,101 @@
         </p:nvSpPr>
         <p:spPr/>
         <p:txBody>
+          <a:bodyPr/>
+          <a:lstStyle/>
+          <a:p>
+            <a:r>
+              <a:rPr lang="en-IN" dirty="0"/>
+              <a:t>Conclusion</a:t>
+            </a:r>
+          </a:p>
+        </p:txBody>
+      </p:sp>
+      <p:sp>
+        <p:nvSpPr>
+          <p:cNvPr id="3" name="Content Placeholder 2">
+            <a:extLst>
+              <a:ext uri="{FF2B5EF4-FFF2-40B4-BE49-F238E27FC236}">
+                <a16:creationId xmlns:a16="http://schemas.microsoft.com/office/drawing/2014/main" id="{0C7529B8-721D-4595-9D4B-CA24A3249F15}"/>
+              </a:ext>
+            </a:extLst>
+          </p:cNvPr>
+          <p:cNvSpPr>
+            <a:spLocks noGrp="1"/>
+          </p:cNvSpPr>
+          <p:nvPr>
+            <p:ph idx="1"/>
+          </p:nvPr>
+        </p:nvSpPr>
+        <p:spPr/>
+        <p:txBody>
           <a:bodyPr>
             <a:normAutofit/>
           </a:bodyPr>
           <a:lstStyle/>
           <a:p>
-            <a:pPr algn="ctr"/>
-            <a:r>
-              <a:rPr lang="en-IN" sz="3600" dirty="0"/>
-              <a:t>Now we’re done with our last stage</a:t>
-            </a:r>
-          </a:p>
-        </p:txBody>
-      </p:sp>
-      <p:sp>
-        <p:nvSpPr>
-          <p:cNvPr id="4" name="Rectangle 3">
-            <a:extLst>
-              <a:ext uri="{FF2B5EF4-FFF2-40B4-BE49-F238E27FC236}">
-                <a16:creationId xmlns:a16="http://schemas.microsoft.com/office/drawing/2014/main" id="{4795095D-AF0E-4AA5-A74C-1115AD3E2B4D}"/>
-              </a:ext>
-            </a:extLst>
-          </p:cNvPr>
-          <p:cNvSpPr/>
-          <p:nvPr/>
-        </p:nvSpPr>
-        <p:spPr>
-          <a:xfrm>
-            <a:off x="2776330" y="3269971"/>
-            <a:ext cx="1961322" cy="980661"/>
-          </a:xfrm>
-          <a:prstGeom prst="rect">
-            <a:avLst/>
-          </a:prstGeom>
-          <a:solidFill>
-            <a:schemeClr val="accent6"/>
-          </a:solidFill>
-        </p:spPr>
-        <p:style>
-          <a:lnRef idx="2">
-            <a:schemeClr val="accent1">
-              <a:shade val="50000"/>
-            </a:schemeClr>
-          </a:lnRef>
-          <a:fillRef idx="1">
-            <a:schemeClr val="accent1"/>
-          </a:fillRef>
-          <a:effectRef idx="0">
-            <a:schemeClr val="accent1"/>
-          </a:effectRef>
-          <a:fontRef idx="minor">
-            <a:schemeClr val="lt1"/>
-          </a:fontRef>
-        </p:style>
-        <p:txBody>
-          <a:bodyPr rtlCol="0" anchor="ctr"/>
-          <a:lstStyle/>
-          <a:p>
-            <a:pPr algn="ctr"/>
+            <a:pPr>
+              <a:lnSpc>
+                <a:spcPct val="150000"/>
+              </a:lnSpc>
+            </a:pPr>
             <a:r>
               <a:rPr lang="en-IN" dirty="0"/>
-              <a:t>Acquire data</a:t>
-            </a:r>
-          </a:p>
-          <a:p>
-            <a:pPr algn="ctr"/>
+              <a:t>Although all the classifiers resulted in 90+ accuracy, but accuracy may not be the best metric to evaluate them as accuracy loses its meaning when we deal with imbalanced dataset</a:t>
+            </a:r>
+          </a:p>
+          <a:p>
+            <a:pPr>
+              <a:lnSpc>
+                <a:spcPct val="150000"/>
+              </a:lnSpc>
+            </a:pPr>
             <a:r>
               <a:rPr lang="en-IN" dirty="0"/>
-              <a:t>&amp;</a:t>
-            </a:r>
-          </a:p>
-          <a:p>
-            <a:pPr algn="ctr"/>
+              <a:t>A single metric macro f1 score is used here to compare models</a:t>
+            </a:r>
+          </a:p>
+          <a:p>
+            <a:pPr>
+              <a:lnSpc>
+                <a:spcPct val="150000"/>
+              </a:lnSpc>
+            </a:pPr>
             <a:r>
               <a:rPr lang="en-IN" dirty="0"/>
-              <a:t>explore</a:t>
-            </a:r>
-          </a:p>
-        </p:txBody>
-      </p:sp>
-      <p:sp>
-        <p:nvSpPr>
-          <p:cNvPr id="5" name="Rectangle 4">
-            <a:extLst>
-              <a:ext uri="{FF2B5EF4-FFF2-40B4-BE49-F238E27FC236}">
-                <a16:creationId xmlns:a16="http://schemas.microsoft.com/office/drawing/2014/main" id="{8D22CF6B-4A8A-476C-B3D2-1B2289CAA93E}"/>
-              </a:ext>
-            </a:extLst>
-          </p:cNvPr>
-          <p:cNvSpPr/>
-          <p:nvPr/>
-        </p:nvSpPr>
-        <p:spPr>
-          <a:xfrm>
-            <a:off x="5135217" y="3269970"/>
-            <a:ext cx="1961322" cy="980661"/>
-          </a:xfrm>
-          <a:prstGeom prst="rect">
-            <a:avLst/>
-          </a:prstGeom>
-          <a:solidFill>
-            <a:schemeClr val="accent6"/>
-          </a:solidFill>
-        </p:spPr>
-        <p:style>
-          <a:lnRef idx="2">
-            <a:schemeClr val="accent1">
-              <a:shade val="50000"/>
-            </a:schemeClr>
-          </a:lnRef>
-          <a:fillRef idx="1">
-            <a:schemeClr val="accent1"/>
-          </a:fillRef>
-          <a:effectRef idx="0">
-            <a:schemeClr val="accent1"/>
-          </a:effectRef>
-          <a:fontRef idx="minor">
-            <a:schemeClr val="lt1"/>
-          </a:fontRef>
-        </p:style>
-        <p:txBody>
-          <a:bodyPr rtlCol="0" anchor="ctr"/>
-          <a:lstStyle/>
-          <a:p>
-            <a:pPr algn="ctr"/>
+              <a:t>Among the four classifiers, </a:t>
+            </a:r>
+            <a:r>
+              <a:rPr lang="en-IN" dirty="0">
+                <a:solidFill>
+                  <a:srgbClr val="FF0000"/>
+                </a:solidFill>
+              </a:rPr>
+              <a:t>decision tree </a:t>
+            </a:r>
             <a:r>
               <a:rPr lang="en-IN" dirty="0"/>
-              <a:t>Transform the data</a:t>
-            </a:r>
-          </a:p>
-        </p:txBody>
-      </p:sp>
-      <p:sp>
-        <p:nvSpPr>
-          <p:cNvPr id="6" name="Rectangle 5">
-            <a:extLst>
-              <a:ext uri="{FF2B5EF4-FFF2-40B4-BE49-F238E27FC236}">
-                <a16:creationId xmlns:a16="http://schemas.microsoft.com/office/drawing/2014/main" id="{77528AF8-3883-4E9A-ADEB-323E044DE330}"/>
-              </a:ext>
-            </a:extLst>
-          </p:cNvPr>
-          <p:cNvSpPr/>
-          <p:nvPr/>
-        </p:nvSpPr>
-        <p:spPr>
-          <a:xfrm>
-            <a:off x="7494104" y="3269970"/>
-            <a:ext cx="1961322" cy="980661"/>
-          </a:xfrm>
-          <a:prstGeom prst="rect">
-            <a:avLst/>
-          </a:prstGeom>
-          <a:solidFill>
-            <a:schemeClr val="accent6"/>
-          </a:solidFill>
-        </p:spPr>
-        <p:style>
-          <a:lnRef idx="2">
-            <a:schemeClr val="accent1">
-              <a:shade val="50000"/>
-            </a:schemeClr>
-          </a:lnRef>
-          <a:fillRef idx="1">
-            <a:schemeClr val="accent1"/>
-          </a:fillRef>
-          <a:effectRef idx="0">
-            <a:schemeClr val="accent1"/>
-          </a:effectRef>
-          <a:fontRef idx="minor">
-            <a:schemeClr val="lt1"/>
-          </a:fontRef>
-        </p:style>
-        <p:txBody>
-          <a:bodyPr rtlCol="0" anchor="ctr"/>
-          <a:lstStyle/>
-          <a:p>
-            <a:pPr algn="ctr"/>
+              <a:t>performed the best</a:t>
+            </a:r>
+          </a:p>
+          <a:p>
+            <a:pPr marL="0" indent="0">
+              <a:lnSpc>
+                <a:spcPct val="150000"/>
+              </a:lnSpc>
+              <a:buNone/>
+            </a:pPr>
             <a:r>
               <a:rPr lang="en-IN" dirty="0"/>
-              <a:t>Apply ML model</a:t>
-            </a:r>
-          </a:p>
-        </p:txBody>
-      </p:sp>
-      <p:sp>
-        <p:nvSpPr>
-          <p:cNvPr id="7" name="Rectangle 6">
-            <a:extLst>
-              <a:ext uri="{FF2B5EF4-FFF2-40B4-BE49-F238E27FC236}">
-                <a16:creationId xmlns:a16="http://schemas.microsoft.com/office/drawing/2014/main" id="{C57E6208-790F-4F0A-8592-9B73C04F5B3E}"/>
-              </a:ext>
-            </a:extLst>
-          </p:cNvPr>
-          <p:cNvSpPr/>
-          <p:nvPr/>
-        </p:nvSpPr>
-        <p:spPr>
-          <a:xfrm>
-            <a:off x="9852991" y="3269969"/>
-            <a:ext cx="1961322" cy="980661"/>
-          </a:xfrm>
-          <a:prstGeom prst="rect">
-            <a:avLst/>
-          </a:prstGeom>
-          <a:solidFill>
-            <a:schemeClr val="accent6"/>
-          </a:solidFill>
-        </p:spPr>
-        <p:style>
-          <a:lnRef idx="2">
-            <a:schemeClr val="accent1">
-              <a:shade val="50000"/>
-            </a:schemeClr>
-          </a:lnRef>
-          <a:fillRef idx="1">
-            <a:schemeClr val="accent1"/>
-          </a:fillRef>
-          <a:effectRef idx="0">
-            <a:schemeClr val="accent1"/>
-          </a:effectRef>
-          <a:fontRef idx="minor">
-            <a:schemeClr val="lt1"/>
-          </a:fontRef>
-        </p:style>
-        <p:txBody>
-          <a:bodyPr rtlCol="0" anchor="ctr"/>
-          <a:lstStyle/>
-          <a:p>
-            <a:pPr algn="ctr"/>
-            <a:r>
-              <a:rPr lang="en-IN" dirty="0"/>
-              <a:t>Test the model</a:t>
-            </a:r>
-          </a:p>
-        </p:txBody>
-      </p:sp>
-      <p:cxnSp>
-        <p:nvCxnSpPr>
-          <p:cNvPr id="8" name="Straight Arrow Connector 7">
-            <a:extLst>
-              <a:ext uri="{FF2B5EF4-FFF2-40B4-BE49-F238E27FC236}">
-                <a16:creationId xmlns:a16="http://schemas.microsoft.com/office/drawing/2014/main" id="{2CEE1C0B-C5B1-4F5A-8C25-5253F7362F07}"/>
-              </a:ext>
-            </a:extLst>
-          </p:cNvPr>
-          <p:cNvCxnSpPr>
-            <a:endCxn id="4" idx="1"/>
-          </p:cNvCxnSpPr>
-          <p:nvPr/>
-        </p:nvCxnSpPr>
-        <p:spPr>
-          <a:xfrm flipV="1">
-            <a:off x="2378765" y="3760302"/>
-            <a:ext cx="397565" cy="1"/>
-          </a:xfrm>
-          <a:prstGeom prst="straightConnector1">
-            <a:avLst/>
-          </a:prstGeom>
-          <a:ln w="28575">
-            <a:tailEnd type="triangle"/>
-          </a:ln>
-        </p:spPr>
-        <p:style>
-          <a:lnRef idx="1">
-            <a:schemeClr val="dk1"/>
-          </a:lnRef>
-          <a:fillRef idx="0">
-            <a:schemeClr val="dk1"/>
-          </a:fillRef>
-          <a:effectRef idx="0">
-            <a:schemeClr val="dk1"/>
-          </a:effectRef>
-          <a:fontRef idx="minor">
-            <a:schemeClr val="tx1"/>
-          </a:fontRef>
-        </p:style>
-      </p:cxnSp>
-      <p:cxnSp>
-        <p:nvCxnSpPr>
-          <p:cNvPr id="9" name="Straight Arrow Connector 8">
-            <a:extLst>
-              <a:ext uri="{FF2B5EF4-FFF2-40B4-BE49-F238E27FC236}">
-                <a16:creationId xmlns:a16="http://schemas.microsoft.com/office/drawing/2014/main" id="{655B750D-2271-4487-ADC7-95E23DC078CE}"/>
-              </a:ext>
-            </a:extLst>
-          </p:cNvPr>
-          <p:cNvCxnSpPr/>
-          <p:nvPr/>
-        </p:nvCxnSpPr>
-        <p:spPr>
-          <a:xfrm flipV="1">
-            <a:off x="4737652" y="3760299"/>
-            <a:ext cx="397565" cy="1"/>
-          </a:xfrm>
-          <a:prstGeom prst="straightConnector1">
-            <a:avLst/>
-          </a:prstGeom>
-          <a:ln w="28575">
-            <a:tailEnd type="triangle"/>
-          </a:ln>
-        </p:spPr>
-        <p:style>
-          <a:lnRef idx="1">
-            <a:schemeClr val="dk1"/>
-          </a:lnRef>
-          <a:fillRef idx="0">
-            <a:schemeClr val="dk1"/>
-          </a:fillRef>
-          <a:effectRef idx="0">
-            <a:schemeClr val="dk1"/>
-          </a:effectRef>
-          <a:fontRef idx="minor">
-            <a:schemeClr val="tx1"/>
-          </a:fontRef>
-        </p:style>
-      </p:cxnSp>
-      <p:cxnSp>
-        <p:nvCxnSpPr>
-          <p:cNvPr id="10" name="Straight Arrow Connector 9">
-            <a:extLst>
-              <a:ext uri="{FF2B5EF4-FFF2-40B4-BE49-F238E27FC236}">
-                <a16:creationId xmlns:a16="http://schemas.microsoft.com/office/drawing/2014/main" id="{5FC56C83-5CA2-49FA-9045-3F38EC6554D6}"/>
-              </a:ext>
-            </a:extLst>
-          </p:cNvPr>
-          <p:cNvCxnSpPr/>
-          <p:nvPr/>
-        </p:nvCxnSpPr>
-        <p:spPr>
-          <a:xfrm flipV="1">
-            <a:off x="7096539" y="3760299"/>
-            <a:ext cx="397565" cy="1"/>
-          </a:xfrm>
-          <a:prstGeom prst="straightConnector1">
-            <a:avLst/>
-          </a:prstGeom>
-          <a:ln w="28575">
-            <a:tailEnd type="triangle"/>
-          </a:ln>
-        </p:spPr>
-        <p:style>
-          <a:lnRef idx="1">
-            <a:schemeClr val="dk1"/>
-          </a:lnRef>
-          <a:fillRef idx="0">
-            <a:schemeClr val="dk1"/>
-          </a:fillRef>
-          <a:effectRef idx="0">
-            <a:schemeClr val="dk1"/>
-          </a:effectRef>
-          <a:fontRef idx="minor">
-            <a:schemeClr val="tx1"/>
-          </a:fontRef>
-        </p:style>
-      </p:cxnSp>
-      <p:sp>
-        <p:nvSpPr>
-          <p:cNvPr id="11" name="Rectangle 10">
-            <a:extLst>
-              <a:ext uri="{FF2B5EF4-FFF2-40B4-BE49-F238E27FC236}">
-                <a16:creationId xmlns:a16="http://schemas.microsoft.com/office/drawing/2014/main" id="{C87058A1-5CAD-427C-A7DA-200DF313EECB}"/>
-              </a:ext>
-            </a:extLst>
-          </p:cNvPr>
-          <p:cNvSpPr/>
-          <p:nvPr/>
-        </p:nvSpPr>
-        <p:spPr>
-          <a:xfrm>
-            <a:off x="417443" y="3269972"/>
-            <a:ext cx="1961322" cy="980661"/>
-          </a:xfrm>
-          <a:prstGeom prst="rect">
-            <a:avLst/>
-          </a:prstGeom>
-          <a:solidFill>
-            <a:schemeClr val="accent6"/>
-          </a:solidFill>
-        </p:spPr>
-        <p:style>
-          <a:lnRef idx="2">
-            <a:schemeClr val="accent1">
-              <a:shade val="50000"/>
-            </a:schemeClr>
-          </a:lnRef>
-          <a:fillRef idx="1">
-            <a:schemeClr val="accent1"/>
-          </a:fillRef>
-          <a:effectRef idx="0">
-            <a:schemeClr val="accent1"/>
-          </a:effectRef>
-          <a:fontRef idx="minor">
-            <a:schemeClr val="lt1"/>
-          </a:fontRef>
-        </p:style>
-        <p:txBody>
-          <a:bodyPr rtlCol="0" anchor="ctr"/>
-          <a:lstStyle/>
-          <a:p>
-            <a:pPr algn="ctr"/>
-            <a:r>
-              <a:rPr lang="en-IN" dirty="0"/>
-              <a:t>Define ML problem</a:t>
-            </a:r>
-          </a:p>
-        </p:txBody>
-      </p:sp>
-      <p:cxnSp>
-        <p:nvCxnSpPr>
-          <p:cNvPr id="12" name="Straight Arrow Connector 11">
-            <a:extLst>
-              <a:ext uri="{FF2B5EF4-FFF2-40B4-BE49-F238E27FC236}">
-                <a16:creationId xmlns:a16="http://schemas.microsoft.com/office/drawing/2014/main" id="{6EE61610-E117-461B-8B51-0297DB83ED27}"/>
-              </a:ext>
-            </a:extLst>
-          </p:cNvPr>
-          <p:cNvCxnSpPr/>
-          <p:nvPr/>
-        </p:nvCxnSpPr>
-        <p:spPr>
-          <a:xfrm flipV="1">
-            <a:off x="9455426" y="3760299"/>
-            <a:ext cx="397565" cy="1"/>
-          </a:xfrm>
-          <a:prstGeom prst="straightConnector1">
-            <a:avLst/>
-          </a:prstGeom>
-          <a:ln w="28575">
-            <a:tailEnd type="triangle"/>
-          </a:ln>
-        </p:spPr>
-        <p:style>
-          <a:lnRef idx="1">
-            <a:schemeClr val="dk1"/>
-          </a:lnRef>
-          <a:fillRef idx="0">
-            <a:schemeClr val="dk1"/>
-          </a:fillRef>
-          <a:effectRef idx="0">
-            <a:schemeClr val="dk1"/>
-          </a:effectRef>
-          <a:fontRef idx="minor">
-            <a:schemeClr val="tx1"/>
-          </a:fontRef>
-        </p:style>
-      </p:cxnSp>
+              <a:t> </a:t>
+            </a:r>
+          </a:p>
+        </p:txBody>
+      </p:sp>
     </p:spTree>
     <p:extLst>
       <p:ext uri="{BB962C8B-B14F-4D97-AF65-F5344CB8AC3E}">
-        <p14:creationId xmlns:p14="http://schemas.microsoft.com/office/powerpoint/2010/main" val="978087348"/>
+        <p14:creationId xmlns:p14="http://schemas.microsoft.com/office/powerpoint/2010/main" val="1070085822"/>
       </p:ext>
     </p:extLst>
   </p:cSld>
